--- a/lodash/List.pptx
+++ b/lodash/List.pptx
@@ -8,6 +8,12 @@
     <p:sldId id="256" r:id="rId2"/>
     <p:sldId id="257" r:id="rId3"/>
     <p:sldId id="258" r:id="rId4"/>
+    <p:sldId id="259" r:id="rId5"/>
+    <p:sldId id="260" r:id="rId6"/>
+    <p:sldId id="261" r:id="rId7"/>
+    <p:sldId id="262" r:id="rId8"/>
+    <p:sldId id="263" r:id="rId9"/>
+    <p:sldId id="264" r:id="rId10"/>
   </p:sldIdLst>
   <p:sldSz cx="12192000" cy="6858000"/>
   <p:notesSz cx="6858000" cy="9144000"/>
@@ -106,6 +112,11 @@
       </a:defRPr>
     </a:lvl9pPr>
   </p:defaultTextStyle>
+  <p:extLst>
+    <p:ext uri="{EFAFB233-063F-42B5-8137-9DF3F51BA10A}">
+      <p15:sldGuideLst xmlns:p15="http://schemas.microsoft.com/office/powerpoint/2012/main"/>
+    </p:ext>
+  </p:extLst>
 </p:presentation>
 </file>
 
@@ -154,7 +165,6 @@
               <a:rPr lang="sv-SE"/>
               <a:t>Klicka här för att ändra format</a:t>
             </a:r>
-            <a:endParaRPr lang="sv-SE"/>
           </a:p>
         </p:txBody>
       </p:sp>
@@ -219,7 +229,6 @@
               <a:rPr lang="sv-SE"/>
               <a:t>Klicka om du vill redigera mall för underrubrikformat</a:t>
             </a:r>
-            <a:endParaRPr lang="sv-SE"/>
           </a:p>
         </p:txBody>
       </p:sp>
@@ -337,7 +346,6 @@
               <a:rPr lang="sv-SE"/>
               <a:t>Klicka här för att ändra format</a:t>
             </a:r>
-            <a:endParaRPr lang="sv-SE"/>
           </a:p>
         </p:txBody>
       </p:sp>
@@ -389,7 +397,6 @@
               <a:rPr lang="sv-SE"/>
               <a:t>Nivå fem</a:t>
             </a:r>
-            <a:endParaRPr lang="sv-SE"/>
           </a:p>
         </p:txBody>
       </p:sp>
@@ -512,7 +519,6 @@
               <a:rPr lang="sv-SE"/>
               <a:t>Klicka här för att ändra format</a:t>
             </a:r>
-            <a:endParaRPr lang="sv-SE"/>
           </a:p>
         </p:txBody>
       </p:sp>
@@ -569,7 +575,6 @@
               <a:rPr lang="sv-SE"/>
               <a:t>Nivå fem</a:t>
             </a:r>
-            <a:endParaRPr lang="sv-SE"/>
           </a:p>
         </p:txBody>
       </p:sp>
@@ -687,7 +692,6 @@
               <a:rPr lang="sv-SE"/>
               <a:t>Klicka här för att ändra format</a:t>
             </a:r>
-            <a:endParaRPr lang="sv-SE"/>
           </a:p>
         </p:txBody>
       </p:sp>
@@ -739,7 +743,6 @@
               <a:rPr lang="sv-SE"/>
               <a:t>Nivå fem</a:t>
             </a:r>
-            <a:endParaRPr lang="sv-SE"/>
           </a:p>
         </p:txBody>
       </p:sp>
@@ -866,7 +869,6 @@
               <a:rPr lang="sv-SE"/>
               <a:t>Klicka här för att ändra format</a:t>
             </a:r>
-            <a:endParaRPr lang="sv-SE"/>
           </a:p>
         </p:txBody>
       </p:sp>
@@ -1103,7 +1105,6 @@
               <a:rPr lang="sv-SE"/>
               <a:t>Klicka här för att ändra format</a:t>
             </a:r>
-            <a:endParaRPr lang="sv-SE"/>
           </a:p>
         </p:txBody>
       </p:sp>
@@ -1160,7 +1161,6 @@
               <a:rPr lang="sv-SE"/>
               <a:t>Nivå fem</a:t>
             </a:r>
-            <a:endParaRPr lang="sv-SE"/>
           </a:p>
         </p:txBody>
       </p:sp>
@@ -1217,7 +1217,6 @@
               <a:rPr lang="sv-SE"/>
               <a:t>Nivå fem</a:t>
             </a:r>
-            <a:endParaRPr lang="sv-SE"/>
           </a:p>
         </p:txBody>
       </p:sp>
@@ -1340,7 +1339,6 @@
               <a:rPr lang="sv-SE"/>
               <a:t>Klicka här för att ändra format</a:t>
             </a:r>
-            <a:endParaRPr lang="sv-SE"/>
           </a:p>
         </p:txBody>
       </p:sp>
@@ -1462,7 +1460,6 @@
               <a:rPr lang="sv-SE"/>
               <a:t>Nivå fem</a:t>
             </a:r>
-            <a:endParaRPr lang="sv-SE"/>
           </a:p>
         </p:txBody>
       </p:sp>
@@ -1584,7 +1581,6 @@
               <a:rPr lang="sv-SE"/>
               <a:t>Nivå fem</a:t>
             </a:r>
-            <a:endParaRPr lang="sv-SE"/>
           </a:p>
         </p:txBody>
       </p:sp>
@@ -1702,7 +1698,6 @@
               <a:rPr lang="sv-SE"/>
               <a:t>Klicka här för att ändra format</a:t>
             </a:r>
-            <a:endParaRPr lang="sv-SE"/>
           </a:p>
         </p:txBody>
       </p:sp>
@@ -1924,7 +1919,6 @@
               <a:rPr lang="sv-SE"/>
               <a:t>Klicka här för att ändra format</a:t>
             </a:r>
-            <a:endParaRPr lang="sv-SE"/>
           </a:p>
         </p:txBody>
       </p:sp>
@@ -2009,7 +2003,6 @@
               <a:rPr lang="sv-SE"/>
               <a:t>Nivå fem</a:t>
             </a:r>
-            <a:endParaRPr lang="sv-SE"/>
           </a:p>
         </p:txBody>
       </p:sp>
@@ -2201,7 +2194,6 @@
               <a:rPr lang="sv-SE"/>
               <a:t>Klicka här för att ändra format</a:t>
             </a:r>
-            <a:endParaRPr lang="sv-SE"/>
           </a:p>
         </p:txBody>
       </p:sp>
@@ -2460,7 +2452,6 @@
               <a:rPr lang="sv-SE"/>
               <a:t>Klicka här för att ändra format</a:t>
             </a:r>
-            <a:endParaRPr lang="sv-SE"/>
           </a:p>
         </p:txBody>
       </p:sp>
@@ -2522,7 +2513,6 @@
               <a:rPr lang="sv-SE"/>
               <a:t>Nivå fem</a:t>
             </a:r>
-            <a:endParaRPr lang="sv-SE"/>
           </a:p>
         </p:txBody>
       </p:sp>
@@ -3902,10 +3892,6 @@
           <a:bodyPr/>
           <a:lstStyle/>
           <a:p>
-            <a:r>
-              <a:rPr lang="sv-SE" dirty="0" err="1"/>
-              <a:t>true</a:t>
-            </a:r>
             <a:endParaRPr lang="sv-SE" dirty="0"/>
           </a:p>
         </p:txBody>
@@ -5355,6 +5341,3903 @@
     <p:extLst>
       <p:ext uri="{BB962C8B-B14F-4D97-AF65-F5344CB8AC3E}">
         <p14:creationId xmlns:p14="http://schemas.microsoft.com/office/powerpoint/2010/main" val="1834617318"/>
+      </p:ext>
+    </p:extLst>
+  </p:cSld>
+  <p:clrMapOvr>
+    <a:masterClrMapping/>
+  </p:clrMapOvr>
+</p:sld>
+</file>
+
+<file path=ppt/slides/slide4.xml><?xml version="1.0" encoding="utf-8"?>
+<p:sld xmlns:a="http://schemas.openxmlformats.org/drawingml/2006/main" xmlns:r="http://schemas.openxmlformats.org/officeDocument/2006/relationships" xmlns:p="http://schemas.openxmlformats.org/presentationml/2006/main">
+  <p:cSld>
+    <p:spTree>
+      <p:nvGrpSpPr>
+        <p:cNvPr id="1" name=""/>
+        <p:cNvGrpSpPr/>
+        <p:nvPr/>
+      </p:nvGrpSpPr>
+      <p:grpSpPr>
+        <a:xfrm>
+          <a:off x="0" y="0"/>
+          <a:ext cx="0" cy="0"/>
+          <a:chOff x="0" y="0"/>
+          <a:chExt cx="0" cy="0"/>
+        </a:xfrm>
+      </p:grpSpPr>
+      <p:sp>
+        <p:nvSpPr>
+          <p:cNvPr id="2" name="Rubrik 1"/>
+          <p:cNvSpPr>
+            <a:spLocks noGrp="1"/>
+          </p:cNvSpPr>
+          <p:nvPr>
+            <p:ph type="title"/>
+          </p:nvPr>
+        </p:nvSpPr>
+        <p:spPr/>
+        <p:txBody>
+          <a:bodyPr/>
+          <a:lstStyle/>
+          <a:p>
+            <a:r>
+              <a:rPr lang="sv-SE" dirty="0" err="1"/>
+              <a:t>Reduce</a:t>
+            </a:r>
+            <a:endParaRPr lang="sv-SE" dirty="0"/>
+          </a:p>
+        </p:txBody>
+      </p:sp>
+      <p:sp>
+        <p:nvSpPr>
+          <p:cNvPr id="4" name="Rektangel 3"/>
+          <p:cNvSpPr/>
+          <p:nvPr/>
+        </p:nvSpPr>
+        <p:spPr>
+          <a:xfrm>
+            <a:off x="1585518" y="2462160"/>
+            <a:ext cx="1719743" cy="1023457"/>
+          </a:xfrm>
+          <a:prstGeom prst="rect">
+            <a:avLst/>
+          </a:prstGeom>
+        </p:spPr>
+        <p:style>
+          <a:lnRef idx="2">
+            <a:schemeClr val="accent1">
+              <a:shade val="50000"/>
+            </a:schemeClr>
+          </a:lnRef>
+          <a:fillRef idx="1">
+            <a:schemeClr val="accent1"/>
+          </a:fillRef>
+          <a:effectRef idx="0">
+            <a:schemeClr val="accent1"/>
+          </a:effectRef>
+          <a:fontRef idx="minor">
+            <a:schemeClr val="lt1"/>
+          </a:fontRef>
+        </p:style>
+        <p:txBody>
+          <a:bodyPr rtlCol="0" anchor="ctr"/>
+          <a:lstStyle/>
+          <a:p>
+            <a:pPr algn="ctr"/>
+            <a:endParaRPr lang="sv-SE" dirty="0"/>
+          </a:p>
+        </p:txBody>
+      </p:sp>
+      <p:sp>
+        <p:nvSpPr>
+          <p:cNvPr id="17" name="Rektangel 16"/>
+          <p:cNvSpPr/>
+          <p:nvPr/>
+        </p:nvSpPr>
+        <p:spPr>
+          <a:xfrm>
+            <a:off x="1587333" y="4257089"/>
+            <a:ext cx="1719743" cy="1023457"/>
+          </a:xfrm>
+          <a:prstGeom prst="rect">
+            <a:avLst/>
+          </a:prstGeom>
+        </p:spPr>
+        <p:style>
+          <a:lnRef idx="2">
+            <a:schemeClr val="accent1">
+              <a:shade val="50000"/>
+            </a:schemeClr>
+          </a:lnRef>
+          <a:fillRef idx="1">
+            <a:schemeClr val="accent1"/>
+          </a:fillRef>
+          <a:effectRef idx="0">
+            <a:schemeClr val="accent1"/>
+          </a:effectRef>
+          <a:fontRef idx="minor">
+            <a:schemeClr val="lt1"/>
+          </a:fontRef>
+        </p:style>
+        <p:txBody>
+          <a:bodyPr rtlCol="0" anchor="ctr"/>
+          <a:lstStyle/>
+          <a:p>
+            <a:pPr algn="ctr"/>
+            <a:endParaRPr lang="sv-SE" dirty="0"/>
+          </a:p>
+        </p:txBody>
+      </p:sp>
+      <p:pic>
+        <p:nvPicPr>
+          <p:cNvPr id="19" name="Platshållare för innehåll 18" descr="&lt;strong&gt;Apple&lt;/strong&gt;"/>
+          <p:cNvPicPr>
+            <a:picLocks noGrp="1" noChangeAspect="1"/>
+          </p:cNvPicPr>
+          <p:nvPr>
+            <p:ph idx="1"/>
+          </p:nvPr>
+        </p:nvPicPr>
+        <p:blipFill>
+          <a:blip r:embed="rId2">
+            <a:extLst>
+              <a:ext uri="{28A0092B-C50C-407E-A947-70E740481C1C}">
+                <a14:useLocalDpi xmlns:a14="http://schemas.microsoft.com/office/drawing/2010/main" val="0"/>
+              </a:ext>
+            </a:extLst>
+          </a:blip>
+          <a:stretch>
+            <a:fillRect/>
+          </a:stretch>
+        </p:blipFill>
+        <p:spPr>
+          <a:xfrm>
+            <a:off x="1676360" y="2882450"/>
+            <a:ext cx="310222" cy="270296"/>
+          </a:xfrm>
+        </p:spPr>
+      </p:pic>
+      <p:pic>
+        <p:nvPicPr>
+          <p:cNvPr id="44" name="Platshållare för innehåll 18" descr="&lt;strong&gt;Apple&lt;/strong&gt;"/>
+          <p:cNvPicPr>
+            <a:picLocks noChangeAspect="1"/>
+          </p:cNvPicPr>
+          <p:nvPr/>
+        </p:nvPicPr>
+        <p:blipFill>
+          <a:blip r:embed="rId2">
+            <a:extLst>
+              <a:ext uri="{28A0092B-C50C-407E-A947-70E740481C1C}">
+                <a14:useLocalDpi xmlns:a14="http://schemas.microsoft.com/office/drawing/2010/main" val="0"/>
+              </a:ext>
+            </a:extLst>
+          </a:blip>
+          <a:stretch>
+            <a:fillRect/>
+          </a:stretch>
+        </p:blipFill>
+        <p:spPr>
+          <a:xfrm>
+            <a:off x="2109693" y="2882450"/>
+            <a:ext cx="310222" cy="270296"/>
+          </a:xfrm>
+          <a:prstGeom prst="rect">
+            <a:avLst/>
+          </a:prstGeom>
+        </p:spPr>
+      </p:pic>
+      <p:pic>
+        <p:nvPicPr>
+          <p:cNvPr id="45" name="Platshållare för innehåll 18" descr="&lt;strong&gt;Apple&lt;/strong&gt;"/>
+          <p:cNvPicPr>
+            <a:picLocks noChangeAspect="1"/>
+          </p:cNvPicPr>
+          <p:nvPr/>
+        </p:nvPicPr>
+        <p:blipFill>
+          <a:blip r:embed="rId2">
+            <a:extLst>
+              <a:ext uri="{28A0092B-C50C-407E-A947-70E740481C1C}">
+                <a14:useLocalDpi xmlns:a14="http://schemas.microsoft.com/office/drawing/2010/main" val="0"/>
+              </a:ext>
+            </a:extLst>
+          </a:blip>
+          <a:stretch>
+            <a:fillRect/>
+          </a:stretch>
+        </p:blipFill>
+        <p:spPr>
+          <a:xfrm>
+            <a:off x="2539570" y="2894075"/>
+            <a:ext cx="310222" cy="270296"/>
+          </a:xfrm>
+          <a:prstGeom prst="rect">
+            <a:avLst/>
+          </a:prstGeom>
+        </p:spPr>
+      </p:pic>
+      <p:pic>
+        <p:nvPicPr>
+          <p:cNvPr id="50" name="Platshållare för innehåll 18" descr="&lt;strong&gt;Apple&lt;/strong&gt;"/>
+          <p:cNvPicPr>
+            <a:picLocks noChangeAspect="1"/>
+          </p:cNvPicPr>
+          <p:nvPr/>
+        </p:nvPicPr>
+        <p:blipFill>
+          <a:blip r:embed="rId2">
+            <a:extLst>
+              <a:ext uri="{28A0092B-C50C-407E-A947-70E740481C1C}">
+                <a14:useLocalDpi xmlns:a14="http://schemas.microsoft.com/office/drawing/2010/main" val="0"/>
+              </a:ext>
+            </a:extLst>
+          </a:blip>
+          <a:stretch>
+            <a:fillRect/>
+          </a:stretch>
+        </p:blipFill>
+        <p:spPr>
+          <a:xfrm>
+            <a:off x="2930536" y="2894075"/>
+            <a:ext cx="310222" cy="270296"/>
+          </a:xfrm>
+          <a:prstGeom prst="rect">
+            <a:avLst/>
+          </a:prstGeom>
+        </p:spPr>
+      </p:pic>
+      <p:sp>
+        <p:nvSpPr>
+          <p:cNvPr id="51" name="Pil: höger 50"/>
+          <p:cNvSpPr/>
+          <p:nvPr/>
+        </p:nvSpPr>
+        <p:spPr>
+          <a:xfrm>
+            <a:off x="5700474" y="2833267"/>
+            <a:ext cx="243280" cy="209725"/>
+          </a:xfrm>
+          <a:prstGeom prst="rightArrow">
+            <a:avLst/>
+          </a:prstGeom>
+        </p:spPr>
+        <p:style>
+          <a:lnRef idx="2">
+            <a:schemeClr val="accent1">
+              <a:shade val="50000"/>
+            </a:schemeClr>
+          </a:lnRef>
+          <a:fillRef idx="1">
+            <a:schemeClr val="accent1"/>
+          </a:fillRef>
+          <a:effectRef idx="0">
+            <a:schemeClr val="accent1"/>
+          </a:effectRef>
+          <a:fontRef idx="minor">
+            <a:schemeClr val="lt1"/>
+          </a:fontRef>
+        </p:style>
+        <p:txBody>
+          <a:bodyPr rtlCol="0" anchor="ctr"/>
+          <a:lstStyle/>
+          <a:p>
+            <a:pPr algn="ctr"/>
+            <a:endParaRPr lang="sv-SE"/>
+          </a:p>
+        </p:txBody>
+      </p:sp>
+      <p:pic>
+        <p:nvPicPr>
+          <p:cNvPr id="52" name="Platshållare för innehåll 18" descr="&lt;strong&gt;Apple&lt;/strong&gt;"/>
+          <p:cNvPicPr>
+            <a:picLocks noChangeAspect="1"/>
+          </p:cNvPicPr>
+          <p:nvPr/>
+        </p:nvPicPr>
+        <p:blipFill>
+          <a:blip r:embed="rId2">
+            <a:extLst>
+              <a:ext uri="{28A0092B-C50C-407E-A947-70E740481C1C}">
+                <a14:useLocalDpi xmlns:a14="http://schemas.microsoft.com/office/drawing/2010/main" val="0"/>
+              </a:ext>
+            </a:extLst>
+          </a:blip>
+          <a:stretch>
+            <a:fillRect/>
+          </a:stretch>
+        </p:blipFill>
+        <p:spPr>
+          <a:xfrm>
+            <a:off x="5223156" y="2802982"/>
+            <a:ext cx="310222" cy="270296"/>
+          </a:xfrm>
+          <a:prstGeom prst="rect">
+            <a:avLst/>
+          </a:prstGeom>
+        </p:spPr>
+      </p:pic>
+      <p:pic>
+        <p:nvPicPr>
+          <p:cNvPr id="24" name="Bildobjekt 23" descr="&lt;strong&gt;tree&lt;/strong&gt;-17 by jpenrici"/>
+          <p:cNvPicPr>
+            <a:picLocks noChangeAspect="1"/>
+          </p:cNvPicPr>
+          <p:nvPr/>
+        </p:nvPicPr>
+        <p:blipFill>
+          <a:blip r:embed="rId3">
+            <a:extLst>
+              <a:ext uri="{28A0092B-C50C-407E-A947-70E740481C1C}">
+                <a14:useLocalDpi xmlns:a14="http://schemas.microsoft.com/office/drawing/2010/main" val="0"/>
+              </a:ext>
+            </a:extLst>
+          </a:blip>
+          <a:stretch>
+            <a:fillRect/>
+          </a:stretch>
+        </p:blipFill>
+        <p:spPr>
+          <a:xfrm>
+            <a:off x="4710375" y="2735138"/>
+            <a:ext cx="429233" cy="429233"/>
+          </a:xfrm>
+          <a:prstGeom prst="rect">
+            <a:avLst/>
+          </a:prstGeom>
+        </p:spPr>
+      </p:pic>
+      <p:pic>
+        <p:nvPicPr>
+          <p:cNvPr id="53" name="Bildobjekt 52" descr="&lt;strong&gt;tree&lt;/strong&gt;-17 by jpenrici"/>
+          <p:cNvPicPr>
+            <a:picLocks noChangeAspect="1"/>
+          </p:cNvPicPr>
+          <p:nvPr/>
+        </p:nvPicPr>
+        <p:blipFill>
+          <a:blip r:embed="rId3">
+            <a:extLst>
+              <a:ext uri="{28A0092B-C50C-407E-A947-70E740481C1C}">
+                <a14:useLocalDpi xmlns:a14="http://schemas.microsoft.com/office/drawing/2010/main" val="0"/>
+              </a:ext>
+            </a:extLst>
+          </a:blip>
+          <a:stretch>
+            <a:fillRect/>
+          </a:stretch>
+        </p:blipFill>
+        <p:spPr>
+          <a:xfrm>
+            <a:off x="6110850" y="2741174"/>
+            <a:ext cx="429233" cy="429233"/>
+          </a:xfrm>
+          <a:prstGeom prst="rect">
+            <a:avLst/>
+          </a:prstGeom>
+        </p:spPr>
+      </p:pic>
+      <p:pic>
+        <p:nvPicPr>
+          <p:cNvPr id="54" name="Platshållare för innehåll 18" descr="&lt;strong&gt;Apple&lt;/strong&gt;"/>
+          <p:cNvPicPr>
+            <a:picLocks noChangeAspect="1"/>
+          </p:cNvPicPr>
+          <p:nvPr/>
+        </p:nvPicPr>
+        <p:blipFill>
+          <a:blip r:embed="rId2">
+            <a:extLst>
+              <a:ext uri="{28A0092B-C50C-407E-A947-70E740481C1C}">
+                <a14:useLocalDpi xmlns:a14="http://schemas.microsoft.com/office/drawing/2010/main" val="0"/>
+              </a:ext>
+            </a:extLst>
+          </a:blip>
+          <a:stretch>
+            <a:fillRect/>
+          </a:stretch>
+        </p:blipFill>
+        <p:spPr>
+          <a:xfrm>
+            <a:off x="6220118" y="2829913"/>
+            <a:ext cx="105348" cy="91790"/>
+          </a:xfrm>
+          <a:prstGeom prst="rect">
+            <a:avLst/>
+          </a:prstGeom>
+        </p:spPr>
+      </p:pic>
+      <p:pic>
+        <p:nvPicPr>
+          <p:cNvPr id="56" name="Bildobjekt 55" descr="&lt;strong&gt;tree&lt;/strong&gt;-17 by jpenrici"/>
+          <p:cNvPicPr>
+            <a:picLocks noChangeAspect="1"/>
+          </p:cNvPicPr>
+          <p:nvPr/>
+        </p:nvPicPr>
+        <p:blipFill>
+          <a:blip r:embed="rId3">
+            <a:extLst>
+              <a:ext uri="{28A0092B-C50C-407E-A947-70E740481C1C}">
+                <a14:useLocalDpi xmlns:a14="http://schemas.microsoft.com/office/drawing/2010/main" val="0"/>
+              </a:ext>
+            </a:extLst>
+          </a:blip>
+          <a:stretch>
+            <a:fillRect/>
+          </a:stretch>
+        </p:blipFill>
+        <p:spPr>
+          <a:xfrm>
+            <a:off x="7455263" y="2462160"/>
+            <a:ext cx="1094933" cy="1023457"/>
+          </a:xfrm>
+          <a:prstGeom prst="rect">
+            <a:avLst/>
+          </a:prstGeom>
+        </p:spPr>
+      </p:pic>
+      <p:pic>
+        <p:nvPicPr>
+          <p:cNvPr id="57" name="Platshållare för innehåll 18" descr="&lt;strong&gt;Apple&lt;/strong&gt;"/>
+          <p:cNvPicPr>
+            <a:picLocks noChangeAspect="1"/>
+          </p:cNvPicPr>
+          <p:nvPr/>
+        </p:nvPicPr>
+        <p:blipFill>
+          <a:blip r:embed="rId2">
+            <a:extLst>
+              <a:ext uri="{28A0092B-C50C-407E-A947-70E740481C1C}">
+                <a14:useLocalDpi xmlns:a14="http://schemas.microsoft.com/office/drawing/2010/main" val="0"/>
+              </a:ext>
+            </a:extLst>
+          </a:blip>
+          <a:stretch>
+            <a:fillRect/>
+          </a:stretch>
+        </p:blipFill>
+        <p:spPr>
+          <a:xfrm>
+            <a:off x="8046190" y="2701032"/>
+            <a:ext cx="208216" cy="181418"/>
+          </a:xfrm>
+          <a:prstGeom prst="rect">
+            <a:avLst/>
+          </a:prstGeom>
+        </p:spPr>
+      </p:pic>
+      <p:pic>
+        <p:nvPicPr>
+          <p:cNvPr id="58" name="Platshållare för innehåll 18" descr="&lt;strong&gt;Apple&lt;/strong&gt;"/>
+          <p:cNvPicPr>
+            <a:picLocks noChangeAspect="1"/>
+          </p:cNvPicPr>
+          <p:nvPr/>
+        </p:nvPicPr>
+        <p:blipFill>
+          <a:blip r:embed="rId2">
+            <a:extLst>
+              <a:ext uri="{28A0092B-C50C-407E-A947-70E740481C1C}">
+                <a14:useLocalDpi xmlns:a14="http://schemas.microsoft.com/office/drawing/2010/main" val="0"/>
+              </a:ext>
+            </a:extLst>
+          </a:blip>
+          <a:stretch>
+            <a:fillRect/>
+          </a:stretch>
+        </p:blipFill>
+        <p:spPr>
+          <a:xfrm>
+            <a:off x="7750400" y="2633188"/>
+            <a:ext cx="208216" cy="181418"/>
+          </a:xfrm>
+          <a:prstGeom prst="rect">
+            <a:avLst/>
+          </a:prstGeom>
+        </p:spPr>
+      </p:pic>
+      <p:pic>
+        <p:nvPicPr>
+          <p:cNvPr id="59" name="Platshållare för innehåll 18" descr="&lt;strong&gt;Apple&lt;/strong&gt;"/>
+          <p:cNvPicPr>
+            <a:picLocks noChangeAspect="1"/>
+          </p:cNvPicPr>
+          <p:nvPr/>
+        </p:nvPicPr>
+        <p:blipFill>
+          <a:blip r:embed="rId2">
+            <a:extLst>
+              <a:ext uri="{28A0092B-C50C-407E-A947-70E740481C1C}">
+                <a14:useLocalDpi xmlns:a14="http://schemas.microsoft.com/office/drawing/2010/main" val="0"/>
+              </a:ext>
+            </a:extLst>
+          </a:blip>
+          <a:stretch>
+            <a:fillRect/>
+          </a:stretch>
+        </p:blipFill>
+        <p:spPr>
+          <a:xfrm>
+            <a:off x="7659090" y="2941042"/>
+            <a:ext cx="208216" cy="181418"/>
+          </a:xfrm>
+          <a:prstGeom prst="rect">
+            <a:avLst/>
+          </a:prstGeom>
+        </p:spPr>
+      </p:pic>
+      <p:pic>
+        <p:nvPicPr>
+          <p:cNvPr id="60" name="Platshållare för innehåll 18" descr="&lt;strong&gt;Apple&lt;/strong&gt;"/>
+          <p:cNvPicPr>
+            <a:picLocks noChangeAspect="1"/>
+          </p:cNvPicPr>
+          <p:nvPr/>
+        </p:nvPicPr>
+        <p:blipFill>
+          <a:blip r:embed="rId2">
+            <a:extLst>
+              <a:ext uri="{28A0092B-C50C-407E-A947-70E740481C1C}">
+                <a14:useLocalDpi xmlns:a14="http://schemas.microsoft.com/office/drawing/2010/main" val="0"/>
+              </a:ext>
+            </a:extLst>
+          </a:blip>
+          <a:stretch>
+            <a:fillRect/>
+          </a:stretch>
+        </p:blipFill>
+        <p:spPr>
+          <a:xfrm>
+            <a:off x="8087353" y="2973888"/>
+            <a:ext cx="208216" cy="181418"/>
+          </a:xfrm>
+          <a:prstGeom prst="rect">
+            <a:avLst/>
+          </a:prstGeom>
+        </p:spPr>
+      </p:pic>
+      <p:pic>
+        <p:nvPicPr>
+          <p:cNvPr id="61" name="Bildobjekt 60" descr="&lt;strong&gt;tree&lt;/strong&gt;-17 by jpenrici"/>
+          <p:cNvPicPr>
+            <a:picLocks noChangeAspect="1"/>
+          </p:cNvPicPr>
+          <p:nvPr/>
+        </p:nvPicPr>
+        <p:blipFill>
+          <a:blip r:embed="rId3">
+            <a:extLst>
+              <a:ext uri="{28A0092B-C50C-407E-A947-70E740481C1C}">
+                <a14:useLocalDpi xmlns:a14="http://schemas.microsoft.com/office/drawing/2010/main" val="0"/>
+              </a:ext>
+            </a:extLst>
+          </a:blip>
+          <a:stretch>
+            <a:fillRect/>
+          </a:stretch>
+        </p:blipFill>
+        <p:spPr>
+          <a:xfrm>
+            <a:off x="7455262" y="4257088"/>
+            <a:ext cx="1094933" cy="1023457"/>
+          </a:xfrm>
+          <a:prstGeom prst="rect">
+            <a:avLst/>
+          </a:prstGeom>
+        </p:spPr>
+      </p:pic>
+      <p:sp>
+        <p:nvSpPr>
+          <p:cNvPr id="62" name="Pil: höger 61"/>
+          <p:cNvSpPr/>
+          <p:nvPr/>
+        </p:nvSpPr>
+        <p:spPr>
+          <a:xfrm>
+            <a:off x="5700474" y="4638319"/>
+            <a:ext cx="243280" cy="209725"/>
+          </a:xfrm>
+          <a:prstGeom prst="rightArrow">
+            <a:avLst/>
+          </a:prstGeom>
+        </p:spPr>
+        <p:style>
+          <a:lnRef idx="2">
+            <a:schemeClr val="accent1">
+              <a:shade val="50000"/>
+            </a:schemeClr>
+          </a:lnRef>
+          <a:fillRef idx="1">
+            <a:schemeClr val="accent1"/>
+          </a:fillRef>
+          <a:effectRef idx="0">
+            <a:schemeClr val="accent1"/>
+          </a:effectRef>
+          <a:fontRef idx="minor">
+            <a:schemeClr val="lt1"/>
+          </a:fontRef>
+        </p:style>
+        <p:txBody>
+          <a:bodyPr rtlCol="0" anchor="ctr"/>
+          <a:lstStyle/>
+          <a:p>
+            <a:pPr algn="ctr"/>
+            <a:endParaRPr lang="sv-SE"/>
+          </a:p>
+        </p:txBody>
+      </p:sp>
+      <p:pic>
+        <p:nvPicPr>
+          <p:cNvPr id="63" name="Platshållare för innehåll 18" descr="&lt;strong&gt;Apple&lt;/strong&gt;"/>
+          <p:cNvPicPr>
+            <a:picLocks noChangeAspect="1"/>
+          </p:cNvPicPr>
+          <p:nvPr/>
+        </p:nvPicPr>
+        <p:blipFill>
+          <a:blip r:embed="rId2">
+            <a:extLst>
+              <a:ext uri="{28A0092B-C50C-407E-A947-70E740481C1C}">
+                <a14:useLocalDpi xmlns:a14="http://schemas.microsoft.com/office/drawing/2010/main" val="0"/>
+              </a:ext>
+            </a:extLst>
+          </a:blip>
+          <a:stretch>
+            <a:fillRect/>
+          </a:stretch>
+        </p:blipFill>
+        <p:spPr>
+          <a:xfrm>
+            <a:off x="5223156" y="4608034"/>
+            <a:ext cx="310222" cy="270296"/>
+          </a:xfrm>
+          <a:prstGeom prst="rect">
+            <a:avLst/>
+          </a:prstGeom>
+        </p:spPr>
+      </p:pic>
+      <p:pic>
+        <p:nvPicPr>
+          <p:cNvPr id="64" name="Bildobjekt 63" descr="&lt;strong&gt;tree&lt;/strong&gt;-17 by jpenrici"/>
+          <p:cNvPicPr>
+            <a:picLocks noChangeAspect="1"/>
+          </p:cNvPicPr>
+          <p:nvPr/>
+        </p:nvPicPr>
+        <p:blipFill>
+          <a:blip r:embed="rId3">
+            <a:extLst>
+              <a:ext uri="{28A0092B-C50C-407E-A947-70E740481C1C}">
+                <a14:useLocalDpi xmlns:a14="http://schemas.microsoft.com/office/drawing/2010/main" val="0"/>
+              </a:ext>
+            </a:extLst>
+          </a:blip>
+          <a:stretch>
+            <a:fillRect/>
+          </a:stretch>
+        </p:blipFill>
+        <p:spPr>
+          <a:xfrm>
+            <a:off x="4710375" y="4540190"/>
+            <a:ext cx="429233" cy="429233"/>
+          </a:xfrm>
+          <a:prstGeom prst="rect">
+            <a:avLst/>
+          </a:prstGeom>
+        </p:spPr>
+      </p:pic>
+      <p:pic>
+        <p:nvPicPr>
+          <p:cNvPr id="65" name="Bildobjekt 64" descr="&lt;strong&gt;tree&lt;/strong&gt;-17 by jpenrici"/>
+          <p:cNvPicPr>
+            <a:picLocks noChangeAspect="1"/>
+          </p:cNvPicPr>
+          <p:nvPr/>
+        </p:nvPicPr>
+        <p:blipFill>
+          <a:blip r:embed="rId3">
+            <a:extLst>
+              <a:ext uri="{28A0092B-C50C-407E-A947-70E740481C1C}">
+                <a14:useLocalDpi xmlns:a14="http://schemas.microsoft.com/office/drawing/2010/main" val="0"/>
+              </a:ext>
+            </a:extLst>
+          </a:blip>
+          <a:stretch>
+            <a:fillRect/>
+          </a:stretch>
+        </p:blipFill>
+        <p:spPr>
+          <a:xfrm>
+            <a:off x="6110850" y="4546226"/>
+            <a:ext cx="429233" cy="429233"/>
+          </a:xfrm>
+          <a:prstGeom prst="rect">
+            <a:avLst/>
+          </a:prstGeom>
+        </p:spPr>
+      </p:pic>
+      <p:pic>
+        <p:nvPicPr>
+          <p:cNvPr id="66" name="Platshållare för innehåll 18" descr="&lt;strong&gt;Apple&lt;/strong&gt;"/>
+          <p:cNvPicPr>
+            <a:picLocks noChangeAspect="1"/>
+          </p:cNvPicPr>
+          <p:nvPr/>
+        </p:nvPicPr>
+        <p:blipFill>
+          <a:blip r:embed="rId2">
+            <a:extLst>
+              <a:ext uri="{28A0092B-C50C-407E-A947-70E740481C1C}">
+                <a14:useLocalDpi xmlns:a14="http://schemas.microsoft.com/office/drawing/2010/main" val="0"/>
+              </a:ext>
+            </a:extLst>
+          </a:blip>
+          <a:stretch>
+            <a:fillRect/>
+          </a:stretch>
+        </p:blipFill>
+        <p:spPr>
+          <a:xfrm>
+            <a:off x="6220118" y="4634965"/>
+            <a:ext cx="105348" cy="91790"/>
+          </a:xfrm>
+          <a:prstGeom prst="rect">
+            <a:avLst/>
+          </a:prstGeom>
+        </p:spPr>
+      </p:pic>
+    </p:spTree>
+    <p:extLst>
+      <p:ext uri="{BB962C8B-B14F-4D97-AF65-F5344CB8AC3E}">
+        <p14:creationId xmlns:p14="http://schemas.microsoft.com/office/powerpoint/2010/main" val="1944565243"/>
+      </p:ext>
+    </p:extLst>
+  </p:cSld>
+  <p:clrMapOvr>
+    <a:masterClrMapping/>
+  </p:clrMapOvr>
+</p:sld>
+</file>
+
+<file path=ppt/slides/slide5.xml><?xml version="1.0" encoding="utf-8"?>
+<p:sld xmlns:a="http://schemas.openxmlformats.org/drawingml/2006/main" xmlns:r="http://schemas.openxmlformats.org/officeDocument/2006/relationships" xmlns:p="http://schemas.openxmlformats.org/presentationml/2006/main">
+  <p:cSld>
+    <p:spTree>
+      <p:nvGrpSpPr>
+        <p:cNvPr id="1" name=""/>
+        <p:cNvGrpSpPr/>
+        <p:nvPr/>
+      </p:nvGrpSpPr>
+      <p:grpSpPr>
+        <a:xfrm>
+          <a:off x="0" y="0"/>
+          <a:ext cx="0" cy="0"/>
+          <a:chOff x="0" y="0"/>
+          <a:chExt cx="0" cy="0"/>
+        </a:xfrm>
+      </p:grpSpPr>
+      <p:sp>
+        <p:nvSpPr>
+          <p:cNvPr id="2" name="Rubrik 1"/>
+          <p:cNvSpPr>
+            <a:spLocks noGrp="1"/>
+          </p:cNvSpPr>
+          <p:nvPr>
+            <p:ph type="title"/>
+          </p:nvPr>
+        </p:nvSpPr>
+        <p:spPr/>
+        <p:txBody>
+          <a:bodyPr/>
+          <a:lstStyle/>
+          <a:p>
+            <a:r>
+              <a:rPr lang="sv-SE" dirty="0" err="1"/>
+              <a:t>Join</a:t>
+            </a:r>
+            <a:endParaRPr lang="sv-SE" dirty="0"/>
+          </a:p>
+        </p:txBody>
+      </p:sp>
+      <p:sp>
+        <p:nvSpPr>
+          <p:cNvPr id="3" name="Platshållare för innehåll 2"/>
+          <p:cNvSpPr>
+            <a:spLocks noGrp="1"/>
+          </p:cNvSpPr>
+          <p:nvPr>
+            <p:ph idx="1"/>
+          </p:nvPr>
+        </p:nvSpPr>
+        <p:spPr/>
+        <p:txBody>
+          <a:bodyPr/>
+          <a:lstStyle/>
+          <a:p>
+            <a:endParaRPr lang="sv-SE" dirty="0"/>
+          </a:p>
+          <a:p>
+            <a:endParaRPr lang="sv-SE" dirty="0"/>
+          </a:p>
+        </p:txBody>
+      </p:sp>
+      <p:sp>
+        <p:nvSpPr>
+          <p:cNvPr id="4" name="Rektangel 3"/>
+          <p:cNvSpPr/>
+          <p:nvPr/>
+        </p:nvSpPr>
+        <p:spPr>
+          <a:xfrm>
+            <a:off x="1585518" y="2634143"/>
+            <a:ext cx="1719743" cy="1023457"/>
+          </a:xfrm>
+          <a:prstGeom prst="rect">
+            <a:avLst/>
+          </a:prstGeom>
+        </p:spPr>
+        <p:style>
+          <a:lnRef idx="2">
+            <a:schemeClr val="accent1">
+              <a:shade val="50000"/>
+            </a:schemeClr>
+          </a:lnRef>
+          <a:fillRef idx="1">
+            <a:schemeClr val="accent1"/>
+          </a:fillRef>
+          <a:effectRef idx="0">
+            <a:schemeClr val="accent1"/>
+          </a:effectRef>
+          <a:fontRef idx="minor">
+            <a:schemeClr val="lt1"/>
+          </a:fontRef>
+        </p:style>
+        <p:txBody>
+          <a:bodyPr rtlCol="0" anchor="ctr"/>
+          <a:lstStyle/>
+          <a:p>
+            <a:pPr algn="ctr"/>
+            <a:endParaRPr lang="sv-SE" dirty="0"/>
+          </a:p>
+        </p:txBody>
+      </p:sp>
+      <p:sp>
+        <p:nvSpPr>
+          <p:cNvPr id="5" name="Rektangel 4"/>
+          <p:cNvSpPr/>
+          <p:nvPr/>
+        </p:nvSpPr>
+        <p:spPr>
+          <a:xfrm>
+            <a:off x="1711354" y="3041007"/>
+            <a:ext cx="285226" cy="209725"/>
+          </a:xfrm>
+          <a:prstGeom prst="rect">
+            <a:avLst/>
+          </a:prstGeom>
+          <a:solidFill>
+            <a:schemeClr val="accent2"/>
+          </a:solidFill>
+        </p:spPr>
+        <p:style>
+          <a:lnRef idx="2">
+            <a:schemeClr val="accent1">
+              <a:shade val="50000"/>
+            </a:schemeClr>
+          </a:lnRef>
+          <a:fillRef idx="1">
+            <a:schemeClr val="accent1"/>
+          </a:fillRef>
+          <a:effectRef idx="0">
+            <a:schemeClr val="accent1"/>
+          </a:effectRef>
+          <a:fontRef idx="minor">
+            <a:schemeClr val="lt1"/>
+          </a:fontRef>
+        </p:style>
+        <p:txBody>
+          <a:bodyPr rtlCol="0" anchor="ctr"/>
+          <a:lstStyle/>
+          <a:p>
+            <a:pPr algn="ctr"/>
+            <a:r>
+              <a:rPr lang="sv-SE" dirty="0"/>
+              <a:t>1</a:t>
+            </a:r>
+          </a:p>
+        </p:txBody>
+      </p:sp>
+      <p:sp>
+        <p:nvSpPr>
+          <p:cNvPr id="6" name="Rektangel 5"/>
+          <p:cNvSpPr/>
+          <p:nvPr/>
+        </p:nvSpPr>
+        <p:spPr>
+          <a:xfrm>
+            <a:off x="2130803" y="3041007"/>
+            <a:ext cx="285226" cy="209725"/>
+          </a:xfrm>
+          <a:prstGeom prst="rect">
+            <a:avLst/>
+          </a:prstGeom>
+          <a:solidFill>
+            <a:schemeClr val="accent2"/>
+          </a:solidFill>
+        </p:spPr>
+        <p:style>
+          <a:lnRef idx="2">
+            <a:schemeClr val="accent1">
+              <a:shade val="50000"/>
+            </a:schemeClr>
+          </a:lnRef>
+          <a:fillRef idx="1">
+            <a:schemeClr val="accent1"/>
+          </a:fillRef>
+          <a:effectRef idx="0">
+            <a:schemeClr val="accent1"/>
+          </a:effectRef>
+          <a:fontRef idx="minor">
+            <a:schemeClr val="lt1"/>
+          </a:fontRef>
+        </p:style>
+        <p:txBody>
+          <a:bodyPr rtlCol="0" anchor="ctr"/>
+          <a:lstStyle/>
+          <a:p>
+            <a:pPr algn="ctr"/>
+            <a:r>
+              <a:rPr lang="sv-SE" dirty="0"/>
+              <a:t>2</a:t>
+            </a:r>
+          </a:p>
+        </p:txBody>
+      </p:sp>
+      <p:sp>
+        <p:nvSpPr>
+          <p:cNvPr id="7" name="Rektangel 6"/>
+          <p:cNvSpPr/>
+          <p:nvPr/>
+        </p:nvSpPr>
+        <p:spPr>
+          <a:xfrm>
+            <a:off x="2542563" y="3041006"/>
+            <a:ext cx="285226" cy="209725"/>
+          </a:xfrm>
+          <a:prstGeom prst="rect">
+            <a:avLst/>
+          </a:prstGeom>
+          <a:solidFill>
+            <a:schemeClr val="accent2"/>
+          </a:solidFill>
+        </p:spPr>
+        <p:style>
+          <a:lnRef idx="2">
+            <a:schemeClr val="accent1">
+              <a:shade val="50000"/>
+            </a:schemeClr>
+          </a:lnRef>
+          <a:fillRef idx="1">
+            <a:schemeClr val="accent1"/>
+          </a:fillRef>
+          <a:effectRef idx="0">
+            <a:schemeClr val="accent1"/>
+          </a:effectRef>
+          <a:fontRef idx="minor">
+            <a:schemeClr val="lt1"/>
+          </a:fontRef>
+        </p:style>
+        <p:txBody>
+          <a:bodyPr rtlCol="0" anchor="ctr"/>
+          <a:lstStyle/>
+          <a:p>
+            <a:pPr algn="ctr"/>
+            <a:r>
+              <a:rPr lang="sv-SE" dirty="0"/>
+              <a:t>3</a:t>
+            </a:r>
+          </a:p>
+        </p:txBody>
+      </p:sp>
+      <p:sp>
+        <p:nvSpPr>
+          <p:cNvPr id="8" name="Rektangel 7"/>
+          <p:cNvSpPr/>
+          <p:nvPr/>
+        </p:nvSpPr>
+        <p:spPr>
+          <a:xfrm>
+            <a:off x="2923912" y="3041006"/>
+            <a:ext cx="285226" cy="209725"/>
+          </a:xfrm>
+          <a:prstGeom prst="rect">
+            <a:avLst/>
+          </a:prstGeom>
+          <a:solidFill>
+            <a:schemeClr val="accent2"/>
+          </a:solidFill>
+        </p:spPr>
+        <p:style>
+          <a:lnRef idx="2">
+            <a:schemeClr val="accent1">
+              <a:shade val="50000"/>
+            </a:schemeClr>
+          </a:lnRef>
+          <a:fillRef idx="1">
+            <a:schemeClr val="accent1"/>
+          </a:fillRef>
+          <a:effectRef idx="0">
+            <a:schemeClr val="accent1"/>
+          </a:effectRef>
+          <a:fontRef idx="minor">
+            <a:schemeClr val="lt1"/>
+          </a:fontRef>
+        </p:style>
+        <p:txBody>
+          <a:bodyPr rtlCol="0" anchor="ctr"/>
+          <a:lstStyle/>
+          <a:p>
+            <a:pPr algn="ctr"/>
+            <a:r>
+              <a:rPr lang="sv-SE" dirty="0"/>
+              <a:t>4</a:t>
+            </a:r>
+          </a:p>
+        </p:txBody>
+      </p:sp>
+      <p:sp>
+        <p:nvSpPr>
+          <p:cNvPr id="17" name="Rektangel 16"/>
+          <p:cNvSpPr/>
+          <p:nvPr/>
+        </p:nvSpPr>
+        <p:spPr>
+          <a:xfrm>
+            <a:off x="1608064" y="3954389"/>
+            <a:ext cx="1719743" cy="1023457"/>
+          </a:xfrm>
+          <a:prstGeom prst="rect">
+            <a:avLst/>
+          </a:prstGeom>
+        </p:spPr>
+        <p:style>
+          <a:lnRef idx="2">
+            <a:schemeClr val="accent1">
+              <a:shade val="50000"/>
+            </a:schemeClr>
+          </a:lnRef>
+          <a:fillRef idx="1">
+            <a:schemeClr val="accent1"/>
+          </a:fillRef>
+          <a:effectRef idx="0">
+            <a:schemeClr val="accent1"/>
+          </a:effectRef>
+          <a:fontRef idx="minor">
+            <a:schemeClr val="lt1"/>
+          </a:fontRef>
+        </p:style>
+        <p:txBody>
+          <a:bodyPr rtlCol="0" anchor="ctr"/>
+          <a:lstStyle/>
+          <a:p>
+            <a:pPr algn="ctr"/>
+            <a:endParaRPr lang="sv-SE" dirty="0"/>
+          </a:p>
+        </p:txBody>
+      </p:sp>
+      <p:sp>
+        <p:nvSpPr>
+          <p:cNvPr id="22" name="Rektangel 21"/>
+          <p:cNvSpPr/>
+          <p:nvPr/>
+        </p:nvSpPr>
+        <p:spPr>
+          <a:xfrm>
+            <a:off x="6719581" y="2667695"/>
+            <a:ext cx="1929468" cy="956345"/>
+          </a:xfrm>
+          <a:prstGeom prst="rect">
+            <a:avLst/>
+          </a:prstGeom>
+          <a:ln>
+            <a:noFill/>
+          </a:ln>
+        </p:spPr>
+        <p:style>
+          <a:lnRef idx="2">
+            <a:schemeClr val="dk1"/>
+          </a:lnRef>
+          <a:fillRef idx="1">
+            <a:schemeClr val="lt1"/>
+          </a:fillRef>
+          <a:effectRef idx="0">
+            <a:schemeClr val="dk1"/>
+          </a:effectRef>
+          <a:fontRef idx="minor">
+            <a:schemeClr val="dk1"/>
+          </a:fontRef>
+        </p:style>
+        <p:txBody>
+          <a:bodyPr rtlCol="0" anchor="ctr"/>
+          <a:lstStyle/>
+          <a:p>
+            <a:pPr algn="ctr"/>
+            <a:r>
+              <a:rPr lang="sv-SE" dirty="0"/>
+              <a:t>”1;2;3;4”</a:t>
+            </a:r>
+          </a:p>
+        </p:txBody>
+      </p:sp>
+      <p:sp>
+        <p:nvSpPr>
+          <p:cNvPr id="23" name="Rektangel 22"/>
+          <p:cNvSpPr/>
+          <p:nvPr/>
+        </p:nvSpPr>
+        <p:spPr>
+          <a:xfrm>
+            <a:off x="6719581" y="3954389"/>
+            <a:ext cx="1929468" cy="956345"/>
+          </a:xfrm>
+          <a:prstGeom prst="rect">
+            <a:avLst/>
+          </a:prstGeom>
+          <a:ln>
+            <a:noFill/>
+          </a:ln>
+        </p:spPr>
+        <p:style>
+          <a:lnRef idx="2">
+            <a:schemeClr val="dk1"/>
+          </a:lnRef>
+          <a:fillRef idx="1">
+            <a:schemeClr val="lt1"/>
+          </a:fillRef>
+          <a:effectRef idx="0">
+            <a:schemeClr val="dk1"/>
+          </a:effectRef>
+          <a:fontRef idx="minor">
+            <a:schemeClr val="dk1"/>
+          </a:fontRef>
+        </p:style>
+        <p:txBody>
+          <a:bodyPr rtlCol="0" anchor="ctr"/>
+          <a:lstStyle/>
+          <a:p>
+            <a:pPr algn="ctr"/>
+            <a:r>
+              <a:rPr lang="sv-SE" dirty="0"/>
+              <a:t>””</a:t>
+            </a:r>
+          </a:p>
+        </p:txBody>
+      </p:sp>
+      <p:sp>
+        <p:nvSpPr>
+          <p:cNvPr id="24" name="Rektangel 23"/>
+          <p:cNvSpPr/>
+          <p:nvPr/>
+        </p:nvSpPr>
+        <p:spPr>
+          <a:xfrm>
+            <a:off x="4047687" y="2667694"/>
+            <a:ext cx="1929468" cy="956345"/>
+          </a:xfrm>
+          <a:prstGeom prst="rect">
+            <a:avLst/>
+          </a:prstGeom>
+          <a:ln>
+            <a:noFill/>
+          </a:ln>
+        </p:spPr>
+        <p:style>
+          <a:lnRef idx="2">
+            <a:schemeClr val="dk1"/>
+          </a:lnRef>
+          <a:fillRef idx="1">
+            <a:schemeClr val="lt1"/>
+          </a:fillRef>
+          <a:effectRef idx="0">
+            <a:schemeClr val="dk1"/>
+          </a:effectRef>
+          <a:fontRef idx="minor">
+            <a:schemeClr val="dk1"/>
+          </a:fontRef>
+        </p:style>
+        <p:txBody>
+          <a:bodyPr rtlCol="0" anchor="ctr"/>
+          <a:lstStyle/>
+          <a:p>
+            <a:pPr algn="ctr"/>
+            <a:r>
+              <a:rPr lang="sv-SE" dirty="0"/>
+              <a:t>;</a:t>
+            </a:r>
+          </a:p>
+        </p:txBody>
+      </p:sp>
+      <p:sp>
+        <p:nvSpPr>
+          <p:cNvPr id="25" name="Rektangel 24"/>
+          <p:cNvSpPr/>
+          <p:nvPr/>
+        </p:nvSpPr>
+        <p:spPr>
+          <a:xfrm>
+            <a:off x="4047687" y="3954388"/>
+            <a:ext cx="1929468" cy="956345"/>
+          </a:xfrm>
+          <a:prstGeom prst="rect">
+            <a:avLst/>
+          </a:prstGeom>
+          <a:ln>
+            <a:noFill/>
+          </a:ln>
+        </p:spPr>
+        <p:style>
+          <a:lnRef idx="2">
+            <a:schemeClr val="dk1"/>
+          </a:lnRef>
+          <a:fillRef idx="1">
+            <a:schemeClr val="lt1"/>
+          </a:fillRef>
+          <a:effectRef idx="0">
+            <a:schemeClr val="dk1"/>
+          </a:effectRef>
+          <a:fontRef idx="minor">
+            <a:schemeClr val="dk1"/>
+          </a:fontRef>
+        </p:style>
+        <p:txBody>
+          <a:bodyPr rtlCol="0" anchor="ctr"/>
+          <a:lstStyle/>
+          <a:p>
+            <a:pPr algn="ctr"/>
+            <a:r>
+              <a:rPr lang="sv-SE" dirty="0"/>
+              <a:t>;</a:t>
+            </a:r>
+          </a:p>
+        </p:txBody>
+      </p:sp>
+    </p:spTree>
+    <p:extLst>
+      <p:ext uri="{BB962C8B-B14F-4D97-AF65-F5344CB8AC3E}">
+        <p14:creationId xmlns:p14="http://schemas.microsoft.com/office/powerpoint/2010/main" val="3105266539"/>
+      </p:ext>
+    </p:extLst>
+  </p:cSld>
+  <p:clrMapOvr>
+    <a:masterClrMapping/>
+  </p:clrMapOvr>
+</p:sld>
+</file>
+
+<file path=ppt/slides/slide6.xml><?xml version="1.0" encoding="utf-8"?>
+<p:sld xmlns:a="http://schemas.openxmlformats.org/drawingml/2006/main" xmlns:r="http://schemas.openxmlformats.org/officeDocument/2006/relationships" xmlns:p="http://schemas.openxmlformats.org/presentationml/2006/main">
+  <p:cSld>
+    <p:spTree>
+      <p:nvGrpSpPr>
+        <p:cNvPr id="1" name=""/>
+        <p:cNvGrpSpPr/>
+        <p:nvPr/>
+      </p:nvGrpSpPr>
+      <p:grpSpPr>
+        <a:xfrm>
+          <a:off x="0" y="0"/>
+          <a:ext cx="0" cy="0"/>
+          <a:chOff x="0" y="0"/>
+          <a:chExt cx="0" cy="0"/>
+        </a:xfrm>
+      </p:grpSpPr>
+      <p:sp>
+        <p:nvSpPr>
+          <p:cNvPr id="2" name="Rubrik 1"/>
+          <p:cNvSpPr>
+            <a:spLocks noGrp="1"/>
+          </p:cNvSpPr>
+          <p:nvPr>
+            <p:ph type="title"/>
+          </p:nvPr>
+        </p:nvSpPr>
+        <p:spPr/>
+        <p:txBody>
+          <a:bodyPr/>
+          <a:lstStyle/>
+          <a:p>
+            <a:r>
+              <a:rPr lang="sv-SE" dirty="0" err="1"/>
+              <a:t>sortBy</a:t>
+            </a:r>
+            <a:endParaRPr lang="sv-SE" dirty="0"/>
+          </a:p>
+        </p:txBody>
+      </p:sp>
+      <p:sp>
+        <p:nvSpPr>
+          <p:cNvPr id="3" name="Platshållare för innehåll 2"/>
+          <p:cNvSpPr>
+            <a:spLocks noGrp="1"/>
+          </p:cNvSpPr>
+          <p:nvPr>
+            <p:ph idx="1"/>
+          </p:nvPr>
+        </p:nvSpPr>
+        <p:spPr/>
+        <p:txBody>
+          <a:bodyPr/>
+          <a:lstStyle/>
+          <a:p>
+            <a:endParaRPr lang="sv-SE" dirty="0"/>
+          </a:p>
+          <a:p>
+            <a:endParaRPr lang="sv-SE" dirty="0"/>
+          </a:p>
+        </p:txBody>
+      </p:sp>
+      <p:sp>
+        <p:nvSpPr>
+          <p:cNvPr id="4" name="Rektangel 3"/>
+          <p:cNvSpPr/>
+          <p:nvPr/>
+        </p:nvSpPr>
+        <p:spPr>
+          <a:xfrm>
+            <a:off x="1585518" y="2634143"/>
+            <a:ext cx="1719743" cy="1023457"/>
+          </a:xfrm>
+          <a:prstGeom prst="rect">
+            <a:avLst/>
+          </a:prstGeom>
+        </p:spPr>
+        <p:style>
+          <a:lnRef idx="2">
+            <a:schemeClr val="accent1">
+              <a:shade val="50000"/>
+            </a:schemeClr>
+          </a:lnRef>
+          <a:fillRef idx="1">
+            <a:schemeClr val="accent1"/>
+          </a:fillRef>
+          <a:effectRef idx="0">
+            <a:schemeClr val="accent1"/>
+          </a:effectRef>
+          <a:fontRef idx="minor">
+            <a:schemeClr val="lt1"/>
+          </a:fontRef>
+        </p:style>
+        <p:txBody>
+          <a:bodyPr rtlCol="0" anchor="ctr"/>
+          <a:lstStyle/>
+          <a:p>
+            <a:pPr algn="ctr"/>
+            <a:endParaRPr lang="sv-SE" dirty="0"/>
+          </a:p>
+        </p:txBody>
+      </p:sp>
+      <p:sp>
+        <p:nvSpPr>
+          <p:cNvPr id="5" name="Rektangel 4"/>
+          <p:cNvSpPr/>
+          <p:nvPr/>
+        </p:nvSpPr>
+        <p:spPr>
+          <a:xfrm>
+            <a:off x="1711354" y="3041007"/>
+            <a:ext cx="285226" cy="209725"/>
+          </a:xfrm>
+          <a:prstGeom prst="rect">
+            <a:avLst/>
+          </a:prstGeom>
+          <a:solidFill>
+            <a:schemeClr val="accent2"/>
+          </a:solidFill>
+        </p:spPr>
+        <p:style>
+          <a:lnRef idx="2">
+            <a:schemeClr val="accent1">
+              <a:shade val="50000"/>
+            </a:schemeClr>
+          </a:lnRef>
+          <a:fillRef idx="1">
+            <a:schemeClr val="accent1"/>
+          </a:fillRef>
+          <a:effectRef idx="0">
+            <a:schemeClr val="accent1"/>
+          </a:effectRef>
+          <a:fontRef idx="minor">
+            <a:schemeClr val="lt1"/>
+          </a:fontRef>
+        </p:style>
+        <p:txBody>
+          <a:bodyPr rtlCol="0" anchor="ctr"/>
+          <a:lstStyle/>
+          <a:p>
+            <a:pPr algn="ctr"/>
+            <a:r>
+              <a:rPr lang="sv-SE" dirty="0"/>
+              <a:t>2</a:t>
+            </a:r>
+          </a:p>
+        </p:txBody>
+      </p:sp>
+      <p:sp>
+        <p:nvSpPr>
+          <p:cNvPr id="6" name="Rektangel 5"/>
+          <p:cNvSpPr/>
+          <p:nvPr/>
+        </p:nvSpPr>
+        <p:spPr>
+          <a:xfrm>
+            <a:off x="2130803" y="3041007"/>
+            <a:ext cx="285226" cy="209725"/>
+          </a:xfrm>
+          <a:prstGeom prst="rect">
+            <a:avLst/>
+          </a:prstGeom>
+          <a:solidFill>
+            <a:schemeClr val="accent2"/>
+          </a:solidFill>
+        </p:spPr>
+        <p:style>
+          <a:lnRef idx="2">
+            <a:schemeClr val="accent1">
+              <a:shade val="50000"/>
+            </a:schemeClr>
+          </a:lnRef>
+          <a:fillRef idx="1">
+            <a:schemeClr val="accent1"/>
+          </a:fillRef>
+          <a:effectRef idx="0">
+            <a:schemeClr val="accent1"/>
+          </a:effectRef>
+          <a:fontRef idx="minor">
+            <a:schemeClr val="lt1"/>
+          </a:fontRef>
+        </p:style>
+        <p:txBody>
+          <a:bodyPr rtlCol="0" anchor="ctr"/>
+          <a:lstStyle/>
+          <a:p>
+            <a:pPr algn="ctr"/>
+            <a:r>
+              <a:rPr lang="sv-SE" dirty="0"/>
+              <a:t>1</a:t>
+            </a:r>
+          </a:p>
+        </p:txBody>
+      </p:sp>
+      <p:sp>
+        <p:nvSpPr>
+          <p:cNvPr id="7" name="Rektangel 6"/>
+          <p:cNvSpPr/>
+          <p:nvPr/>
+        </p:nvSpPr>
+        <p:spPr>
+          <a:xfrm>
+            <a:off x="2542563" y="3041006"/>
+            <a:ext cx="285226" cy="209725"/>
+          </a:xfrm>
+          <a:prstGeom prst="rect">
+            <a:avLst/>
+          </a:prstGeom>
+          <a:solidFill>
+            <a:schemeClr val="accent2"/>
+          </a:solidFill>
+        </p:spPr>
+        <p:style>
+          <a:lnRef idx="2">
+            <a:schemeClr val="accent1">
+              <a:shade val="50000"/>
+            </a:schemeClr>
+          </a:lnRef>
+          <a:fillRef idx="1">
+            <a:schemeClr val="accent1"/>
+          </a:fillRef>
+          <a:effectRef idx="0">
+            <a:schemeClr val="accent1"/>
+          </a:effectRef>
+          <a:fontRef idx="minor">
+            <a:schemeClr val="lt1"/>
+          </a:fontRef>
+        </p:style>
+        <p:txBody>
+          <a:bodyPr rtlCol="0" anchor="ctr"/>
+          <a:lstStyle/>
+          <a:p>
+            <a:pPr algn="ctr"/>
+            <a:r>
+              <a:rPr lang="sv-SE" dirty="0"/>
+              <a:t>4</a:t>
+            </a:r>
+          </a:p>
+        </p:txBody>
+      </p:sp>
+      <p:sp>
+        <p:nvSpPr>
+          <p:cNvPr id="8" name="Rektangel 7"/>
+          <p:cNvSpPr/>
+          <p:nvPr/>
+        </p:nvSpPr>
+        <p:spPr>
+          <a:xfrm>
+            <a:off x="2923912" y="3041006"/>
+            <a:ext cx="285226" cy="209725"/>
+          </a:xfrm>
+          <a:prstGeom prst="rect">
+            <a:avLst/>
+          </a:prstGeom>
+          <a:solidFill>
+            <a:schemeClr val="accent2"/>
+          </a:solidFill>
+        </p:spPr>
+        <p:style>
+          <a:lnRef idx="2">
+            <a:schemeClr val="accent1">
+              <a:shade val="50000"/>
+            </a:schemeClr>
+          </a:lnRef>
+          <a:fillRef idx="1">
+            <a:schemeClr val="accent1"/>
+          </a:fillRef>
+          <a:effectRef idx="0">
+            <a:schemeClr val="accent1"/>
+          </a:effectRef>
+          <a:fontRef idx="minor">
+            <a:schemeClr val="lt1"/>
+          </a:fontRef>
+        </p:style>
+        <p:txBody>
+          <a:bodyPr rtlCol="0" anchor="ctr"/>
+          <a:lstStyle/>
+          <a:p>
+            <a:pPr algn="ctr"/>
+            <a:r>
+              <a:rPr lang="sv-SE" dirty="0"/>
+              <a:t>3</a:t>
+            </a:r>
+          </a:p>
+        </p:txBody>
+      </p:sp>
+      <p:sp>
+        <p:nvSpPr>
+          <p:cNvPr id="17" name="Rektangel 16"/>
+          <p:cNvSpPr/>
+          <p:nvPr/>
+        </p:nvSpPr>
+        <p:spPr>
+          <a:xfrm>
+            <a:off x="1608064" y="3954389"/>
+            <a:ext cx="1719743" cy="1023457"/>
+          </a:xfrm>
+          <a:prstGeom prst="rect">
+            <a:avLst/>
+          </a:prstGeom>
+        </p:spPr>
+        <p:style>
+          <a:lnRef idx="2">
+            <a:schemeClr val="accent1">
+              <a:shade val="50000"/>
+            </a:schemeClr>
+          </a:lnRef>
+          <a:fillRef idx="1">
+            <a:schemeClr val="accent1"/>
+          </a:fillRef>
+          <a:effectRef idx="0">
+            <a:schemeClr val="accent1"/>
+          </a:effectRef>
+          <a:fontRef idx="minor">
+            <a:schemeClr val="lt1"/>
+          </a:fontRef>
+        </p:style>
+        <p:txBody>
+          <a:bodyPr rtlCol="0" anchor="ctr"/>
+          <a:lstStyle/>
+          <a:p>
+            <a:pPr algn="ctr"/>
+            <a:endParaRPr lang="sv-SE" dirty="0"/>
+          </a:p>
+        </p:txBody>
+      </p:sp>
+      <p:sp>
+        <p:nvSpPr>
+          <p:cNvPr id="18" name="Rektangel 17"/>
+          <p:cNvSpPr/>
+          <p:nvPr/>
+        </p:nvSpPr>
+        <p:spPr>
+          <a:xfrm>
+            <a:off x="6964259" y="2634143"/>
+            <a:ext cx="1719743" cy="1023457"/>
+          </a:xfrm>
+          <a:prstGeom prst="rect">
+            <a:avLst/>
+          </a:prstGeom>
+        </p:spPr>
+        <p:style>
+          <a:lnRef idx="2">
+            <a:schemeClr val="accent1">
+              <a:shade val="50000"/>
+            </a:schemeClr>
+          </a:lnRef>
+          <a:fillRef idx="1">
+            <a:schemeClr val="accent1"/>
+          </a:fillRef>
+          <a:effectRef idx="0">
+            <a:schemeClr val="accent1"/>
+          </a:effectRef>
+          <a:fontRef idx="minor">
+            <a:schemeClr val="lt1"/>
+          </a:fontRef>
+        </p:style>
+        <p:txBody>
+          <a:bodyPr rtlCol="0" anchor="ctr"/>
+          <a:lstStyle/>
+          <a:p>
+            <a:pPr algn="ctr"/>
+            <a:endParaRPr lang="sv-SE" dirty="0"/>
+          </a:p>
+        </p:txBody>
+      </p:sp>
+      <p:sp>
+        <p:nvSpPr>
+          <p:cNvPr id="19" name="Rektangel 18"/>
+          <p:cNvSpPr/>
+          <p:nvPr/>
+        </p:nvSpPr>
+        <p:spPr>
+          <a:xfrm>
+            <a:off x="7090095" y="3041007"/>
+            <a:ext cx="285226" cy="209725"/>
+          </a:xfrm>
+          <a:prstGeom prst="rect">
+            <a:avLst/>
+          </a:prstGeom>
+          <a:solidFill>
+            <a:schemeClr val="accent2"/>
+          </a:solidFill>
+        </p:spPr>
+        <p:style>
+          <a:lnRef idx="2">
+            <a:schemeClr val="accent1">
+              <a:shade val="50000"/>
+            </a:schemeClr>
+          </a:lnRef>
+          <a:fillRef idx="1">
+            <a:schemeClr val="accent1"/>
+          </a:fillRef>
+          <a:effectRef idx="0">
+            <a:schemeClr val="accent1"/>
+          </a:effectRef>
+          <a:fontRef idx="minor">
+            <a:schemeClr val="lt1"/>
+          </a:fontRef>
+        </p:style>
+        <p:txBody>
+          <a:bodyPr rtlCol="0" anchor="ctr"/>
+          <a:lstStyle/>
+          <a:p>
+            <a:pPr algn="ctr"/>
+            <a:r>
+              <a:rPr lang="sv-SE" dirty="0"/>
+              <a:t>1</a:t>
+            </a:r>
+          </a:p>
+        </p:txBody>
+      </p:sp>
+      <p:sp>
+        <p:nvSpPr>
+          <p:cNvPr id="20" name="Rektangel 19"/>
+          <p:cNvSpPr/>
+          <p:nvPr/>
+        </p:nvSpPr>
+        <p:spPr>
+          <a:xfrm>
+            <a:off x="7509544" y="3041007"/>
+            <a:ext cx="285226" cy="209725"/>
+          </a:xfrm>
+          <a:prstGeom prst="rect">
+            <a:avLst/>
+          </a:prstGeom>
+          <a:solidFill>
+            <a:schemeClr val="accent2"/>
+          </a:solidFill>
+        </p:spPr>
+        <p:style>
+          <a:lnRef idx="2">
+            <a:schemeClr val="accent1">
+              <a:shade val="50000"/>
+            </a:schemeClr>
+          </a:lnRef>
+          <a:fillRef idx="1">
+            <a:schemeClr val="accent1"/>
+          </a:fillRef>
+          <a:effectRef idx="0">
+            <a:schemeClr val="accent1"/>
+          </a:effectRef>
+          <a:fontRef idx="minor">
+            <a:schemeClr val="lt1"/>
+          </a:fontRef>
+        </p:style>
+        <p:txBody>
+          <a:bodyPr rtlCol="0" anchor="ctr"/>
+          <a:lstStyle/>
+          <a:p>
+            <a:pPr algn="ctr"/>
+            <a:r>
+              <a:rPr lang="sv-SE" dirty="0"/>
+              <a:t>2</a:t>
+            </a:r>
+          </a:p>
+        </p:txBody>
+      </p:sp>
+      <p:sp>
+        <p:nvSpPr>
+          <p:cNvPr id="21" name="Rektangel 20"/>
+          <p:cNvSpPr/>
+          <p:nvPr/>
+        </p:nvSpPr>
+        <p:spPr>
+          <a:xfrm>
+            <a:off x="7921304" y="3041006"/>
+            <a:ext cx="285226" cy="209725"/>
+          </a:xfrm>
+          <a:prstGeom prst="rect">
+            <a:avLst/>
+          </a:prstGeom>
+          <a:solidFill>
+            <a:schemeClr val="accent2"/>
+          </a:solidFill>
+        </p:spPr>
+        <p:style>
+          <a:lnRef idx="2">
+            <a:schemeClr val="accent1">
+              <a:shade val="50000"/>
+            </a:schemeClr>
+          </a:lnRef>
+          <a:fillRef idx="1">
+            <a:schemeClr val="accent1"/>
+          </a:fillRef>
+          <a:effectRef idx="0">
+            <a:schemeClr val="accent1"/>
+          </a:effectRef>
+          <a:fontRef idx="minor">
+            <a:schemeClr val="lt1"/>
+          </a:fontRef>
+        </p:style>
+        <p:txBody>
+          <a:bodyPr rtlCol="0" anchor="ctr"/>
+          <a:lstStyle/>
+          <a:p>
+            <a:pPr algn="ctr"/>
+            <a:r>
+              <a:rPr lang="sv-SE" dirty="0"/>
+              <a:t>3</a:t>
+            </a:r>
+          </a:p>
+        </p:txBody>
+      </p:sp>
+      <p:sp>
+        <p:nvSpPr>
+          <p:cNvPr id="24" name="Rektangel 23"/>
+          <p:cNvSpPr/>
+          <p:nvPr/>
+        </p:nvSpPr>
+        <p:spPr>
+          <a:xfrm>
+            <a:off x="8302653" y="3041006"/>
+            <a:ext cx="285226" cy="209725"/>
+          </a:xfrm>
+          <a:prstGeom prst="rect">
+            <a:avLst/>
+          </a:prstGeom>
+          <a:solidFill>
+            <a:schemeClr val="accent2"/>
+          </a:solidFill>
+        </p:spPr>
+        <p:style>
+          <a:lnRef idx="2">
+            <a:schemeClr val="accent1">
+              <a:shade val="50000"/>
+            </a:schemeClr>
+          </a:lnRef>
+          <a:fillRef idx="1">
+            <a:schemeClr val="accent1"/>
+          </a:fillRef>
+          <a:effectRef idx="0">
+            <a:schemeClr val="accent1"/>
+          </a:effectRef>
+          <a:fontRef idx="minor">
+            <a:schemeClr val="lt1"/>
+          </a:fontRef>
+        </p:style>
+        <p:txBody>
+          <a:bodyPr rtlCol="0" anchor="ctr"/>
+          <a:lstStyle/>
+          <a:p>
+            <a:pPr algn="ctr"/>
+            <a:r>
+              <a:rPr lang="sv-SE" dirty="0"/>
+              <a:t>4</a:t>
+            </a:r>
+          </a:p>
+        </p:txBody>
+      </p:sp>
+      <p:sp>
+        <p:nvSpPr>
+          <p:cNvPr id="25" name="Rektangel 24"/>
+          <p:cNvSpPr/>
+          <p:nvPr/>
+        </p:nvSpPr>
+        <p:spPr>
+          <a:xfrm>
+            <a:off x="6964258" y="3954389"/>
+            <a:ext cx="1719743" cy="1023457"/>
+          </a:xfrm>
+          <a:prstGeom prst="rect">
+            <a:avLst/>
+          </a:prstGeom>
+        </p:spPr>
+        <p:style>
+          <a:lnRef idx="2">
+            <a:schemeClr val="accent1">
+              <a:shade val="50000"/>
+            </a:schemeClr>
+          </a:lnRef>
+          <a:fillRef idx="1">
+            <a:schemeClr val="accent1"/>
+          </a:fillRef>
+          <a:effectRef idx="0">
+            <a:schemeClr val="accent1"/>
+          </a:effectRef>
+          <a:fontRef idx="minor">
+            <a:schemeClr val="lt1"/>
+          </a:fontRef>
+        </p:style>
+        <p:txBody>
+          <a:bodyPr rtlCol="0" anchor="ctr"/>
+          <a:lstStyle/>
+          <a:p>
+            <a:pPr algn="ctr"/>
+            <a:endParaRPr lang="sv-SE" dirty="0"/>
+          </a:p>
+        </p:txBody>
+      </p:sp>
+    </p:spTree>
+    <p:extLst>
+      <p:ext uri="{BB962C8B-B14F-4D97-AF65-F5344CB8AC3E}">
+        <p14:creationId xmlns:p14="http://schemas.microsoft.com/office/powerpoint/2010/main" val="104026545"/>
+      </p:ext>
+    </p:extLst>
+  </p:cSld>
+  <p:clrMapOvr>
+    <a:masterClrMapping/>
+  </p:clrMapOvr>
+</p:sld>
+</file>
+
+<file path=ppt/slides/slide7.xml><?xml version="1.0" encoding="utf-8"?>
+<p:sld xmlns:a="http://schemas.openxmlformats.org/drawingml/2006/main" xmlns:r="http://schemas.openxmlformats.org/officeDocument/2006/relationships" xmlns:p="http://schemas.openxmlformats.org/presentationml/2006/main">
+  <p:cSld>
+    <p:spTree>
+      <p:nvGrpSpPr>
+        <p:cNvPr id="1" name=""/>
+        <p:cNvGrpSpPr/>
+        <p:nvPr/>
+      </p:nvGrpSpPr>
+      <p:grpSpPr>
+        <a:xfrm>
+          <a:off x="0" y="0"/>
+          <a:ext cx="0" cy="0"/>
+          <a:chOff x="0" y="0"/>
+          <a:chExt cx="0" cy="0"/>
+        </a:xfrm>
+      </p:grpSpPr>
+      <p:sp>
+        <p:nvSpPr>
+          <p:cNvPr id="2" name="Rubrik 1"/>
+          <p:cNvSpPr>
+            <a:spLocks noGrp="1"/>
+          </p:cNvSpPr>
+          <p:nvPr>
+            <p:ph type="title"/>
+          </p:nvPr>
+        </p:nvSpPr>
+        <p:spPr/>
+        <p:txBody>
+          <a:bodyPr/>
+          <a:lstStyle/>
+          <a:p>
+            <a:r>
+              <a:rPr lang="sv-SE" dirty="0" err="1"/>
+              <a:t>orderBy</a:t>
+            </a:r>
+            <a:endParaRPr lang="sv-SE" dirty="0"/>
+          </a:p>
+        </p:txBody>
+      </p:sp>
+      <p:sp>
+        <p:nvSpPr>
+          <p:cNvPr id="3" name="Platshållare för innehåll 2"/>
+          <p:cNvSpPr>
+            <a:spLocks noGrp="1"/>
+          </p:cNvSpPr>
+          <p:nvPr>
+            <p:ph idx="1"/>
+          </p:nvPr>
+        </p:nvSpPr>
+        <p:spPr/>
+        <p:txBody>
+          <a:bodyPr/>
+          <a:lstStyle/>
+          <a:p>
+            <a:r>
+              <a:rPr lang="sv-SE" dirty="0"/>
+              <a:t>Support for </a:t>
+            </a:r>
+            <a:r>
+              <a:rPr lang="sv-SE" dirty="0" err="1"/>
+              <a:t>asc</a:t>
+            </a:r>
+            <a:r>
+              <a:rPr lang="sv-SE" dirty="0"/>
+              <a:t> and </a:t>
+            </a:r>
+            <a:r>
+              <a:rPr lang="sv-SE" dirty="0" err="1"/>
+              <a:t>desc</a:t>
+            </a:r>
+            <a:endParaRPr lang="sv-SE" dirty="0"/>
+          </a:p>
+          <a:p>
+            <a:endParaRPr lang="sv-SE" dirty="0"/>
+          </a:p>
+        </p:txBody>
+      </p:sp>
+      <p:sp>
+        <p:nvSpPr>
+          <p:cNvPr id="4" name="Rektangel 3"/>
+          <p:cNvSpPr/>
+          <p:nvPr/>
+        </p:nvSpPr>
+        <p:spPr>
+          <a:xfrm>
+            <a:off x="1585518" y="2634143"/>
+            <a:ext cx="1719743" cy="1023457"/>
+          </a:xfrm>
+          <a:prstGeom prst="rect">
+            <a:avLst/>
+          </a:prstGeom>
+        </p:spPr>
+        <p:style>
+          <a:lnRef idx="2">
+            <a:schemeClr val="accent1">
+              <a:shade val="50000"/>
+            </a:schemeClr>
+          </a:lnRef>
+          <a:fillRef idx="1">
+            <a:schemeClr val="accent1"/>
+          </a:fillRef>
+          <a:effectRef idx="0">
+            <a:schemeClr val="accent1"/>
+          </a:effectRef>
+          <a:fontRef idx="minor">
+            <a:schemeClr val="lt1"/>
+          </a:fontRef>
+        </p:style>
+        <p:txBody>
+          <a:bodyPr rtlCol="0" anchor="ctr"/>
+          <a:lstStyle/>
+          <a:p>
+            <a:pPr algn="ctr"/>
+            <a:endParaRPr lang="sv-SE" dirty="0"/>
+          </a:p>
+        </p:txBody>
+      </p:sp>
+      <p:sp>
+        <p:nvSpPr>
+          <p:cNvPr id="5" name="Rektangel 4"/>
+          <p:cNvSpPr/>
+          <p:nvPr/>
+        </p:nvSpPr>
+        <p:spPr>
+          <a:xfrm>
+            <a:off x="1711354" y="3041007"/>
+            <a:ext cx="285226" cy="209725"/>
+          </a:xfrm>
+          <a:prstGeom prst="rect">
+            <a:avLst/>
+          </a:prstGeom>
+          <a:solidFill>
+            <a:schemeClr val="accent2"/>
+          </a:solidFill>
+        </p:spPr>
+        <p:style>
+          <a:lnRef idx="2">
+            <a:schemeClr val="accent1">
+              <a:shade val="50000"/>
+            </a:schemeClr>
+          </a:lnRef>
+          <a:fillRef idx="1">
+            <a:schemeClr val="accent1"/>
+          </a:fillRef>
+          <a:effectRef idx="0">
+            <a:schemeClr val="accent1"/>
+          </a:effectRef>
+          <a:fontRef idx="minor">
+            <a:schemeClr val="lt1"/>
+          </a:fontRef>
+        </p:style>
+        <p:txBody>
+          <a:bodyPr rtlCol="0" anchor="ctr"/>
+          <a:lstStyle/>
+          <a:p>
+            <a:pPr algn="ctr"/>
+            <a:r>
+              <a:rPr lang="sv-SE" dirty="0"/>
+              <a:t>2</a:t>
+            </a:r>
+          </a:p>
+        </p:txBody>
+      </p:sp>
+      <p:sp>
+        <p:nvSpPr>
+          <p:cNvPr id="6" name="Rektangel 5"/>
+          <p:cNvSpPr/>
+          <p:nvPr/>
+        </p:nvSpPr>
+        <p:spPr>
+          <a:xfrm>
+            <a:off x="2130803" y="3041007"/>
+            <a:ext cx="285226" cy="209725"/>
+          </a:xfrm>
+          <a:prstGeom prst="rect">
+            <a:avLst/>
+          </a:prstGeom>
+          <a:solidFill>
+            <a:schemeClr val="accent2"/>
+          </a:solidFill>
+        </p:spPr>
+        <p:style>
+          <a:lnRef idx="2">
+            <a:schemeClr val="accent1">
+              <a:shade val="50000"/>
+            </a:schemeClr>
+          </a:lnRef>
+          <a:fillRef idx="1">
+            <a:schemeClr val="accent1"/>
+          </a:fillRef>
+          <a:effectRef idx="0">
+            <a:schemeClr val="accent1"/>
+          </a:effectRef>
+          <a:fontRef idx="minor">
+            <a:schemeClr val="lt1"/>
+          </a:fontRef>
+        </p:style>
+        <p:txBody>
+          <a:bodyPr rtlCol="0" anchor="ctr"/>
+          <a:lstStyle/>
+          <a:p>
+            <a:pPr algn="ctr"/>
+            <a:r>
+              <a:rPr lang="sv-SE" dirty="0"/>
+              <a:t>1</a:t>
+            </a:r>
+          </a:p>
+        </p:txBody>
+      </p:sp>
+      <p:sp>
+        <p:nvSpPr>
+          <p:cNvPr id="7" name="Rektangel 6"/>
+          <p:cNvSpPr/>
+          <p:nvPr/>
+        </p:nvSpPr>
+        <p:spPr>
+          <a:xfrm>
+            <a:off x="2542563" y="3041006"/>
+            <a:ext cx="285226" cy="209725"/>
+          </a:xfrm>
+          <a:prstGeom prst="rect">
+            <a:avLst/>
+          </a:prstGeom>
+          <a:solidFill>
+            <a:schemeClr val="accent2"/>
+          </a:solidFill>
+        </p:spPr>
+        <p:style>
+          <a:lnRef idx="2">
+            <a:schemeClr val="accent1">
+              <a:shade val="50000"/>
+            </a:schemeClr>
+          </a:lnRef>
+          <a:fillRef idx="1">
+            <a:schemeClr val="accent1"/>
+          </a:fillRef>
+          <a:effectRef idx="0">
+            <a:schemeClr val="accent1"/>
+          </a:effectRef>
+          <a:fontRef idx="minor">
+            <a:schemeClr val="lt1"/>
+          </a:fontRef>
+        </p:style>
+        <p:txBody>
+          <a:bodyPr rtlCol="0" anchor="ctr"/>
+          <a:lstStyle/>
+          <a:p>
+            <a:pPr algn="ctr"/>
+            <a:r>
+              <a:rPr lang="sv-SE" dirty="0"/>
+              <a:t>4</a:t>
+            </a:r>
+          </a:p>
+        </p:txBody>
+      </p:sp>
+      <p:sp>
+        <p:nvSpPr>
+          <p:cNvPr id="8" name="Rektangel 7"/>
+          <p:cNvSpPr/>
+          <p:nvPr/>
+        </p:nvSpPr>
+        <p:spPr>
+          <a:xfrm>
+            <a:off x="2923912" y="3041006"/>
+            <a:ext cx="285226" cy="209725"/>
+          </a:xfrm>
+          <a:prstGeom prst="rect">
+            <a:avLst/>
+          </a:prstGeom>
+          <a:solidFill>
+            <a:schemeClr val="accent2"/>
+          </a:solidFill>
+        </p:spPr>
+        <p:style>
+          <a:lnRef idx="2">
+            <a:schemeClr val="accent1">
+              <a:shade val="50000"/>
+            </a:schemeClr>
+          </a:lnRef>
+          <a:fillRef idx="1">
+            <a:schemeClr val="accent1"/>
+          </a:fillRef>
+          <a:effectRef idx="0">
+            <a:schemeClr val="accent1"/>
+          </a:effectRef>
+          <a:fontRef idx="minor">
+            <a:schemeClr val="lt1"/>
+          </a:fontRef>
+        </p:style>
+        <p:txBody>
+          <a:bodyPr rtlCol="0" anchor="ctr"/>
+          <a:lstStyle/>
+          <a:p>
+            <a:pPr algn="ctr"/>
+            <a:r>
+              <a:rPr lang="sv-SE" dirty="0"/>
+              <a:t>3</a:t>
+            </a:r>
+          </a:p>
+        </p:txBody>
+      </p:sp>
+      <p:sp>
+        <p:nvSpPr>
+          <p:cNvPr id="17" name="Rektangel 16"/>
+          <p:cNvSpPr/>
+          <p:nvPr/>
+        </p:nvSpPr>
+        <p:spPr>
+          <a:xfrm>
+            <a:off x="1585518" y="5153506"/>
+            <a:ext cx="1719743" cy="1023457"/>
+          </a:xfrm>
+          <a:prstGeom prst="rect">
+            <a:avLst/>
+          </a:prstGeom>
+        </p:spPr>
+        <p:style>
+          <a:lnRef idx="2">
+            <a:schemeClr val="accent1">
+              <a:shade val="50000"/>
+            </a:schemeClr>
+          </a:lnRef>
+          <a:fillRef idx="1">
+            <a:schemeClr val="accent1"/>
+          </a:fillRef>
+          <a:effectRef idx="0">
+            <a:schemeClr val="accent1"/>
+          </a:effectRef>
+          <a:fontRef idx="minor">
+            <a:schemeClr val="lt1"/>
+          </a:fontRef>
+        </p:style>
+        <p:txBody>
+          <a:bodyPr rtlCol="0" anchor="ctr"/>
+          <a:lstStyle/>
+          <a:p>
+            <a:pPr algn="ctr"/>
+            <a:endParaRPr lang="sv-SE" dirty="0"/>
+          </a:p>
+        </p:txBody>
+      </p:sp>
+      <p:sp>
+        <p:nvSpPr>
+          <p:cNvPr id="18" name="Rektangel 17"/>
+          <p:cNvSpPr/>
+          <p:nvPr/>
+        </p:nvSpPr>
+        <p:spPr>
+          <a:xfrm>
+            <a:off x="6964259" y="2634143"/>
+            <a:ext cx="1719743" cy="1023457"/>
+          </a:xfrm>
+          <a:prstGeom prst="rect">
+            <a:avLst/>
+          </a:prstGeom>
+        </p:spPr>
+        <p:style>
+          <a:lnRef idx="2">
+            <a:schemeClr val="accent1">
+              <a:shade val="50000"/>
+            </a:schemeClr>
+          </a:lnRef>
+          <a:fillRef idx="1">
+            <a:schemeClr val="accent1"/>
+          </a:fillRef>
+          <a:effectRef idx="0">
+            <a:schemeClr val="accent1"/>
+          </a:effectRef>
+          <a:fontRef idx="minor">
+            <a:schemeClr val="lt1"/>
+          </a:fontRef>
+        </p:style>
+        <p:txBody>
+          <a:bodyPr rtlCol="0" anchor="ctr"/>
+          <a:lstStyle/>
+          <a:p>
+            <a:pPr algn="ctr"/>
+            <a:endParaRPr lang="sv-SE" dirty="0"/>
+          </a:p>
+        </p:txBody>
+      </p:sp>
+      <p:sp>
+        <p:nvSpPr>
+          <p:cNvPr id="19" name="Rektangel 18"/>
+          <p:cNvSpPr/>
+          <p:nvPr/>
+        </p:nvSpPr>
+        <p:spPr>
+          <a:xfrm>
+            <a:off x="7090095" y="3041007"/>
+            <a:ext cx="285226" cy="209725"/>
+          </a:xfrm>
+          <a:prstGeom prst="rect">
+            <a:avLst/>
+          </a:prstGeom>
+          <a:solidFill>
+            <a:schemeClr val="accent2"/>
+          </a:solidFill>
+        </p:spPr>
+        <p:style>
+          <a:lnRef idx="2">
+            <a:schemeClr val="accent1">
+              <a:shade val="50000"/>
+            </a:schemeClr>
+          </a:lnRef>
+          <a:fillRef idx="1">
+            <a:schemeClr val="accent1"/>
+          </a:fillRef>
+          <a:effectRef idx="0">
+            <a:schemeClr val="accent1"/>
+          </a:effectRef>
+          <a:fontRef idx="minor">
+            <a:schemeClr val="lt1"/>
+          </a:fontRef>
+        </p:style>
+        <p:txBody>
+          <a:bodyPr rtlCol="0" anchor="ctr"/>
+          <a:lstStyle/>
+          <a:p>
+            <a:pPr algn="ctr"/>
+            <a:r>
+              <a:rPr lang="sv-SE" dirty="0"/>
+              <a:t>1</a:t>
+            </a:r>
+          </a:p>
+        </p:txBody>
+      </p:sp>
+      <p:sp>
+        <p:nvSpPr>
+          <p:cNvPr id="20" name="Rektangel 19"/>
+          <p:cNvSpPr/>
+          <p:nvPr/>
+        </p:nvSpPr>
+        <p:spPr>
+          <a:xfrm>
+            <a:off x="7509544" y="3041007"/>
+            <a:ext cx="285226" cy="209725"/>
+          </a:xfrm>
+          <a:prstGeom prst="rect">
+            <a:avLst/>
+          </a:prstGeom>
+          <a:solidFill>
+            <a:schemeClr val="accent2"/>
+          </a:solidFill>
+        </p:spPr>
+        <p:style>
+          <a:lnRef idx="2">
+            <a:schemeClr val="accent1">
+              <a:shade val="50000"/>
+            </a:schemeClr>
+          </a:lnRef>
+          <a:fillRef idx="1">
+            <a:schemeClr val="accent1"/>
+          </a:fillRef>
+          <a:effectRef idx="0">
+            <a:schemeClr val="accent1"/>
+          </a:effectRef>
+          <a:fontRef idx="minor">
+            <a:schemeClr val="lt1"/>
+          </a:fontRef>
+        </p:style>
+        <p:txBody>
+          <a:bodyPr rtlCol="0" anchor="ctr"/>
+          <a:lstStyle/>
+          <a:p>
+            <a:pPr algn="ctr"/>
+            <a:r>
+              <a:rPr lang="sv-SE" dirty="0"/>
+              <a:t>2</a:t>
+            </a:r>
+          </a:p>
+        </p:txBody>
+      </p:sp>
+      <p:sp>
+        <p:nvSpPr>
+          <p:cNvPr id="21" name="Rektangel 20"/>
+          <p:cNvSpPr/>
+          <p:nvPr/>
+        </p:nvSpPr>
+        <p:spPr>
+          <a:xfrm>
+            <a:off x="7921304" y="3041006"/>
+            <a:ext cx="285226" cy="209725"/>
+          </a:xfrm>
+          <a:prstGeom prst="rect">
+            <a:avLst/>
+          </a:prstGeom>
+          <a:solidFill>
+            <a:schemeClr val="accent2"/>
+          </a:solidFill>
+        </p:spPr>
+        <p:style>
+          <a:lnRef idx="2">
+            <a:schemeClr val="accent1">
+              <a:shade val="50000"/>
+            </a:schemeClr>
+          </a:lnRef>
+          <a:fillRef idx="1">
+            <a:schemeClr val="accent1"/>
+          </a:fillRef>
+          <a:effectRef idx="0">
+            <a:schemeClr val="accent1"/>
+          </a:effectRef>
+          <a:fontRef idx="minor">
+            <a:schemeClr val="lt1"/>
+          </a:fontRef>
+        </p:style>
+        <p:txBody>
+          <a:bodyPr rtlCol="0" anchor="ctr"/>
+          <a:lstStyle/>
+          <a:p>
+            <a:pPr algn="ctr"/>
+            <a:r>
+              <a:rPr lang="sv-SE" dirty="0"/>
+              <a:t>3</a:t>
+            </a:r>
+          </a:p>
+        </p:txBody>
+      </p:sp>
+      <p:sp>
+        <p:nvSpPr>
+          <p:cNvPr id="24" name="Rektangel 23"/>
+          <p:cNvSpPr/>
+          <p:nvPr/>
+        </p:nvSpPr>
+        <p:spPr>
+          <a:xfrm>
+            <a:off x="8302653" y="3041006"/>
+            <a:ext cx="285226" cy="209725"/>
+          </a:xfrm>
+          <a:prstGeom prst="rect">
+            <a:avLst/>
+          </a:prstGeom>
+          <a:solidFill>
+            <a:schemeClr val="accent2"/>
+          </a:solidFill>
+        </p:spPr>
+        <p:style>
+          <a:lnRef idx="2">
+            <a:schemeClr val="accent1">
+              <a:shade val="50000"/>
+            </a:schemeClr>
+          </a:lnRef>
+          <a:fillRef idx="1">
+            <a:schemeClr val="accent1"/>
+          </a:fillRef>
+          <a:effectRef idx="0">
+            <a:schemeClr val="accent1"/>
+          </a:effectRef>
+          <a:fontRef idx="minor">
+            <a:schemeClr val="lt1"/>
+          </a:fontRef>
+        </p:style>
+        <p:txBody>
+          <a:bodyPr rtlCol="0" anchor="ctr"/>
+          <a:lstStyle/>
+          <a:p>
+            <a:pPr algn="ctr"/>
+            <a:r>
+              <a:rPr lang="sv-SE" dirty="0"/>
+              <a:t>4</a:t>
+            </a:r>
+          </a:p>
+        </p:txBody>
+      </p:sp>
+      <p:sp>
+        <p:nvSpPr>
+          <p:cNvPr id="25" name="Rektangel 24"/>
+          <p:cNvSpPr/>
+          <p:nvPr/>
+        </p:nvSpPr>
+        <p:spPr>
+          <a:xfrm>
+            <a:off x="6964259" y="5153505"/>
+            <a:ext cx="1719743" cy="1023457"/>
+          </a:xfrm>
+          <a:prstGeom prst="rect">
+            <a:avLst/>
+          </a:prstGeom>
+        </p:spPr>
+        <p:style>
+          <a:lnRef idx="2">
+            <a:schemeClr val="accent1">
+              <a:shade val="50000"/>
+            </a:schemeClr>
+          </a:lnRef>
+          <a:fillRef idx="1">
+            <a:schemeClr val="accent1"/>
+          </a:fillRef>
+          <a:effectRef idx="0">
+            <a:schemeClr val="accent1"/>
+          </a:effectRef>
+          <a:fontRef idx="minor">
+            <a:schemeClr val="lt1"/>
+          </a:fontRef>
+        </p:style>
+        <p:txBody>
+          <a:bodyPr rtlCol="0" anchor="ctr"/>
+          <a:lstStyle/>
+          <a:p>
+            <a:pPr algn="ctr"/>
+            <a:endParaRPr lang="sv-SE" dirty="0"/>
+          </a:p>
+        </p:txBody>
+      </p:sp>
+      <p:sp>
+        <p:nvSpPr>
+          <p:cNvPr id="22" name="Rektangel 21"/>
+          <p:cNvSpPr/>
+          <p:nvPr/>
+        </p:nvSpPr>
+        <p:spPr>
+          <a:xfrm>
+            <a:off x="1585518" y="3893824"/>
+            <a:ext cx="1719743" cy="1023457"/>
+          </a:xfrm>
+          <a:prstGeom prst="rect">
+            <a:avLst/>
+          </a:prstGeom>
+        </p:spPr>
+        <p:style>
+          <a:lnRef idx="2">
+            <a:schemeClr val="accent1">
+              <a:shade val="50000"/>
+            </a:schemeClr>
+          </a:lnRef>
+          <a:fillRef idx="1">
+            <a:schemeClr val="accent1"/>
+          </a:fillRef>
+          <a:effectRef idx="0">
+            <a:schemeClr val="accent1"/>
+          </a:effectRef>
+          <a:fontRef idx="minor">
+            <a:schemeClr val="lt1"/>
+          </a:fontRef>
+        </p:style>
+        <p:txBody>
+          <a:bodyPr rtlCol="0" anchor="ctr"/>
+          <a:lstStyle/>
+          <a:p>
+            <a:pPr algn="ctr"/>
+            <a:endParaRPr lang="sv-SE" dirty="0"/>
+          </a:p>
+        </p:txBody>
+      </p:sp>
+      <p:sp>
+        <p:nvSpPr>
+          <p:cNvPr id="23" name="Rektangel 22"/>
+          <p:cNvSpPr/>
+          <p:nvPr/>
+        </p:nvSpPr>
+        <p:spPr>
+          <a:xfrm>
+            <a:off x="1711354" y="4300688"/>
+            <a:ext cx="285226" cy="209725"/>
+          </a:xfrm>
+          <a:prstGeom prst="rect">
+            <a:avLst/>
+          </a:prstGeom>
+          <a:solidFill>
+            <a:schemeClr val="accent2"/>
+          </a:solidFill>
+        </p:spPr>
+        <p:style>
+          <a:lnRef idx="2">
+            <a:schemeClr val="accent1">
+              <a:shade val="50000"/>
+            </a:schemeClr>
+          </a:lnRef>
+          <a:fillRef idx="1">
+            <a:schemeClr val="accent1"/>
+          </a:fillRef>
+          <a:effectRef idx="0">
+            <a:schemeClr val="accent1"/>
+          </a:effectRef>
+          <a:fontRef idx="minor">
+            <a:schemeClr val="lt1"/>
+          </a:fontRef>
+        </p:style>
+        <p:txBody>
+          <a:bodyPr rtlCol="0" anchor="ctr"/>
+          <a:lstStyle/>
+          <a:p>
+            <a:pPr algn="ctr"/>
+            <a:r>
+              <a:rPr lang="sv-SE" dirty="0"/>
+              <a:t>2</a:t>
+            </a:r>
+          </a:p>
+        </p:txBody>
+      </p:sp>
+      <p:sp>
+        <p:nvSpPr>
+          <p:cNvPr id="26" name="Rektangel 25"/>
+          <p:cNvSpPr/>
+          <p:nvPr/>
+        </p:nvSpPr>
+        <p:spPr>
+          <a:xfrm>
+            <a:off x="2130803" y="4300688"/>
+            <a:ext cx="285226" cy="209725"/>
+          </a:xfrm>
+          <a:prstGeom prst="rect">
+            <a:avLst/>
+          </a:prstGeom>
+          <a:solidFill>
+            <a:schemeClr val="accent2"/>
+          </a:solidFill>
+        </p:spPr>
+        <p:style>
+          <a:lnRef idx="2">
+            <a:schemeClr val="accent1">
+              <a:shade val="50000"/>
+            </a:schemeClr>
+          </a:lnRef>
+          <a:fillRef idx="1">
+            <a:schemeClr val="accent1"/>
+          </a:fillRef>
+          <a:effectRef idx="0">
+            <a:schemeClr val="accent1"/>
+          </a:effectRef>
+          <a:fontRef idx="minor">
+            <a:schemeClr val="lt1"/>
+          </a:fontRef>
+        </p:style>
+        <p:txBody>
+          <a:bodyPr rtlCol="0" anchor="ctr"/>
+          <a:lstStyle/>
+          <a:p>
+            <a:pPr algn="ctr"/>
+            <a:r>
+              <a:rPr lang="sv-SE" dirty="0"/>
+              <a:t>1</a:t>
+            </a:r>
+          </a:p>
+        </p:txBody>
+      </p:sp>
+      <p:sp>
+        <p:nvSpPr>
+          <p:cNvPr id="27" name="Rektangel 26"/>
+          <p:cNvSpPr/>
+          <p:nvPr/>
+        </p:nvSpPr>
+        <p:spPr>
+          <a:xfrm>
+            <a:off x="2542563" y="4300687"/>
+            <a:ext cx="285226" cy="209725"/>
+          </a:xfrm>
+          <a:prstGeom prst="rect">
+            <a:avLst/>
+          </a:prstGeom>
+          <a:solidFill>
+            <a:schemeClr val="accent2"/>
+          </a:solidFill>
+        </p:spPr>
+        <p:style>
+          <a:lnRef idx="2">
+            <a:schemeClr val="accent1">
+              <a:shade val="50000"/>
+            </a:schemeClr>
+          </a:lnRef>
+          <a:fillRef idx="1">
+            <a:schemeClr val="accent1"/>
+          </a:fillRef>
+          <a:effectRef idx="0">
+            <a:schemeClr val="accent1"/>
+          </a:effectRef>
+          <a:fontRef idx="minor">
+            <a:schemeClr val="lt1"/>
+          </a:fontRef>
+        </p:style>
+        <p:txBody>
+          <a:bodyPr rtlCol="0" anchor="ctr"/>
+          <a:lstStyle/>
+          <a:p>
+            <a:pPr algn="ctr"/>
+            <a:r>
+              <a:rPr lang="sv-SE" dirty="0"/>
+              <a:t>4</a:t>
+            </a:r>
+          </a:p>
+        </p:txBody>
+      </p:sp>
+      <p:sp>
+        <p:nvSpPr>
+          <p:cNvPr id="28" name="Rektangel 27"/>
+          <p:cNvSpPr/>
+          <p:nvPr/>
+        </p:nvSpPr>
+        <p:spPr>
+          <a:xfrm>
+            <a:off x="2923912" y="4300687"/>
+            <a:ext cx="285226" cy="209725"/>
+          </a:xfrm>
+          <a:prstGeom prst="rect">
+            <a:avLst/>
+          </a:prstGeom>
+          <a:solidFill>
+            <a:schemeClr val="accent2"/>
+          </a:solidFill>
+        </p:spPr>
+        <p:style>
+          <a:lnRef idx="2">
+            <a:schemeClr val="accent1">
+              <a:shade val="50000"/>
+            </a:schemeClr>
+          </a:lnRef>
+          <a:fillRef idx="1">
+            <a:schemeClr val="accent1"/>
+          </a:fillRef>
+          <a:effectRef idx="0">
+            <a:schemeClr val="accent1"/>
+          </a:effectRef>
+          <a:fontRef idx="minor">
+            <a:schemeClr val="lt1"/>
+          </a:fontRef>
+        </p:style>
+        <p:txBody>
+          <a:bodyPr rtlCol="0" anchor="ctr"/>
+          <a:lstStyle/>
+          <a:p>
+            <a:pPr algn="ctr"/>
+            <a:r>
+              <a:rPr lang="sv-SE" dirty="0"/>
+              <a:t>3</a:t>
+            </a:r>
+          </a:p>
+        </p:txBody>
+      </p:sp>
+      <p:sp>
+        <p:nvSpPr>
+          <p:cNvPr id="31" name="Rektangel 30"/>
+          <p:cNvSpPr/>
+          <p:nvPr/>
+        </p:nvSpPr>
+        <p:spPr>
+          <a:xfrm>
+            <a:off x="6964259" y="3893824"/>
+            <a:ext cx="1719743" cy="1023457"/>
+          </a:xfrm>
+          <a:prstGeom prst="rect">
+            <a:avLst/>
+          </a:prstGeom>
+        </p:spPr>
+        <p:style>
+          <a:lnRef idx="2">
+            <a:schemeClr val="accent1">
+              <a:shade val="50000"/>
+            </a:schemeClr>
+          </a:lnRef>
+          <a:fillRef idx="1">
+            <a:schemeClr val="accent1"/>
+          </a:fillRef>
+          <a:effectRef idx="0">
+            <a:schemeClr val="accent1"/>
+          </a:effectRef>
+          <a:fontRef idx="minor">
+            <a:schemeClr val="lt1"/>
+          </a:fontRef>
+        </p:style>
+        <p:txBody>
+          <a:bodyPr rtlCol="0" anchor="ctr"/>
+          <a:lstStyle/>
+          <a:p>
+            <a:pPr algn="ctr"/>
+            <a:endParaRPr lang="sv-SE" dirty="0"/>
+          </a:p>
+        </p:txBody>
+      </p:sp>
+      <p:sp>
+        <p:nvSpPr>
+          <p:cNvPr id="32" name="Rektangel 31"/>
+          <p:cNvSpPr/>
+          <p:nvPr/>
+        </p:nvSpPr>
+        <p:spPr>
+          <a:xfrm>
+            <a:off x="7090095" y="4300688"/>
+            <a:ext cx="285226" cy="209725"/>
+          </a:xfrm>
+          <a:prstGeom prst="rect">
+            <a:avLst/>
+          </a:prstGeom>
+          <a:solidFill>
+            <a:schemeClr val="accent2"/>
+          </a:solidFill>
+        </p:spPr>
+        <p:style>
+          <a:lnRef idx="2">
+            <a:schemeClr val="accent1">
+              <a:shade val="50000"/>
+            </a:schemeClr>
+          </a:lnRef>
+          <a:fillRef idx="1">
+            <a:schemeClr val="accent1"/>
+          </a:fillRef>
+          <a:effectRef idx="0">
+            <a:schemeClr val="accent1"/>
+          </a:effectRef>
+          <a:fontRef idx="minor">
+            <a:schemeClr val="lt1"/>
+          </a:fontRef>
+        </p:style>
+        <p:txBody>
+          <a:bodyPr rtlCol="0" anchor="ctr"/>
+          <a:lstStyle/>
+          <a:p>
+            <a:pPr algn="ctr"/>
+            <a:r>
+              <a:rPr lang="sv-SE" dirty="0"/>
+              <a:t>4</a:t>
+            </a:r>
+          </a:p>
+        </p:txBody>
+      </p:sp>
+      <p:sp>
+        <p:nvSpPr>
+          <p:cNvPr id="33" name="Rektangel 32"/>
+          <p:cNvSpPr/>
+          <p:nvPr/>
+        </p:nvSpPr>
+        <p:spPr>
+          <a:xfrm>
+            <a:off x="7509544" y="4300688"/>
+            <a:ext cx="285226" cy="209725"/>
+          </a:xfrm>
+          <a:prstGeom prst="rect">
+            <a:avLst/>
+          </a:prstGeom>
+          <a:solidFill>
+            <a:schemeClr val="accent2"/>
+          </a:solidFill>
+        </p:spPr>
+        <p:style>
+          <a:lnRef idx="2">
+            <a:schemeClr val="accent1">
+              <a:shade val="50000"/>
+            </a:schemeClr>
+          </a:lnRef>
+          <a:fillRef idx="1">
+            <a:schemeClr val="accent1"/>
+          </a:fillRef>
+          <a:effectRef idx="0">
+            <a:schemeClr val="accent1"/>
+          </a:effectRef>
+          <a:fontRef idx="minor">
+            <a:schemeClr val="lt1"/>
+          </a:fontRef>
+        </p:style>
+        <p:txBody>
+          <a:bodyPr rtlCol="0" anchor="ctr"/>
+          <a:lstStyle/>
+          <a:p>
+            <a:pPr algn="ctr"/>
+            <a:r>
+              <a:rPr lang="sv-SE" dirty="0"/>
+              <a:t>3</a:t>
+            </a:r>
+          </a:p>
+        </p:txBody>
+      </p:sp>
+      <p:sp>
+        <p:nvSpPr>
+          <p:cNvPr id="34" name="Rektangel 33"/>
+          <p:cNvSpPr/>
+          <p:nvPr/>
+        </p:nvSpPr>
+        <p:spPr>
+          <a:xfrm>
+            <a:off x="7921304" y="4300687"/>
+            <a:ext cx="285226" cy="209725"/>
+          </a:xfrm>
+          <a:prstGeom prst="rect">
+            <a:avLst/>
+          </a:prstGeom>
+          <a:solidFill>
+            <a:schemeClr val="accent2"/>
+          </a:solidFill>
+        </p:spPr>
+        <p:style>
+          <a:lnRef idx="2">
+            <a:schemeClr val="accent1">
+              <a:shade val="50000"/>
+            </a:schemeClr>
+          </a:lnRef>
+          <a:fillRef idx="1">
+            <a:schemeClr val="accent1"/>
+          </a:fillRef>
+          <a:effectRef idx="0">
+            <a:schemeClr val="accent1"/>
+          </a:effectRef>
+          <a:fontRef idx="minor">
+            <a:schemeClr val="lt1"/>
+          </a:fontRef>
+        </p:style>
+        <p:txBody>
+          <a:bodyPr rtlCol="0" anchor="ctr"/>
+          <a:lstStyle/>
+          <a:p>
+            <a:pPr algn="ctr"/>
+            <a:r>
+              <a:rPr lang="sv-SE" dirty="0"/>
+              <a:t>2</a:t>
+            </a:r>
+          </a:p>
+        </p:txBody>
+      </p:sp>
+      <p:sp>
+        <p:nvSpPr>
+          <p:cNvPr id="35" name="Rektangel 34"/>
+          <p:cNvSpPr/>
+          <p:nvPr/>
+        </p:nvSpPr>
+        <p:spPr>
+          <a:xfrm>
+            <a:off x="8302653" y="4300687"/>
+            <a:ext cx="285226" cy="209725"/>
+          </a:xfrm>
+          <a:prstGeom prst="rect">
+            <a:avLst/>
+          </a:prstGeom>
+          <a:solidFill>
+            <a:schemeClr val="accent2"/>
+          </a:solidFill>
+        </p:spPr>
+        <p:style>
+          <a:lnRef idx="2">
+            <a:schemeClr val="accent1">
+              <a:shade val="50000"/>
+            </a:schemeClr>
+          </a:lnRef>
+          <a:fillRef idx="1">
+            <a:schemeClr val="accent1"/>
+          </a:fillRef>
+          <a:effectRef idx="0">
+            <a:schemeClr val="accent1"/>
+          </a:effectRef>
+          <a:fontRef idx="minor">
+            <a:schemeClr val="lt1"/>
+          </a:fontRef>
+        </p:style>
+        <p:txBody>
+          <a:bodyPr rtlCol="0" anchor="ctr"/>
+          <a:lstStyle/>
+          <a:p>
+            <a:pPr algn="ctr"/>
+            <a:r>
+              <a:rPr lang="sv-SE" dirty="0"/>
+              <a:t>1</a:t>
+            </a:r>
+          </a:p>
+        </p:txBody>
+      </p:sp>
+    </p:spTree>
+    <p:extLst>
+      <p:ext uri="{BB962C8B-B14F-4D97-AF65-F5344CB8AC3E}">
+        <p14:creationId xmlns:p14="http://schemas.microsoft.com/office/powerpoint/2010/main" val="2433384434"/>
+      </p:ext>
+    </p:extLst>
+  </p:cSld>
+  <p:clrMapOvr>
+    <a:masterClrMapping/>
+  </p:clrMapOvr>
+</p:sld>
+</file>
+
+<file path=ppt/slides/slide8.xml><?xml version="1.0" encoding="utf-8"?>
+<p:sld xmlns:a="http://schemas.openxmlformats.org/drawingml/2006/main" xmlns:r="http://schemas.openxmlformats.org/officeDocument/2006/relationships" xmlns:p="http://schemas.openxmlformats.org/presentationml/2006/main">
+  <p:cSld>
+    <p:spTree>
+      <p:nvGrpSpPr>
+        <p:cNvPr id="1" name=""/>
+        <p:cNvGrpSpPr/>
+        <p:nvPr/>
+      </p:nvGrpSpPr>
+      <p:grpSpPr>
+        <a:xfrm>
+          <a:off x="0" y="0"/>
+          <a:ext cx="0" cy="0"/>
+          <a:chOff x="0" y="0"/>
+          <a:chExt cx="0" cy="0"/>
+        </a:xfrm>
+      </p:grpSpPr>
+      <p:sp>
+        <p:nvSpPr>
+          <p:cNvPr id="2" name="Rubrik 1"/>
+          <p:cNvSpPr>
+            <a:spLocks noGrp="1"/>
+          </p:cNvSpPr>
+          <p:nvPr>
+            <p:ph type="title"/>
+          </p:nvPr>
+        </p:nvSpPr>
+        <p:spPr/>
+        <p:txBody>
+          <a:bodyPr/>
+          <a:lstStyle/>
+          <a:p>
+            <a:r>
+              <a:rPr lang="sv-SE" dirty="0" err="1"/>
+              <a:t>Size</a:t>
+            </a:r>
+            <a:endParaRPr lang="sv-SE" dirty="0"/>
+          </a:p>
+        </p:txBody>
+      </p:sp>
+      <p:sp>
+        <p:nvSpPr>
+          <p:cNvPr id="3" name="Platshållare för innehåll 2"/>
+          <p:cNvSpPr>
+            <a:spLocks noGrp="1"/>
+          </p:cNvSpPr>
+          <p:nvPr>
+            <p:ph idx="1"/>
+          </p:nvPr>
+        </p:nvSpPr>
+        <p:spPr/>
+        <p:txBody>
+          <a:bodyPr/>
+          <a:lstStyle/>
+          <a:p>
+            <a:endParaRPr lang="sv-SE" dirty="0"/>
+          </a:p>
+          <a:p>
+            <a:endParaRPr lang="sv-SE" dirty="0"/>
+          </a:p>
+        </p:txBody>
+      </p:sp>
+      <p:sp>
+        <p:nvSpPr>
+          <p:cNvPr id="4" name="Rektangel 3"/>
+          <p:cNvSpPr/>
+          <p:nvPr/>
+        </p:nvSpPr>
+        <p:spPr>
+          <a:xfrm>
+            <a:off x="1585518" y="2634143"/>
+            <a:ext cx="1719743" cy="1023457"/>
+          </a:xfrm>
+          <a:prstGeom prst="rect">
+            <a:avLst/>
+          </a:prstGeom>
+        </p:spPr>
+        <p:style>
+          <a:lnRef idx="2">
+            <a:schemeClr val="accent1">
+              <a:shade val="50000"/>
+            </a:schemeClr>
+          </a:lnRef>
+          <a:fillRef idx="1">
+            <a:schemeClr val="accent1"/>
+          </a:fillRef>
+          <a:effectRef idx="0">
+            <a:schemeClr val="accent1"/>
+          </a:effectRef>
+          <a:fontRef idx="minor">
+            <a:schemeClr val="lt1"/>
+          </a:fontRef>
+        </p:style>
+        <p:txBody>
+          <a:bodyPr rtlCol="0" anchor="ctr"/>
+          <a:lstStyle/>
+          <a:p>
+            <a:pPr algn="ctr"/>
+            <a:endParaRPr lang="sv-SE" dirty="0"/>
+          </a:p>
+        </p:txBody>
+      </p:sp>
+      <p:sp>
+        <p:nvSpPr>
+          <p:cNvPr id="5" name="Rektangel 4"/>
+          <p:cNvSpPr/>
+          <p:nvPr/>
+        </p:nvSpPr>
+        <p:spPr>
+          <a:xfrm>
+            <a:off x="1711354" y="3041007"/>
+            <a:ext cx="285226" cy="209725"/>
+          </a:xfrm>
+          <a:prstGeom prst="rect">
+            <a:avLst/>
+          </a:prstGeom>
+          <a:solidFill>
+            <a:schemeClr val="accent2"/>
+          </a:solidFill>
+        </p:spPr>
+        <p:style>
+          <a:lnRef idx="2">
+            <a:schemeClr val="accent1">
+              <a:shade val="50000"/>
+            </a:schemeClr>
+          </a:lnRef>
+          <a:fillRef idx="1">
+            <a:schemeClr val="accent1"/>
+          </a:fillRef>
+          <a:effectRef idx="0">
+            <a:schemeClr val="accent1"/>
+          </a:effectRef>
+          <a:fontRef idx="minor">
+            <a:schemeClr val="lt1"/>
+          </a:fontRef>
+        </p:style>
+        <p:txBody>
+          <a:bodyPr rtlCol="0" anchor="ctr"/>
+          <a:lstStyle/>
+          <a:p>
+            <a:pPr algn="ctr"/>
+            <a:r>
+              <a:rPr lang="sv-SE" dirty="0"/>
+              <a:t>1</a:t>
+            </a:r>
+          </a:p>
+        </p:txBody>
+      </p:sp>
+      <p:sp>
+        <p:nvSpPr>
+          <p:cNvPr id="6" name="Rektangel 5"/>
+          <p:cNvSpPr/>
+          <p:nvPr/>
+        </p:nvSpPr>
+        <p:spPr>
+          <a:xfrm>
+            <a:off x="2130803" y="3041007"/>
+            <a:ext cx="285226" cy="209725"/>
+          </a:xfrm>
+          <a:prstGeom prst="rect">
+            <a:avLst/>
+          </a:prstGeom>
+          <a:solidFill>
+            <a:schemeClr val="accent2"/>
+          </a:solidFill>
+        </p:spPr>
+        <p:style>
+          <a:lnRef idx="2">
+            <a:schemeClr val="accent1">
+              <a:shade val="50000"/>
+            </a:schemeClr>
+          </a:lnRef>
+          <a:fillRef idx="1">
+            <a:schemeClr val="accent1"/>
+          </a:fillRef>
+          <a:effectRef idx="0">
+            <a:schemeClr val="accent1"/>
+          </a:effectRef>
+          <a:fontRef idx="minor">
+            <a:schemeClr val="lt1"/>
+          </a:fontRef>
+        </p:style>
+        <p:txBody>
+          <a:bodyPr rtlCol="0" anchor="ctr"/>
+          <a:lstStyle/>
+          <a:p>
+            <a:pPr algn="ctr"/>
+            <a:r>
+              <a:rPr lang="sv-SE" dirty="0"/>
+              <a:t>2</a:t>
+            </a:r>
+          </a:p>
+        </p:txBody>
+      </p:sp>
+      <p:sp>
+        <p:nvSpPr>
+          <p:cNvPr id="7" name="Rektangel 6"/>
+          <p:cNvSpPr/>
+          <p:nvPr/>
+        </p:nvSpPr>
+        <p:spPr>
+          <a:xfrm>
+            <a:off x="2542563" y="3041006"/>
+            <a:ext cx="285226" cy="209725"/>
+          </a:xfrm>
+          <a:prstGeom prst="rect">
+            <a:avLst/>
+          </a:prstGeom>
+          <a:solidFill>
+            <a:schemeClr val="accent2"/>
+          </a:solidFill>
+        </p:spPr>
+        <p:style>
+          <a:lnRef idx="2">
+            <a:schemeClr val="accent1">
+              <a:shade val="50000"/>
+            </a:schemeClr>
+          </a:lnRef>
+          <a:fillRef idx="1">
+            <a:schemeClr val="accent1"/>
+          </a:fillRef>
+          <a:effectRef idx="0">
+            <a:schemeClr val="accent1"/>
+          </a:effectRef>
+          <a:fontRef idx="minor">
+            <a:schemeClr val="lt1"/>
+          </a:fontRef>
+        </p:style>
+        <p:txBody>
+          <a:bodyPr rtlCol="0" anchor="ctr"/>
+          <a:lstStyle/>
+          <a:p>
+            <a:pPr algn="ctr"/>
+            <a:r>
+              <a:rPr lang="sv-SE" dirty="0"/>
+              <a:t>3</a:t>
+            </a:r>
+          </a:p>
+        </p:txBody>
+      </p:sp>
+      <p:sp>
+        <p:nvSpPr>
+          <p:cNvPr id="8" name="Rektangel 7"/>
+          <p:cNvSpPr/>
+          <p:nvPr/>
+        </p:nvSpPr>
+        <p:spPr>
+          <a:xfrm>
+            <a:off x="2923912" y="3041006"/>
+            <a:ext cx="285226" cy="209725"/>
+          </a:xfrm>
+          <a:prstGeom prst="rect">
+            <a:avLst/>
+          </a:prstGeom>
+          <a:solidFill>
+            <a:schemeClr val="accent2"/>
+          </a:solidFill>
+        </p:spPr>
+        <p:style>
+          <a:lnRef idx="2">
+            <a:schemeClr val="accent1">
+              <a:shade val="50000"/>
+            </a:schemeClr>
+          </a:lnRef>
+          <a:fillRef idx="1">
+            <a:schemeClr val="accent1"/>
+          </a:fillRef>
+          <a:effectRef idx="0">
+            <a:schemeClr val="accent1"/>
+          </a:effectRef>
+          <a:fontRef idx="minor">
+            <a:schemeClr val="lt1"/>
+          </a:fontRef>
+        </p:style>
+        <p:txBody>
+          <a:bodyPr rtlCol="0" anchor="ctr"/>
+          <a:lstStyle/>
+          <a:p>
+            <a:pPr algn="ctr"/>
+            <a:r>
+              <a:rPr lang="sv-SE" dirty="0"/>
+              <a:t>4</a:t>
+            </a:r>
+          </a:p>
+        </p:txBody>
+      </p:sp>
+      <p:sp>
+        <p:nvSpPr>
+          <p:cNvPr id="17" name="Rektangel 16"/>
+          <p:cNvSpPr/>
+          <p:nvPr/>
+        </p:nvSpPr>
+        <p:spPr>
+          <a:xfrm>
+            <a:off x="1608064" y="3954389"/>
+            <a:ext cx="1719743" cy="1023457"/>
+          </a:xfrm>
+          <a:prstGeom prst="rect">
+            <a:avLst/>
+          </a:prstGeom>
+        </p:spPr>
+        <p:style>
+          <a:lnRef idx="2">
+            <a:schemeClr val="accent1">
+              <a:shade val="50000"/>
+            </a:schemeClr>
+          </a:lnRef>
+          <a:fillRef idx="1">
+            <a:schemeClr val="accent1"/>
+          </a:fillRef>
+          <a:effectRef idx="0">
+            <a:schemeClr val="accent1"/>
+          </a:effectRef>
+          <a:fontRef idx="minor">
+            <a:schemeClr val="lt1"/>
+          </a:fontRef>
+        </p:style>
+        <p:txBody>
+          <a:bodyPr rtlCol="0" anchor="ctr"/>
+          <a:lstStyle/>
+          <a:p>
+            <a:pPr algn="ctr"/>
+            <a:endParaRPr lang="sv-SE" dirty="0"/>
+          </a:p>
+        </p:txBody>
+      </p:sp>
+      <p:sp>
+        <p:nvSpPr>
+          <p:cNvPr id="22" name="Rektangel 21"/>
+          <p:cNvSpPr/>
+          <p:nvPr/>
+        </p:nvSpPr>
+        <p:spPr>
+          <a:xfrm>
+            <a:off x="6719581" y="2667695"/>
+            <a:ext cx="1929468" cy="956345"/>
+          </a:xfrm>
+          <a:prstGeom prst="rect">
+            <a:avLst/>
+          </a:prstGeom>
+          <a:ln>
+            <a:noFill/>
+          </a:ln>
+        </p:spPr>
+        <p:style>
+          <a:lnRef idx="2">
+            <a:schemeClr val="dk1"/>
+          </a:lnRef>
+          <a:fillRef idx="1">
+            <a:schemeClr val="lt1"/>
+          </a:fillRef>
+          <a:effectRef idx="0">
+            <a:schemeClr val="dk1"/>
+          </a:effectRef>
+          <a:fontRef idx="minor">
+            <a:schemeClr val="dk1"/>
+          </a:fontRef>
+        </p:style>
+        <p:txBody>
+          <a:bodyPr rtlCol="0" anchor="ctr"/>
+          <a:lstStyle/>
+          <a:p>
+            <a:pPr algn="ctr"/>
+            <a:r>
+              <a:rPr lang="sv-SE" dirty="0"/>
+              <a:t>4</a:t>
+            </a:r>
+          </a:p>
+        </p:txBody>
+      </p:sp>
+      <p:sp>
+        <p:nvSpPr>
+          <p:cNvPr id="23" name="Rektangel 22"/>
+          <p:cNvSpPr/>
+          <p:nvPr/>
+        </p:nvSpPr>
+        <p:spPr>
+          <a:xfrm>
+            <a:off x="6719581" y="3954389"/>
+            <a:ext cx="1929468" cy="956345"/>
+          </a:xfrm>
+          <a:prstGeom prst="rect">
+            <a:avLst/>
+          </a:prstGeom>
+          <a:ln>
+            <a:noFill/>
+          </a:ln>
+        </p:spPr>
+        <p:style>
+          <a:lnRef idx="2">
+            <a:schemeClr val="dk1"/>
+          </a:lnRef>
+          <a:fillRef idx="1">
+            <a:schemeClr val="lt1"/>
+          </a:fillRef>
+          <a:effectRef idx="0">
+            <a:schemeClr val="dk1"/>
+          </a:effectRef>
+          <a:fontRef idx="minor">
+            <a:schemeClr val="dk1"/>
+          </a:fontRef>
+        </p:style>
+        <p:txBody>
+          <a:bodyPr rtlCol="0" anchor="ctr"/>
+          <a:lstStyle/>
+          <a:p>
+            <a:pPr algn="ctr"/>
+            <a:r>
+              <a:rPr lang="sv-SE" dirty="0"/>
+              <a:t>0</a:t>
+            </a:r>
+          </a:p>
+        </p:txBody>
+      </p:sp>
+      <p:sp>
+        <p:nvSpPr>
+          <p:cNvPr id="24" name="Rektangel 23"/>
+          <p:cNvSpPr/>
+          <p:nvPr/>
+        </p:nvSpPr>
+        <p:spPr>
+          <a:xfrm>
+            <a:off x="4047687" y="2667694"/>
+            <a:ext cx="1929468" cy="956345"/>
+          </a:xfrm>
+          <a:prstGeom prst="rect">
+            <a:avLst/>
+          </a:prstGeom>
+          <a:ln>
+            <a:noFill/>
+          </a:ln>
+        </p:spPr>
+        <p:style>
+          <a:lnRef idx="2">
+            <a:schemeClr val="dk1"/>
+          </a:lnRef>
+          <a:fillRef idx="1">
+            <a:schemeClr val="lt1"/>
+          </a:fillRef>
+          <a:effectRef idx="0">
+            <a:schemeClr val="dk1"/>
+          </a:effectRef>
+          <a:fontRef idx="minor">
+            <a:schemeClr val="dk1"/>
+          </a:fontRef>
+        </p:style>
+        <p:txBody>
+          <a:bodyPr rtlCol="0" anchor="ctr"/>
+          <a:lstStyle/>
+          <a:p>
+            <a:pPr algn="ctr"/>
+            <a:endParaRPr lang="sv-SE" dirty="0"/>
+          </a:p>
+        </p:txBody>
+      </p:sp>
+    </p:spTree>
+    <p:extLst>
+      <p:ext uri="{BB962C8B-B14F-4D97-AF65-F5344CB8AC3E}">
+        <p14:creationId xmlns:p14="http://schemas.microsoft.com/office/powerpoint/2010/main" val="32774284"/>
+      </p:ext>
+    </p:extLst>
+  </p:cSld>
+  <p:clrMapOvr>
+    <a:masterClrMapping/>
+  </p:clrMapOvr>
+</p:sld>
+</file>
+
+<file path=ppt/slides/slide9.xml><?xml version="1.0" encoding="utf-8"?>
+<p:sld xmlns:a="http://schemas.openxmlformats.org/drawingml/2006/main" xmlns:r="http://schemas.openxmlformats.org/officeDocument/2006/relationships" xmlns:p="http://schemas.openxmlformats.org/presentationml/2006/main">
+  <p:cSld>
+    <p:spTree>
+      <p:nvGrpSpPr>
+        <p:cNvPr id="1" name=""/>
+        <p:cNvGrpSpPr/>
+        <p:nvPr/>
+      </p:nvGrpSpPr>
+      <p:grpSpPr>
+        <a:xfrm>
+          <a:off x="0" y="0"/>
+          <a:ext cx="0" cy="0"/>
+          <a:chOff x="0" y="0"/>
+          <a:chExt cx="0" cy="0"/>
+        </a:xfrm>
+      </p:grpSpPr>
+      <p:sp>
+        <p:nvSpPr>
+          <p:cNvPr id="2" name="Rubrik 1"/>
+          <p:cNvSpPr>
+            <a:spLocks noGrp="1"/>
+          </p:cNvSpPr>
+          <p:nvPr>
+            <p:ph type="title"/>
+          </p:nvPr>
+        </p:nvSpPr>
+        <p:spPr/>
+        <p:txBody>
+          <a:bodyPr/>
+          <a:lstStyle/>
+          <a:p>
+            <a:r>
+              <a:rPr lang="sv-SE" dirty="0" err="1"/>
+              <a:t>First</a:t>
+            </a:r>
+            <a:endParaRPr lang="sv-SE" dirty="0"/>
+          </a:p>
+        </p:txBody>
+      </p:sp>
+      <p:sp>
+        <p:nvSpPr>
+          <p:cNvPr id="3" name="Platshållare för innehåll 2"/>
+          <p:cNvSpPr>
+            <a:spLocks noGrp="1"/>
+          </p:cNvSpPr>
+          <p:nvPr>
+            <p:ph idx="1"/>
+          </p:nvPr>
+        </p:nvSpPr>
+        <p:spPr/>
+        <p:txBody>
+          <a:bodyPr/>
+          <a:lstStyle/>
+          <a:p>
+            <a:endParaRPr lang="sv-SE" dirty="0"/>
+          </a:p>
+          <a:p>
+            <a:endParaRPr lang="sv-SE" dirty="0"/>
+          </a:p>
+        </p:txBody>
+      </p:sp>
+      <p:sp>
+        <p:nvSpPr>
+          <p:cNvPr id="4" name="Rektangel 3"/>
+          <p:cNvSpPr/>
+          <p:nvPr/>
+        </p:nvSpPr>
+        <p:spPr>
+          <a:xfrm>
+            <a:off x="1585518" y="2634143"/>
+            <a:ext cx="1719743" cy="1023457"/>
+          </a:xfrm>
+          <a:prstGeom prst="rect">
+            <a:avLst/>
+          </a:prstGeom>
+        </p:spPr>
+        <p:style>
+          <a:lnRef idx="2">
+            <a:schemeClr val="accent1">
+              <a:shade val="50000"/>
+            </a:schemeClr>
+          </a:lnRef>
+          <a:fillRef idx="1">
+            <a:schemeClr val="accent1"/>
+          </a:fillRef>
+          <a:effectRef idx="0">
+            <a:schemeClr val="accent1"/>
+          </a:effectRef>
+          <a:fontRef idx="minor">
+            <a:schemeClr val="lt1"/>
+          </a:fontRef>
+        </p:style>
+        <p:txBody>
+          <a:bodyPr rtlCol="0" anchor="ctr"/>
+          <a:lstStyle/>
+          <a:p>
+            <a:pPr algn="ctr"/>
+            <a:endParaRPr lang="sv-SE" dirty="0"/>
+          </a:p>
+        </p:txBody>
+      </p:sp>
+      <p:sp>
+        <p:nvSpPr>
+          <p:cNvPr id="5" name="Rektangel 4"/>
+          <p:cNvSpPr/>
+          <p:nvPr/>
+        </p:nvSpPr>
+        <p:spPr>
+          <a:xfrm>
+            <a:off x="1711354" y="3041007"/>
+            <a:ext cx="285226" cy="209725"/>
+          </a:xfrm>
+          <a:prstGeom prst="rect">
+            <a:avLst/>
+          </a:prstGeom>
+          <a:solidFill>
+            <a:schemeClr val="accent2"/>
+          </a:solidFill>
+        </p:spPr>
+        <p:style>
+          <a:lnRef idx="2">
+            <a:schemeClr val="accent1">
+              <a:shade val="50000"/>
+            </a:schemeClr>
+          </a:lnRef>
+          <a:fillRef idx="1">
+            <a:schemeClr val="accent1"/>
+          </a:fillRef>
+          <a:effectRef idx="0">
+            <a:schemeClr val="accent1"/>
+          </a:effectRef>
+          <a:fontRef idx="minor">
+            <a:schemeClr val="lt1"/>
+          </a:fontRef>
+        </p:style>
+        <p:txBody>
+          <a:bodyPr rtlCol="0" anchor="ctr"/>
+          <a:lstStyle/>
+          <a:p>
+            <a:pPr algn="ctr"/>
+            <a:r>
+              <a:rPr lang="sv-SE" dirty="0"/>
+              <a:t>1</a:t>
+            </a:r>
+          </a:p>
+        </p:txBody>
+      </p:sp>
+      <p:sp>
+        <p:nvSpPr>
+          <p:cNvPr id="6" name="Rektangel 5"/>
+          <p:cNvSpPr/>
+          <p:nvPr/>
+        </p:nvSpPr>
+        <p:spPr>
+          <a:xfrm>
+            <a:off x="2130803" y="3041007"/>
+            <a:ext cx="285226" cy="209725"/>
+          </a:xfrm>
+          <a:prstGeom prst="rect">
+            <a:avLst/>
+          </a:prstGeom>
+          <a:solidFill>
+            <a:schemeClr val="accent2"/>
+          </a:solidFill>
+        </p:spPr>
+        <p:style>
+          <a:lnRef idx="2">
+            <a:schemeClr val="accent1">
+              <a:shade val="50000"/>
+            </a:schemeClr>
+          </a:lnRef>
+          <a:fillRef idx="1">
+            <a:schemeClr val="accent1"/>
+          </a:fillRef>
+          <a:effectRef idx="0">
+            <a:schemeClr val="accent1"/>
+          </a:effectRef>
+          <a:fontRef idx="minor">
+            <a:schemeClr val="lt1"/>
+          </a:fontRef>
+        </p:style>
+        <p:txBody>
+          <a:bodyPr rtlCol="0" anchor="ctr"/>
+          <a:lstStyle/>
+          <a:p>
+            <a:pPr algn="ctr"/>
+            <a:r>
+              <a:rPr lang="sv-SE" dirty="0"/>
+              <a:t>2</a:t>
+            </a:r>
+          </a:p>
+        </p:txBody>
+      </p:sp>
+      <p:sp>
+        <p:nvSpPr>
+          <p:cNvPr id="7" name="Rektangel 6"/>
+          <p:cNvSpPr/>
+          <p:nvPr/>
+        </p:nvSpPr>
+        <p:spPr>
+          <a:xfrm>
+            <a:off x="2542563" y="3041006"/>
+            <a:ext cx="285226" cy="209725"/>
+          </a:xfrm>
+          <a:prstGeom prst="rect">
+            <a:avLst/>
+          </a:prstGeom>
+          <a:solidFill>
+            <a:schemeClr val="accent2"/>
+          </a:solidFill>
+        </p:spPr>
+        <p:style>
+          <a:lnRef idx="2">
+            <a:schemeClr val="accent1">
+              <a:shade val="50000"/>
+            </a:schemeClr>
+          </a:lnRef>
+          <a:fillRef idx="1">
+            <a:schemeClr val="accent1"/>
+          </a:fillRef>
+          <a:effectRef idx="0">
+            <a:schemeClr val="accent1"/>
+          </a:effectRef>
+          <a:fontRef idx="minor">
+            <a:schemeClr val="lt1"/>
+          </a:fontRef>
+        </p:style>
+        <p:txBody>
+          <a:bodyPr rtlCol="0" anchor="ctr"/>
+          <a:lstStyle/>
+          <a:p>
+            <a:pPr algn="ctr"/>
+            <a:r>
+              <a:rPr lang="sv-SE" dirty="0"/>
+              <a:t>3</a:t>
+            </a:r>
+          </a:p>
+        </p:txBody>
+      </p:sp>
+      <p:sp>
+        <p:nvSpPr>
+          <p:cNvPr id="8" name="Rektangel 7"/>
+          <p:cNvSpPr/>
+          <p:nvPr/>
+        </p:nvSpPr>
+        <p:spPr>
+          <a:xfrm>
+            <a:off x="2923912" y="3041006"/>
+            <a:ext cx="285226" cy="209725"/>
+          </a:xfrm>
+          <a:prstGeom prst="rect">
+            <a:avLst/>
+          </a:prstGeom>
+          <a:solidFill>
+            <a:schemeClr val="accent2"/>
+          </a:solidFill>
+        </p:spPr>
+        <p:style>
+          <a:lnRef idx="2">
+            <a:schemeClr val="accent1">
+              <a:shade val="50000"/>
+            </a:schemeClr>
+          </a:lnRef>
+          <a:fillRef idx="1">
+            <a:schemeClr val="accent1"/>
+          </a:fillRef>
+          <a:effectRef idx="0">
+            <a:schemeClr val="accent1"/>
+          </a:effectRef>
+          <a:fontRef idx="minor">
+            <a:schemeClr val="lt1"/>
+          </a:fontRef>
+        </p:style>
+        <p:txBody>
+          <a:bodyPr rtlCol="0" anchor="ctr"/>
+          <a:lstStyle/>
+          <a:p>
+            <a:pPr algn="ctr"/>
+            <a:r>
+              <a:rPr lang="sv-SE" dirty="0"/>
+              <a:t>4</a:t>
+            </a:r>
+          </a:p>
+        </p:txBody>
+      </p:sp>
+      <p:sp>
+        <p:nvSpPr>
+          <p:cNvPr id="17" name="Rektangel 16"/>
+          <p:cNvSpPr/>
+          <p:nvPr/>
+        </p:nvSpPr>
+        <p:spPr>
+          <a:xfrm>
+            <a:off x="1608064" y="3954389"/>
+            <a:ext cx="1719743" cy="1023457"/>
+          </a:xfrm>
+          <a:prstGeom prst="rect">
+            <a:avLst/>
+          </a:prstGeom>
+        </p:spPr>
+        <p:style>
+          <a:lnRef idx="2">
+            <a:schemeClr val="accent1">
+              <a:shade val="50000"/>
+            </a:schemeClr>
+          </a:lnRef>
+          <a:fillRef idx="1">
+            <a:schemeClr val="accent1"/>
+          </a:fillRef>
+          <a:effectRef idx="0">
+            <a:schemeClr val="accent1"/>
+          </a:effectRef>
+          <a:fontRef idx="minor">
+            <a:schemeClr val="lt1"/>
+          </a:fontRef>
+        </p:style>
+        <p:txBody>
+          <a:bodyPr rtlCol="0" anchor="ctr"/>
+          <a:lstStyle/>
+          <a:p>
+            <a:pPr algn="ctr"/>
+            <a:endParaRPr lang="sv-SE" dirty="0"/>
+          </a:p>
+        </p:txBody>
+      </p:sp>
+      <p:sp>
+        <p:nvSpPr>
+          <p:cNvPr id="23" name="Rektangel 22"/>
+          <p:cNvSpPr/>
+          <p:nvPr/>
+        </p:nvSpPr>
+        <p:spPr>
+          <a:xfrm>
+            <a:off x="6719581" y="3954389"/>
+            <a:ext cx="1929468" cy="956345"/>
+          </a:xfrm>
+          <a:prstGeom prst="rect">
+            <a:avLst/>
+          </a:prstGeom>
+          <a:ln>
+            <a:noFill/>
+          </a:ln>
+        </p:spPr>
+        <p:style>
+          <a:lnRef idx="2">
+            <a:schemeClr val="dk1"/>
+          </a:lnRef>
+          <a:fillRef idx="1">
+            <a:schemeClr val="lt1"/>
+          </a:fillRef>
+          <a:effectRef idx="0">
+            <a:schemeClr val="dk1"/>
+          </a:effectRef>
+          <a:fontRef idx="minor">
+            <a:schemeClr val="dk1"/>
+          </a:fontRef>
+        </p:style>
+        <p:txBody>
+          <a:bodyPr rtlCol="0" anchor="ctr"/>
+          <a:lstStyle/>
+          <a:p>
+            <a:pPr algn="ctr"/>
+            <a:r>
+              <a:rPr lang="sv-SE" dirty="0" err="1"/>
+              <a:t>undefined</a:t>
+            </a:r>
+            <a:r>
+              <a:rPr lang="sv-SE" dirty="0"/>
+              <a:t> (not </a:t>
+            </a:r>
+            <a:r>
+              <a:rPr lang="sv-SE" dirty="0" err="1"/>
+              <a:t>functional</a:t>
+            </a:r>
+            <a:r>
+              <a:rPr lang="sv-SE" dirty="0"/>
+              <a:t> </a:t>
+            </a:r>
+            <a:r>
+              <a:rPr lang="sv-SE" dirty="0">
+                <a:sym typeface="Wingdings" panose="05000000000000000000" pitchFamily="2" charset="2"/>
+              </a:rPr>
+              <a:t></a:t>
+            </a:r>
+            <a:r>
+              <a:rPr lang="sv-SE" dirty="0"/>
+              <a:t>)</a:t>
+            </a:r>
+          </a:p>
+        </p:txBody>
+      </p:sp>
+      <p:sp>
+        <p:nvSpPr>
+          <p:cNvPr id="24" name="Rektangel 23"/>
+          <p:cNvSpPr/>
+          <p:nvPr/>
+        </p:nvSpPr>
+        <p:spPr>
+          <a:xfrm>
+            <a:off x="4047687" y="2667694"/>
+            <a:ext cx="1929468" cy="956345"/>
+          </a:xfrm>
+          <a:prstGeom prst="rect">
+            <a:avLst/>
+          </a:prstGeom>
+          <a:ln>
+            <a:noFill/>
+          </a:ln>
+        </p:spPr>
+        <p:style>
+          <a:lnRef idx="2">
+            <a:schemeClr val="dk1"/>
+          </a:lnRef>
+          <a:fillRef idx="1">
+            <a:schemeClr val="lt1"/>
+          </a:fillRef>
+          <a:effectRef idx="0">
+            <a:schemeClr val="dk1"/>
+          </a:effectRef>
+          <a:fontRef idx="minor">
+            <a:schemeClr val="dk1"/>
+          </a:fontRef>
+        </p:style>
+        <p:txBody>
+          <a:bodyPr rtlCol="0" anchor="ctr"/>
+          <a:lstStyle/>
+          <a:p>
+            <a:pPr algn="ctr"/>
+            <a:endParaRPr lang="sv-SE" dirty="0"/>
+          </a:p>
+        </p:txBody>
+      </p:sp>
+      <p:sp>
+        <p:nvSpPr>
+          <p:cNvPr id="13" name="Rektangel 12"/>
+          <p:cNvSpPr/>
+          <p:nvPr/>
+        </p:nvSpPr>
+        <p:spPr>
+          <a:xfrm>
+            <a:off x="7541702" y="3044180"/>
+            <a:ext cx="285226" cy="209725"/>
+          </a:xfrm>
+          <a:prstGeom prst="rect">
+            <a:avLst/>
+          </a:prstGeom>
+          <a:solidFill>
+            <a:schemeClr val="accent2"/>
+          </a:solidFill>
+        </p:spPr>
+        <p:style>
+          <a:lnRef idx="2">
+            <a:schemeClr val="accent1">
+              <a:shade val="50000"/>
+            </a:schemeClr>
+          </a:lnRef>
+          <a:fillRef idx="1">
+            <a:schemeClr val="accent1"/>
+          </a:fillRef>
+          <a:effectRef idx="0">
+            <a:schemeClr val="accent1"/>
+          </a:effectRef>
+          <a:fontRef idx="minor">
+            <a:schemeClr val="lt1"/>
+          </a:fontRef>
+        </p:style>
+        <p:txBody>
+          <a:bodyPr rtlCol="0" anchor="ctr"/>
+          <a:lstStyle/>
+          <a:p>
+            <a:pPr algn="ctr"/>
+            <a:r>
+              <a:rPr lang="sv-SE" dirty="0"/>
+              <a:t>1</a:t>
+            </a:r>
+          </a:p>
+        </p:txBody>
+      </p:sp>
+    </p:spTree>
+    <p:extLst>
+      <p:ext uri="{BB962C8B-B14F-4D97-AF65-F5344CB8AC3E}">
+        <p14:creationId xmlns:p14="http://schemas.microsoft.com/office/powerpoint/2010/main" val="1722622357"/>
       </p:ext>
     </p:extLst>
   </p:cSld>

--- a/lodash/List.pptx
+++ b/lodash/List.pptx
@@ -7,13 +7,16 @@
   <p:sldIdLst>
     <p:sldId id="256" r:id="rId2"/>
     <p:sldId id="257" r:id="rId3"/>
-    <p:sldId id="258" r:id="rId4"/>
-    <p:sldId id="259" r:id="rId5"/>
-    <p:sldId id="260" r:id="rId6"/>
-    <p:sldId id="261" r:id="rId7"/>
-    <p:sldId id="262" r:id="rId8"/>
-    <p:sldId id="263" r:id="rId9"/>
-    <p:sldId id="264" r:id="rId10"/>
+    <p:sldId id="265" r:id="rId4"/>
+    <p:sldId id="258" r:id="rId5"/>
+    <p:sldId id="259" r:id="rId6"/>
+    <p:sldId id="260" r:id="rId7"/>
+    <p:sldId id="261" r:id="rId8"/>
+    <p:sldId id="262" r:id="rId9"/>
+    <p:sldId id="263" r:id="rId10"/>
+    <p:sldId id="264" r:id="rId11"/>
+    <p:sldId id="266" r:id="rId12"/>
+    <p:sldId id="267" r:id="rId13"/>
   </p:sldIdLst>
   <p:sldSz cx="12192000" cy="6858000"/>
   <p:notesSz cx="6858000" cy="9144000"/>
@@ -249,7 +252,7 @@
           <a:p>
             <a:fld id="{85D66074-6C35-4A31-8A98-E455C872C71E}" type="datetimeFigureOut">
               <a:rPr lang="sv-SE" smtClean="0"/>
-              <a:t>2017-04-25</a:t>
+              <a:t>2017-04-26</a:t>
             </a:fld>
             <a:endParaRPr lang="sv-SE"/>
           </a:p>
@@ -417,7 +420,7 @@
           <a:p>
             <a:fld id="{85D66074-6C35-4A31-8A98-E455C872C71E}" type="datetimeFigureOut">
               <a:rPr lang="sv-SE" smtClean="0"/>
-              <a:t>2017-04-25</a:t>
+              <a:t>2017-04-26</a:t>
             </a:fld>
             <a:endParaRPr lang="sv-SE"/>
           </a:p>
@@ -595,7 +598,7 @@
           <a:p>
             <a:fld id="{85D66074-6C35-4A31-8A98-E455C872C71E}" type="datetimeFigureOut">
               <a:rPr lang="sv-SE" smtClean="0"/>
-              <a:t>2017-04-25</a:t>
+              <a:t>2017-04-26</a:t>
             </a:fld>
             <a:endParaRPr lang="sv-SE"/>
           </a:p>
@@ -763,7 +766,7 @@
           <a:p>
             <a:fld id="{85D66074-6C35-4A31-8A98-E455C872C71E}" type="datetimeFigureOut">
               <a:rPr lang="sv-SE" smtClean="0"/>
-              <a:t>2017-04-25</a:t>
+              <a:t>2017-04-26</a:t>
             </a:fld>
             <a:endParaRPr lang="sv-SE"/>
           </a:p>
@@ -1008,7 +1011,7 @@
           <a:p>
             <a:fld id="{85D66074-6C35-4A31-8A98-E455C872C71E}" type="datetimeFigureOut">
               <a:rPr lang="sv-SE" smtClean="0"/>
-              <a:t>2017-04-25</a:t>
+              <a:t>2017-04-26</a:t>
             </a:fld>
             <a:endParaRPr lang="sv-SE"/>
           </a:p>
@@ -1237,7 +1240,7 @@
           <a:p>
             <a:fld id="{85D66074-6C35-4A31-8A98-E455C872C71E}" type="datetimeFigureOut">
               <a:rPr lang="sv-SE" smtClean="0"/>
-              <a:t>2017-04-25</a:t>
+              <a:t>2017-04-26</a:t>
             </a:fld>
             <a:endParaRPr lang="sv-SE"/>
           </a:p>
@@ -1601,7 +1604,7 @@
           <a:p>
             <a:fld id="{85D66074-6C35-4A31-8A98-E455C872C71E}" type="datetimeFigureOut">
               <a:rPr lang="sv-SE" smtClean="0"/>
-              <a:t>2017-04-25</a:t>
+              <a:t>2017-04-26</a:t>
             </a:fld>
             <a:endParaRPr lang="sv-SE"/>
           </a:p>
@@ -1718,7 +1721,7 @@
           <a:p>
             <a:fld id="{85D66074-6C35-4A31-8A98-E455C872C71E}" type="datetimeFigureOut">
               <a:rPr lang="sv-SE" smtClean="0"/>
-              <a:t>2017-04-25</a:t>
+              <a:t>2017-04-26</a:t>
             </a:fld>
             <a:endParaRPr lang="sv-SE"/>
           </a:p>
@@ -1813,7 +1816,7 @@
           <a:p>
             <a:fld id="{85D66074-6C35-4A31-8A98-E455C872C71E}" type="datetimeFigureOut">
               <a:rPr lang="sv-SE" smtClean="0"/>
-              <a:t>2017-04-25</a:t>
+              <a:t>2017-04-26</a:t>
             </a:fld>
             <a:endParaRPr lang="sv-SE"/>
           </a:p>
@@ -2088,7 +2091,7 @@
           <a:p>
             <a:fld id="{85D66074-6C35-4A31-8A98-E455C872C71E}" type="datetimeFigureOut">
               <a:rPr lang="sv-SE" smtClean="0"/>
-              <a:t>2017-04-25</a:t>
+              <a:t>2017-04-26</a:t>
             </a:fld>
             <a:endParaRPr lang="sv-SE"/>
           </a:p>
@@ -2340,7 +2343,7 @@
           <a:p>
             <a:fld id="{85D66074-6C35-4A31-8A98-E455C872C71E}" type="datetimeFigureOut">
               <a:rPr lang="sv-SE" smtClean="0"/>
-              <a:t>2017-04-25</a:t>
+              <a:t>2017-04-26</a:t>
             </a:fld>
             <a:endParaRPr lang="sv-SE"/>
           </a:p>
@@ -2551,7 +2554,7 @@
           <a:p>
             <a:fld id="{85D66074-6C35-4A31-8A98-E455C872C71E}" type="datetimeFigureOut">
               <a:rPr lang="sv-SE" smtClean="0"/>
-              <a:t>2017-04-25</a:t>
+              <a:t>2017-04-26</a:t>
             </a:fld>
             <a:endParaRPr lang="sv-SE"/>
           </a:p>
@@ -3010,6 +3013,2167 @@
 </p:sld>
 </file>
 
+<file path=ppt/slides/slide10.xml><?xml version="1.0" encoding="utf-8"?>
+<p:sld xmlns:a="http://schemas.openxmlformats.org/drawingml/2006/main" xmlns:r="http://schemas.openxmlformats.org/officeDocument/2006/relationships" xmlns:p="http://schemas.openxmlformats.org/presentationml/2006/main">
+  <p:cSld>
+    <p:spTree>
+      <p:nvGrpSpPr>
+        <p:cNvPr id="1" name=""/>
+        <p:cNvGrpSpPr/>
+        <p:nvPr/>
+      </p:nvGrpSpPr>
+      <p:grpSpPr>
+        <a:xfrm>
+          <a:off x="0" y="0"/>
+          <a:ext cx="0" cy="0"/>
+          <a:chOff x="0" y="0"/>
+          <a:chExt cx="0" cy="0"/>
+        </a:xfrm>
+      </p:grpSpPr>
+      <p:sp>
+        <p:nvSpPr>
+          <p:cNvPr id="2" name="Rubrik 1"/>
+          <p:cNvSpPr>
+            <a:spLocks noGrp="1"/>
+          </p:cNvSpPr>
+          <p:nvPr>
+            <p:ph type="title"/>
+          </p:nvPr>
+        </p:nvSpPr>
+        <p:spPr/>
+        <p:txBody>
+          <a:bodyPr/>
+          <a:lstStyle/>
+          <a:p>
+            <a:r>
+              <a:rPr lang="sv-SE" dirty="0" err="1"/>
+              <a:t>First</a:t>
+            </a:r>
+            <a:endParaRPr lang="sv-SE" dirty="0"/>
+          </a:p>
+        </p:txBody>
+      </p:sp>
+      <p:sp>
+        <p:nvSpPr>
+          <p:cNvPr id="3" name="Platshållare för innehåll 2"/>
+          <p:cNvSpPr>
+            <a:spLocks noGrp="1"/>
+          </p:cNvSpPr>
+          <p:nvPr>
+            <p:ph idx="1"/>
+          </p:nvPr>
+        </p:nvSpPr>
+        <p:spPr/>
+        <p:txBody>
+          <a:bodyPr/>
+          <a:lstStyle/>
+          <a:p>
+            <a:endParaRPr lang="sv-SE" dirty="0"/>
+          </a:p>
+          <a:p>
+            <a:endParaRPr lang="sv-SE" dirty="0"/>
+          </a:p>
+        </p:txBody>
+      </p:sp>
+      <p:sp>
+        <p:nvSpPr>
+          <p:cNvPr id="4" name="Rektangel 3"/>
+          <p:cNvSpPr/>
+          <p:nvPr/>
+        </p:nvSpPr>
+        <p:spPr>
+          <a:xfrm>
+            <a:off x="1585518" y="2634143"/>
+            <a:ext cx="1719743" cy="1023457"/>
+          </a:xfrm>
+          <a:prstGeom prst="rect">
+            <a:avLst/>
+          </a:prstGeom>
+        </p:spPr>
+        <p:style>
+          <a:lnRef idx="2">
+            <a:schemeClr val="accent1">
+              <a:shade val="50000"/>
+            </a:schemeClr>
+          </a:lnRef>
+          <a:fillRef idx="1">
+            <a:schemeClr val="accent1"/>
+          </a:fillRef>
+          <a:effectRef idx="0">
+            <a:schemeClr val="accent1"/>
+          </a:effectRef>
+          <a:fontRef idx="minor">
+            <a:schemeClr val="lt1"/>
+          </a:fontRef>
+        </p:style>
+        <p:txBody>
+          <a:bodyPr rtlCol="0" anchor="ctr"/>
+          <a:lstStyle/>
+          <a:p>
+            <a:pPr algn="ctr"/>
+            <a:endParaRPr lang="sv-SE" dirty="0"/>
+          </a:p>
+        </p:txBody>
+      </p:sp>
+      <p:sp>
+        <p:nvSpPr>
+          <p:cNvPr id="5" name="Rektangel 4"/>
+          <p:cNvSpPr/>
+          <p:nvPr/>
+        </p:nvSpPr>
+        <p:spPr>
+          <a:xfrm>
+            <a:off x="1711354" y="3041007"/>
+            <a:ext cx="285226" cy="209725"/>
+          </a:xfrm>
+          <a:prstGeom prst="rect">
+            <a:avLst/>
+          </a:prstGeom>
+          <a:solidFill>
+            <a:schemeClr val="accent2"/>
+          </a:solidFill>
+        </p:spPr>
+        <p:style>
+          <a:lnRef idx="2">
+            <a:schemeClr val="accent1">
+              <a:shade val="50000"/>
+            </a:schemeClr>
+          </a:lnRef>
+          <a:fillRef idx="1">
+            <a:schemeClr val="accent1"/>
+          </a:fillRef>
+          <a:effectRef idx="0">
+            <a:schemeClr val="accent1"/>
+          </a:effectRef>
+          <a:fontRef idx="minor">
+            <a:schemeClr val="lt1"/>
+          </a:fontRef>
+        </p:style>
+        <p:txBody>
+          <a:bodyPr rtlCol="0" anchor="ctr"/>
+          <a:lstStyle/>
+          <a:p>
+            <a:pPr algn="ctr"/>
+            <a:r>
+              <a:rPr lang="sv-SE" dirty="0"/>
+              <a:t>1</a:t>
+            </a:r>
+          </a:p>
+        </p:txBody>
+      </p:sp>
+      <p:sp>
+        <p:nvSpPr>
+          <p:cNvPr id="6" name="Rektangel 5"/>
+          <p:cNvSpPr/>
+          <p:nvPr/>
+        </p:nvSpPr>
+        <p:spPr>
+          <a:xfrm>
+            <a:off x="2130803" y="3041007"/>
+            <a:ext cx="285226" cy="209725"/>
+          </a:xfrm>
+          <a:prstGeom prst="rect">
+            <a:avLst/>
+          </a:prstGeom>
+          <a:solidFill>
+            <a:schemeClr val="accent2"/>
+          </a:solidFill>
+        </p:spPr>
+        <p:style>
+          <a:lnRef idx="2">
+            <a:schemeClr val="accent1">
+              <a:shade val="50000"/>
+            </a:schemeClr>
+          </a:lnRef>
+          <a:fillRef idx="1">
+            <a:schemeClr val="accent1"/>
+          </a:fillRef>
+          <a:effectRef idx="0">
+            <a:schemeClr val="accent1"/>
+          </a:effectRef>
+          <a:fontRef idx="minor">
+            <a:schemeClr val="lt1"/>
+          </a:fontRef>
+        </p:style>
+        <p:txBody>
+          <a:bodyPr rtlCol="0" anchor="ctr"/>
+          <a:lstStyle/>
+          <a:p>
+            <a:pPr algn="ctr"/>
+            <a:r>
+              <a:rPr lang="sv-SE" dirty="0"/>
+              <a:t>2</a:t>
+            </a:r>
+          </a:p>
+        </p:txBody>
+      </p:sp>
+      <p:sp>
+        <p:nvSpPr>
+          <p:cNvPr id="7" name="Rektangel 6"/>
+          <p:cNvSpPr/>
+          <p:nvPr/>
+        </p:nvSpPr>
+        <p:spPr>
+          <a:xfrm>
+            <a:off x="2542563" y="3041006"/>
+            <a:ext cx="285226" cy="209725"/>
+          </a:xfrm>
+          <a:prstGeom prst="rect">
+            <a:avLst/>
+          </a:prstGeom>
+          <a:solidFill>
+            <a:schemeClr val="accent2"/>
+          </a:solidFill>
+        </p:spPr>
+        <p:style>
+          <a:lnRef idx="2">
+            <a:schemeClr val="accent1">
+              <a:shade val="50000"/>
+            </a:schemeClr>
+          </a:lnRef>
+          <a:fillRef idx="1">
+            <a:schemeClr val="accent1"/>
+          </a:fillRef>
+          <a:effectRef idx="0">
+            <a:schemeClr val="accent1"/>
+          </a:effectRef>
+          <a:fontRef idx="minor">
+            <a:schemeClr val="lt1"/>
+          </a:fontRef>
+        </p:style>
+        <p:txBody>
+          <a:bodyPr rtlCol="0" anchor="ctr"/>
+          <a:lstStyle/>
+          <a:p>
+            <a:pPr algn="ctr"/>
+            <a:r>
+              <a:rPr lang="sv-SE" dirty="0"/>
+              <a:t>3</a:t>
+            </a:r>
+          </a:p>
+        </p:txBody>
+      </p:sp>
+      <p:sp>
+        <p:nvSpPr>
+          <p:cNvPr id="8" name="Rektangel 7"/>
+          <p:cNvSpPr/>
+          <p:nvPr/>
+        </p:nvSpPr>
+        <p:spPr>
+          <a:xfrm>
+            <a:off x="2923912" y="3041006"/>
+            <a:ext cx="285226" cy="209725"/>
+          </a:xfrm>
+          <a:prstGeom prst="rect">
+            <a:avLst/>
+          </a:prstGeom>
+          <a:solidFill>
+            <a:schemeClr val="accent2"/>
+          </a:solidFill>
+        </p:spPr>
+        <p:style>
+          <a:lnRef idx="2">
+            <a:schemeClr val="accent1">
+              <a:shade val="50000"/>
+            </a:schemeClr>
+          </a:lnRef>
+          <a:fillRef idx="1">
+            <a:schemeClr val="accent1"/>
+          </a:fillRef>
+          <a:effectRef idx="0">
+            <a:schemeClr val="accent1"/>
+          </a:effectRef>
+          <a:fontRef idx="minor">
+            <a:schemeClr val="lt1"/>
+          </a:fontRef>
+        </p:style>
+        <p:txBody>
+          <a:bodyPr rtlCol="0" anchor="ctr"/>
+          <a:lstStyle/>
+          <a:p>
+            <a:pPr algn="ctr"/>
+            <a:r>
+              <a:rPr lang="sv-SE" dirty="0"/>
+              <a:t>4</a:t>
+            </a:r>
+          </a:p>
+        </p:txBody>
+      </p:sp>
+      <p:sp>
+        <p:nvSpPr>
+          <p:cNvPr id="17" name="Rektangel 16"/>
+          <p:cNvSpPr/>
+          <p:nvPr/>
+        </p:nvSpPr>
+        <p:spPr>
+          <a:xfrm>
+            <a:off x="1585518" y="4001294"/>
+            <a:ext cx="1719743" cy="1023457"/>
+          </a:xfrm>
+          <a:prstGeom prst="rect">
+            <a:avLst/>
+          </a:prstGeom>
+        </p:spPr>
+        <p:style>
+          <a:lnRef idx="2">
+            <a:schemeClr val="accent1">
+              <a:shade val="50000"/>
+            </a:schemeClr>
+          </a:lnRef>
+          <a:fillRef idx="1">
+            <a:schemeClr val="accent1"/>
+          </a:fillRef>
+          <a:effectRef idx="0">
+            <a:schemeClr val="accent1"/>
+          </a:effectRef>
+          <a:fontRef idx="minor">
+            <a:schemeClr val="lt1"/>
+          </a:fontRef>
+        </p:style>
+        <p:txBody>
+          <a:bodyPr rtlCol="0" anchor="ctr"/>
+          <a:lstStyle/>
+          <a:p>
+            <a:pPr algn="ctr"/>
+            <a:endParaRPr lang="sv-SE" dirty="0"/>
+          </a:p>
+        </p:txBody>
+      </p:sp>
+      <p:sp>
+        <p:nvSpPr>
+          <p:cNvPr id="23" name="Rektangel 22"/>
+          <p:cNvSpPr/>
+          <p:nvPr/>
+        </p:nvSpPr>
+        <p:spPr>
+          <a:xfrm>
+            <a:off x="6719581" y="3954389"/>
+            <a:ext cx="1929468" cy="956345"/>
+          </a:xfrm>
+          <a:prstGeom prst="rect">
+            <a:avLst/>
+          </a:prstGeom>
+          <a:ln>
+            <a:noFill/>
+          </a:ln>
+        </p:spPr>
+        <p:style>
+          <a:lnRef idx="2">
+            <a:schemeClr val="dk1"/>
+          </a:lnRef>
+          <a:fillRef idx="1">
+            <a:schemeClr val="lt1"/>
+          </a:fillRef>
+          <a:effectRef idx="0">
+            <a:schemeClr val="dk1"/>
+          </a:effectRef>
+          <a:fontRef idx="minor">
+            <a:schemeClr val="dk1"/>
+          </a:fontRef>
+        </p:style>
+        <p:txBody>
+          <a:bodyPr rtlCol="0" anchor="ctr"/>
+          <a:lstStyle/>
+          <a:p>
+            <a:pPr algn="ctr"/>
+            <a:r>
+              <a:rPr lang="sv-SE" dirty="0" err="1"/>
+              <a:t>undefined</a:t>
+            </a:r>
+            <a:r>
+              <a:rPr lang="sv-SE" dirty="0"/>
+              <a:t> (not </a:t>
+            </a:r>
+            <a:r>
+              <a:rPr lang="sv-SE" dirty="0" err="1"/>
+              <a:t>functional</a:t>
+            </a:r>
+            <a:r>
+              <a:rPr lang="sv-SE" dirty="0"/>
+              <a:t> </a:t>
+            </a:r>
+            <a:r>
+              <a:rPr lang="sv-SE" dirty="0">
+                <a:sym typeface="Wingdings" panose="05000000000000000000" pitchFamily="2" charset="2"/>
+              </a:rPr>
+              <a:t></a:t>
+            </a:r>
+            <a:r>
+              <a:rPr lang="sv-SE" dirty="0"/>
+              <a:t>)</a:t>
+            </a:r>
+          </a:p>
+        </p:txBody>
+      </p:sp>
+      <p:sp>
+        <p:nvSpPr>
+          <p:cNvPr id="24" name="Rektangel 23"/>
+          <p:cNvSpPr/>
+          <p:nvPr/>
+        </p:nvSpPr>
+        <p:spPr>
+          <a:xfrm>
+            <a:off x="4047687" y="2667694"/>
+            <a:ext cx="1929468" cy="956345"/>
+          </a:xfrm>
+          <a:prstGeom prst="rect">
+            <a:avLst/>
+          </a:prstGeom>
+          <a:ln>
+            <a:noFill/>
+          </a:ln>
+        </p:spPr>
+        <p:style>
+          <a:lnRef idx="2">
+            <a:schemeClr val="dk1"/>
+          </a:lnRef>
+          <a:fillRef idx="1">
+            <a:schemeClr val="lt1"/>
+          </a:fillRef>
+          <a:effectRef idx="0">
+            <a:schemeClr val="dk1"/>
+          </a:effectRef>
+          <a:fontRef idx="minor">
+            <a:schemeClr val="dk1"/>
+          </a:fontRef>
+        </p:style>
+        <p:txBody>
+          <a:bodyPr rtlCol="0" anchor="ctr"/>
+          <a:lstStyle/>
+          <a:p>
+            <a:pPr algn="ctr"/>
+            <a:endParaRPr lang="sv-SE" dirty="0"/>
+          </a:p>
+        </p:txBody>
+      </p:sp>
+      <p:sp>
+        <p:nvSpPr>
+          <p:cNvPr id="13" name="Rektangel 12"/>
+          <p:cNvSpPr/>
+          <p:nvPr/>
+        </p:nvSpPr>
+        <p:spPr>
+          <a:xfrm>
+            <a:off x="7541702" y="3044180"/>
+            <a:ext cx="285226" cy="209725"/>
+          </a:xfrm>
+          <a:prstGeom prst="rect">
+            <a:avLst/>
+          </a:prstGeom>
+          <a:solidFill>
+            <a:schemeClr val="accent2"/>
+          </a:solidFill>
+        </p:spPr>
+        <p:style>
+          <a:lnRef idx="2">
+            <a:schemeClr val="accent1">
+              <a:shade val="50000"/>
+            </a:schemeClr>
+          </a:lnRef>
+          <a:fillRef idx="1">
+            <a:schemeClr val="accent1"/>
+          </a:fillRef>
+          <a:effectRef idx="0">
+            <a:schemeClr val="accent1"/>
+          </a:effectRef>
+          <a:fontRef idx="minor">
+            <a:schemeClr val="lt1"/>
+          </a:fontRef>
+        </p:style>
+        <p:txBody>
+          <a:bodyPr rtlCol="0" anchor="ctr"/>
+          <a:lstStyle/>
+          <a:p>
+            <a:pPr algn="ctr"/>
+            <a:r>
+              <a:rPr lang="sv-SE" dirty="0"/>
+              <a:t>1</a:t>
+            </a:r>
+          </a:p>
+        </p:txBody>
+      </p:sp>
+    </p:spTree>
+    <p:extLst>
+      <p:ext uri="{BB962C8B-B14F-4D97-AF65-F5344CB8AC3E}">
+        <p14:creationId xmlns:p14="http://schemas.microsoft.com/office/powerpoint/2010/main" val="1722622357"/>
+      </p:ext>
+    </p:extLst>
+  </p:cSld>
+  <p:clrMapOvr>
+    <a:masterClrMapping/>
+  </p:clrMapOvr>
+</p:sld>
+</file>
+
+<file path=ppt/slides/slide11.xml><?xml version="1.0" encoding="utf-8"?>
+<p:sld xmlns:a="http://schemas.openxmlformats.org/drawingml/2006/main" xmlns:r="http://schemas.openxmlformats.org/officeDocument/2006/relationships" xmlns:p="http://schemas.openxmlformats.org/presentationml/2006/main">
+  <p:cSld>
+    <p:spTree>
+      <p:nvGrpSpPr>
+        <p:cNvPr id="1" name=""/>
+        <p:cNvGrpSpPr/>
+        <p:nvPr/>
+      </p:nvGrpSpPr>
+      <p:grpSpPr>
+        <a:xfrm>
+          <a:off x="0" y="0"/>
+          <a:ext cx="0" cy="0"/>
+          <a:chOff x="0" y="0"/>
+          <a:chExt cx="0" cy="0"/>
+        </a:xfrm>
+      </p:grpSpPr>
+      <p:sp>
+        <p:nvSpPr>
+          <p:cNvPr id="2" name="Rubrik 1"/>
+          <p:cNvSpPr>
+            <a:spLocks noGrp="1"/>
+          </p:cNvSpPr>
+          <p:nvPr>
+            <p:ph type="title"/>
+          </p:nvPr>
+        </p:nvSpPr>
+        <p:spPr/>
+        <p:txBody>
+          <a:bodyPr/>
+          <a:lstStyle/>
+          <a:p>
+            <a:r>
+              <a:rPr lang="sv-SE" dirty="0" err="1"/>
+              <a:t>groupBy</a:t>
+            </a:r>
+            <a:endParaRPr lang="sv-SE" dirty="0"/>
+          </a:p>
+        </p:txBody>
+      </p:sp>
+      <p:sp>
+        <p:nvSpPr>
+          <p:cNvPr id="3" name="Platshållare för innehåll 2"/>
+          <p:cNvSpPr>
+            <a:spLocks noGrp="1"/>
+          </p:cNvSpPr>
+          <p:nvPr>
+            <p:ph idx="1"/>
+          </p:nvPr>
+        </p:nvSpPr>
+        <p:spPr>
+          <a:xfrm>
+            <a:off x="716280" y="1690688"/>
+            <a:ext cx="10515600" cy="4351338"/>
+          </a:xfrm>
+        </p:spPr>
+        <p:txBody>
+          <a:bodyPr/>
+          <a:lstStyle/>
+          <a:p>
+            <a:endParaRPr lang="sv-SE" dirty="0"/>
+          </a:p>
+          <a:p>
+            <a:endParaRPr lang="sv-SE" dirty="0"/>
+          </a:p>
+        </p:txBody>
+      </p:sp>
+      <p:sp>
+        <p:nvSpPr>
+          <p:cNvPr id="4" name="Rektangel 3"/>
+          <p:cNvSpPr/>
+          <p:nvPr/>
+        </p:nvSpPr>
+        <p:spPr>
+          <a:xfrm>
+            <a:off x="1585518" y="2634143"/>
+            <a:ext cx="1719743" cy="1023457"/>
+          </a:xfrm>
+          <a:prstGeom prst="rect">
+            <a:avLst/>
+          </a:prstGeom>
+        </p:spPr>
+        <p:style>
+          <a:lnRef idx="2">
+            <a:schemeClr val="accent1">
+              <a:shade val="50000"/>
+            </a:schemeClr>
+          </a:lnRef>
+          <a:fillRef idx="1">
+            <a:schemeClr val="accent1"/>
+          </a:fillRef>
+          <a:effectRef idx="0">
+            <a:schemeClr val="accent1"/>
+          </a:effectRef>
+          <a:fontRef idx="minor">
+            <a:schemeClr val="lt1"/>
+          </a:fontRef>
+        </p:style>
+        <p:txBody>
+          <a:bodyPr rtlCol="0" anchor="ctr"/>
+          <a:lstStyle/>
+          <a:p>
+            <a:pPr algn="ctr"/>
+            <a:endParaRPr lang="sv-SE" dirty="0"/>
+          </a:p>
+        </p:txBody>
+      </p:sp>
+      <p:sp>
+        <p:nvSpPr>
+          <p:cNvPr id="5" name="Rektangel 4"/>
+          <p:cNvSpPr/>
+          <p:nvPr/>
+        </p:nvSpPr>
+        <p:spPr>
+          <a:xfrm>
+            <a:off x="1711354" y="3041007"/>
+            <a:ext cx="285226" cy="209725"/>
+          </a:xfrm>
+          <a:prstGeom prst="rect">
+            <a:avLst/>
+          </a:prstGeom>
+          <a:solidFill>
+            <a:schemeClr val="accent2"/>
+          </a:solidFill>
+        </p:spPr>
+        <p:style>
+          <a:lnRef idx="2">
+            <a:schemeClr val="accent1">
+              <a:shade val="50000"/>
+            </a:schemeClr>
+          </a:lnRef>
+          <a:fillRef idx="1">
+            <a:schemeClr val="accent1"/>
+          </a:fillRef>
+          <a:effectRef idx="0">
+            <a:schemeClr val="accent1"/>
+          </a:effectRef>
+          <a:fontRef idx="minor">
+            <a:schemeClr val="lt1"/>
+          </a:fontRef>
+        </p:style>
+        <p:txBody>
+          <a:bodyPr rtlCol="0" anchor="ctr"/>
+          <a:lstStyle/>
+          <a:p>
+            <a:pPr algn="ctr"/>
+            <a:r>
+              <a:rPr lang="sv-SE" dirty="0"/>
+              <a:t>2</a:t>
+            </a:r>
+          </a:p>
+        </p:txBody>
+      </p:sp>
+      <p:sp>
+        <p:nvSpPr>
+          <p:cNvPr id="6" name="Rektangel 5"/>
+          <p:cNvSpPr/>
+          <p:nvPr/>
+        </p:nvSpPr>
+        <p:spPr>
+          <a:xfrm>
+            <a:off x="2130803" y="3041007"/>
+            <a:ext cx="285226" cy="209725"/>
+          </a:xfrm>
+          <a:prstGeom prst="rect">
+            <a:avLst/>
+          </a:prstGeom>
+          <a:solidFill>
+            <a:schemeClr val="accent2"/>
+          </a:solidFill>
+        </p:spPr>
+        <p:style>
+          <a:lnRef idx="2">
+            <a:schemeClr val="accent1">
+              <a:shade val="50000"/>
+            </a:schemeClr>
+          </a:lnRef>
+          <a:fillRef idx="1">
+            <a:schemeClr val="accent1"/>
+          </a:fillRef>
+          <a:effectRef idx="0">
+            <a:schemeClr val="accent1"/>
+          </a:effectRef>
+          <a:fontRef idx="minor">
+            <a:schemeClr val="lt1"/>
+          </a:fontRef>
+        </p:style>
+        <p:txBody>
+          <a:bodyPr rtlCol="0" anchor="ctr"/>
+          <a:lstStyle/>
+          <a:p>
+            <a:pPr algn="ctr"/>
+            <a:r>
+              <a:rPr lang="sv-SE" dirty="0"/>
+              <a:t>1</a:t>
+            </a:r>
+          </a:p>
+        </p:txBody>
+      </p:sp>
+      <p:sp>
+        <p:nvSpPr>
+          <p:cNvPr id="7" name="Rektangel 6"/>
+          <p:cNvSpPr/>
+          <p:nvPr/>
+        </p:nvSpPr>
+        <p:spPr>
+          <a:xfrm>
+            <a:off x="2542563" y="3041006"/>
+            <a:ext cx="285226" cy="209725"/>
+          </a:xfrm>
+          <a:prstGeom prst="rect">
+            <a:avLst/>
+          </a:prstGeom>
+          <a:solidFill>
+            <a:schemeClr val="accent2"/>
+          </a:solidFill>
+        </p:spPr>
+        <p:style>
+          <a:lnRef idx="2">
+            <a:schemeClr val="accent1">
+              <a:shade val="50000"/>
+            </a:schemeClr>
+          </a:lnRef>
+          <a:fillRef idx="1">
+            <a:schemeClr val="accent1"/>
+          </a:fillRef>
+          <a:effectRef idx="0">
+            <a:schemeClr val="accent1"/>
+          </a:effectRef>
+          <a:fontRef idx="minor">
+            <a:schemeClr val="lt1"/>
+          </a:fontRef>
+        </p:style>
+        <p:txBody>
+          <a:bodyPr rtlCol="0" anchor="ctr"/>
+          <a:lstStyle/>
+          <a:p>
+            <a:pPr algn="ctr"/>
+            <a:r>
+              <a:rPr lang="sv-SE" dirty="0"/>
+              <a:t>2</a:t>
+            </a:r>
+          </a:p>
+        </p:txBody>
+      </p:sp>
+      <p:sp>
+        <p:nvSpPr>
+          <p:cNvPr id="8" name="Rektangel 7"/>
+          <p:cNvSpPr/>
+          <p:nvPr/>
+        </p:nvSpPr>
+        <p:spPr>
+          <a:xfrm>
+            <a:off x="2923912" y="3041006"/>
+            <a:ext cx="285226" cy="209725"/>
+          </a:xfrm>
+          <a:prstGeom prst="rect">
+            <a:avLst/>
+          </a:prstGeom>
+          <a:solidFill>
+            <a:schemeClr val="accent2"/>
+          </a:solidFill>
+        </p:spPr>
+        <p:style>
+          <a:lnRef idx="2">
+            <a:schemeClr val="accent1">
+              <a:shade val="50000"/>
+            </a:schemeClr>
+          </a:lnRef>
+          <a:fillRef idx="1">
+            <a:schemeClr val="accent1"/>
+          </a:fillRef>
+          <a:effectRef idx="0">
+            <a:schemeClr val="accent1"/>
+          </a:effectRef>
+          <a:fontRef idx="minor">
+            <a:schemeClr val="lt1"/>
+          </a:fontRef>
+        </p:style>
+        <p:txBody>
+          <a:bodyPr rtlCol="0" anchor="ctr"/>
+          <a:lstStyle/>
+          <a:p>
+            <a:pPr algn="ctr"/>
+            <a:r>
+              <a:rPr lang="sv-SE" dirty="0"/>
+              <a:t>3</a:t>
+            </a:r>
+          </a:p>
+        </p:txBody>
+      </p:sp>
+      <p:sp>
+        <p:nvSpPr>
+          <p:cNvPr id="17" name="Rektangel 16"/>
+          <p:cNvSpPr/>
+          <p:nvPr/>
+        </p:nvSpPr>
+        <p:spPr>
+          <a:xfrm>
+            <a:off x="1585518" y="3954389"/>
+            <a:ext cx="1719743" cy="1023457"/>
+          </a:xfrm>
+          <a:prstGeom prst="rect">
+            <a:avLst/>
+          </a:prstGeom>
+        </p:spPr>
+        <p:style>
+          <a:lnRef idx="2">
+            <a:schemeClr val="accent1">
+              <a:shade val="50000"/>
+            </a:schemeClr>
+          </a:lnRef>
+          <a:fillRef idx="1">
+            <a:schemeClr val="accent1"/>
+          </a:fillRef>
+          <a:effectRef idx="0">
+            <a:schemeClr val="accent1"/>
+          </a:effectRef>
+          <a:fontRef idx="minor">
+            <a:schemeClr val="lt1"/>
+          </a:fontRef>
+        </p:style>
+        <p:txBody>
+          <a:bodyPr rtlCol="0" anchor="ctr"/>
+          <a:lstStyle/>
+          <a:p>
+            <a:pPr algn="ctr"/>
+            <a:endParaRPr lang="sv-SE" dirty="0"/>
+          </a:p>
+        </p:txBody>
+      </p:sp>
+      <p:sp>
+        <p:nvSpPr>
+          <p:cNvPr id="9" name="Vänster klammerparentes 8"/>
+          <p:cNvSpPr/>
+          <p:nvPr/>
+        </p:nvSpPr>
+        <p:spPr>
+          <a:xfrm>
+            <a:off x="6839147" y="2634143"/>
+            <a:ext cx="155448" cy="1023456"/>
+          </a:xfrm>
+          <a:prstGeom prst="leftBrace">
+            <a:avLst/>
+          </a:prstGeom>
+        </p:spPr>
+        <p:style>
+          <a:lnRef idx="1">
+            <a:schemeClr val="accent1"/>
+          </a:lnRef>
+          <a:fillRef idx="0">
+            <a:schemeClr val="accent1"/>
+          </a:fillRef>
+          <a:effectRef idx="0">
+            <a:schemeClr val="accent1"/>
+          </a:effectRef>
+          <a:fontRef idx="minor">
+            <a:schemeClr val="tx1"/>
+          </a:fontRef>
+        </p:style>
+        <p:txBody>
+          <a:bodyPr rtlCol="0" anchor="ctr"/>
+          <a:lstStyle/>
+          <a:p>
+            <a:pPr algn="ctr"/>
+            <a:endParaRPr lang="sv-SE"/>
+          </a:p>
+        </p:txBody>
+      </p:sp>
+      <p:sp>
+        <p:nvSpPr>
+          <p:cNvPr id="10" name="Höger klammerparentes 9"/>
+          <p:cNvSpPr/>
+          <p:nvPr/>
+        </p:nvSpPr>
+        <p:spPr>
+          <a:xfrm>
+            <a:off x="7960263" y="2634142"/>
+            <a:ext cx="155448" cy="1023457"/>
+          </a:xfrm>
+          <a:prstGeom prst="rightBrace">
+            <a:avLst/>
+          </a:prstGeom>
+        </p:spPr>
+        <p:style>
+          <a:lnRef idx="1">
+            <a:schemeClr val="accent1"/>
+          </a:lnRef>
+          <a:fillRef idx="0">
+            <a:schemeClr val="accent1"/>
+          </a:fillRef>
+          <a:effectRef idx="0">
+            <a:schemeClr val="accent1"/>
+          </a:effectRef>
+          <a:fontRef idx="minor">
+            <a:schemeClr val="tx1"/>
+          </a:fontRef>
+        </p:style>
+        <p:txBody>
+          <a:bodyPr rtlCol="0" anchor="ctr"/>
+          <a:lstStyle/>
+          <a:p>
+            <a:pPr algn="ctr"/>
+            <a:endParaRPr lang="sv-SE"/>
+          </a:p>
+        </p:txBody>
+      </p:sp>
+      <p:sp>
+        <p:nvSpPr>
+          <p:cNvPr id="28" name="Vänster klammerparentes 27"/>
+          <p:cNvSpPr/>
+          <p:nvPr/>
+        </p:nvSpPr>
+        <p:spPr>
+          <a:xfrm>
+            <a:off x="6839147" y="4063446"/>
+            <a:ext cx="155448" cy="914400"/>
+          </a:xfrm>
+          <a:prstGeom prst="leftBrace">
+            <a:avLst/>
+          </a:prstGeom>
+        </p:spPr>
+        <p:style>
+          <a:lnRef idx="1">
+            <a:schemeClr val="accent1"/>
+          </a:lnRef>
+          <a:fillRef idx="0">
+            <a:schemeClr val="accent1"/>
+          </a:fillRef>
+          <a:effectRef idx="0">
+            <a:schemeClr val="accent1"/>
+          </a:effectRef>
+          <a:fontRef idx="minor">
+            <a:schemeClr val="tx1"/>
+          </a:fontRef>
+        </p:style>
+        <p:txBody>
+          <a:bodyPr rtlCol="0" anchor="ctr"/>
+          <a:lstStyle/>
+          <a:p>
+            <a:pPr algn="ctr"/>
+            <a:endParaRPr lang="sv-SE"/>
+          </a:p>
+        </p:txBody>
+      </p:sp>
+      <p:sp>
+        <p:nvSpPr>
+          <p:cNvPr id="29" name="Höger klammerparentes 28"/>
+          <p:cNvSpPr/>
+          <p:nvPr/>
+        </p:nvSpPr>
+        <p:spPr>
+          <a:xfrm>
+            <a:off x="7960263" y="4063446"/>
+            <a:ext cx="155448" cy="914400"/>
+          </a:xfrm>
+          <a:prstGeom prst="rightBrace">
+            <a:avLst/>
+          </a:prstGeom>
+        </p:spPr>
+        <p:style>
+          <a:lnRef idx="1">
+            <a:schemeClr val="accent1"/>
+          </a:lnRef>
+          <a:fillRef idx="0">
+            <a:schemeClr val="accent1"/>
+          </a:fillRef>
+          <a:effectRef idx="0">
+            <a:schemeClr val="accent1"/>
+          </a:effectRef>
+          <a:fontRef idx="minor">
+            <a:schemeClr val="tx1"/>
+          </a:fontRef>
+        </p:style>
+        <p:txBody>
+          <a:bodyPr rtlCol="0" anchor="ctr"/>
+          <a:lstStyle/>
+          <a:p>
+            <a:pPr algn="ctr"/>
+            <a:endParaRPr lang="sv-SE"/>
+          </a:p>
+        </p:txBody>
+      </p:sp>
+      <p:sp>
+        <p:nvSpPr>
+          <p:cNvPr id="30" name="Rektangel 29"/>
+          <p:cNvSpPr/>
+          <p:nvPr/>
+        </p:nvSpPr>
+        <p:spPr>
+          <a:xfrm>
+            <a:off x="7023990" y="2634143"/>
+            <a:ext cx="896599" cy="267663"/>
+          </a:xfrm>
+          <a:prstGeom prst="rect">
+            <a:avLst/>
+          </a:prstGeom>
+        </p:spPr>
+        <p:style>
+          <a:lnRef idx="2">
+            <a:schemeClr val="accent1">
+              <a:shade val="50000"/>
+            </a:schemeClr>
+          </a:lnRef>
+          <a:fillRef idx="1">
+            <a:schemeClr val="accent1"/>
+          </a:fillRef>
+          <a:effectRef idx="0">
+            <a:schemeClr val="accent1"/>
+          </a:effectRef>
+          <a:fontRef idx="minor">
+            <a:schemeClr val="lt1"/>
+          </a:fontRef>
+        </p:style>
+        <p:txBody>
+          <a:bodyPr rtlCol="0" anchor="ctr"/>
+          <a:lstStyle/>
+          <a:p>
+            <a:pPr algn="ctr"/>
+            <a:endParaRPr lang="sv-SE" dirty="0"/>
+          </a:p>
+        </p:txBody>
+      </p:sp>
+      <p:sp>
+        <p:nvSpPr>
+          <p:cNvPr id="31" name="Rektangel 30"/>
+          <p:cNvSpPr/>
+          <p:nvPr/>
+        </p:nvSpPr>
+        <p:spPr>
+          <a:xfrm>
+            <a:off x="7142384" y="2660579"/>
+            <a:ext cx="285226" cy="209725"/>
+          </a:xfrm>
+          <a:prstGeom prst="rect">
+            <a:avLst/>
+          </a:prstGeom>
+          <a:solidFill>
+            <a:schemeClr val="accent2"/>
+          </a:solidFill>
+        </p:spPr>
+        <p:style>
+          <a:lnRef idx="2">
+            <a:schemeClr val="accent1">
+              <a:shade val="50000"/>
+            </a:schemeClr>
+          </a:lnRef>
+          <a:fillRef idx="1">
+            <a:schemeClr val="accent1"/>
+          </a:fillRef>
+          <a:effectRef idx="0">
+            <a:schemeClr val="accent1"/>
+          </a:effectRef>
+          <a:fontRef idx="minor">
+            <a:schemeClr val="lt1"/>
+          </a:fontRef>
+        </p:style>
+        <p:txBody>
+          <a:bodyPr rtlCol="0" anchor="ctr"/>
+          <a:lstStyle/>
+          <a:p>
+            <a:pPr algn="ctr"/>
+            <a:r>
+              <a:rPr lang="sv-SE" dirty="0"/>
+              <a:t>1</a:t>
+            </a:r>
+          </a:p>
+        </p:txBody>
+      </p:sp>
+      <p:sp>
+        <p:nvSpPr>
+          <p:cNvPr id="32" name="Rektangel 31"/>
+          <p:cNvSpPr/>
+          <p:nvPr/>
+        </p:nvSpPr>
+        <p:spPr>
+          <a:xfrm>
+            <a:off x="7023990" y="2984890"/>
+            <a:ext cx="896599" cy="267663"/>
+          </a:xfrm>
+          <a:prstGeom prst="rect">
+            <a:avLst/>
+          </a:prstGeom>
+        </p:spPr>
+        <p:style>
+          <a:lnRef idx="2">
+            <a:schemeClr val="accent1">
+              <a:shade val="50000"/>
+            </a:schemeClr>
+          </a:lnRef>
+          <a:fillRef idx="1">
+            <a:schemeClr val="accent1"/>
+          </a:fillRef>
+          <a:effectRef idx="0">
+            <a:schemeClr val="accent1"/>
+          </a:effectRef>
+          <a:fontRef idx="minor">
+            <a:schemeClr val="lt1"/>
+          </a:fontRef>
+        </p:style>
+        <p:txBody>
+          <a:bodyPr rtlCol="0" anchor="ctr"/>
+          <a:lstStyle/>
+          <a:p>
+            <a:pPr algn="ctr"/>
+            <a:endParaRPr lang="sv-SE" dirty="0"/>
+          </a:p>
+        </p:txBody>
+      </p:sp>
+      <p:sp>
+        <p:nvSpPr>
+          <p:cNvPr id="33" name="Rektangel 32"/>
+          <p:cNvSpPr/>
+          <p:nvPr/>
+        </p:nvSpPr>
+        <p:spPr>
+          <a:xfrm>
+            <a:off x="7142384" y="3019384"/>
+            <a:ext cx="285226" cy="209725"/>
+          </a:xfrm>
+          <a:prstGeom prst="rect">
+            <a:avLst/>
+          </a:prstGeom>
+          <a:solidFill>
+            <a:schemeClr val="accent2"/>
+          </a:solidFill>
+        </p:spPr>
+        <p:style>
+          <a:lnRef idx="2">
+            <a:schemeClr val="accent1">
+              <a:shade val="50000"/>
+            </a:schemeClr>
+          </a:lnRef>
+          <a:fillRef idx="1">
+            <a:schemeClr val="accent1"/>
+          </a:fillRef>
+          <a:effectRef idx="0">
+            <a:schemeClr val="accent1"/>
+          </a:effectRef>
+          <a:fontRef idx="minor">
+            <a:schemeClr val="lt1"/>
+          </a:fontRef>
+        </p:style>
+        <p:txBody>
+          <a:bodyPr rtlCol="0" anchor="ctr"/>
+          <a:lstStyle/>
+          <a:p>
+            <a:pPr algn="ctr"/>
+            <a:r>
+              <a:rPr lang="sv-SE" dirty="0"/>
+              <a:t>2</a:t>
+            </a:r>
+          </a:p>
+        </p:txBody>
+      </p:sp>
+      <p:sp>
+        <p:nvSpPr>
+          <p:cNvPr id="34" name="Rektangel 33"/>
+          <p:cNvSpPr/>
+          <p:nvPr/>
+        </p:nvSpPr>
+        <p:spPr>
+          <a:xfrm>
+            <a:off x="7492750" y="3023516"/>
+            <a:ext cx="285226" cy="209725"/>
+          </a:xfrm>
+          <a:prstGeom prst="rect">
+            <a:avLst/>
+          </a:prstGeom>
+          <a:solidFill>
+            <a:schemeClr val="accent2"/>
+          </a:solidFill>
+        </p:spPr>
+        <p:style>
+          <a:lnRef idx="2">
+            <a:schemeClr val="accent1">
+              <a:shade val="50000"/>
+            </a:schemeClr>
+          </a:lnRef>
+          <a:fillRef idx="1">
+            <a:schemeClr val="accent1"/>
+          </a:fillRef>
+          <a:effectRef idx="0">
+            <a:schemeClr val="accent1"/>
+          </a:effectRef>
+          <a:fontRef idx="minor">
+            <a:schemeClr val="lt1"/>
+          </a:fontRef>
+        </p:style>
+        <p:txBody>
+          <a:bodyPr rtlCol="0" anchor="ctr"/>
+          <a:lstStyle/>
+          <a:p>
+            <a:pPr algn="ctr"/>
+            <a:r>
+              <a:rPr lang="sv-SE" dirty="0"/>
+              <a:t>2</a:t>
+            </a:r>
+          </a:p>
+        </p:txBody>
+      </p:sp>
+      <p:sp>
+        <p:nvSpPr>
+          <p:cNvPr id="35" name="Rektangel 34"/>
+          <p:cNvSpPr/>
+          <p:nvPr/>
+        </p:nvSpPr>
+        <p:spPr>
+          <a:xfrm>
+            <a:off x="7023990" y="3335637"/>
+            <a:ext cx="896599" cy="267663"/>
+          </a:xfrm>
+          <a:prstGeom prst="rect">
+            <a:avLst/>
+          </a:prstGeom>
+        </p:spPr>
+        <p:style>
+          <a:lnRef idx="2">
+            <a:schemeClr val="accent1">
+              <a:shade val="50000"/>
+            </a:schemeClr>
+          </a:lnRef>
+          <a:fillRef idx="1">
+            <a:schemeClr val="accent1"/>
+          </a:fillRef>
+          <a:effectRef idx="0">
+            <a:schemeClr val="accent1"/>
+          </a:effectRef>
+          <a:fontRef idx="minor">
+            <a:schemeClr val="lt1"/>
+          </a:fontRef>
+        </p:style>
+        <p:txBody>
+          <a:bodyPr rtlCol="0" anchor="ctr"/>
+          <a:lstStyle/>
+          <a:p>
+            <a:pPr algn="ctr"/>
+            <a:endParaRPr lang="sv-SE" dirty="0"/>
+          </a:p>
+        </p:txBody>
+      </p:sp>
+      <p:sp>
+        <p:nvSpPr>
+          <p:cNvPr id="36" name="Rektangel 35"/>
+          <p:cNvSpPr/>
+          <p:nvPr/>
+        </p:nvSpPr>
+        <p:spPr>
+          <a:xfrm>
+            <a:off x="7142384" y="3362977"/>
+            <a:ext cx="285226" cy="209725"/>
+          </a:xfrm>
+          <a:prstGeom prst="rect">
+            <a:avLst/>
+          </a:prstGeom>
+          <a:solidFill>
+            <a:schemeClr val="accent2"/>
+          </a:solidFill>
+        </p:spPr>
+        <p:style>
+          <a:lnRef idx="2">
+            <a:schemeClr val="accent1">
+              <a:shade val="50000"/>
+            </a:schemeClr>
+          </a:lnRef>
+          <a:fillRef idx="1">
+            <a:schemeClr val="accent1"/>
+          </a:fillRef>
+          <a:effectRef idx="0">
+            <a:schemeClr val="accent1"/>
+          </a:effectRef>
+          <a:fontRef idx="minor">
+            <a:schemeClr val="lt1"/>
+          </a:fontRef>
+        </p:style>
+        <p:txBody>
+          <a:bodyPr rtlCol="0" anchor="ctr"/>
+          <a:lstStyle/>
+          <a:p>
+            <a:pPr algn="ctr"/>
+            <a:r>
+              <a:rPr lang="sv-SE" dirty="0"/>
+              <a:t>3</a:t>
+            </a:r>
+          </a:p>
+        </p:txBody>
+      </p:sp>
+    </p:spTree>
+    <p:extLst>
+      <p:ext uri="{BB962C8B-B14F-4D97-AF65-F5344CB8AC3E}">
+        <p14:creationId xmlns:p14="http://schemas.microsoft.com/office/powerpoint/2010/main" val="1333644693"/>
+      </p:ext>
+    </p:extLst>
+  </p:cSld>
+  <p:clrMapOvr>
+    <a:masterClrMapping/>
+  </p:clrMapOvr>
+</p:sld>
+</file>
+
+<file path=ppt/slides/slide12.xml><?xml version="1.0" encoding="utf-8"?>
+<p:sld xmlns:a="http://schemas.openxmlformats.org/drawingml/2006/main" xmlns:r="http://schemas.openxmlformats.org/officeDocument/2006/relationships" xmlns:p="http://schemas.openxmlformats.org/presentationml/2006/main">
+  <p:cSld>
+    <p:spTree>
+      <p:nvGrpSpPr>
+        <p:cNvPr id="1" name=""/>
+        <p:cNvGrpSpPr/>
+        <p:nvPr/>
+      </p:nvGrpSpPr>
+      <p:grpSpPr>
+        <a:xfrm>
+          <a:off x="0" y="0"/>
+          <a:ext cx="0" cy="0"/>
+          <a:chOff x="0" y="0"/>
+          <a:chExt cx="0" cy="0"/>
+        </a:xfrm>
+      </p:grpSpPr>
+      <p:sp>
+        <p:nvSpPr>
+          <p:cNvPr id="2" name="Rubrik 1"/>
+          <p:cNvSpPr>
+            <a:spLocks noGrp="1"/>
+          </p:cNvSpPr>
+          <p:nvPr>
+            <p:ph type="title"/>
+          </p:nvPr>
+        </p:nvSpPr>
+        <p:spPr/>
+        <p:txBody>
+          <a:bodyPr/>
+          <a:lstStyle/>
+          <a:p>
+            <a:r>
+              <a:rPr lang="sv-SE" dirty="0"/>
+              <a:t>partition</a:t>
+            </a:r>
+          </a:p>
+        </p:txBody>
+      </p:sp>
+      <p:sp>
+        <p:nvSpPr>
+          <p:cNvPr id="3" name="Platshållare för innehåll 2"/>
+          <p:cNvSpPr>
+            <a:spLocks noGrp="1"/>
+          </p:cNvSpPr>
+          <p:nvPr>
+            <p:ph idx="1"/>
+          </p:nvPr>
+        </p:nvSpPr>
+        <p:spPr>
+          <a:xfrm>
+            <a:off x="716280" y="1690688"/>
+            <a:ext cx="10515600" cy="4351338"/>
+          </a:xfrm>
+        </p:spPr>
+        <p:txBody>
+          <a:bodyPr/>
+          <a:lstStyle/>
+          <a:p>
+            <a:endParaRPr lang="sv-SE" dirty="0"/>
+          </a:p>
+          <a:p>
+            <a:endParaRPr lang="sv-SE" dirty="0"/>
+          </a:p>
+        </p:txBody>
+      </p:sp>
+      <p:sp>
+        <p:nvSpPr>
+          <p:cNvPr id="4" name="Rektangel 3"/>
+          <p:cNvSpPr/>
+          <p:nvPr/>
+        </p:nvSpPr>
+        <p:spPr>
+          <a:xfrm>
+            <a:off x="1585518" y="2634143"/>
+            <a:ext cx="1719743" cy="1023457"/>
+          </a:xfrm>
+          <a:prstGeom prst="rect">
+            <a:avLst/>
+          </a:prstGeom>
+        </p:spPr>
+        <p:style>
+          <a:lnRef idx="2">
+            <a:schemeClr val="accent1">
+              <a:shade val="50000"/>
+            </a:schemeClr>
+          </a:lnRef>
+          <a:fillRef idx="1">
+            <a:schemeClr val="accent1"/>
+          </a:fillRef>
+          <a:effectRef idx="0">
+            <a:schemeClr val="accent1"/>
+          </a:effectRef>
+          <a:fontRef idx="minor">
+            <a:schemeClr val="lt1"/>
+          </a:fontRef>
+        </p:style>
+        <p:txBody>
+          <a:bodyPr rtlCol="0" anchor="ctr"/>
+          <a:lstStyle/>
+          <a:p>
+            <a:pPr algn="ctr"/>
+            <a:endParaRPr lang="sv-SE" dirty="0"/>
+          </a:p>
+        </p:txBody>
+      </p:sp>
+      <p:sp>
+        <p:nvSpPr>
+          <p:cNvPr id="5" name="Rektangel 4"/>
+          <p:cNvSpPr/>
+          <p:nvPr/>
+        </p:nvSpPr>
+        <p:spPr>
+          <a:xfrm>
+            <a:off x="1711354" y="3041007"/>
+            <a:ext cx="285226" cy="209725"/>
+          </a:xfrm>
+          <a:prstGeom prst="rect">
+            <a:avLst/>
+          </a:prstGeom>
+          <a:solidFill>
+            <a:schemeClr val="accent2"/>
+          </a:solidFill>
+        </p:spPr>
+        <p:style>
+          <a:lnRef idx="2">
+            <a:schemeClr val="accent1">
+              <a:shade val="50000"/>
+            </a:schemeClr>
+          </a:lnRef>
+          <a:fillRef idx="1">
+            <a:schemeClr val="accent1"/>
+          </a:fillRef>
+          <a:effectRef idx="0">
+            <a:schemeClr val="accent1"/>
+          </a:effectRef>
+          <a:fontRef idx="minor">
+            <a:schemeClr val="lt1"/>
+          </a:fontRef>
+        </p:style>
+        <p:txBody>
+          <a:bodyPr rtlCol="0" anchor="ctr"/>
+          <a:lstStyle/>
+          <a:p>
+            <a:pPr algn="ctr"/>
+            <a:r>
+              <a:rPr lang="sv-SE" dirty="0"/>
+              <a:t>2</a:t>
+            </a:r>
+          </a:p>
+        </p:txBody>
+      </p:sp>
+      <p:sp>
+        <p:nvSpPr>
+          <p:cNvPr id="6" name="Rektangel 5"/>
+          <p:cNvSpPr/>
+          <p:nvPr/>
+        </p:nvSpPr>
+        <p:spPr>
+          <a:xfrm>
+            <a:off x="2130803" y="3041007"/>
+            <a:ext cx="285226" cy="209725"/>
+          </a:xfrm>
+          <a:prstGeom prst="rect">
+            <a:avLst/>
+          </a:prstGeom>
+          <a:solidFill>
+            <a:schemeClr val="accent2"/>
+          </a:solidFill>
+        </p:spPr>
+        <p:style>
+          <a:lnRef idx="2">
+            <a:schemeClr val="accent1">
+              <a:shade val="50000"/>
+            </a:schemeClr>
+          </a:lnRef>
+          <a:fillRef idx="1">
+            <a:schemeClr val="accent1"/>
+          </a:fillRef>
+          <a:effectRef idx="0">
+            <a:schemeClr val="accent1"/>
+          </a:effectRef>
+          <a:fontRef idx="minor">
+            <a:schemeClr val="lt1"/>
+          </a:fontRef>
+        </p:style>
+        <p:txBody>
+          <a:bodyPr rtlCol="0" anchor="ctr"/>
+          <a:lstStyle/>
+          <a:p>
+            <a:pPr algn="ctr"/>
+            <a:r>
+              <a:rPr lang="sv-SE" dirty="0"/>
+              <a:t>1</a:t>
+            </a:r>
+          </a:p>
+        </p:txBody>
+      </p:sp>
+      <p:sp>
+        <p:nvSpPr>
+          <p:cNvPr id="7" name="Rektangel 6"/>
+          <p:cNvSpPr/>
+          <p:nvPr/>
+        </p:nvSpPr>
+        <p:spPr>
+          <a:xfrm>
+            <a:off x="2542563" y="3041006"/>
+            <a:ext cx="285226" cy="209725"/>
+          </a:xfrm>
+          <a:prstGeom prst="rect">
+            <a:avLst/>
+          </a:prstGeom>
+          <a:solidFill>
+            <a:schemeClr val="accent2"/>
+          </a:solidFill>
+        </p:spPr>
+        <p:style>
+          <a:lnRef idx="2">
+            <a:schemeClr val="accent1">
+              <a:shade val="50000"/>
+            </a:schemeClr>
+          </a:lnRef>
+          <a:fillRef idx="1">
+            <a:schemeClr val="accent1"/>
+          </a:fillRef>
+          <a:effectRef idx="0">
+            <a:schemeClr val="accent1"/>
+          </a:effectRef>
+          <a:fontRef idx="minor">
+            <a:schemeClr val="lt1"/>
+          </a:fontRef>
+        </p:style>
+        <p:txBody>
+          <a:bodyPr rtlCol="0" anchor="ctr"/>
+          <a:lstStyle/>
+          <a:p>
+            <a:pPr algn="ctr"/>
+            <a:r>
+              <a:rPr lang="sv-SE" dirty="0"/>
+              <a:t>2</a:t>
+            </a:r>
+          </a:p>
+        </p:txBody>
+      </p:sp>
+      <p:sp>
+        <p:nvSpPr>
+          <p:cNvPr id="8" name="Rektangel 7"/>
+          <p:cNvSpPr/>
+          <p:nvPr/>
+        </p:nvSpPr>
+        <p:spPr>
+          <a:xfrm>
+            <a:off x="2923912" y="3041006"/>
+            <a:ext cx="285226" cy="209725"/>
+          </a:xfrm>
+          <a:prstGeom prst="rect">
+            <a:avLst/>
+          </a:prstGeom>
+          <a:solidFill>
+            <a:schemeClr val="accent2"/>
+          </a:solidFill>
+        </p:spPr>
+        <p:style>
+          <a:lnRef idx="2">
+            <a:schemeClr val="accent1">
+              <a:shade val="50000"/>
+            </a:schemeClr>
+          </a:lnRef>
+          <a:fillRef idx="1">
+            <a:schemeClr val="accent1"/>
+          </a:fillRef>
+          <a:effectRef idx="0">
+            <a:schemeClr val="accent1"/>
+          </a:effectRef>
+          <a:fontRef idx="minor">
+            <a:schemeClr val="lt1"/>
+          </a:fontRef>
+        </p:style>
+        <p:txBody>
+          <a:bodyPr rtlCol="0" anchor="ctr"/>
+          <a:lstStyle/>
+          <a:p>
+            <a:pPr algn="ctr"/>
+            <a:r>
+              <a:rPr lang="sv-SE" dirty="0"/>
+              <a:t>3</a:t>
+            </a:r>
+          </a:p>
+        </p:txBody>
+      </p:sp>
+      <p:sp>
+        <p:nvSpPr>
+          <p:cNvPr id="17" name="Rektangel 16"/>
+          <p:cNvSpPr/>
+          <p:nvPr/>
+        </p:nvSpPr>
+        <p:spPr>
+          <a:xfrm>
+            <a:off x="1585517" y="3954389"/>
+            <a:ext cx="1719743" cy="1023457"/>
+          </a:xfrm>
+          <a:prstGeom prst="rect">
+            <a:avLst/>
+          </a:prstGeom>
+        </p:spPr>
+        <p:style>
+          <a:lnRef idx="2">
+            <a:schemeClr val="accent1">
+              <a:shade val="50000"/>
+            </a:schemeClr>
+          </a:lnRef>
+          <a:fillRef idx="1">
+            <a:schemeClr val="accent1"/>
+          </a:fillRef>
+          <a:effectRef idx="0">
+            <a:schemeClr val="accent1"/>
+          </a:effectRef>
+          <a:fontRef idx="minor">
+            <a:schemeClr val="lt1"/>
+          </a:fontRef>
+        </p:style>
+        <p:txBody>
+          <a:bodyPr rtlCol="0" anchor="ctr"/>
+          <a:lstStyle/>
+          <a:p>
+            <a:pPr algn="ctr"/>
+            <a:endParaRPr lang="sv-SE" dirty="0"/>
+          </a:p>
+        </p:txBody>
+      </p:sp>
+      <p:sp>
+        <p:nvSpPr>
+          <p:cNvPr id="21" name="Rektangel 20"/>
+          <p:cNvSpPr/>
+          <p:nvPr/>
+        </p:nvSpPr>
+        <p:spPr>
+          <a:xfrm>
+            <a:off x="7459449" y="2634139"/>
+            <a:ext cx="1719743" cy="1023457"/>
+          </a:xfrm>
+          <a:prstGeom prst="rect">
+            <a:avLst/>
+          </a:prstGeom>
+        </p:spPr>
+        <p:style>
+          <a:lnRef idx="2">
+            <a:schemeClr val="accent1">
+              <a:shade val="50000"/>
+            </a:schemeClr>
+          </a:lnRef>
+          <a:fillRef idx="1">
+            <a:schemeClr val="accent1"/>
+          </a:fillRef>
+          <a:effectRef idx="0">
+            <a:schemeClr val="accent1"/>
+          </a:effectRef>
+          <a:fontRef idx="minor">
+            <a:schemeClr val="lt1"/>
+          </a:fontRef>
+        </p:style>
+        <p:txBody>
+          <a:bodyPr rtlCol="0" anchor="ctr"/>
+          <a:lstStyle/>
+          <a:p>
+            <a:pPr algn="ctr"/>
+            <a:endParaRPr lang="sv-SE" dirty="0"/>
+          </a:p>
+        </p:txBody>
+      </p:sp>
+      <p:sp>
+        <p:nvSpPr>
+          <p:cNvPr id="22" name="Rektangel 21"/>
+          <p:cNvSpPr/>
+          <p:nvPr/>
+        </p:nvSpPr>
+        <p:spPr>
+          <a:xfrm>
+            <a:off x="4442027" y="2671046"/>
+            <a:ext cx="1929468" cy="956345"/>
+          </a:xfrm>
+          <a:prstGeom prst="rect">
+            <a:avLst/>
+          </a:prstGeom>
+          <a:ln>
+            <a:noFill/>
+          </a:ln>
+        </p:spPr>
+        <p:style>
+          <a:lnRef idx="2">
+            <a:schemeClr val="dk1"/>
+          </a:lnRef>
+          <a:fillRef idx="1">
+            <a:schemeClr val="lt1"/>
+          </a:fillRef>
+          <a:effectRef idx="0">
+            <a:schemeClr val="dk1"/>
+          </a:effectRef>
+          <a:fontRef idx="minor">
+            <a:schemeClr val="dk1"/>
+          </a:fontRef>
+        </p:style>
+        <p:txBody>
+          <a:bodyPr rtlCol="0" anchor="ctr"/>
+          <a:lstStyle/>
+          <a:p>
+            <a:pPr algn="ctr"/>
+            <a:r>
+              <a:rPr lang="sv-SE" dirty="0" err="1"/>
+              <a:t>isEven</a:t>
+            </a:r>
+            <a:endParaRPr lang="sv-SE" dirty="0"/>
+          </a:p>
+        </p:txBody>
+      </p:sp>
+      <p:sp>
+        <p:nvSpPr>
+          <p:cNvPr id="23" name="Rektangel 22"/>
+          <p:cNvSpPr/>
+          <p:nvPr/>
+        </p:nvSpPr>
+        <p:spPr>
+          <a:xfrm>
+            <a:off x="4442027" y="3878363"/>
+            <a:ext cx="1929468" cy="956345"/>
+          </a:xfrm>
+          <a:prstGeom prst="rect">
+            <a:avLst/>
+          </a:prstGeom>
+          <a:ln>
+            <a:noFill/>
+          </a:ln>
+        </p:spPr>
+        <p:style>
+          <a:lnRef idx="2">
+            <a:schemeClr val="dk1"/>
+          </a:lnRef>
+          <a:fillRef idx="1">
+            <a:schemeClr val="lt1"/>
+          </a:fillRef>
+          <a:effectRef idx="0">
+            <a:schemeClr val="dk1"/>
+          </a:effectRef>
+          <a:fontRef idx="minor">
+            <a:schemeClr val="dk1"/>
+          </a:fontRef>
+        </p:style>
+        <p:txBody>
+          <a:bodyPr rtlCol="0" anchor="ctr"/>
+          <a:lstStyle/>
+          <a:p>
+            <a:pPr algn="ctr"/>
+            <a:r>
+              <a:rPr lang="sv-SE" dirty="0" err="1"/>
+              <a:t>isEven</a:t>
+            </a:r>
+            <a:endParaRPr lang="sv-SE" dirty="0"/>
+          </a:p>
+        </p:txBody>
+      </p:sp>
+      <p:sp>
+        <p:nvSpPr>
+          <p:cNvPr id="11" name="Rektangel 10"/>
+          <p:cNvSpPr/>
+          <p:nvPr/>
+        </p:nvSpPr>
+        <p:spPr>
+          <a:xfrm>
+            <a:off x="7698116" y="2748118"/>
+            <a:ext cx="1242408" cy="371604"/>
+          </a:xfrm>
+          <a:prstGeom prst="rect">
+            <a:avLst/>
+          </a:prstGeom>
+          <a:solidFill>
+            <a:srgbClr val="002060"/>
+          </a:solidFill>
+        </p:spPr>
+        <p:style>
+          <a:lnRef idx="2">
+            <a:schemeClr val="accent1">
+              <a:shade val="50000"/>
+            </a:schemeClr>
+          </a:lnRef>
+          <a:fillRef idx="1">
+            <a:schemeClr val="accent1"/>
+          </a:fillRef>
+          <a:effectRef idx="0">
+            <a:schemeClr val="accent1"/>
+          </a:effectRef>
+          <a:fontRef idx="minor">
+            <a:schemeClr val="lt1"/>
+          </a:fontRef>
+        </p:style>
+        <p:txBody>
+          <a:bodyPr rtlCol="0" anchor="ctr"/>
+          <a:lstStyle/>
+          <a:p>
+            <a:pPr algn="ctr"/>
+            <a:endParaRPr lang="sv-SE"/>
+          </a:p>
+        </p:txBody>
+      </p:sp>
+      <p:sp>
+        <p:nvSpPr>
+          <p:cNvPr id="25" name="Rektangel 24"/>
+          <p:cNvSpPr/>
+          <p:nvPr/>
+        </p:nvSpPr>
+        <p:spPr>
+          <a:xfrm>
+            <a:off x="7698116" y="3202857"/>
+            <a:ext cx="1242408" cy="371604"/>
+          </a:xfrm>
+          <a:prstGeom prst="rect">
+            <a:avLst/>
+          </a:prstGeom>
+          <a:solidFill>
+            <a:srgbClr val="002060"/>
+          </a:solidFill>
+        </p:spPr>
+        <p:style>
+          <a:lnRef idx="2">
+            <a:schemeClr val="accent1">
+              <a:shade val="50000"/>
+            </a:schemeClr>
+          </a:lnRef>
+          <a:fillRef idx="1">
+            <a:schemeClr val="accent1"/>
+          </a:fillRef>
+          <a:effectRef idx="0">
+            <a:schemeClr val="accent1"/>
+          </a:effectRef>
+          <a:fontRef idx="minor">
+            <a:schemeClr val="lt1"/>
+          </a:fontRef>
+        </p:style>
+        <p:txBody>
+          <a:bodyPr rtlCol="0" anchor="ctr"/>
+          <a:lstStyle/>
+          <a:p>
+            <a:pPr algn="ctr"/>
+            <a:endParaRPr lang="sv-SE"/>
+          </a:p>
+        </p:txBody>
+      </p:sp>
+      <p:sp>
+        <p:nvSpPr>
+          <p:cNvPr id="26" name="Rektangel 25"/>
+          <p:cNvSpPr/>
+          <p:nvPr/>
+        </p:nvSpPr>
+        <p:spPr>
+          <a:xfrm>
+            <a:off x="7837834" y="2824996"/>
+            <a:ext cx="285226" cy="209725"/>
+          </a:xfrm>
+          <a:prstGeom prst="rect">
+            <a:avLst/>
+          </a:prstGeom>
+          <a:solidFill>
+            <a:schemeClr val="accent2"/>
+          </a:solidFill>
+        </p:spPr>
+        <p:style>
+          <a:lnRef idx="2">
+            <a:schemeClr val="accent1">
+              <a:shade val="50000"/>
+            </a:schemeClr>
+          </a:lnRef>
+          <a:fillRef idx="1">
+            <a:schemeClr val="accent1"/>
+          </a:fillRef>
+          <a:effectRef idx="0">
+            <a:schemeClr val="accent1"/>
+          </a:effectRef>
+          <a:fontRef idx="minor">
+            <a:schemeClr val="lt1"/>
+          </a:fontRef>
+        </p:style>
+        <p:txBody>
+          <a:bodyPr rtlCol="0" anchor="ctr"/>
+          <a:lstStyle/>
+          <a:p>
+            <a:pPr algn="ctr"/>
+            <a:r>
+              <a:rPr lang="sv-SE" dirty="0"/>
+              <a:t>2</a:t>
+            </a:r>
+          </a:p>
+        </p:txBody>
+      </p:sp>
+      <p:sp>
+        <p:nvSpPr>
+          <p:cNvPr id="27" name="Rektangel 26"/>
+          <p:cNvSpPr/>
+          <p:nvPr/>
+        </p:nvSpPr>
+        <p:spPr>
+          <a:xfrm>
+            <a:off x="8219114" y="2823230"/>
+            <a:ext cx="285226" cy="209725"/>
+          </a:xfrm>
+          <a:prstGeom prst="rect">
+            <a:avLst/>
+          </a:prstGeom>
+          <a:solidFill>
+            <a:schemeClr val="accent2"/>
+          </a:solidFill>
+        </p:spPr>
+        <p:style>
+          <a:lnRef idx="2">
+            <a:schemeClr val="accent1">
+              <a:shade val="50000"/>
+            </a:schemeClr>
+          </a:lnRef>
+          <a:fillRef idx="1">
+            <a:schemeClr val="accent1"/>
+          </a:fillRef>
+          <a:effectRef idx="0">
+            <a:schemeClr val="accent1"/>
+          </a:effectRef>
+          <a:fontRef idx="minor">
+            <a:schemeClr val="lt1"/>
+          </a:fontRef>
+        </p:style>
+        <p:txBody>
+          <a:bodyPr rtlCol="0" anchor="ctr"/>
+          <a:lstStyle/>
+          <a:p>
+            <a:pPr algn="ctr"/>
+            <a:r>
+              <a:rPr lang="sv-SE" dirty="0"/>
+              <a:t>2</a:t>
+            </a:r>
+          </a:p>
+        </p:txBody>
+      </p:sp>
+      <p:sp>
+        <p:nvSpPr>
+          <p:cNvPr id="37" name="Rektangel 36"/>
+          <p:cNvSpPr/>
+          <p:nvPr/>
+        </p:nvSpPr>
+        <p:spPr>
+          <a:xfrm>
+            <a:off x="7837834" y="3264650"/>
+            <a:ext cx="285226" cy="209725"/>
+          </a:xfrm>
+          <a:prstGeom prst="rect">
+            <a:avLst/>
+          </a:prstGeom>
+          <a:solidFill>
+            <a:schemeClr val="accent2"/>
+          </a:solidFill>
+        </p:spPr>
+        <p:style>
+          <a:lnRef idx="2">
+            <a:schemeClr val="accent1">
+              <a:shade val="50000"/>
+            </a:schemeClr>
+          </a:lnRef>
+          <a:fillRef idx="1">
+            <a:schemeClr val="accent1"/>
+          </a:fillRef>
+          <a:effectRef idx="0">
+            <a:schemeClr val="accent1"/>
+          </a:effectRef>
+          <a:fontRef idx="minor">
+            <a:schemeClr val="lt1"/>
+          </a:fontRef>
+        </p:style>
+        <p:txBody>
+          <a:bodyPr rtlCol="0" anchor="ctr"/>
+          <a:lstStyle/>
+          <a:p>
+            <a:pPr algn="ctr"/>
+            <a:r>
+              <a:rPr lang="sv-SE" dirty="0"/>
+              <a:t>1</a:t>
+            </a:r>
+          </a:p>
+        </p:txBody>
+      </p:sp>
+      <p:sp>
+        <p:nvSpPr>
+          <p:cNvPr id="38" name="Rektangel 37"/>
+          <p:cNvSpPr/>
+          <p:nvPr/>
+        </p:nvSpPr>
+        <p:spPr>
+          <a:xfrm>
+            <a:off x="8219114" y="3264650"/>
+            <a:ext cx="285226" cy="209725"/>
+          </a:xfrm>
+          <a:prstGeom prst="rect">
+            <a:avLst/>
+          </a:prstGeom>
+          <a:solidFill>
+            <a:schemeClr val="accent2"/>
+          </a:solidFill>
+        </p:spPr>
+        <p:style>
+          <a:lnRef idx="2">
+            <a:schemeClr val="accent1">
+              <a:shade val="50000"/>
+            </a:schemeClr>
+          </a:lnRef>
+          <a:fillRef idx="1">
+            <a:schemeClr val="accent1"/>
+          </a:fillRef>
+          <a:effectRef idx="0">
+            <a:schemeClr val="accent1"/>
+          </a:effectRef>
+          <a:fontRef idx="minor">
+            <a:schemeClr val="lt1"/>
+          </a:fontRef>
+        </p:style>
+        <p:txBody>
+          <a:bodyPr rtlCol="0" anchor="ctr"/>
+          <a:lstStyle/>
+          <a:p>
+            <a:pPr algn="ctr"/>
+            <a:r>
+              <a:rPr lang="sv-SE" dirty="0"/>
+              <a:t>3</a:t>
+            </a:r>
+          </a:p>
+        </p:txBody>
+      </p:sp>
+      <p:sp>
+        <p:nvSpPr>
+          <p:cNvPr id="39" name="Rektangel 38"/>
+          <p:cNvSpPr/>
+          <p:nvPr/>
+        </p:nvSpPr>
+        <p:spPr>
+          <a:xfrm>
+            <a:off x="7459449" y="3954389"/>
+            <a:ext cx="1719743" cy="1023457"/>
+          </a:xfrm>
+          <a:prstGeom prst="rect">
+            <a:avLst/>
+          </a:prstGeom>
+        </p:spPr>
+        <p:style>
+          <a:lnRef idx="2">
+            <a:schemeClr val="accent1">
+              <a:shade val="50000"/>
+            </a:schemeClr>
+          </a:lnRef>
+          <a:fillRef idx="1">
+            <a:schemeClr val="accent1"/>
+          </a:fillRef>
+          <a:effectRef idx="0">
+            <a:schemeClr val="accent1"/>
+          </a:effectRef>
+          <a:fontRef idx="minor">
+            <a:schemeClr val="lt1"/>
+          </a:fontRef>
+        </p:style>
+        <p:txBody>
+          <a:bodyPr rtlCol="0" anchor="ctr"/>
+          <a:lstStyle/>
+          <a:p>
+            <a:pPr algn="ctr"/>
+            <a:endParaRPr lang="sv-SE" dirty="0"/>
+          </a:p>
+        </p:txBody>
+      </p:sp>
+      <p:sp>
+        <p:nvSpPr>
+          <p:cNvPr id="40" name="Rektangel 39"/>
+          <p:cNvSpPr/>
+          <p:nvPr/>
+        </p:nvSpPr>
+        <p:spPr>
+          <a:xfrm>
+            <a:off x="7698116" y="4068368"/>
+            <a:ext cx="1242408" cy="371604"/>
+          </a:xfrm>
+          <a:prstGeom prst="rect">
+            <a:avLst/>
+          </a:prstGeom>
+          <a:solidFill>
+            <a:srgbClr val="002060"/>
+          </a:solidFill>
+        </p:spPr>
+        <p:style>
+          <a:lnRef idx="2">
+            <a:schemeClr val="accent1">
+              <a:shade val="50000"/>
+            </a:schemeClr>
+          </a:lnRef>
+          <a:fillRef idx="1">
+            <a:schemeClr val="accent1"/>
+          </a:fillRef>
+          <a:effectRef idx="0">
+            <a:schemeClr val="accent1"/>
+          </a:effectRef>
+          <a:fontRef idx="minor">
+            <a:schemeClr val="lt1"/>
+          </a:fontRef>
+        </p:style>
+        <p:txBody>
+          <a:bodyPr rtlCol="0" anchor="ctr"/>
+          <a:lstStyle/>
+          <a:p>
+            <a:pPr algn="ctr"/>
+            <a:endParaRPr lang="sv-SE"/>
+          </a:p>
+        </p:txBody>
+      </p:sp>
+      <p:sp>
+        <p:nvSpPr>
+          <p:cNvPr id="41" name="Rektangel 40"/>
+          <p:cNvSpPr/>
+          <p:nvPr/>
+        </p:nvSpPr>
+        <p:spPr>
+          <a:xfrm>
+            <a:off x="7698116" y="4523107"/>
+            <a:ext cx="1242408" cy="371604"/>
+          </a:xfrm>
+          <a:prstGeom prst="rect">
+            <a:avLst/>
+          </a:prstGeom>
+          <a:solidFill>
+            <a:srgbClr val="002060"/>
+          </a:solidFill>
+        </p:spPr>
+        <p:style>
+          <a:lnRef idx="2">
+            <a:schemeClr val="accent1">
+              <a:shade val="50000"/>
+            </a:schemeClr>
+          </a:lnRef>
+          <a:fillRef idx="1">
+            <a:schemeClr val="accent1"/>
+          </a:fillRef>
+          <a:effectRef idx="0">
+            <a:schemeClr val="accent1"/>
+          </a:effectRef>
+          <a:fontRef idx="minor">
+            <a:schemeClr val="lt1"/>
+          </a:fontRef>
+        </p:style>
+        <p:txBody>
+          <a:bodyPr rtlCol="0" anchor="ctr"/>
+          <a:lstStyle/>
+          <a:p>
+            <a:pPr algn="ctr"/>
+            <a:endParaRPr lang="sv-SE"/>
+          </a:p>
+        </p:txBody>
+      </p:sp>
+    </p:spTree>
+    <p:extLst>
+      <p:ext uri="{BB962C8B-B14F-4D97-AF65-F5344CB8AC3E}">
+        <p14:creationId xmlns:p14="http://schemas.microsoft.com/office/powerpoint/2010/main" val="1917182300"/>
+      </p:ext>
+    </p:extLst>
+  </p:cSld>
+  <p:clrMapOvr>
+    <a:masterClrMapping/>
+  </p:clrMapOvr>
+</p:sld>
+</file>
+
 <file path=ppt/slides/slide2.xml><?xml version="1.0" encoding="utf-8"?>
 <p:sld xmlns:a="http://schemas.openxmlformats.org/drawingml/2006/main" xmlns:r="http://schemas.openxmlformats.org/officeDocument/2006/relationships" xmlns:p="http://schemas.openxmlformats.org/presentationml/2006/main">
   <p:cSld>
@@ -3043,10 +5207,9 @@
           <a:lstStyle/>
           <a:p>
             <a:r>
-              <a:rPr lang="sv-SE" dirty="0" err="1"/>
-              <a:t>Map</a:t>
-            </a:r>
-            <a:endParaRPr lang="sv-SE" dirty="0"/>
+              <a:rPr lang="sv-SE" dirty="0"/>
+              <a:t>List</a:t>
+            </a:r>
           </a:p>
         </p:txBody>
       </p:sp>
@@ -3077,7 +5240,7 @@
         </p:nvSpPr>
         <p:spPr>
           <a:xfrm>
-            <a:off x="1585518" y="2634143"/>
+            <a:off x="4745722" y="2644137"/>
             <a:ext cx="1719743" cy="1023457"/>
           </a:xfrm>
           <a:prstGeom prst="rect">
@@ -3117,7 +5280,7 @@
         </p:nvSpPr>
         <p:spPr>
           <a:xfrm>
-            <a:off x="1711354" y="3041007"/>
+            <a:off x="4872130" y="3051002"/>
             <a:ext cx="285226" cy="209725"/>
           </a:xfrm>
           <a:prstGeom prst="rect">
@@ -3160,7 +5323,7 @@
         </p:nvSpPr>
         <p:spPr>
           <a:xfrm>
-            <a:off x="2130803" y="3041007"/>
+            <a:off x="5283764" y="3041005"/>
             <a:ext cx="285226" cy="209725"/>
           </a:xfrm>
           <a:prstGeom prst="rect">
@@ -3203,7 +5366,7 @@
         </p:nvSpPr>
         <p:spPr>
           <a:xfrm>
-            <a:off x="2542563" y="3041006"/>
+            <a:off x="5689882" y="3041004"/>
             <a:ext cx="285226" cy="209725"/>
           </a:xfrm>
           <a:prstGeom prst="rect">
@@ -3246,7 +5409,7 @@
         </p:nvSpPr>
         <p:spPr>
           <a:xfrm>
-            <a:off x="2923912" y="3041006"/>
+            <a:off x="6096000" y="3041005"/>
             <a:ext cx="285226" cy="209725"/>
           </a:xfrm>
           <a:prstGeom prst="rect">
@@ -3283,139 +5446,13 @@
       </p:sp>
       <p:sp>
         <p:nvSpPr>
-          <p:cNvPr id="9" name="Rektangel 8"/>
-          <p:cNvSpPr/>
-          <p:nvPr/>
-        </p:nvSpPr>
-        <p:spPr>
-          <a:xfrm>
-            <a:off x="4472730" y="3045197"/>
-            <a:ext cx="285226" cy="209725"/>
-          </a:xfrm>
-          <a:prstGeom prst="rect">
-            <a:avLst/>
-          </a:prstGeom>
-          <a:solidFill>
-            <a:schemeClr val="accent2"/>
-          </a:solidFill>
-        </p:spPr>
-        <p:style>
-          <a:lnRef idx="2">
-            <a:schemeClr val="accent1">
-              <a:shade val="50000"/>
-            </a:schemeClr>
-          </a:lnRef>
-          <a:fillRef idx="1">
-            <a:schemeClr val="accent1"/>
-          </a:fillRef>
-          <a:effectRef idx="0">
-            <a:schemeClr val="accent1"/>
-          </a:effectRef>
-          <a:fontRef idx="minor">
-            <a:schemeClr val="lt1"/>
-          </a:fontRef>
-        </p:style>
-        <p:txBody>
-          <a:bodyPr rtlCol="0" anchor="ctr"/>
-          <a:lstStyle/>
-          <a:p>
-            <a:pPr algn="ctr"/>
-            <a:endParaRPr lang="sv-SE"/>
-          </a:p>
-        </p:txBody>
-      </p:sp>
-      <p:sp>
-        <p:nvSpPr>
-          <p:cNvPr id="10" name="Pil: höger 9"/>
-          <p:cNvSpPr/>
-          <p:nvPr/>
-        </p:nvSpPr>
-        <p:spPr>
-          <a:xfrm>
-            <a:off x="4983061" y="3041006"/>
-            <a:ext cx="243280" cy="209725"/>
-          </a:xfrm>
-          <a:prstGeom prst="rightArrow">
-            <a:avLst/>
-          </a:prstGeom>
-        </p:spPr>
-        <p:style>
-          <a:lnRef idx="2">
-            <a:schemeClr val="accent1">
-              <a:shade val="50000"/>
-            </a:schemeClr>
-          </a:lnRef>
-          <a:fillRef idx="1">
-            <a:schemeClr val="accent1"/>
-          </a:fillRef>
-          <a:effectRef idx="0">
-            <a:schemeClr val="accent1"/>
-          </a:effectRef>
-          <a:fontRef idx="minor">
-            <a:schemeClr val="lt1"/>
-          </a:fontRef>
-        </p:style>
-        <p:txBody>
-          <a:bodyPr rtlCol="0" anchor="ctr"/>
-          <a:lstStyle/>
-          <a:p>
-            <a:pPr algn="ctr"/>
-            <a:endParaRPr lang="sv-SE"/>
-          </a:p>
-        </p:txBody>
-      </p:sp>
-      <p:sp>
-        <p:nvSpPr>
-          <p:cNvPr id="11" name="Likbent triangel 10"/>
-          <p:cNvSpPr/>
-          <p:nvPr/>
-        </p:nvSpPr>
-        <p:spPr>
-          <a:xfrm>
-            <a:off x="5451446" y="3041006"/>
-            <a:ext cx="236290" cy="209725"/>
-          </a:xfrm>
-          <a:prstGeom prst="triangle">
-            <a:avLst/>
-          </a:prstGeom>
-          <a:solidFill>
-            <a:schemeClr val="accent2"/>
-          </a:solidFill>
-        </p:spPr>
-        <p:style>
-          <a:lnRef idx="2">
-            <a:schemeClr val="accent1">
-              <a:shade val="50000"/>
-            </a:schemeClr>
-          </a:lnRef>
-          <a:fillRef idx="1">
-            <a:schemeClr val="accent1"/>
-          </a:fillRef>
-          <a:effectRef idx="0">
-            <a:schemeClr val="accent1"/>
-          </a:effectRef>
-          <a:fontRef idx="minor">
-            <a:schemeClr val="lt1"/>
-          </a:fontRef>
-        </p:style>
-        <p:txBody>
-          <a:bodyPr rtlCol="0" anchor="ctr"/>
-          <a:lstStyle/>
-          <a:p>
-            <a:pPr algn="ctr"/>
-            <a:endParaRPr lang="sv-SE"/>
-          </a:p>
-        </p:txBody>
-      </p:sp>
-      <p:sp>
-        <p:nvSpPr>
-          <p:cNvPr id="12" name="Rektangel 11"/>
-          <p:cNvSpPr/>
-          <p:nvPr/>
-        </p:nvSpPr>
-        <p:spPr>
-          <a:xfrm>
-            <a:off x="6694764" y="2634138"/>
+          <p:cNvPr id="17" name="Rektangel 16"/>
+          <p:cNvSpPr/>
+          <p:nvPr/>
+        </p:nvSpPr>
+        <p:spPr>
+          <a:xfrm>
+            <a:off x="4745722" y="4163395"/>
             <a:ext cx="1719743" cy="1023457"/>
           </a:xfrm>
           <a:prstGeom prst="rect">
@@ -3443,385 +5480,11 @@
           <a:lstStyle/>
           <a:p>
             <a:pPr algn="ctr"/>
+            <a:r>
+              <a:rPr lang="sv-SE" dirty="0" err="1"/>
+              <a:t>Empty</a:t>
+            </a:r>
             <a:endParaRPr lang="sv-SE" dirty="0"/>
-          </a:p>
-        </p:txBody>
-      </p:sp>
-      <p:sp>
-        <p:nvSpPr>
-          <p:cNvPr id="13" name="Likbent triangel 12"/>
-          <p:cNvSpPr/>
-          <p:nvPr/>
-        </p:nvSpPr>
-        <p:spPr>
-          <a:xfrm>
-            <a:off x="6975095" y="2973890"/>
-            <a:ext cx="236290" cy="209725"/>
-          </a:xfrm>
-          <a:prstGeom prst="triangle">
-            <a:avLst/>
-          </a:prstGeom>
-          <a:solidFill>
-            <a:schemeClr val="accent2"/>
-          </a:solidFill>
-        </p:spPr>
-        <p:style>
-          <a:lnRef idx="2">
-            <a:schemeClr val="accent1">
-              <a:shade val="50000"/>
-            </a:schemeClr>
-          </a:lnRef>
-          <a:fillRef idx="1">
-            <a:schemeClr val="accent1"/>
-          </a:fillRef>
-          <a:effectRef idx="0">
-            <a:schemeClr val="accent1"/>
-          </a:effectRef>
-          <a:fontRef idx="minor">
-            <a:schemeClr val="lt1"/>
-          </a:fontRef>
-        </p:style>
-        <p:txBody>
-          <a:bodyPr rtlCol="0" anchor="ctr"/>
-          <a:lstStyle/>
-          <a:p>
-            <a:pPr algn="ctr"/>
-            <a:endParaRPr lang="sv-SE"/>
-          </a:p>
-        </p:txBody>
-      </p:sp>
-      <p:sp>
-        <p:nvSpPr>
-          <p:cNvPr id="14" name="Likbent triangel 13"/>
-          <p:cNvSpPr/>
-          <p:nvPr/>
-        </p:nvSpPr>
-        <p:spPr>
-          <a:xfrm>
-            <a:off x="7306809" y="2973889"/>
-            <a:ext cx="236290" cy="209725"/>
-          </a:xfrm>
-          <a:prstGeom prst="triangle">
-            <a:avLst/>
-          </a:prstGeom>
-          <a:solidFill>
-            <a:schemeClr val="accent2"/>
-          </a:solidFill>
-        </p:spPr>
-        <p:style>
-          <a:lnRef idx="2">
-            <a:schemeClr val="accent1">
-              <a:shade val="50000"/>
-            </a:schemeClr>
-          </a:lnRef>
-          <a:fillRef idx="1">
-            <a:schemeClr val="accent1"/>
-          </a:fillRef>
-          <a:effectRef idx="0">
-            <a:schemeClr val="accent1"/>
-          </a:effectRef>
-          <a:fontRef idx="minor">
-            <a:schemeClr val="lt1"/>
-          </a:fontRef>
-        </p:style>
-        <p:txBody>
-          <a:bodyPr rtlCol="0" anchor="ctr"/>
-          <a:lstStyle/>
-          <a:p>
-            <a:pPr algn="ctr"/>
-            <a:endParaRPr lang="sv-SE"/>
-          </a:p>
-        </p:txBody>
-      </p:sp>
-      <p:sp>
-        <p:nvSpPr>
-          <p:cNvPr id="15" name="Likbent triangel 14"/>
-          <p:cNvSpPr/>
-          <p:nvPr/>
-        </p:nvSpPr>
-        <p:spPr>
-          <a:xfrm>
-            <a:off x="7638523" y="2973889"/>
-            <a:ext cx="236290" cy="209725"/>
-          </a:xfrm>
-          <a:prstGeom prst="triangle">
-            <a:avLst/>
-          </a:prstGeom>
-          <a:solidFill>
-            <a:schemeClr val="accent2"/>
-          </a:solidFill>
-        </p:spPr>
-        <p:style>
-          <a:lnRef idx="2">
-            <a:schemeClr val="accent1">
-              <a:shade val="50000"/>
-            </a:schemeClr>
-          </a:lnRef>
-          <a:fillRef idx="1">
-            <a:schemeClr val="accent1"/>
-          </a:fillRef>
-          <a:effectRef idx="0">
-            <a:schemeClr val="accent1"/>
-          </a:effectRef>
-          <a:fontRef idx="minor">
-            <a:schemeClr val="lt1"/>
-          </a:fontRef>
-        </p:style>
-        <p:txBody>
-          <a:bodyPr rtlCol="0" anchor="ctr"/>
-          <a:lstStyle/>
-          <a:p>
-            <a:pPr algn="ctr"/>
-            <a:endParaRPr lang="sv-SE"/>
-          </a:p>
-        </p:txBody>
-      </p:sp>
-      <p:sp>
-        <p:nvSpPr>
-          <p:cNvPr id="16" name="Likbent triangel 15"/>
-          <p:cNvSpPr/>
-          <p:nvPr/>
-        </p:nvSpPr>
-        <p:spPr>
-          <a:xfrm>
-            <a:off x="7970237" y="2978081"/>
-            <a:ext cx="236290" cy="209725"/>
-          </a:xfrm>
-          <a:prstGeom prst="triangle">
-            <a:avLst/>
-          </a:prstGeom>
-          <a:solidFill>
-            <a:schemeClr val="accent2"/>
-          </a:solidFill>
-        </p:spPr>
-        <p:style>
-          <a:lnRef idx="2">
-            <a:schemeClr val="accent1">
-              <a:shade val="50000"/>
-            </a:schemeClr>
-          </a:lnRef>
-          <a:fillRef idx="1">
-            <a:schemeClr val="accent1"/>
-          </a:fillRef>
-          <a:effectRef idx="0">
-            <a:schemeClr val="accent1"/>
-          </a:effectRef>
-          <a:fontRef idx="minor">
-            <a:schemeClr val="lt1"/>
-          </a:fontRef>
-        </p:style>
-        <p:txBody>
-          <a:bodyPr rtlCol="0" anchor="ctr"/>
-          <a:lstStyle/>
-          <a:p>
-            <a:pPr algn="ctr"/>
-            <a:endParaRPr lang="sv-SE"/>
-          </a:p>
-        </p:txBody>
-      </p:sp>
-      <p:sp>
-        <p:nvSpPr>
-          <p:cNvPr id="17" name="Rektangel 16"/>
-          <p:cNvSpPr/>
-          <p:nvPr/>
-        </p:nvSpPr>
-        <p:spPr>
-          <a:xfrm>
-            <a:off x="1608064" y="3954389"/>
-            <a:ext cx="1719743" cy="1023457"/>
-          </a:xfrm>
-          <a:prstGeom prst="rect">
-            <a:avLst/>
-          </a:prstGeom>
-        </p:spPr>
-        <p:style>
-          <a:lnRef idx="2">
-            <a:schemeClr val="accent1">
-              <a:shade val="50000"/>
-            </a:schemeClr>
-          </a:lnRef>
-          <a:fillRef idx="1">
-            <a:schemeClr val="accent1"/>
-          </a:fillRef>
-          <a:effectRef idx="0">
-            <a:schemeClr val="accent1"/>
-          </a:effectRef>
-          <a:fontRef idx="minor">
-            <a:schemeClr val="lt1"/>
-          </a:fontRef>
-        </p:style>
-        <p:txBody>
-          <a:bodyPr rtlCol="0" anchor="ctr"/>
-          <a:lstStyle/>
-          <a:p>
-            <a:pPr algn="ctr"/>
-            <a:endParaRPr lang="sv-SE" dirty="0"/>
-          </a:p>
-        </p:txBody>
-      </p:sp>
-      <p:sp>
-        <p:nvSpPr>
-          <p:cNvPr id="18" name="Rektangel 17"/>
-          <p:cNvSpPr/>
-          <p:nvPr/>
-        </p:nvSpPr>
-        <p:spPr>
-          <a:xfrm>
-            <a:off x="6694764" y="3997346"/>
-            <a:ext cx="1719743" cy="1023457"/>
-          </a:xfrm>
-          <a:prstGeom prst="rect">
-            <a:avLst/>
-          </a:prstGeom>
-        </p:spPr>
-        <p:style>
-          <a:lnRef idx="2">
-            <a:schemeClr val="accent1">
-              <a:shade val="50000"/>
-            </a:schemeClr>
-          </a:lnRef>
-          <a:fillRef idx="1">
-            <a:schemeClr val="accent1"/>
-          </a:fillRef>
-          <a:effectRef idx="0">
-            <a:schemeClr val="accent1"/>
-          </a:effectRef>
-          <a:fontRef idx="minor">
-            <a:schemeClr val="lt1"/>
-          </a:fontRef>
-        </p:style>
-        <p:txBody>
-          <a:bodyPr rtlCol="0" anchor="ctr"/>
-          <a:lstStyle/>
-          <a:p>
-            <a:pPr algn="ctr"/>
-            <a:endParaRPr lang="sv-SE" dirty="0"/>
-          </a:p>
-        </p:txBody>
-      </p:sp>
-      <p:sp>
-        <p:nvSpPr>
-          <p:cNvPr id="19" name="Rektangel 18"/>
-          <p:cNvSpPr/>
-          <p:nvPr/>
-        </p:nvSpPr>
-        <p:spPr>
-          <a:xfrm>
-            <a:off x="4472730" y="4256392"/>
-            <a:ext cx="285226" cy="209725"/>
-          </a:xfrm>
-          <a:prstGeom prst="rect">
-            <a:avLst/>
-          </a:prstGeom>
-          <a:solidFill>
-            <a:schemeClr val="accent2"/>
-          </a:solidFill>
-        </p:spPr>
-        <p:style>
-          <a:lnRef idx="2">
-            <a:schemeClr val="accent1">
-              <a:shade val="50000"/>
-            </a:schemeClr>
-          </a:lnRef>
-          <a:fillRef idx="1">
-            <a:schemeClr val="accent1"/>
-          </a:fillRef>
-          <a:effectRef idx="0">
-            <a:schemeClr val="accent1"/>
-          </a:effectRef>
-          <a:fontRef idx="minor">
-            <a:schemeClr val="lt1"/>
-          </a:fontRef>
-        </p:style>
-        <p:txBody>
-          <a:bodyPr rtlCol="0" anchor="ctr"/>
-          <a:lstStyle/>
-          <a:p>
-            <a:pPr algn="ctr"/>
-            <a:endParaRPr lang="sv-SE"/>
-          </a:p>
-        </p:txBody>
-      </p:sp>
-      <p:sp>
-        <p:nvSpPr>
-          <p:cNvPr id="20" name="Pil: höger 19"/>
-          <p:cNvSpPr/>
-          <p:nvPr/>
-        </p:nvSpPr>
-        <p:spPr>
-          <a:xfrm>
-            <a:off x="4983061" y="4285745"/>
-            <a:ext cx="243280" cy="209725"/>
-          </a:xfrm>
-          <a:prstGeom prst="rightArrow">
-            <a:avLst/>
-          </a:prstGeom>
-        </p:spPr>
-        <p:style>
-          <a:lnRef idx="2">
-            <a:schemeClr val="accent1">
-              <a:shade val="50000"/>
-            </a:schemeClr>
-          </a:lnRef>
-          <a:fillRef idx="1">
-            <a:schemeClr val="accent1"/>
-          </a:fillRef>
-          <a:effectRef idx="0">
-            <a:schemeClr val="accent1"/>
-          </a:effectRef>
-          <a:fontRef idx="minor">
-            <a:schemeClr val="lt1"/>
-          </a:fontRef>
-        </p:style>
-        <p:txBody>
-          <a:bodyPr rtlCol="0" anchor="ctr"/>
-          <a:lstStyle/>
-          <a:p>
-            <a:pPr algn="ctr"/>
-            <a:endParaRPr lang="sv-SE"/>
-          </a:p>
-        </p:txBody>
-      </p:sp>
-      <p:sp>
-        <p:nvSpPr>
-          <p:cNvPr id="21" name="Likbent triangel 20"/>
-          <p:cNvSpPr/>
-          <p:nvPr/>
-        </p:nvSpPr>
-        <p:spPr>
-          <a:xfrm>
-            <a:off x="5451446" y="4256376"/>
-            <a:ext cx="236290" cy="209725"/>
-          </a:xfrm>
-          <a:prstGeom prst="triangle">
-            <a:avLst/>
-          </a:prstGeom>
-          <a:solidFill>
-            <a:schemeClr val="accent2"/>
-          </a:solidFill>
-        </p:spPr>
-        <p:style>
-          <a:lnRef idx="2">
-            <a:schemeClr val="accent1">
-              <a:shade val="50000"/>
-            </a:schemeClr>
-          </a:lnRef>
-          <a:fillRef idx="1">
-            <a:schemeClr val="accent1"/>
-          </a:fillRef>
-          <a:effectRef idx="0">
-            <a:schemeClr val="accent1"/>
-          </a:effectRef>
-          <a:fontRef idx="minor">
-            <a:schemeClr val="lt1"/>
-          </a:fontRef>
-        </p:style>
-        <p:txBody>
-          <a:bodyPr rtlCol="0" anchor="ctr"/>
-          <a:lstStyle/>
-          <a:p>
-            <a:pPr algn="ctr"/>
-            <a:endParaRPr lang="sv-SE"/>
           </a:p>
         </p:txBody>
       </p:sp>
@@ -3871,9 +5534,10 @@
           <a:lstStyle/>
           <a:p>
             <a:r>
-              <a:rPr lang="sv-SE" dirty="0"/>
-              <a:t>Filter</a:t>
-            </a:r>
+              <a:rPr lang="sv-SE" dirty="0" err="1"/>
+              <a:t>Map</a:t>
+            </a:r>
+            <a:endParaRPr lang="sv-SE" dirty="0"/>
           </a:p>
         </p:txBody>
       </p:sp>
@@ -3904,7 +5568,7 @@
         </p:nvSpPr>
         <p:spPr>
           <a:xfrm>
-            <a:off x="1585518" y="2462160"/>
+            <a:off x="1585518" y="2634143"/>
             <a:ext cx="1719743" cy="1023457"/>
           </a:xfrm>
           <a:prstGeom prst="rect">
@@ -3944,7 +5608,7 @@
         </p:nvSpPr>
         <p:spPr>
           <a:xfrm>
-            <a:off x="1746134" y="2852240"/>
+            <a:off x="1711354" y="3041007"/>
             <a:ext cx="285226" cy="209725"/>
           </a:xfrm>
           <a:prstGeom prst="rect">
@@ -3981,13 +5645,13 @@
       </p:sp>
       <p:sp>
         <p:nvSpPr>
-          <p:cNvPr id="7" name="Rektangel 6"/>
-          <p:cNvSpPr/>
-          <p:nvPr/>
-        </p:nvSpPr>
-        <p:spPr>
-          <a:xfrm>
-            <a:off x="2500792" y="2852240"/>
+          <p:cNvPr id="6" name="Rektangel 5"/>
+          <p:cNvSpPr/>
+          <p:nvPr/>
+        </p:nvSpPr>
+        <p:spPr>
+          <a:xfrm>
+            <a:off x="2130803" y="3041007"/>
             <a:ext cx="285226" cy="209725"/>
           </a:xfrm>
           <a:prstGeom prst="rect">
@@ -4024,56 +5688,16 @@
       </p:sp>
       <p:sp>
         <p:nvSpPr>
-          <p:cNvPr id="10" name="Pil: höger 9"/>
-          <p:cNvSpPr/>
-          <p:nvPr/>
-        </p:nvSpPr>
-        <p:spPr>
-          <a:xfrm>
-            <a:off x="4341738" y="2839609"/>
-            <a:ext cx="243280" cy="209725"/>
-          </a:xfrm>
-          <a:prstGeom prst="rightArrow">
-            <a:avLst/>
-          </a:prstGeom>
-        </p:spPr>
-        <p:style>
-          <a:lnRef idx="2">
-            <a:schemeClr val="accent1">
-              <a:shade val="50000"/>
-            </a:schemeClr>
-          </a:lnRef>
-          <a:fillRef idx="1">
-            <a:schemeClr val="accent1"/>
-          </a:fillRef>
-          <a:effectRef idx="0">
-            <a:schemeClr val="accent1"/>
-          </a:effectRef>
-          <a:fontRef idx="minor">
-            <a:schemeClr val="lt1"/>
-          </a:fontRef>
-        </p:style>
-        <p:txBody>
-          <a:bodyPr rtlCol="0" anchor="ctr"/>
-          <a:lstStyle/>
-          <a:p>
-            <a:pPr algn="ctr"/>
-            <a:endParaRPr lang="sv-SE"/>
-          </a:p>
-        </p:txBody>
-      </p:sp>
-      <p:sp>
-        <p:nvSpPr>
-          <p:cNvPr id="11" name="Likbent triangel 10"/>
-          <p:cNvSpPr/>
-          <p:nvPr/>
-        </p:nvSpPr>
-        <p:spPr>
-          <a:xfrm>
-            <a:off x="5817765" y="2847998"/>
-            <a:ext cx="236290" cy="209725"/>
-          </a:xfrm>
-          <a:prstGeom prst="triangle">
+          <p:cNvPr id="7" name="Rektangel 6"/>
+          <p:cNvSpPr/>
+          <p:nvPr/>
+        </p:nvSpPr>
+        <p:spPr>
+          <a:xfrm>
+            <a:off x="2542563" y="3041006"/>
+            <a:ext cx="285226" cy="209725"/>
+          </a:xfrm>
+          <a:prstGeom prst="rect">
             <a:avLst/>
           </a:prstGeom>
           <a:solidFill>
@@ -4107,56 +5731,16 @@
       </p:sp>
       <p:sp>
         <p:nvSpPr>
-          <p:cNvPr id="12" name="Rektangel 11"/>
-          <p:cNvSpPr/>
-          <p:nvPr/>
-        </p:nvSpPr>
-        <p:spPr>
-          <a:xfrm>
-            <a:off x="6661383" y="2462160"/>
-            <a:ext cx="1719743" cy="1023457"/>
-          </a:xfrm>
-          <a:prstGeom prst="rect">
-            <a:avLst/>
-          </a:prstGeom>
-        </p:spPr>
-        <p:style>
-          <a:lnRef idx="2">
-            <a:schemeClr val="accent1">
-              <a:shade val="50000"/>
-            </a:schemeClr>
-          </a:lnRef>
-          <a:fillRef idx="1">
-            <a:schemeClr val="accent1"/>
-          </a:fillRef>
-          <a:effectRef idx="0">
-            <a:schemeClr val="accent1"/>
-          </a:effectRef>
-          <a:fontRef idx="minor">
-            <a:schemeClr val="lt1"/>
-          </a:fontRef>
-        </p:style>
-        <p:txBody>
-          <a:bodyPr rtlCol="0" anchor="ctr"/>
-          <a:lstStyle/>
-          <a:p>
-            <a:pPr algn="ctr"/>
-            <a:endParaRPr lang="sv-SE" dirty="0"/>
-          </a:p>
-        </p:txBody>
-      </p:sp>
-      <p:sp>
-        <p:nvSpPr>
-          <p:cNvPr id="13" name="Likbent triangel 12"/>
-          <p:cNvSpPr/>
-          <p:nvPr/>
-        </p:nvSpPr>
-        <p:spPr>
-          <a:xfrm>
-            <a:off x="6945209" y="2852240"/>
-            <a:ext cx="236290" cy="209725"/>
-          </a:xfrm>
-          <a:prstGeom prst="triangle">
+          <p:cNvPr id="8" name="Rektangel 7"/>
+          <p:cNvSpPr/>
+          <p:nvPr/>
+        </p:nvSpPr>
+        <p:spPr>
+          <a:xfrm>
+            <a:off x="2923912" y="3041006"/>
+            <a:ext cx="285226" cy="209725"/>
+          </a:xfrm>
+          <a:prstGeom prst="rect">
             <a:avLst/>
           </a:prstGeom>
           <a:solidFill>
@@ -4190,16 +5774,16 @@
       </p:sp>
       <p:sp>
         <p:nvSpPr>
-          <p:cNvPr id="14" name="Likbent triangel 13"/>
-          <p:cNvSpPr/>
-          <p:nvPr/>
-        </p:nvSpPr>
-        <p:spPr>
-          <a:xfrm>
-            <a:off x="7284964" y="2848037"/>
-            <a:ext cx="236290" cy="209725"/>
-          </a:xfrm>
-          <a:prstGeom prst="triangle">
+          <p:cNvPr id="9" name="Rektangel 8"/>
+          <p:cNvSpPr/>
+          <p:nvPr/>
+        </p:nvSpPr>
+        <p:spPr>
+          <a:xfrm>
+            <a:off x="4472730" y="3045197"/>
+            <a:ext cx="285226" cy="209725"/>
+          </a:xfrm>
+          <a:prstGeom prst="rect">
             <a:avLst/>
           </a:prstGeom>
           <a:solidFill>
@@ -4233,93 +5817,13 @@
       </p:sp>
       <p:sp>
         <p:nvSpPr>
-          <p:cNvPr id="17" name="Rektangel 16"/>
-          <p:cNvSpPr/>
-          <p:nvPr/>
-        </p:nvSpPr>
-        <p:spPr>
-          <a:xfrm>
-            <a:off x="1585517" y="3709554"/>
-            <a:ext cx="1719743" cy="1023457"/>
-          </a:xfrm>
-          <a:prstGeom prst="rect">
-            <a:avLst/>
-          </a:prstGeom>
-        </p:spPr>
-        <p:style>
-          <a:lnRef idx="2">
-            <a:schemeClr val="accent1">
-              <a:shade val="50000"/>
-            </a:schemeClr>
-          </a:lnRef>
-          <a:fillRef idx="1">
-            <a:schemeClr val="accent1"/>
-          </a:fillRef>
-          <a:effectRef idx="0">
-            <a:schemeClr val="accent1"/>
-          </a:effectRef>
-          <a:fontRef idx="minor">
-            <a:schemeClr val="lt1"/>
-          </a:fontRef>
-        </p:style>
-        <p:txBody>
-          <a:bodyPr rtlCol="0" anchor="ctr"/>
-          <a:lstStyle/>
-          <a:p>
-            <a:pPr algn="ctr"/>
-            <a:endParaRPr lang="sv-SE" dirty="0"/>
-          </a:p>
-        </p:txBody>
-      </p:sp>
-      <p:sp>
-        <p:nvSpPr>
-          <p:cNvPr id="18" name="Rektangel 17"/>
-          <p:cNvSpPr/>
-          <p:nvPr/>
-        </p:nvSpPr>
-        <p:spPr>
-          <a:xfrm>
-            <a:off x="6661382" y="3709554"/>
-            <a:ext cx="1719743" cy="1023457"/>
-          </a:xfrm>
-          <a:prstGeom prst="rect">
-            <a:avLst/>
-          </a:prstGeom>
-        </p:spPr>
-        <p:style>
-          <a:lnRef idx="2">
-            <a:schemeClr val="accent1">
-              <a:shade val="50000"/>
-            </a:schemeClr>
-          </a:lnRef>
-          <a:fillRef idx="1">
-            <a:schemeClr val="accent1"/>
-          </a:fillRef>
-          <a:effectRef idx="0">
-            <a:schemeClr val="accent1"/>
-          </a:effectRef>
-          <a:fontRef idx="minor">
-            <a:schemeClr val="lt1"/>
-          </a:fontRef>
-        </p:style>
-        <p:txBody>
-          <a:bodyPr rtlCol="0" anchor="ctr"/>
-          <a:lstStyle/>
-          <a:p>
-            <a:pPr algn="ctr"/>
-            <a:endParaRPr lang="sv-SE" dirty="0"/>
-          </a:p>
-        </p:txBody>
-      </p:sp>
-      <p:sp>
-        <p:nvSpPr>
-          <p:cNvPr id="20" name="Pil: höger 19"/>
-          <p:cNvSpPr/>
-          <p:nvPr/>
-        </p:nvSpPr>
-        <p:spPr>
-          <a:xfrm>
-            <a:off x="4341738" y="5370314"/>
+          <p:cNvPr id="10" name="Pil: höger 9"/>
+          <p:cNvSpPr/>
+          <p:nvPr/>
+        </p:nvSpPr>
+        <p:spPr>
+          <a:xfrm>
+            <a:off x="4983061" y="3041006"/>
             <a:ext cx="243280" cy="209725"/>
           </a:xfrm>
           <a:prstGeom prst="rightArrow">
@@ -4353,13 +5857,13 @@
       </p:sp>
       <p:sp>
         <p:nvSpPr>
-          <p:cNvPr id="22" name="Likbent triangel 21"/>
-          <p:cNvSpPr/>
-          <p:nvPr/>
-        </p:nvSpPr>
-        <p:spPr>
-          <a:xfrm>
-            <a:off x="2126784" y="2852240"/>
+          <p:cNvPr id="11" name="Likbent triangel 10"/>
+          <p:cNvSpPr/>
+          <p:nvPr/>
+        </p:nvSpPr>
+        <p:spPr>
+          <a:xfrm>
+            <a:off x="5451446" y="3041006"/>
             <a:ext cx="236290" cy="209725"/>
           </a:xfrm>
           <a:prstGeom prst="triangle">
@@ -4396,13 +5900,53 @@
       </p:sp>
       <p:sp>
         <p:nvSpPr>
-          <p:cNvPr id="23" name="Likbent triangel 22"/>
-          <p:cNvSpPr/>
-          <p:nvPr/>
-        </p:nvSpPr>
-        <p:spPr>
-          <a:xfrm>
-            <a:off x="2933875" y="2848037"/>
+          <p:cNvPr id="12" name="Rektangel 11"/>
+          <p:cNvSpPr/>
+          <p:nvPr/>
+        </p:nvSpPr>
+        <p:spPr>
+          <a:xfrm>
+            <a:off x="6694764" y="2634138"/>
+            <a:ext cx="1719743" cy="1023457"/>
+          </a:xfrm>
+          <a:prstGeom prst="rect">
+            <a:avLst/>
+          </a:prstGeom>
+        </p:spPr>
+        <p:style>
+          <a:lnRef idx="2">
+            <a:schemeClr val="accent1">
+              <a:shade val="50000"/>
+            </a:schemeClr>
+          </a:lnRef>
+          <a:fillRef idx="1">
+            <a:schemeClr val="accent1"/>
+          </a:fillRef>
+          <a:effectRef idx="0">
+            <a:schemeClr val="accent1"/>
+          </a:effectRef>
+          <a:fontRef idx="minor">
+            <a:schemeClr val="lt1"/>
+          </a:fontRef>
+        </p:style>
+        <p:txBody>
+          <a:bodyPr rtlCol="0" anchor="ctr"/>
+          <a:lstStyle/>
+          <a:p>
+            <a:pPr algn="ctr"/>
+            <a:endParaRPr lang="sv-SE" dirty="0"/>
+          </a:p>
+        </p:txBody>
+      </p:sp>
+      <p:sp>
+        <p:nvSpPr>
+          <p:cNvPr id="13" name="Likbent triangel 12"/>
+          <p:cNvSpPr/>
+          <p:nvPr/>
+        </p:nvSpPr>
+        <p:spPr>
+          <a:xfrm>
+            <a:off x="6975095" y="2973890"/>
             <a:ext cx="236290" cy="209725"/>
           </a:xfrm>
           <a:prstGeom prst="triangle">
@@ -4439,56 +5983,16 @@
       </p:sp>
       <p:sp>
         <p:nvSpPr>
-          <p:cNvPr id="25" name="Rektangel 24"/>
-          <p:cNvSpPr/>
-          <p:nvPr/>
-        </p:nvSpPr>
-        <p:spPr>
-          <a:xfrm>
-            <a:off x="1585517" y="4956948"/>
-            <a:ext cx="1719743" cy="1023457"/>
-          </a:xfrm>
-          <a:prstGeom prst="rect">
-            <a:avLst/>
-          </a:prstGeom>
-        </p:spPr>
-        <p:style>
-          <a:lnRef idx="2">
-            <a:schemeClr val="accent1">
-              <a:shade val="50000"/>
-            </a:schemeClr>
-          </a:lnRef>
-          <a:fillRef idx="1">
-            <a:schemeClr val="accent1"/>
-          </a:fillRef>
-          <a:effectRef idx="0">
-            <a:schemeClr val="accent1"/>
-          </a:effectRef>
-          <a:fontRef idx="minor">
-            <a:schemeClr val="lt1"/>
-          </a:fontRef>
-        </p:style>
-        <p:txBody>
-          <a:bodyPr rtlCol="0" anchor="ctr"/>
-          <a:lstStyle/>
-          <a:p>
-            <a:pPr algn="ctr"/>
-            <a:endParaRPr lang="sv-SE" dirty="0"/>
-          </a:p>
-        </p:txBody>
-      </p:sp>
-      <p:sp>
-        <p:nvSpPr>
-          <p:cNvPr id="26" name="Rektangel 25"/>
-          <p:cNvSpPr/>
-          <p:nvPr/>
-        </p:nvSpPr>
-        <p:spPr>
-          <a:xfrm>
-            <a:off x="1746134" y="5363813"/>
-            <a:ext cx="285226" cy="209725"/>
-          </a:xfrm>
-          <a:prstGeom prst="rect">
+          <p:cNvPr id="14" name="Likbent triangel 13"/>
+          <p:cNvSpPr/>
+          <p:nvPr/>
+        </p:nvSpPr>
+        <p:spPr>
+          <a:xfrm>
+            <a:off x="7306809" y="2973889"/>
+            <a:ext cx="236290" cy="209725"/>
+          </a:xfrm>
+          <a:prstGeom prst="triangle">
             <a:avLst/>
           </a:prstGeom>
           <a:solidFill>
@@ -4522,13 +6026,13 @@
       </p:sp>
       <p:sp>
         <p:nvSpPr>
-          <p:cNvPr id="27" name="Likbent triangel 26"/>
-          <p:cNvSpPr/>
-          <p:nvPr/>
-        </p:nvSpPr>
-        <p:spPr>
-          <a:xfrm>
-            <a:off x="2126784" y="5363812"/>
+          <p:cNvPr id="15" name="Likbent triangel 14"/>
+          <p:cNvSpPr/>
+          <p:nvPr/>
+        </p:nvSpPr>
+        <p:spPr>
+          <a:xfrm>
+            <a:off x="7638523" y="2973889"/>
             <a:ext cx="236290" cy="209725"/>
           </a:xfrm>
           <a:prstGeom prst="triangle">
@@ -4565,16 +6069,16 @@
       </p:sp>
       <p:sp>
         <p:nvSpPr>
-          <p:cNvPr id="28" name="Rektangel 27"/>
-          <p:cNvSpPr/>
-          <p:nvPr/>
-        </p:nvSpPr>
-        <p:spPr>
-          <a:xfrm>
-            <a:off x="2500792" y="5363811"/>
-            <a:ext cx="285226" cy="209725"/>
-          </a:xfrm>
-          <a:prstGeom prst="rect">
+          <p:cNvPr id="16" name="Likbent triangel 15"/>
+          <p:cNvSpPr/>
+          <p:nvPr/>
+        </p:nvSpPr>
+        <p:spPr>
+          <a:xfrm>
+            <a:off x="7970237" y="2978081"/>
+            <a:ext cx="236290" cy="209725"/>
+          </a:xfrm>
+          <a:prstGeom prst="triangle">
             <a:avLst/>
           </a:prstGeom>
           <a:solidFill>
@@ -4608,16 +6112,96 @@
       </p:sp>
       <p:sp>
         <p:nvSpPr>
-          <p:cNvPr id="29" name="Likbent triangel 28"/>
-          <p:cNvSpPr/>
-          <p:nvPr/>
-        </p:nvSpPr>
-        <p:spPr>
-          <a:xfrm>
-            <a:off x="2934575" y="5363810"/>
-            <a:ext cx="236290" cy="209725"/>
-          </a:xfrm>
-          <a:prstGeom prst="triangle">
+          <p:cNvPr id="17" name="Rektangel 16"/>
+          <p:cNvSpPr/>
+          <p:nvPr/>
+        </p:nvSpPr>
+        <p:spPr>
+          <a:xfrm>
+            <a:off x="1585518" y="3954372"/>
+            <a:ext cx="1719743" cy="1023457"/>
+          </a:xfrm>
+          <a:prstGeom prst="rect">
+            <a:avLst/>
+          </a:prstGeom>
+        </p:spPr>
+        <p:style>
+          <a:lnRef idx="2">
+            <a:schemeClr val="accent1">
+              <a:shade val="50000"/>
+            </a:schemeClr>
+          </a:lnRef>
+          <a:fillRef idx="1">
+            <a:schemeClr val="accent1"/>
+          </a:fillRef>
+          <a:effectRef idx="0">
+            <a:schemeClr val="accent1"/>
+          </a:effectRef>
+          <a:fontRef idx="minor">
+            <a:schemeClr val="lt1"/>
+          </a:fontRef>
+        </p:style>
+        <p:txBody>
+          <a:bodyPr rtlCol="0" anchor="ctr"/>
+          <a:lstStyle/>
+          <a:p>
+            <a:pPr algn="ctr"/>
+            <a:endParaRPr lang="sv-SE" dirty="0"/>
+          </a:p>
+        </p:txBody>
+      </p:sp>
+      <p:sp>
+        <p:nvSpPr>
+          <p:cNvPr id="18" name="Rektangel 17"/>
+          <p:cNvSpPr/>
+          <p:nvPr/>
+        </p:nvSpPr>
+        <p:spPr>
+          <a:xfrm>
+            <a:off x="6694764" y="3997346"/>
+            <a:ext cx="1719743" cy="1023457"/>
+          </a:xfrm>
+          <a:prstGeom prst="rect">
+            <a:avLst/>
+          </a:prstGeom>
+        </p:spPr>
+        <p:style>
+          <a:lnRef idx="2">
+            <a:schemeClr val="accent1">
+              <a:shade val="50000"/>
+            </a:schemeClr>
+          </a:lnRef>
+          <a:fillRef idx="1">
+            <a:schemeClr val="accent1"/>
+          </a:fillRef>
+          <a:effectRef idx="0">
+            <a:schemeClr val="accent1"/>
+          </a:effectRef>
+          <a:fontRef idx="minor">
+            <a:schemeClr val="lt1"/>
+          </a:fontRef>
+        </p:style>
+        <p:txBody>
+          <a:bodyPr rtlCol="0" anchor="ctr"/>
+          <a:lstStyle/>
+          <a:p>
+            <a:pPr algn="ctr"/>
+            <a:endParaRPr lang="sv-SE" dirty="0"/>
+          </a:p>
+        </p:txBody>
+      </p:sp>
+      <p:sp>
+        <p:nvSpPr>
+          <p:cNvPr id="19" name="Rektangel 18"/>
+          <p:cNvSpPr/>
+          <p:nvPr/>
+        </p:nvSpPr>
+        <p:spPr>
+          <a:xfrm>
+            <a:off x="4472730" y="4256392"/>
+            <a:ext cx="285226" cy="209725"/>
+          </a:xfrm>
+          <a:prstGeom prst="rect">
             <a:avLst/>
           </a:prstGeom>
           <a:solidFill>
@@ -4651,53 +6235,13 @@
       </p:sp>
       <p:sp>
         <p:nvSpPr>
-          <p:cNvPr id="31" name="Rektangel 30"/>
-          <p:cNvSpPr/>
-          <p:nvPr/>
-        </p:nvSpPr>
-        <p:spPr>
-          <a:xfrm>
-            <a:off x="6661382" y="4956948"/>
-            <a:ext cx="1719743" cy="1023457"/>
-          </a:xfrm>
-          <a:prstGeom prst="rect">
-            <a:avLst/>
-          </a:prstGeom>
-        </p:spPr>
-        <p:style>
-          <a:lnRef idx="2">
-            <a:schemeClr val="accent1">
-              <a:shade val="50000"/>
-            </a:schemeClr>
-          </a:lnRef>
-          <a:fillRef idx="1">
-            <a:schemeClr val="accent1"/>
-          </a:fillRef>
-          <a:effectRef idx="0">
-            <a:schemeClr val="accent1"/>
-          </a:effectRef>
-          <a:fontRef idx="minor">
-            <a:schemeClr val="lt1"/>
-          </a:fontRef>
-        </p:style>
-        <p:txBody>
-          <a:bodyPr rtlCol="0" anchor="ctr"/>
-          <a:lstStyle/>
-          <a:p>
-            <a:pPr algn="ctr"/>
-            <a:endParaRPr lang="sv-SE" dirty="0"/>
-          </a:p>
-        </p:txBody>
-      </p:sp>
-      <p:sp>
-        <p:nvSpPr>
-          <p:cNvPr id="33" name="Pil: höger 32"/>
-          <p:cNvSpPr/>
-          <p:nvPr/>
-        </p:nvSpPr>
-        <p:spPr>
-          <a:xfrm>
-            <a:off x="4341738" y="4098785"/>
+          <p:cNvPr id="20" name="Pil: höger 19"/>
+          <p:cNvSpPr/>
+          <p:nvPr/>
+        </p:nvSpPr>
+        <p:spPr>
+          <a:xfrm>
+            <a:off x="4983061" y="4285745"/>
             <a:ext cx="243280" cy="209725"/>
           </a:xfrm>
           <a:prstGeom prst="rightArrow">
@@ -4731,60 +6275,16 @@
       </p:sp>
       <p:sp>
         <p:nvSpPr>
-          <p:cNvPr id="34" name="Lika med 33"/>
-          <p:cNvSpPr/>
-          <p:nvPr/>
-        </p:nvSpPr>
-        <p:spPr>
-          <a:xfrm>
-            <a:off x="5068348" y="2839609"/>
-            <a:ext cx="302004" cy="201322"/>
-          </a:xfrm>
-          <a:prstGeom prst="mathEqual">
-            <a:avLst/>
-          </a:prstGeom>
-        </p:spPr>
-        <p:style>
-          <a:lnRef idx="2">
-            <a:schemeClr val="accent1">
-              <a:shade val="50000"/>
-            </a:schemeClr>
-          </a:lnRef>
-          <a:fillRef idx="1">
-            <a:schemeClr val="accent1"/>
-          </a:fillRef>
-          <a:effectRef idx="0">
-            <a:schemeClr val="accent1"/>
-          </a:effectRef>
-          <a:fontRef idx="minor">
-            <a:schemeClr val="lt1"/>
-          </a:fontRef>
-        </p:style>
-        <p:txBody>
-          <a:bodyPr rtlCol="0" anchor="ctr"/>
-          <a:lstStyle/>
-          <a:p>
-            <a:pPr algn="ctr"/>
-            <a:endParaRPr lang="sv-SE">
-              <a:solidFill>
-                <a:schemeClr val="tx1"/>
-              </a:solidFill>
-            </a:endParaRPr>
-          </a:p>
-        </p:txBody>
-      </p:sp>
-      <p:sp>
-        <p:nvSpPr>
-          <p:cNvPr id="35" name="Moln 34"/>
-          <p:cNvSpPr/>
-          <p:nvPr/>
-        </p:nvSpPr>
-        <p:spPr>
-          <a:xfrm>
-            <a:off x="3850458" y="2847998"/>
-            <a:ext cx="330666" cy="201336"/>
-          </a:xfrm>
-          <a:prstGeom prst="cloud">
+          <p:cNvPr id="21" name="Likbent triangel 20"/>
+          <p:cNvSpPr/>
+          <p:nvPr/>
+        </p:nvSpPr>
+        <p:spPr>
+          <a:xfrm>
+            <a:off x="5451446" y="4256376"/>
+            <a:ext cx="236290" cy="209725"/>
+          </a:xfrm>
+          <a:prstGeom prst="triangle">
             <a:avLst/>
           </a:prstGeom>
           <a:solidFill>
@@ -4816,531 +6316,10 @@
           </a:p>
         </p:txBody>
       </p:sp>
-      <p:sp>
-        <p:nvSpPr>
-          <p:cNvPr id="36" name="Moln 35"/>
-          <p:cNvSpPr/>
-          <p:nvPr/>
-        </p:nvSpPr>
-        <p:spPr>
-          <a:xfrm>
-            <a:off x="4653618" y="2839609"/>
-            <a:ext cx="330666" cy="201336"/>
-          </a:xfrm>
-          <a:prstGeom prst="cloud">
-            <a:avLst/>
-          </a:prstGeom>
-          <a:solidFill>
-            <a:schemeClr val="accent2"/>
-          </a:solidFill>
-        </p:spPr>
-        <p:style>
-          <a:lnRef idx="2">
-            <a:schemeClr val="accent1">
-              <a:shade val="50000"/>
-            </a:schemeClr>
-          </a:lnRef>
-          <a:fillRef idx="1">
-            <a:schemeClr val="accent1"/>
-          </a:fillRef>
-          <a:effectRef idx="0">
-            <a:schemeClr val="accent1"/>
-          </a:effectRef>
-          <a:fontRef idx="minor">
-            <a:schemeClr val="lt1"/>
-          </a:fontRef>
-        </p:style>
-        <p:txBody>
-          <a:bodyPr rtlCol="0" anchor="ctr"/>
-          <a:lstStyle/>
-          <a:p>
-            <a:pPr algn="ctr"/>
-            <a:endParaRPr lang="sv-SE"/>
-          </a:p>
-        </p:txBody>
-      </p:sp>
-      <p:sp>
-        <p:nvSpPr>
-          <p:cNvPr id="37" name="Moln 36"/>
-          <p:cNvSpPr/>
-          <p:nvPr/>
-        </p:nvSpPr>
-        <p:spPr>
-          <a:xfrm>
-            <a:off x="3850458" y="4129800"/>
-            <a:ext cx="330666" cy="201336"/>
-          </a:xfrm>
-          <a:prstGeom prst="cloud">
-            <a:avLst/>
-          </a:prstGeom>
-          <a:solidFill>
-            <a:schemeClr val="accent2"/>
-          </a:solidFill>
-        </p:spPr>
-        <p:style>
-          <a:lnRef idx="2">
-            <a:schemeClr val="accent1">
-              <a:shade val="50000"/>
-            </a:schemeClr>
-          </a:lnRef>
-          <a:fillRef idx="1">
-            <a:schemeClr val="accent1"/>
-          </a:fillRef>
-          <a:effectRef idx="0">
-            <a:schemeClr val="accent1"/>
-          </a:effectRef>
-          <a:fontRef idx="minor">
-            <a:schemeClr val="lt1"/>
-          </a:fontRef>
-        </p:style>
-        <p:txBody>
-          <a:bodyPr rtlCol="0" anchor="ctr"/>
-          <a:lstStyle/>
-          <a:p>
-            <a:pPr algn="ctr"/>
-            <a:endParaRPr lang="sv-SE"/>
-          </a:p>
-        </p:txBody>
-      </p:sp>
-      <p:sp>
-        <p:nvSpPr>
-          <p:cNvPr id="38" name="Moln 37"/>
-          <p:cNvSpPr/>
-          <p:nvPr/>
-        </p:nvSpPr>
-        <p:spPr>
-          <a:xfrm>
-            <a:off x="4653618" y="4129800"/>
-            <a:ext cx="330666" cy="201336"/>
-          </a:xfrm>
-          <a:prstGeom prst="cloud">
-            <a:avLst/>
-          </a:prstGeom>
-          <a:solidFill>
-            <a:schemeClr val="accent2"/>
-          </a:solidFill>
-        </p:spPr>
-        <p:style>
-          <a:lnRef idx="2">
-            <a:schemeClr val="accent1">
-              <a:shade val="50000"/>
-            </a:schemeClr>
-          </a:lnRef>
-          <a:fillRef idx="1">
-            <a:schemeClr val="accent1"/>
-          </a:fillRef>
-          <a:effectRef idx="0">
-            <a:schemeClr val="accent1"/>
-          </a:effectRef>
-          <a:fontRef idx="minor">
-            <a:schemeClr val="lt1"/>
-          </a:fontRef>
-        </p:style>
-        <p:txBody>
-          <a:bodyPr rtlCol="0" anchor="ctr"/>
-          <a:lstStyle/>
-          <a:p>
-            <a:pPr algn="ctr"/>
-            <a:endParaRPr lang="sv-SE"/>
-          </a:p>
-        </p:txBody>
-      </p:sp>
-      <p:sp>
-        <p:nvSpPr>
-          <p:cNvPr id="39" name="Lika med 38"/>
-          <p:cNvSpPr/>
-          <p:nvPr/>
-        </p:nvSpPr>
-        <p:spPr>
-          <a:xfrm>
-            <a:off x="5069313" y="4129800"/>
-            <a:ext cx="302004" cy="201322"/>
-          </a:xfrm>
-          <a:prstGeom prst="mathEqual">
-            <a:avLst/>
-          </a:prstGeom>
-        </p:spPr>
-        <p:style>
-          <a:lnRef idx="2">
-            <a:schemeClr val="accent1">
-              <a:shade val="50000"/>
-            </a:schemeClr>
-          </a:lnRef>
-          <a:fillRef idx="1">
-            <a:schemeClr val="accent1"/>
-          </a:fillRef>
-          <a:effectRef idx="0">
-            <a:schemeClr val="accent1"/>
-          </a:effectRef>
-          <a:fontRef idx="minor">
-            <a:schemeClr val="lt1"/>
-          </a:fontRef>
-        </p:style>
-        <p:txBody>
-          <a:bodyPr rtlCol="0" anchor="ctr"/>
-          <a:lstStyle/>
-          <a:p>
-            <a:pPr algn="ctr"/>
-            <a:endParaRPr lang="sv-SE">
-              <a:solidFill>
-                <a:schemeClr val="tx1"/>
-              </a:solidFill>
-            </a:endParaRPr>
-          </a:p>
-        </p:txBody>
-      </p:sp>
-      <p:sp>
-        <p:nvSpPr>
-          <p:cNvPr id="40" name="Likbent triangel 39"/>
-          <p:cNvSpPr/>
-          <p:nvPr/>
-        </p:nvSpPr>
-        <p:spPr>
-          <a:xfrm>
-            <a:off x="5817765" y="4098784"/>
-            <a:ext cx="236290" cy="209725"/>
-          </a:xfrm>
-          <a:prstGeom prst="triangle">
-            <a:avLst/>
-          </a:prstGeom>
-          <a:solidFill>
-            <a:schemeClr val="accent2"/>
-          </a:solidFill>
-        </p:spPr>
-        <p:style>
-          <a:lnRef idx="2">
-            <a:schemeClr val="accent1">
-              <a:shade val="50000"/>
-            </a:schemeClr>
-          </a:lnRef>
-          <a:fillRef idx="1">
-            <a:schemeClr val="accent1"/>
-          </a:fillRef>
-          <a:effectRef idx="0">
-            <a:schemeClr val="accent1"/>
-          </a:effectRef>
-          <a:fontRef idx="minor">
-            <a:schemeClr val="lt1"/>
-          </a:fontRef>
-        </p:style>
-        <p:txBody>
-          <a:bodyPr rtlCol="0" anchor="ctr"/>
-          <a:lstStyle/>
-          <a:p>
-            <a:pPr algn="ctr"/>
-            <a:endParaRPr lang="sv-SE"/>
-          </a:p>
-        </p:txBody>
-      </p:sp>
-      <p:sp>
-        <p:nvSpPr>
-          <p:cNvPr id="41" name="Moln 40"/>
-          <p:cNvSpPr/>
-          <p:nvPr/>
-        </p:nvSpPr>
-        <p:spPr>
-          <a:xfrm>
-            <a:off x="3850458" y="5378703"/>
-            <a:ext cx="330666" cy="201336"/>
-          </a:xfrm>
-          <a:prstGeom prst="cloud">
-            <a:avLst/>
-          </a:prstGeom>
-          <a:solidFill>
-            <a:schemeClr val="accent2"/>
-          </a:solidFill>
-        </p:spPr>
-        <p:style>
-          <a:lnRef idx="2">
-            <a:schemeClr val="accent1">
-              <a:shade val="50000"/>
-            </a:schemeClr>
-          </a:lnRef>
-          <a:fillRef idx="1">
-            <a:schemeClr val="accent1"/>
-          </a:fillRef>
-          <a:effectRef idx="0">
-            <a:schemeClr val="accent1"/>
-          </a:effectRef>
-          <a:fontRef idx="minor">
-            <a:schemeClr val="lt1"/>
-          </a:fontRef>
-        </p:style>
-        <p:txBody>
-          <a:bodyPr rtlCol="0" anchor="ctr"/>
-          <a:lstStyle/>
-          <a:p>
-            <a:pPr algn="ctr"/>
-            <a:endParaRPr lang="sv-SE"/>
-          </a:p>
-        </p:txBody>
-      </p:sp>
-      <p:sp>
-        <p:nvSpPr>
-          <p:cNvPr id="42" name="Moln 41"/>
-          <p:cNvSpPr/>
-          <p:nvPr/>
-        </p:nvSpPr>
-        <p:spPr>
-          <a:xfrm>
-            <a:off x="4653618" y="5378703"/>
-            <a:ext cx="330666" cy="201336"/>
-          </a:xfrm>
-          <a:prstGeom prst="cloud">
-            <a:avLst/>
-          </a:prstGeom>
-          <a:solidFill>
-            <a:schemeClr val="accent2"/>
-          </a:solidFill>
-        </p:spPr>
-        <p:style>
-          <a:lnRef idx="2">
-            <a:schemeClr val="accent1">
-              <a:shade val="50000"/>
-            </a:schemeClr>
-          </a:lnRef>
-          <a:fillRef idx="1">
-            <a:schemeClr val="accent1"/>
-          </a:fillRef>
-          <a:effectRef idx="0">
-            <a:schemeClr val="accent1"/>
-          </a:effectRef>
-          <a:fontRef idx="minor">
-            <a:schemeClr val="lt1"/>
-          </a:fontRef>
-        </p:style>
-        <p:txBody>
-          <a:bodyPr rtlCol="0" anchor="ctr"/>
-          <a:lstStyle/>
-          <a:p>
-            <a:pPr algn="ctr"/>
-            <a:endParaRPr lang="sv-SE"/>
-          </a:p>
-        </p:txBody>
-      </p:sp>
-      <p:sp>
-        <p:nvSpPr>
-          <p:cNvPr id="43" name="Lika med 42"/>
-          <p:cNvSpPr/>
-          <p:nvPr/>
-        </p:nvSpPr>
-        <p:spPr>
-          <a:xfrm>
-            <a:off x="5068348" y="5370314"/>
-            <a:ext cx="302004" cy="201322"/>
-          </a:xfrm>
-          <a:prstGeom prst="mathEqual">
-            <a:avLst/>
-          </a:prstGeom>
-        </p:spPr>
-        <p:style>
-          <a:lnRef idx="2">
-            <a:schemeClr val="accent1">
-              <a:shade val="50000"/>
-            </a:schemeClr>
-          </a:lnRef>
-          <a:fillRef idx="1">
-            <a:schemeClr val="accent1"/>
-          </a:fillRef>
-          <a:effectRef idx="0">
-            <a:schemeClr val="accent1"/>
-          </a:effectRef>
-          <a:fontRef idx="minor">
-            <a:schemeClr val="lt1"/>
-          </a:fontRef>
-        </p:style>
-        <p:txBody>
-          <a:bodyPr rtlCol="0" anchor="ctr"/>
-          <a:lstStyle/>
-          <a:p>
-            <a:pPr algn="ctr"/>
-            <a:endParaRPr lang="sv-SE">
-              <a:solidFill>
-                <a:schemeClr val="tx1"/>
-              </a:solidFill>
-            </a:endParaRPr>
-          </a:p>
-        </p:txBody>
-      </p:sp>
-      <p:sp>
-        <p:nvSpPr>
-          <p:cNvPr id="46" name="Stjärna: 5 punkter 45"/>
-          <p:cNvSpPr/>
-          <p:nvPr/>
-        </p:nvSpPr>
-        <p:spPr>
-          <a:xfrm>
-            <a:off x="5820824" y="5342769"/>
-            <a:ext cx="317820" cy="209725"/>
-          </a:xfrm>
-          <a:prstGeom prst="star5">
-            <a:avLst/>
-          </a:prstGeom>
-          <a:solidFill>
-            <a:schemeClr val="accent2"/>
-          </a:solidFill>
-        </p:spPr>
-        <p:style>
-          <a:lnRef idx="2">
-            <a:schemeClr val="accent1">
-              <a:shade val="50000"/>
-            </a:schemeClr>
-          </a:lnRef>
-          <a:fillRef idx="1">
-            <a:schemeClr val="accent1"/>
-          </a:fillRef>
-          <a:effectRef idx="0">
-            <a:schemeClr val="accent1"/>
-          </a:effectRef>
-          <a:fontRef idx="minor">
-            <a:schemeClr val="lt1"/>
-          </a:fontRef>
-        </p:style>
-        <p:txBody>
-          <a:bodyPr rtlCol="0" anchor="ctr"/>
-          <a:lstStyle/>
-          <a:p>
-            <a:pPr algn="ctr"/>
-            <a:endParaRPr lang="sv-SE"/>
-          </a:p>
-        </p:txBody>
-      </p:sp>
-      <p:sp>
-        <p:nvSpPr>
-          <p:cNvPr id="47" name="Lika med 46"/>
-          <p:cNvSpPr/>
-          <p:nvPr/>
-        </p:nvSpPr>
-        <p:spPr>
-          <a:xfrm>
-            <a:off x="5381014" y="2839609"/>
-            <a:ext cx="302004" cy="201322"/>
-          </a:xfrm>
-          <a:prstGeom prst="mathEqual">
-            <a:avLst/>
-          </a:prstGeom>
-        </p:spPr>
-        <p:style>
-          <a:lnRef idx="2">
-            <a:schemeClr val="accent1">
-              <a:shade val="50000"/>
-            </a:schemeClr>
-          </a:lnRef>
-          <a:fillRef idx="1">
-            <a:schemeClr val="accent1"/>
-          </a:fillRef>
-          <a:effectRef idx="0">
-            <a:schemeClr val="accent1"/>
-          </a:effectRef>
-          <a:fontRef idx="minor">
-            <a:schemeClr val="lt1"/>
-          </a:fontRef>
-        </p:style>
-        <p:txBody>
-          <a:bodyPr rtlCol="0" anchor="ctr"/>
-          <a:lstStyle/>
-          <a:p>
-            <a:pPr algn="ctr"/>
-            <a:endParaRPr lang="sv-SE">
-              <a:solidFill>
-                <a:schemeClr val="tx1"/>
-              </a:solidFill>
-            </a:endParaRPr>
-          </a:p>
-        </p:txBody>
-      </p:sp>
-      <p:sp>
-        <p:nvSpPr>
-          <p:cNvPr id="48" name="Lika med 47"/>
-          <p:cNvSpPr/>
-          <p:nvPr/>
-        </p:nvSpPr>
-        <p:spPr>
-          <a:xfrm>
-            <a:off x="5381014" y="4129800"/>
-            <a:ext cx="302004" cy="201322"/>
-          </a:xfrm>
-          <a:prstGeom prst="mathEqual">
-            <a:avLst/>
-          </a:prstGeom>
-        </p:spPr>
-        <p:style>
-          <a:lnRef idx="2">
-            <a:schemeClr val="accent1">
-              <a:shade val="50000"/>
-            </a:schemeClr>
-          </a:lnRef>
-          <a:fillRef idx="1">
-            <a:schemeClr val="accent1"/>
-          </a:fillRef>
-          <a:effectRef idx="0">
-            <a:schemeClr val="accent1"/>
-          </a:effectRef>
-          <a:fontRef idx="minor">
-            <a:schemeClr val="lt1"/>
-          </a:fontRef>
-        </p:style>
-        <p:txBody>
-          <a:bodyPr rtlCol="0" anchor="ctr"/>
-          <a:lstStyle/>
-          <a:p>
-            <a:pPr algn="ctr"/>
-            <a:endParaRPr lang="sv-SE">
-              <a:solidFill>
-                <a:schemeClr val="tx1"/>
-              </a:solidFill>
-            </a:endParaRPr>
-          </a:p>
-        </p:txBody>
-      </p:sp>
-      <p:sp>
-        <p:nvSpPr>
-          <p:cNvPr id="49" name="Lika med 48"/>
-          <p:cNvSpPr/>
-          <p:nvPr/>
-        </p:nvSpPr>
-        <p:spPr>
-          <a:xfrm>
-            <a:off x="5379661" y="5370314"/>
-            <a:ext cx="302004" cy="201322"/>
-          </a:xfrm>
-          <a:prstGeom prst="mathEqual">
-            <a:avLst/>
-          </a:prstGeom>
-        </p:spPr>
-        <p:style>
-          <a:lnRef idx="2">
-            <a:schemeClr val="accent1">
-              <a:shade val="50000"/>
-            </a:schemeClr>
-          </a:lnRef>
-          <a:fillRef idx="1">
-            <a:schemeClr val="accent1"/>
-          </a:fillRef>
-          <a:effectRef idx="0">
-            <a:schemeClr val="accent1"/>
-          </a:effectRef>
-          <a:fontRef idx="minor">
-            <a:schemeClr val="lt1"/>
-          </a:fontRef>
-        </p:style>
-        <p:txBody>
-          <a:bodyPr rtlCol="0" anchor="ctr"/>
-          <a:lstStyle/>
-          <a:p>
-            <a:pPr algn="ctr"/>
-            <a:endParaRPr lang="sv-SE">
-              <a:solidFill>
-                <a:schemeClr val="tx1"/>
-              </a:solidFill>
-            </a:endParaRPr>
-          </a:p>
-        </p:txBody>
-      </p:sp>
     </p:spTree>
     <p:extLst>
       <p:ext uri="{BB962C8B-B14F-4D97-AF65-F5344CB8AC3E}">
-        <p14:creationId xmlns:p14="http://schemas.microsoft.com/office/powerpoint/2010/main" val="1834617318"/>
+        <p14:creationId xmlns:p14="http://schemas.microsoft.com/office/powerpoint/2010/main" val="192851137"/>
       </p:ext>
     </p:extLst>
   </p:cSld>
@@ -5383,221 +6362,166 @@
           <a:lstStyle/>
           <a:p>
             <a:r>
-              <a:rPr lang="sv-SE" dirty="0" err="1"/>
-              <a:t>Reduce</a:t>
-            </a:r>
-            <a:endParaRPr lang="sv-SE" dirty="0"/>
-          </a:p>
-        </p:txBody>
-      </p:sp>
-      <p:sp>
-        <p:nvSpPr>
-          <p:cNvPr id="4" name="Rektangel 3"/>
-          <p:cNvSpPr/>
-          <p:nvPr/>
-        </p:nvSpPr>
-        <p:spPr>
-          <a:xfrm>
-            <a:off x="1585518" y="2462160"/>
-            <a:ext cx="1719743" cy="1023457"/>
-          </a:xfrm>
-          <a:prstGeom prst="rect">
-            <a:avLst/>
-          </a:prstGeom>
-        </p:spPr>
-        <p:style>
-          <a:lnRef idx="2">
-            <a:schemeClr val="accent1">
-              <a:shade val="50000"/>
-            </a:schemeClr>
-          </a:lnRef>
-          <a:fillRef idx="1">
-            <a:schemeClr val="accent1"/>
-          </a:fillRef>
-          <a:effectRef idx="0">
-            <a:schemeClr val="accent1"/>
-          </a:effectRef>
-          <a:fontRef idx="minor">
-            <a:schemeClr val="lt1"/>
-          </a:fontRef>
-        </p:style>
-        <p:txBody>
-          <a:bodyPr rtlCol="0" anchor="ctr"/>
-          <a:lstStyle/>
-          <a:p>
-            <a:pPr algn="ctr"/>
-            <a:endParaRPr lang="sv-SE" dirty="0"/>
-          </a:p>
-        </p:txBody>
-      </p:sp>
-      <p:sp>
-        <p:nvSpPr>
-          <p:cNvPr id="17" name="Rektangel 16"/>
-          <p:cNvSpPr/>
-          <p:nvPr/>
-        </p:nvSpPr>
-        <p:spPr>
-          <a:xfrm>
-            <a:off x="1587333" y="4257089"/>
-            <a:ext cx="1719743" cy="1023457"/>
-          </a:xfrm>
-          <a:prstGeom prst="rect">
-            <a:avLst/>
-          </a:prstGeom>
-        </p:spPr>
-        <p:style>
-          <a:lnRef idx="2">
-            <a:schemeClr val="accent1">
-              <a:shade val="50000"/>
-            </a:schemeClr>
-          </a:lnRef>
-          <a:fillRef idx="1">
-            <a:schemeClr val="accent1"/>
-          </a:fillRef>
-          <a:effectRef idx="0">
-            <a:schemeClr val="accent1"/>
-          </a:effectRef>
-          <a:fontRef idx="minor">
-            <a:schemeClr val="lt1"/>
-          </a:fontRef>
-        </p:style>
-        <p:txBody>
-          <a:bodyPr rtlCol="0" anchor="ctr"/>
-          <a:lstStyle/>
-          <a:p>
-            <a:pPr algn="ctr"/>
-            <a:endParaRPr lang="sv-SE" dirty="0"/>
-          </a:p>
-        </p:txBody>
-      </p:sp>
-      <p:pic>
-        <p:nvPicPr>
-          <p:cNvPr id="19" name="Platshållare för innehåll 18" descr="&lt;strong&gt;Apple&lt;/strong&gt;"/>
-          <p:cNvPicPr>
-            <a:picLocks noGrp="1" noChangeAspect="1"/>
-          </p:cNvPicPr>
+              <a:rPr lang="sv-SE" dirty="0"/>
+              <a:t>Filter</a:t>
+            </a:r>
+          </a:p>
+        </p:txBody>
+      </p:sp>
+      <p:sp>
+        <p:nvSpPr>
+          <p:cNvPr id="3" name="Platshållare för innehåll 2"/>
+          <p:cNvSpPr>
+            <a:spLocks noGrp="1"/>
+          </p:cNvSpPr>
           <p:nvPr>
             <p:ph idx="1"/>
           </p:nvPr>
-        </p:nvPicPr>
-        <p:blipFill>
-          <a:blip r:embed="rId2">
-            <a:extLst>
-              <a:ext uri="{28A0092B-C50C-407E-A947-70E740481C1C}">
-                <a14:useLocalDpi xmlns:a14="http://schemas.microsoft.com/office/drawing/2010/main" val="0"/>
-              </a:ext>
-            </a:extLst>
-          </a:blip>
-          <a:stretch>
-            <a:fillRect/>
-          </a:stretch>
-        </p:blipFill>
-        <p:spPr>
-          <a:xfrm>
-            <a:off x="1676360" y="2882450"/>
-            <a:ext cx="310222" cy="270296"/>
-          </a:xfrm>
-        </p:spPr>
-      </p:pic>
-      <p:pic>
-        <p:nvPicPr>
-          <p:cNvPr id="44" name="Platshållare för innehåll 18" descr="&lt;strong&gt;Apple&lt;/strong&gt;"/>
-          <p:cNvPicPr>
-            <a:picLocks noChangeAspect="1"/>
-          </p:cNvPicPr>
-          <p:nvPr/>
-        </p:nvPicPr>
-        <p:blipFill>
-          <a:blip r:embed="rId2">
-            <a:extLst>
-              <a:ext uri="{28A0092B-C50C-407E-A947-70E740481C1C}">
-                <a14:useLocalDpi xmlns:a14="http://schemas.microsoft.com/office/drawing/2010/main" val="0"/>
-              </a:ext>
-            </a:extLst>
-          </a:blip>
-          <a:stretch>
-            <a:fillRect/>
-          </a:stretch>
-        </p:blipFill>
-        <p:spPr>
-          <a:xfrm>
-            <a:off x="2109693" y="2882450"/>
-            <a:ext cx="310222" cy="270296"/>
-          </a:xfrm>
-          <a:prstGeom prst="rect">
-            <a:avLst/>
-          </a:prstGeom>
-        </p:spPr>
-      </p:pic>
-      <p:pic>
-        <p:nvPicPr>
-          <p:cNvPr id="45" name="Platshållare för innehåll 18" descr="&lt;strong&gt;Apple&lt;/strong&gt;"/>
-          <p:cNvPicPr>
-            <a:picLocks noChangeAspect="1"/>
-          </p:cNvPicPr>
-          <p:nvPr/>
-        </p:nvPicPr>
-        <p:blipFill>
-          <a:blip r:embed="rId2">
-            <a:extLst>
-              <a:ext uri="{28A0092B-C50C-407E-A947-70E740481C1C}">
-                <a14:useLocalDpi xmlns:a14="http://schemas.microsoft.com/office/drawing/2010/main" val="0"/>
-              </a:ext>
-            </a:extLst>
-          </a:blip>
-          <a:stretch>
-            <a:fillRect/>
-          </a:stretch>
-        </p:blipFill>
-        <p:spPr>
-          <a:xfrm>
-            <a:off x="2539570" y="2894075"/>
-            <a:ext cx="310222" cy="270296"/>
-          </a:xfrm>
-          <a:prstGeom prst="rect">
-            <a:avLst/>
-          </a:prstGeom>
-        </p:spPr>
-      </p:pic>
-      <p:pic>
-        <p:nvPicPr>
-          <p:cNvPr id="50" name="Platshållare för innehåll 18" descr="&lt;strong&gt;Apple&lt;/strong&gt;"/>
-          <p:cNvPicPr>
-            <a:picLocks noChangeAspect="1"/>
-          </p:cNvPicPr>
-          <p:nvPr/>
-        </p:nvPicPr>
-        <p:blipFill>
-          <a:blip r:embed="rId2">
-            <a:extLst>
-              <a:ext uri="{28A0092B-C50C-407E-A947-70E740481C1C}">
-                <a14:useLocalDpi xmlns:a14="http://schemas.microsoft.com/office/drawing/2010/main" val="0"/>
-              </a:ext>
-            </a:extLst>
-          </a:blip>
-          <a:stretch>
-            <a:fillRect/>
-          </a:stretch>
-        </p:blipFill>
-        <p:spPr>
-          <a:xfrm>
-            <a:off x="2930536" y="2894075"/>
-            <a:ext cx="310222" cy="270296"/>
-          </a:xfrm>
-          <a:prstGeom prst="rect">
-            <a:avLst/>
-          </a:prstGeom>
-        </p:spPr>
-      </p:pic>
-      <p:sp>
-        <p:nvSpPr>
-          <p:cNvPr id="51" name="Pil: höger 50"/>
-          <p:cNvSpPr/>
-          <p:nvPr/>
-        </p:nvSpPr>
-        <p:spPr>
-          <a:xfrm>
-            <a:off x="5700474" y="2833267"/>
+        </p:nvSpPr>
+        <p:spPr/>
+        <p:txBody>
+          <a:bodyPr/>
+          <a:lstStyle/>
+          <a:p>
+            <a:endParaRPr lang="sv-SE" dirty="0"/>
+          </a:p>
+        </p:txBody>
+      </p:sp>
+      <p:sp>
+        <p:nvSpPr>
+          <p:cNvPr id="4" name="Rektangel 3"/>
+          <p:cNvSpPr/>
+          <p:nvPr/>
+        </p:nvSpPr>
+        <p:spPr>
+          <a:xfrm>
+            <a:off x="1585518" y="2462160"/>
+            <a:ext cx="1719743" cy="1023457"/>
+          </a:xfrm>
+          <a:prstGeom prst="rect">
+            <a:avLst/>
+          </a:prstGeom>
+        </p:spPr>
+        <p:style>
+          <a:lnRef idx="2">
+            <a:schemeClr val="accent1">
+              <a:shade val="50000"/>
+            </a:schemeClr>
+          </a:lnRef>
+          <a:fillRef idx="1">
+            <a:schemeClr val="accent1"/>
+          </a:fillRef>
+          <a:effectRef idx="0">
+            <a:schemeClr val="accent1"/>
+          </a:effectRef>
+          <a:fontRef idx="minor">
+            <a:schemeClr val="lt1"/>
+          </a:fontRef>
+        </p:style>
+        <p:txBody>
+          <a:bodyPr rtlCol="0" anchor="ctr"/>
+          <a:lstStyle/>
+          <a:p>
+            <a:pPr algn="ctr"/>
+            <a:endParaRPr lang="sv-SE" dirty="0"/>
+          </a:p>
+        </p:txBody>
+      </p:sp>
+      <p:sp>
+        <p:nvSpPr>
+          <p:cNvPr id="5" name="Rektangel 4"/>
+          <p:cNvSpPr/>
+          <p:nvPr/>
+        </p:nvSpPr>
+        <p:spPr>
+          <a:xfrm>
+            <a:off x="1746134" y="2852240"/>
+            <a:ext cx="285226" cy="209725"/>
+          </a:xfrm>
+          <a:prstGeom prst="rect">
+            <a:avLst/>
+          </a:prstGeom>
+          <a:solidFill>
+            <a:schemeClr val="accent2"/>
+          </a:solidFill>
+        </p:spPr>
+        <p:style>
+          <a:lnRef idx="2">
+            <a:schemeClr val="accent1">
+              <a:shade val="50000"/>
+            </a:schemeClr>
+          </a:lnRef>
+          <a:fillRef idx="1">
+            <a:schemeClr val="accent1"/>
+          </a:fillRef>
+          <a:effectRef idx="0">
+            <a:schemeClr val="accent1"/>
+          </a:effectRef>
+          <a:fontRef idx="minor">
+            <a:schemeClr val="lt1"/>
+          </a:fontRef>
+        </p:style>
+        <p:txBody>
+          <a:bodyPr rtlCol="0" anchor="ctr"/>
+          <a:lstStyle/>
+          <a:p>
+            <a:pPr algn="ctr"/>
+            <a:endParaRPr lang="sv-SE"/>
+          </a:p>
+        </p:txBody>
+      </p:sp>
+      <p:sp>
+        <p:nvSpPr>
+          <p:cNvPr id="7" name="Rektangel 6"/>
+          <p:cNvSpPr/>
+          <p:nvPr/>
+        </p:nvSpPr>
+        <p:spPr>
+          <a:xfrm>
+            <a:off x="2500792" y="2852240"/>
+            <a:ext cx="285226" cy="209725"/>
+          </a:xfrm>
+          <a:prstGeom prst="rect">
+            <a:avLst/>
+          </a:prstGeom>
+          <a:solidFill>
+            <a:schemeClr val="accent2"/>
+          </a:solidFill>
+        </p:spPr>
+        <p:style>
+          <a:lnRef idx="2">
+            <a:schemeClr val="accent1">
+              <a:shade val="50000"/>
+            </a:schemeClr>
+          </a:lnRef>
+          <a:fillRef idx="1">
+            <a:schemeClr val="accent1"/>
+          </a:fillRef>
+          <a:effectRef idx="0">
+            <a:schemeClr val="accent1"/>
+          </a:effectRef>
+          <a:fontRef idx="minor">
+            <a:schemeClr val="lt1"/>
+          </a:fontRef>
+        </p:style>
+        <p:txBody>
+          <a:bodyPr rtlCol="0" anchor="ctr"/>
+          <a:lstStyle/>
+          <a:p>
+            <a:pPr algn="ctr"/>
+            <a:endParaRPr lang="sv-SE"/>
+          </a:p>
+        </p:txBody>
+      </p:sp>
+      <p:sp>
+        <p:nvSpPr>
+          <p:cNvPr id="10" name="Pil: höger 9"/>
+          <p:cNvSpPr/>
+          <p:nvPr/>
+        </p:nvSpPr>
+        <p:spPr>
+          <a:xfrm>
+            <a:off x="4341738" y="2839609"/>
             <a:ext cx="243280" cy="209725"/>
           </a:xfrm>
           <a:prstGeom prst="rightArrow">
@@ -5629,315 +6553,264 @@
           </a:p>
         </p:txBody>
       </p:sp>
-      <p:pic>
-        <p:nvPicPr>
-          <p:cNvPr id="52" name="Platshållare för innehåll 18" descr="&lt;strong&gt;Apple&lt;/strong&gt;"/>
-          <p:cNvPicPr>
-            <a:picLocks noChangeAspect="1"/>
-          </p:cNvPicPr>
-          <p:nvPr/>
-        </p:nvPicPr>
-        <p:blipFill>
-          <a:blip r:embed="rId2">
-            <a:extLst>
-              <a:ext uri="{28A0092B-C50C-407E-A947-70E740481C1C}">
-                <a14:useLocalDpi xmlns:a14="http://schemas.microsoft.com/office/drawing/2010/main" val="0"/>
-              </a:ext>
-            </a:extLst>
-          </a:blip>
-          <a:stretch>
-            <a:fillRect/>
-          </a:stretch>
-        </p:blipFill>
-        <p:spPr>
-          <a:xfrm>
-            <a:off x="5223156" y="2802982"/>
-            <a:ext cx="310222" cy="270296"/>
-          </a:xfrm>
-          <a:prstGeom prst="rect">
-            <a:avLst/>
-          </a:prstGeom>
-        </p:spPr>
-      </p:pic>
-      <p:pic>
-        <p:nvPicPr>
-          <p:cNvPr id="24" name="Bildobjekt 23" descr="&lt;strong&gt;tree&lt;/strong&gt;-17 by jpenrici"/>
-          <p:cNvPicPr>
-            <a:picLocks noChangeAspect="1"/>
-          </p:cNvPicPr>
-          <p:nvPr/>
-        </p:nvPicPr>
-        <p:blipFill>
-          <a:blip r:embed="rId3">
-            <a:extLst>
-              <a:ext uri="{28A0092B-C50C-407E-A947-70E740481C1C}">
-                <a14:useLocalDpi xmlns:a14="http://schemas.microsoft.com/office/drawing/2010/main" val="0"/>
-              </a:ext>
-            </a:extLst>
-          </a:blip>
-          <a:stretch>
-            <a:fillRect/>
-          </a:stretch>
-        </p:blipFill>
-        <p:spPr>
-          <a:xfrm>
-            <a:off x="4710375" y="2735138"/>
-            <a:ext cx="429233" cy="429233"/>
-          </a:xfrm>
-          <a:prstGeom prst="rect">
-            <a:avLst/>
-          </a:prstGeom>
-        </p:spPr>
-      </p:pic>
-      <p:pic>
-        <p:nvPicPr>
-          <p:cNvPr id="53" name="Bildobjekt 52" descr="&lt;strong&gt;tree&lt;/strong&gt;-17 by jpenrici"/>
-          <p:cNvPicPr>
-            <a:picLocks noChangeAspect="1"/>
-          </p:cNvPicPr>
-          <p:nvPr/>
-        </p:nvPicPr>
-        <p:blipFill>
-          <a:blip r:embed="rId3">
-            <a:extLst>
-              <a:ext uri="{28A0092B-C50C-407E-A947-70E740481C1C}">
-                <a14:useLocalDpi xmlns:a14="http://schemas.microsoft.com/office/drawing/2010/main" val="0"/>
-              </a:ext>
-            </a:extLst>
-          </a:blip>
-          <a:stretch>
-            <a:fillRect/>
-          </a:stretch>
-        </p:blipFill>
-        <p:spPr>
-          <a:xfrm>
-            <a:off x="6110850" y="2741174"/>
-            <a:ext cx="429233" cy="429233"/>
-          </a:xfrm>
-          <a:prstGeom prst="rect">
-            <a:avLst/>
-          </a:prstGeom>
-        </p:spPr>
-      </p:pic>
-      <p:pic>
-        <p:nvPicPr>
-          <p:cNvPr id="54" name="Platshållare för innehåll 18" descr="&lt;strong&gt;Apple&lt;/strong&gt;"/>
-          <p:cNvPicPr>
-            <a:picLocks noChangeAspect="1"/>
-          </p:cNvPicPr>
-          <p:nvPr/>
-        </p:nvPicPr>
-        <p:blipFill>
-          <a:blip r:embed="rId2">
-            <a:extLst>
-              <a:ext uri="{28A0092B-C50C-407E-A947-70E740481C1C}">
-                <a14:useLocalDpi xmlns:a14="http://schemas.microsoft.com/office/drawing/2010/main" val="0"/>
-              </a:ext>
-            </a:extLst>
-          </a:blip>
-          <a:stretch>
-            <a:fillRect/>
-          </a:stretch>
-        </p:blipFill>
-        <p:spPr>
-          <a:xfrm>
-            <a:off x="6220118" y="2829913"/>
-            <a:ext cx="105348" cy="91790"/>
-          </a:xfrm>
-          <a:prstGeom prst="rect">
-            <a:avLst/>
-          </a:prstGeom>
-        </p:spPr>
-      </p:pic>
-      <p:pic>
-        <p:nvPicPr>
-          <p:cNvPr id="56" name="Bildobjekt 55" descr="&lt;strong&gt;tree&lt;/strong&gt;-17 by jpenrici"/>
-          <p:cNvPicPr>
-            <a:picLocks noChangeAspect="1"/>
-          </p:cNvPicPr>
-          <p:nvPr/>
-        </p:nvPicPr>
-        <p:blipFill>
-          <a:blip r:embed="rId3">
-            <a:extLst>
-              <a:ext uri="{28A0092B-C50C-407E-A947-70E740481C1C}">
-                <a14:useLocalDpi xmlns:a14="http://schemas.microsoft.com/office/drawing/2010/main" val="0"/>
-              </a:ext>
-            </a:extLst>
-          </a:blip>
-          <a:stretch>
-            <a:fillRect/>
-          </a:stretch>
-        </p:blipFill>
-        <p:spPr>
-          <a:xfrm>
-            <a:off x="7455263" y="2462160"/>
-            <a:ext cx="1094933" cy="1023457"/>
-          </a:xfrm>
-          <a:prstGeom prst="rect">
-            <a:avLst/>
-          </a:prstGeom>
-        </p:spPr>
-      </p:pic>
-      <p:pic>
-        <p:nvPicPr>
-          <p:cNvPr id="57" name="Platshållare för innehåll 18" descr="&lt;strong&gt;Apple&lt;/strong&gt;"/>
-          <p:cNvPicPr>
-            <a:picLocks noChangeAspect="1"/>
-          </p:cNvPicPr>
-          <p:nvPr/>
-        </p:nvPicPr>
-        <p:blipFill>
-          <a:blip r:embed="rId2">
-            <a:extLst>
-              <a:ext uri="{28A0092B-C50C-407E-A947-70E740481C1C}">
-                <a14:useLocalDpi xmlns:a14="http://schemas.microsoft.com/office/drawing/2010/main" val="0"/>
-              </a:ext>
-            </a:extLst>
-          </a:blip>
-          <a:stretch>
-            <a:fillRect/>
-          </a:stretch>
-        </p:blipFill>
-        <p:spPr>
-          <a:xfrm>
-            <a:off x="8046190" y="2701032"/>
-            <a:ext cx="208216" cy="181418"/>
-          </a:xfrm>
-          <a:prstGeom prst="rect">
-            <a:avLst/>
-          </a:prstGeom>
-        </p:spPr>
-      </p:pic>
-      <p:pic>
-        <p:nvPicPr>
-          <p:cNvPr id="58" name="Platshållare för innehåll 18" descr="&lt;strong&gt;Apple&lt;/strong&gt;"/>
-          <p:cNvPicPr>
-            <a:picLocks noChangeAspect="1"/>
-          </p:cNvPicPr>
-          <p:nvPr/>
-        </p:nvPicPr>
-        <p:blipFill>
-          <a:blip r:embed="rId2">
-            <a:extLst>
-              <a:ext uri="{28A0092B-C50C-407E-A947-70E740481C1C}">
-                <a14:useLocalDpi xmlns:a14="http://schemas.microsoft.com/office/drawing/2010/main" val="0"/>
-              </a:ext>
-            </a:extLst>
-          </a:blip>
-          <a:stretch>
-            <a:fillRect/>
-          </a:stretch>
-        </p:blipFill>
-        <p:spPr>
-          <a:xfrm>
-            <a:off x="7750400" y="2633188"/>
-            <a:ext cx="208216" cy="181418"/>
-          </a:xfrm>
-          <a:prstGeom prst="rect">
-            <a:avLst/>
-          </a:prstGeom>
-        </p:spPr>
-      </p:pic>
-      <p:pic>
-        <p:nvPicPr>
-          <p:cNvPr id="59" name="Platshållare för innehåll 18" descr="&lt;strong&gt;Apple&lt;/strong&gt;"/>
-          <p:cNvPicPr>
-            <a:picLocks noChangeAspect="1"/>
-          </p:cNvPicPr>
-          <p:nvPr/>
-        </p:nvPicPr>
-        <p:blipFill>
-          <a:blip r:embed="rId2">
-            <a:extLst>
-              <a:ext uri="{28A0092B-C50C-407E-A947-70E740481C1C}">
-                <a14:useLocalDpi xmlns:a14="http://schemas.microsoft.com/office/drawing/2010/main" val="0"/>
-              </a:ext>
-            </a:extLst>
-          </a:blip>
-          <a:stretch>
-            <a:fillRect/>
-          </a:stretch>
-        </p:blipFill>
-        <p:spPr>
-          <a:xfrm>
-            <a:off x="7659090" y="2941042"/>
-            <a:ext cx="208216" cy="181418"/>
-          </a:xfrm>
-          <a:prstGeom prst="rect">
-            <a:avLst/>
-          </a:prstGeom>
-        </p:spPr>
-      </p:pic>
-      <p:pic>
-        <p:nvPicPr>
-          <p:cNvPr id="60" name="Platshållare för innehåll 18" descr="&lt;strong&gt;Apple&lt;/strong&gt;"/>
-          <p:cNvPicPr>
-            <a:picLocks noChangeAspect="1"/>
-          </p:cNvPicPr>
-          <p:nvPr/>
-        </p:nvPicPr>
-        <p:blipFill>
-          <a:blip r:embed="rId2">
-            <a:extLst>
-              <a:ext uri="{28A0092B-C50C-407E-A947-70E740481C1C}">
-                <a14:useLocalDpi xmlns:a14="http://schemas.microsoft.com/office/drawing/2010/main" val="0"/>
-              </a:ext>
-            </a:extLst>
-          </a:blip>
-          <a:stretch>
-            <a:fillRect/>
-          </a:stretch>
-        </p:blipFill>
-        <p:spPr>
-          <a:xfrm>
-            <a:off x="8087353" y="2973888"/>
-            <a:ext cx="208216" cy="181418"/>
-          </a:xfrm>
-          <a:prstGeom prst="rect">
-            <a:avLst/>
-          </a:prstGeom>
-        </p:spPr>
-      </p:pic>
-      <p:pic>
-        <p:nvPicPr>
-          <p:cNvPr id="61" name="Bildobjekt 60" descr="&lt;strong&gt;tree&lt;/strong&gt;-17 by jpenrici"/>
-          <p:cNvPicPr>
-            <a:picLocks noChangeAspect="1"/>
-          </p:cNvPicPr>
-          <p:nvPr/>
-        </p:nvPicPr>
-        <p:blipFill>
-          <a:blip r:embed="rId3">
-            <a:extLst>
-              <a:ext uri="{28A0092B-C50C-407E-A947-70E740481C1C}">
-                <a14:useLocalDpi xmlns:a14="http://schemas.microsoft.com/office/drawing/2010/main" val="0"/>
-              </a:ext>
-            </a:extLst>
-          </a:blip>
-          <a:stretch>
-            <a:fillRect/>
-          </a:stretch>
-        </p:blipFill>
-        <p:spPr>
-          <a:xfrm>
-            <a:off x="7455262" y="4257088"/>
-            <a:ext cx="1094933" cy="1023457"/>
-          </a:xfrm>
-          <a:prstGeom prst="rect">
-            <a:avLst/>
-          </a:prstGeom>
-        </p:spPr>
-      </p:pic>
-      <p:sp>
-        <p:nvSpPr>
-          <p:cNvPr id="62" name="Pil: höger 61"/>
-          <p:cNvSpPr/>
-          <p:nvPr/>
-        </p:nvSpPr>
-        <p:spPr>
-          <a:xfrm>
-            <a:off x="5700474" y="4638319"/>
+      <p:sp>
+        <p:nvSpPr>
+          <p:cNvPr id="11" name="Likbent triangel 10"/>
+          <p:cNvSpPr/>
+          <p:nvPr/>
+        </p:nvSpPr>
+        <p:spPr>
+          <a:xfrm>
+            <a:off x="5817765" y="2847998"/>
+            <a:ext cx="236290" cy="209725"/>
+          </a:xfrm>
+          <a:prstGeom prst="triangle">
+            <a:avLst/>
+          </a:prstGeom>
+          <a:solidFill>
+            <a:schemeClr val="accent2"/>
+          </a:solidFill>
+        </p:spPr>
+        <p:style>
+          <a:lnRef idx="2">
+            <a:schemeClr val="accent1">
+              <a:shade val="50000"/>
+            </a:schemeClr>
+          </a:lnRef>
+          <a:fillRef idx="1">
+            <a:schemeClr val="accent1"/>
+          </a:fillRef>
+          <a:effectRef idx="0">
+            <a:schemeClr val="accent1"/>
+          </a:effectRef>
+          <a:fontRef idx="minor">
+            <a:schemeClr val="lt1"/>
+          </a:fontRef>
+        </p:style>
+        <p:txBody>
+          <a:bodyPr rtlCol="0" anchor="ctr"/>
+          <a:lstStyle/>
+          <a:p>
+            <a:pPr algn="ctr"/>
+            <a:endParaRPr lang="sv-SE"/>
+          </a:p>
+        </p:txBody>
+      </p:sp>
+      <p:sp>
+        <p:nvSpPr>
+          <p:cNvPr id="12" name="Rektangel 11"/>
+          <p:cNvSpPr/>
+          <p:nvPr/>
+        </p:nvSpPr>
+        <p:spPr>
+          <a:xfrm>
+            <a:off x="6661383" y="2462160"/>
+            <a:ext cx="1719743" cy="1023457"/>
+          </a:xfrm>
+          <a:prstGeom prst="rect">
+            <a:avLst/>
+          </a:prstGeom>
+        </p:spPr>
+        <p:style>
+          <a:lnRef idx="2">
+            <a:schemeClr val="accent1">
+              <a:shade val="50000"/>
+            </a:schemeClr>
+          </a:lnRef>
+          <a:fillRef idx="1">
+            <a:schemeClr val="accent1"/>
+          </a:fillRef>
+          <a:effectRef idx="0">
+            <a:schemeClr val="accent1"/>
+          </a:effectRef>
+          <a:fontRef idx="minor">
+            <a:schemeClr val="lt1"/>
+          </a:fontRef>
+        </p:style>
+        <p:txBody>
+          <a:bodyPr rtlCol="0" anchor="ctr"/>
+          <a:lstStyle/>
+          <a:p>
+            <a:pPr algn="ctr"/>
+            <a:endParaRPr lang="sv-SE" dirty="0"/>
+          </a:p>
+        </p:txBody>
+      </p:sp>
+      <p:sp>
+        <p:nvSpPr>
+          <p:cNvPr id="13" name="Likbent triangel 12"/>
+          <p:cNvSpPr/>
+          <p:nvPr/>
+        </p:nvSpPr>
+        <p:spPr>
+          <a:xfrm>
+            <a:off x="6945209" y="2852240"/>
+            <a:ext cx="236290" cy="209725"/>
+          </a:xfrm>
+          <a:prstGeom prst="triangle">
+            <a:avLst/>
+          </a:prstGeom>
+          <a:solidFill>
+            <a:schemeClr val="accent2"/>
+          </a:solidFill>
+        </p:spPr>
+        <p:style>
+          <a:lnRef idx="2">
+            <a:schemeClr val="accent1">
+              <a:shade val="50000"/>
+            </a:schemeClr>
+          </a:lnRef>
+          <a:fillRef idx="1">
+            <a:schemeClr val="accent1"/>
+          </a:fillRef>
+          <a:effectRef idx="0">
+            <a:schemeClr val="accent1"/>
+          </a:effectRef>
+          <a:fontRef idx="minor">
+            <a:schemeClr val="lt1"/>
+          </a:fontRef>
+        </p:style>
+        <p:txBody>
+          <a:bodyPr rtlCol="0" anchor="ctr"/>
+          <a:lstStyle/>
+          <a:p>
+            <a:pPr algn="ctr"/>
+            <a:endParaRPr lang="sv-SE"/>
+          </a:p>
+        </p:txBody>
+      </p:sp>
+      <p:sp>
+        <p:nvSpPr>
+          <p:cNvPr id="14" name="Likbent triangel 13"/>
+          <p:cNvSpPr/>
+          <p:nvPr/>
+        </p:nvSpPr>
+        <p:spPr>
+          <a:xfrm>
+            <a:off x="7284964" y="2848037"/>
+            <a:ext cx="236290" cy="209725"/>
+          </a:xfrm>
+          <a:prstGeom prst="triangle">
+            <a:avLst/>
+          </a:prstGeom>
+          <a:solidFill>
+            <a:schemeClr val="accent2"/>
+          </a:solidFill>
+        </p:spPr>
+        <p:style>
+          <a:lnRef idx="2">
+            <a:schemeClr val="accent1">
+              <a:shade val="50000"/>
+            </a:schemeClr>
+          </a:lnRef>
+          <a:fillRef idx="1">
+            <a:schemeClr val="accent1"/>
+          </a:fillRef>
+          <a:effectRef idx="0">
+            <a:schemeClr val="accent1"/>
+          </a:effectRef>
+          <a:fontRef idx="minor">
+            <a:schemeClr val="lt1"/>
+          </a:fontRef>
+        </p:style>
+        <p:txBody>
+          <a:bodyPr rtlCol="0" anchor="ctr"/>
+          <a:lstStyle/>
+          <a:p>
+            <a:pPr algn="ctr"/>
+            <a:endParaRPr lang="sv-SE"/>
+          </a:p>
+        </p:txBody>
+      </p:sp>
+      <p:sp>
+        <p:nvSpPr>
+          <p:cNvPr id="17" name="Rektangel 16"/>
+          <p:cNvSpPr/>
+          <p:nvPr/>
+        </p:nvSpPr>
+        <p:spPr>
+          <a:xfrm>
+            <a:off x="1585517" y="3709554"/>
+            <a:ext cx="1719743" cy="1023457"/>
+          </a:xfrm>
+          <a:prstGeom prst="rect">
+            <a:avLst/>
+          </a:prstGeom>
+        </p:spPr>
+        <p:style>
+          <a:lnRef idx="2">
+            <a:schemeClr val="accent1">
+              <a:shade val="50000"/>
+            </a:schemeClr>
+          </a:lnRef>
+          <a:fillRef idx="1">
+            <a:schemeClr val="accent1"/>
+          </a:fillRef>
+          <a:effectRef idx="0">
+            <a:schemeClr val="accent1"/>
+          </a:effectRef>
+          <a:fontRef idx="minor">
+            <a:schemeClr val="lt1"/>
+          </a:fontRef>
+        </p:style>
+        <p:txBody>
+          <a:bodyPr rtlCol="0" anchor="ctr"/>
+          <a:lstStyle/>
+          <a:p>
+            <a:pPr algn="ctr"/>
+            <a:endParaRPr lang="sv-SE" dirty="0"/>
+          </a:p>
+        </p:txBody>
+      </p:sp>
+      <p:sp>
+        <p:nvSpPr>
+          <p:cNvPr id="18" name="Rektangel 17"/>
+          <p:cNvSpPr/>
+          <p:nvPr/>
+        </p:nvSpPr>
+        <p:spPr>
+          <a:xfrm>
+            <a:off x="6661382" y="3709554"/>
+            <a:ext cx="1719743" cy="1023457"/>
+          </a:xfrm>
+          <a:prstGeom prst="rect">
+            <a:avLst/>
+          </a:prstGeom>
+        </p:spPr>
+        <p:style>
+          <a:lnRef idx="2">
+            <a:schemeClr val="accent1">
+              <a:shade val="50000"/>
+            </a:schemeClr>
+          </a:lnRef>
+          <a:fillRef idx="1">
+            <a:schemeClr val="accent1"/>
+          </a:fillRef>
+          <a:effectRef idx="0">
+            <a:schemeClr val="accent1"/>
+          </a:effectRef>
+          <a:fontRef idx="minor">
+            <a:schemeClr val="lt1"/>
+          </a:fontRef>
+        </p:style>
+        <p:txBody>
+          <a:bodyPr rtlCol="0" anchor="ctr"/>
+          <a:lstStyle/>
+          <a:p>
+            <a:pPr algn="ctr"/>
+            <a:endParaRPr lang="sv-SE" dirty="0"/>
+          </a:p>
+        </p:txBody>
+      </p:sp>
+      <p:sp>
+        <p:nvSpPr>
+          <p:cNvPr id="20" name="Pil: höger 19"/>
+          <p:cNvSpPr/>
+          <p:nvPr/>
+        </p:nvSpPr>
+        <p:spPr>
+          <a:xfrm>
+            <a:off x="4341738" y="5370314"/>
             <a:ext cx="243280" cy="209725"/>
           </a:xfrm>
           <a:prstGeom prst="rightArrow">
@@ -5969,130 +6842,996 @@
           </a:p>
         </p:txBody>
       </p:sp>
-      <p:pic>
-        <p:nvPicPr>
-          <p:cNvPr id="63" name="Platshållare för innehåll 18" descr="&lt;strong&gt;Apple&lt;/strong&gt;"/>
-          <p:cNvPicPr>
-            <a:picLocks noChangeAspect="1"/>
-          </p:cNvPicPr>
-          <p:nvPr/>
-        </p:nvPicPr>
-        <p:blipFill>
-          <a:blip r:embed="rId2">
-            <a:extLst>
-              <a:ext uri="{28A0092B-C50C-407E-A947-70E740481C1C}">
-                <a14:useLocalDpi xmlns:a14="http://schemas.microsoft.com/office/drawing/2010/main" val="0"/>
-              </a:ext>
-            </a:extLst>
-          </a:blip>
-          <a:stretch>
-            <a:fillRect/>
-          </a:stretch>
-        </p:blipFill>
-        <p:spPr>
-          <a:xfrm>
-            <a:off x="5223156" y="4608034"/>
-            <a:ext cx="310222" cy="270296"/>
-          </a:xfrm>
-          <a:prstGeom prst="rect">
-            <a:avLst/>
-          </a:prstGeom>
-        </p:spPr>
-      </p:pic>
-      <p:pic>
-        <p:nvPicPr>
-          <p:cNvPr id="64" name="Bildobjekt 63" descr="&lt;strong&gt;tree&lt;/strong&gt;-17 by jpenrici"/>
-          <p:cNvPicPr>
-            <a:picLocks noChangeAspect="1"/>
-          </p:cNvPicPr>
-          <p:nvPr/>
-        </p:nvPicPr>
-        <p:blipFill>
-          <a:blip r:embed="rId3">
-            <a:extLst>
-              <a:ext uri="{28A0092B-C50C-407E-A947-70E740481C1C}">
-                <a14:useLocalDpi xmlns:a14="http://schemas.microsoft.com/office/drawing/2010/main" val="0"/>
-              </a:ext>
-            </a:extLst>
-          </a:blip>
-          <a:stretch>
-            <a:fillRect/>
-          </a:stretch>
-        </p:blipFill>
-        <p:spPr>
-          <a:xfrm>
-            <a:off x="4710375" y="4540190"/>
-            <a:ext cx="429233" cy="429233"/>
-          </a:xfrm>
-          <a:prstGeom prst="rect">
-            <a:avLst/>
-          </a:prstGeom>
-        </p:spPr>
-      </p:pic>
-      <p:pic>
-        <p:nvPicPr>
-          <p:cNvPr id="65" name="Bildobjekt 64" descr="&lt;strong&gt;tree&lt;/strong&gt;-17 by jpenrici"/>
-          <p:cNvPicPr>
-            <a:picLocks noChangeAspect="1"/>
-          </p:cNvPicPr>
-          <p:nvPr/>
-        </p:nvPicPr>
-        <p:blipFill>
-          <a:blip r:embed="rId3">
-            <a:extLst>
-              <a:ext uri="{28A0092B-C50C-407E-A947-70E740481C1C}">
-                <a14:useLocalDpi xmlns:a14="http://schemas.microsoft.com/office/drawing/2010/main" val="0"/>
-              </a:ext>
-            </a:extLst>
-          </a:blip>
-          <a:stretch>
-            <a:fillRect/>
-          </a:stretch>
-        </p:blipFill>
-        <p:spPr>
-          <a:xfrm>
-            <a:off x="6110850" y="4546226"/>
-            <a:ext cx="429233" cy="429233"/>
-          </a:xfrm>
-          <a:prstGeom prst="rect">
-            <a:avLst/>
-          </a:prstGeom>
-        </p:spPr>
-      </p:pic>
-      <p:pic>
-        <p:nvPicPr>
-          <p:cNvPr id="66" name="Platshållare för innehåll 18" descr="&lt;strong&gt;Apple&lt;/strong&gt;"/>
-          <p:cNvPicPr>
-            <a:picLocks noChangeAspect="1"/>
-          </p:cNvPicPr>
-          <p:nvPr/>
-        </p:nvPicPr>
-        <p:blipFill>
-          <a:blip r:embed="rId2">
-            <a:extLst>
-              <a:ext uri="{28A0092B-C50C-407E-A947-70E740481C1C}">
-                <a14:useLocalDpi xmlns:a14="http://schemas.microsoft.com/office/drawing/2010/main" val="0"/>
-              </a:ext>
-            </a:extLst>
-          </a:blip>
-          <a:stretch>
-            <a:fillRect/>
-          </a:stretch>
-        </p:blipFill>
-        <p:spPr>
-          <a:xfrm>
-            <a:off x="6220118" y="4634965"/>
-            <a:ext cx="105348" cy="91790"/>
-          </a:xfrm>
-          <a:prstGeom prst="rect">
-            <a:avLst/>
-          </a:prstGeom>
-        </p:spPr>
-      </p:pic>
+      <p:sp>
+        <p:nvSpPr>
+          <p:cNvPr id="22" name="Likbent triangel 21"/>
+          <p:cNvSpPr/>
+          <p:nvPr/>
+        </p:nvSpPr>
+        <p:spPr>
+          <a:xfrm>
+            <a:off x="2126784" y="2852240"/>
+            <a:ext cx="236290" cy="209725"/>
+          </a:xfrm>
+          <a:prstGeom prst="triangle">
+            <a:avLst/>
+          </a:prstGeom>
+          <a:solidFill>
+            <a:schemeClr val="accent2"/>
+          </a:solidFill>
+        </p:spPr>
+        <p:style>
+          <a:lnRef idx="2">
+            <a:schemeClr val="accent1">
+              <a:shade val="50000"/>
+            </a:schemeClr>
+          </a:lnRef>
+          <a:fillRef idx="1">
+            <a:schemeClr val="accent1"/>
+          </a:fillRef>
+          <a:effectRef idx="0">
+            <a:schemeClr val="accent1"/>
+          </a:effectRef>
+          <a:fontRef idx="minor">
+            <a:schemeClr val="lt1"/>
+          </a:fontRef>
+        </p:style>
+        <p:txBody>
+          <a:bodyPr rtlCol="0" anchor="ctr"/>
+          <a:lstStyle/>
+          <a:p>
+            <a:pPr algn="ctr"/>
+            <a:endParaRPr lang="sv-SE"/>
+          </a:p>
+        </p:txBody>
+      </p:sp>
+      <p:sp>
+        <p:nvSpPr>
+          <p:cNvPr id="23" name="Likbent triangel 22"/>
+          <p:cNvSpPr/>
+          <p:nvPr/>
+        </p:nvSpPr>
+        <p:spPr>
+          <a:xfrm>
+            <a:off x="2933875" y="2848037"/>
+            <a:ext cx="236290" cy="209725"/>
+          </a:xfrm>
+          <a:prstGeom prst="triangle">
+            <a:avLst/>
+          </a:prstGeom>
+          <a:solidFill>
+            <a:schemeClr val="accent2"/>
+          </a:solidFill>
+        </p:spPr>
+        <p:style>
+          <a:lnRef idx="2">
+            <a:schemeClr val="accent1">
+              <a:shade val="50000"/>
+            </a:schemeClr>
+          </a:lnRef>
+          <a:fillRef idx="1">
+            <a:schemeClr val="accent1"/>
+          </a:fillRef>
+          <a:effectRef idx="0">
+            <a:schemeClr val="accent1"/>
+          </a:effectRef>
+          <a:fontRef idx="minor">
+            <a:schemeClr val="lt1"/>
+          </a:fontRef>
+        </p:style>
+        <p:txBody>
+          <a:bodyPr rtlCol="0" anchor="ctr"/>
+          <a:lstStyle/>
+          <a:p>
+            <a:pPr algn="ctr"/>
+            <a:endParaRPr lang="sv-SE"/>
+          </a:p>
+        </p:txBody>
+      </p:sp>
+      <p:sp>
+        <p:nvSpPr>
+          <p:cNvPr id="25" name="Rektangel 24"/>
+          <p:cNvSpPr/>
+          <p:nvPr/>
+        </p:nvSpPr>
+        <p:spPr>
+          <a:xfrm>
+            <a:off x="1585517" y="4956948"/>
+            <a:ext cx="1719743" cy="1023457"/>
+          </a:xfrm>
+          <a:prstGeom prst="rect">
+            <a:avLst/>
+          </a:prstGeom>
+        </p:spPr>
+        <p:style>
+          <a:lnRef idx="2">
+            <a:schemeClr val="accent1">
+              <a:shade val="50000"/>
+            </a:schemeClr>
+          </a:lnRef>
+          <a:fillRef idx="1">
+            <a:schemeClr val="accent1"/>
+          </a:fillRef>
+          <a:effectRef idx="0">
+            <a:schemeClr val="accent1"/>
+          </a:effectRef>
+          <a:fontRef idx="minor">
+            <a:schemeClr val="lt1"/>
+          </a:fontRef>
+        </p:style>
+        <p:txBody>
+          <a:bodyPr rtlCol="0" anchor="ctr"/>
+          <a:lstStyle/>
+          <a:p>
+            <a:pPr algn="ctr"/>
+            <a:endParaRPr lang="sv-SE" dirty="0"/>
+          </a:p>
+        </p:txBody>
+      </p:sp>
+      <p:sp>
+        <p:nvSpPr>
+          <p:cNvPr id="26" name="Rektangel 25"/>
+          <p:cNvSpPr/>
+          <p:nvPr/>
+        </p:nvSpPr>
+        <p:spPr>
+          <a:xfrm>
+            <a:off x="1746134" y="5363813"/>
+            <a:ext cx="285226" cy="209725"/>
+          </a:xfrm>
+          <a:prstGeom prst="rect">
+            <a:avLst/>
+          </a:prstGeom>
+          <a:solidFill>
+            <a:schemeClr val="accent2"/>
+          </a:solidFill>
+        </p:spPr>
+        <p:style>
+          <a:lnRef idx="2">
+            <a:schemeClr val="accent1">
+              <a:shade val="50000"/>
+            </a:schemeClr>
+          </a:lnRef>
+          <a:fillRef idx="1">
+            <a:schemeClr val="accent1"/>
+          </a:fillRef>
+          <a:effectRef idx="0">
+            <a:schemeClr val="accent1"/>
+          </a:effectRef>
+          <a:fontRef idx="minor">
+            <a:schemeClr val="lt1"/>
+          </a:fontRef>
+        </p:style>
+        <p:txBody>
+          <a:bodyPr rtlCol="0" anchor="ctr"/>
+          <a:lstStyle/>
+          <a:p>
+            <a:pPr algn="ctr"/>
+            <a:endParaRPr lang="sv-SE"/>
+          </a:p>
+        </p:txBody>
+      </p:sp>
+      <p:sp>
+        <p:nvSpPr>
+          <p:cNvPr id="27" name="Likbent triangel 26"/>
+          <p:cNvSpPr/>
+          <p:nvPr/>
+        </p:nvSpPr>
+        <p:spPr>
+          <a:xfrm>
+            <a:off x="2126784" y="5363812"/>
+            <a:ext cx="236290" cy="209725"/>
+          </a:xfrm>
+          <a:prstGeom prst="triangle">
+            <a:avLst/>
+          </a:prstGeom>
+          <a:solidFill>
+            <a:schemeClr val="accent2"/>
+          </a:solidFill>
+        </p:spPr>
+        <p:style>
+          <a:lnRef idx="2">
+            <a:schemeClr val="accent1">
+              <a:shade val="50000"/>
+            </a:schemeClr>
+          </a:lnRef>
+          <a:fillRef idx="1">
+            <a:schemeClr val="accent1"/>
+          </a:fillRef>
+          <a:effectRef idx="0">
+            <a:schemeClr val="accent1"/>
+          </a:effectRef>
+          <a:fontRef idx="minor">
+            <a:schemeClr val="lt1"/>
+          </a:fontRef>
+        </p:style>
+        <p:txBody>
+          <a:bodyPr rtlCol="0" anchor="ctr"/>
+          <a:lstStyle/>
+          <a:p>
+            <a:pPr algn="ctr"/>
+            <a:endParaRPr lang="sv-SE"/>
+          </a:p>
+        </p:txBody>
+      </p:sp>
+      <p:sp>
+        <p:nvSpPr>
+          <p:cNvPr id="28" name="Rektangel 27"/>
+          <p:cNvSpPr/>
+          <p:nvPr/>
+        </p:nvSpPr>
+        <p:spPr>
+          <a:xfrm>
+            <a:off x="2500792" y="5363811"/>
+            <a:ext cx="285226" cy="209725"/>
+          </a:xfrm>
+          <a:prstGeom prst="rect">
+            <a:avLst/>
+          </a:prstGeom>
+          <a:solidFill>
+            <a:schemeClr val="accent2"/>
+          </a:solidFill>
+        </p:spPr>
+        <p:style>
+          <a:lnRef idx="2">
+            <a:schemeClr val="accent1">
+              <a:shade val="50000"/>
+            </a:schemeClr>
+          </a:lnRef>
+          <a:fillRef idx="1">
+            <a:schemeClr val="accent1"/>
+          </a:fillRef>
+          <a:effectRef idx="0">
+            <a:schemeClr val="accent1"/>
+          </a:effectRef>
+          <a:fontRef idx="minor">
+            <a:schemeClr val="lt1"/>
+          </a:fontRef>
+        </p:style>
+        <p:txBody>
+          <a:bodyPr rtlCol="0" anchor="ctr"/>
+          <a:lstStyle/>
+          <a:p>
+            <a:pPr algn="ctr"/>
+            <a:endParaRPr lang="sv-SE"/>
+          </a:p>
+        </p:txBody>
+      </p:sp>
+      <p:sp>
+        <p:nvSpPr>
+          <p:cNvPr id="29" name="Likbent triangel 28"/>
+          <p:cNvSpPr/>
+          <p:nvPr/>
+        </p:nvSpPr>
+        <p:spPr>
+          <a:xfrm>
+            <a:off x="2934575" y="5363810"/>
+            <a:ext cx="236290" cy="209725"/>
+          </a:xfrm>
+          <a:prstGeom prst="triangle">
+            <a:avLst/>
+          </a:prstGeom>
+          <a:solidFill>
+            <a:schemeClr val="accent2"/>
+          </a:solidFill>
+        </p:spPr>
+        <p:style>
+          <a:lnRef idx="2">
+            <a:schemeClr val="accent1">
+              <a:shade val="50000"/>
+            </a:schemeClr>
+          </a:lnRef>
+          <a:fillRef idx="1">
+            <a:schemeClr val="accent1"/>
+          </a:fillRef>
+          <a:effectRef idx="0">
+            <a:schemeClr val="accent1"/>
+          </a:effectRef>
+          <a:fontRef idx="minor">
+            <a:schemeClr val="lt1"/>
+          </a:fontRef>
+        </p:style>
+        <p:txBody>
+          <a:bodyPr rtlCol="0" anchor="ctr"/>
+          <a:lstStyle/>
+          <a:p>
+            <a:pPr algn="ctr"/>
+            <a:endParaRPr lang="sv-SE"/>
+          </a:p>
+        </p:txBody>
+      </p:sp>
+      <p:sp>
+        <p:nvSpPr>
+          <p:cNvPr id="31" name="Rektangel 30"/>
+          <p:cNvSpPr/>
+          <p:nvPr/>
+        </p:nvSpPr>
+        <p:spPr>
+          <a:xfrm>
+            <a:off x="6661382" y="4956948"/>
+            <a:ext cx="1719743" cy="1023457"/>
+          </a:xfrm>
+          <a:prstGeom prst="rect">
+            <a:avLst/>
+          </a:prstGeom>
+        </p:spPr>
+        <p:style>
+          <a:lnRef idx="2">
+            <a:schemeClr val="accent1">
+              <a:shade val="50000"/>
+            </a:schemeClr>
+          </a:lnRef>
+          <a:fillRef idx="1">
+            <a:schemeClr val="accent1"/>
+          </a:fillRef>
+          <a:effectRef idx="0">
+            <a:schemeClr val="accent1"/>
+          </a:effectRef>
+          <a:fontRef idx="minor">
+            <a:schemeClr val="lt1"/>
+          </a:fontRef>
+        </p:style>
+        <p:txBody>
+          <a:bodyPr rtlCol="0" anchor="ctr"/>
+          <a:lstStyle/>
+          <a:p>
+            <a:pPr algn="ctr"/>
+            <a:endParaRPr lang="sv-SE" dirty="0"/>
+          </a:p>
+        </p:txBody>
+      </p:sp>
+      <p:sp>
+        <p:nvSpPr>
+          <p:cNvPr id="33" name="Pil: höger 32"/>
+          <p:cNvSpPr/>
+          <p:nvPr/>
+        </p:nvSpPr>
+        <p:spPr>
+          <a:xfrm>
+            <a:off x="4341738" y="4098785"/>
+            <a:ext cx="243280" cy="209725"/>
+          </a:xfrm>
+          <a:prstGeom prst="rightArrow">
+            <a:avLst/>
+          </a:prstGeom>
+        </p:spPr>
+        <p:style>
+          <a:lnRef idx="2">
+            <a:schemeClr val="accent1">
+              <a:shade val="50000"/>
+            </a:schemeClr>
+          </a:lnRef>
+          <a:fillRef idx="1">
+            <a:schemeClr val="accent1"/>
+          </a:fillRef>
+          <a:effectRef idx="0">
+            <a:schemeClr val="accent1"/>
+          </a:effectRef>
+          <a:fontRef idx="minor">
+            <a:schemeClr val="lt1"/>
+          </a:fontRef>
+        </p:style>
+        <p:txBody>
+          <a:bodyPr rtlCol="0" anchor="ctr"/>
+          <a:lstStyle/>
+          <a:p>
+            <a:pPr algn="ctr"/>
+            <a:endParaRPr lang="sv-SE"/>
+          </a:p>
+        </p:txBody>
+      </p:sp>
+      <p:sp>
+        <p:nvSpPr>
+          <p:cNvPr id="34" name="Lika med 33"/>
+          <p:cNvSpPr/>
+          <p:nvPr/>
+        </p:nvSpPr>
+        <p:spPr>
+          <a:xfrm>
+            <a:off x="5068348" y="2839609"/>
+            <a:ext cx="302004" cy="201322"/>
+          </a:xfrm>
+          <a:prstGeom prst="mathEqual">
+            <a:avLst/>
+          </a:prstGeom>
+        </p:spPr>
+        <p:style>
+          <a:lnRef idx="2">
+            <a:schemeClr val="accent1">
+              <a:shade val="50000"/>
+            </a:schemeClr>
+          </a:lnRef>
+          <a:fillRef idx="1">
+            <a:schemeClr val="accent1"/>
+          </a:fillRef>
+          <a:effectRef idx="0">
+            <a:schemeClr val="accent1"/>
+          </a:effectRef>
+          <a:fontRef idx="minor">
+            <a:schemeClr val="lt1"/>
+          </a:fontRef>
+        </p:style>
+        <p:txBody>
+          <a:bodyPr rtlCol="0" anchor="ctr"/>
+          <a:lstStyle/>
+          <a:p>
+            <a:pPr algn="ctr"/>
+            <a:endParaRPr lang="sv-SE">
+              <a:solidFill>
+                <a:schemeClr val="tx1"/>
+              </a:solidFill>
+            </a:endParaRPr>
+          </a:p>
+        </p:txBody>
+      </p:sp>
+      <p:sp>
+        <p:nvSpPr>
+          <p:cNvPr id="35" name="Moln 34"/>
+          <p:cNvSpPr/>
+          <p:nvPr/>
+        </p:nvSpPr>
+        <p:spPr>
+          <a:xfrm>
+            <a:off x="3850458" y="2847998"/>
+            <a:ext cx="330666" cy="201336"/>
+          </a:xfrm>
+          <a:prstGeom prst="cloud">
+            <a:avLst/>
+          </a:prstGeom>
+          <a:solidFill>
+            <a:schemeClr val="accent2"/>
+          </a:solidFill>
+        </p:spPr>
+        <p:style>
+          <a:lnRef idx="2">
+            <a:schemeClr val="accent1">
+              <a:shade val="50000"/>
+            </a:schemeClr>
+          </a:lnRef>
+          <a:fillRef idx="1">
+            <a:schemeClr val="accent1"/>
+          </a:fillRef>
+          <a:effectRef idx="0">
+            <a:schemeClr val="accent1"/>
+          </a:effectRef>
+          <a:fontRef idx="minor">
+            <a:schemeClr val="lt1"/>
+          </a:fontRef>
+        </p:style>
+        <p:txBody>
+          <a:bodyPr rtlCol="0" anchor="ctr"/>
+          <a:lstStyle/>
+          <a:p>
+            <a:pPr algn="ctr"/>
+            <a:endParaRPr lang="sv-SE"/>
+          </a:p>
+        </p:txBody>
+      </p:sp>
+      <p:sp>
+        <p:nvSpPr>
+          <p:cNvPr id="36" name="Moln 35"/>
+          <p:cNvSpPr/>
+          <p:nvPr/>
+        </p:nvSpPr>
+        <p:spPr>
+          <a:xfrm>
+            <a:off x="4653618" y="2839609"/>
+            <a:ext cx="330666" cy="201336"/>
+          </a:xfrm>
+          <a:prstGeom prst="cloud">
+            <a:avLst/>
+          </a:prstGeom>
+          <a:solidFill>
+            <a:schemeClr val="accent2"/>
+          </a:solidFill>
+        </p:spPr>
+        <p:style>
+          <a:lnRef idx="2">
+            <a:schemeClr val="accent1">
+              <a:shade val="50000"/>
+            </a:schemeClr>
+          </a:lnRef>
+          <a:fillRef idx="1">
+            <a:schemeClr val="accent1"/>
+          </a:fillRef>
+          <a:effectRef idx="0">
+            <a:schemeClr val="accent1"/>
+          </a:effectRef>
+          <a:fontRef idx="minor">
+            <a:schemeClr val="lt1"/>
+          </a:fontRef>
+        </p:style>
+        <p:txBody>
+          <a:bodyPr rtlCol="0" anchor="ctr"/>
+          <a:lstStyle/>
+          <a:p>
+            <a:pPr algn="ctr"/>
+            <a:endParaRPr lang="sv-SE"/>
+          </a:p>
+        </p:txBody>
+      </p:sp>
+      <p:sp>
+        <p:nvSpPr>
+          <p:cNvPr id="37" name="Moln 36"/>
+          <p:cNvSpPr/>
+          <p:nvPr/>
+        </p:nvSpPr>
+        <p:spPr>
+          <a:xfrm>
+            <a:off x="3850458" y="4129800"/>
+            <a:ext cx="330666" cy="201336"/>
+          </a:xfrm>
+          <a:prstGeom prst="cloud">
+            <a:avLst/>
+          </a:prstGeom>
+          <a:solidFill>
+            <a:schemeClr val="accent2"/>
+          </a:solidFill>
+        </p:spPr>
+        <p:style>
+          <a:lnRef idx="2">
+            <a:schemeClr val="accent1">
+              <a:shade val="50000"/>
+            </a:schemeClr>
+          </a:lnRef>
+          <a:fillRef idx="1">
+            <a:schemeClr val="accent1"/>
+          </a:fillRef>
+          <a:effectRef idx="0">
+            <a:schemeClr val="accent1"/>
+          </a:effectRef>
+          <a:fontRef idx="minor">
+            <a:schemeClr val="lt1"/>
+          </a:fontRef>
+        </p:style>
+        <p:txBody>
+          <a:bodyPr rtlCol="0" anchor="ctr"/>
+          <a:lstStyle/>
+          <a:p>
+            <a:pPr algn="ctr"/>
+            <a:endParaRPr lang="sv-SE"/>
+          </a:p>
+        </p:txBody>
+      </p:sp>
+      <p:sp>
+        <p:nvSpPr>
+          <p:cNvPr id="38" name="Moln 37"/>
+          <p:cNvSpPr/>
+          <p:nvPr/>
+        </p:nvSpPr>
+        <p:spPr>
+          <a:xfrm>
+            <a:off x="4653618" y="4129800"/>
+            <a:ext cx="330666" cy="201336"/>
+          </a:xfrm>
+          <a:prstGeom prst="cloud">
+            <a:avLst/>
+          </a:prstGeom>
+          <a:solidFill>
+            <a:schemeClr val="accent2"/>
+          </a:solidFill>
+        </p:spPr>
+        <p:style>
+          <a:lnRef idx="2">
+            <a:schemeClr val="accent1">
+              <a:shade val="50000"/>
+            </a:schemeClr>
+          </a:lnRef>
+          <a:fillRef idx="1">
+            <a:schemeClr val="accent1"/>
+          </a:fillRef>
+          <a:effectRef idx="0">
+            <a:schemeClr val="accent1"/>
+          </a:effectRef>
+          <a:fontRef idx="minor">
+            <a:schemeClr val="lt1"/>
+          </a:fontRef>
+        </p:style>
+        <p:txBody>
+          <a:bodyPr rtlCol="0" anchor="ctr"/>
+          <a:lstStyle/>
+          <a:p>
+            <a:pPr algn="ctr"/>
+            <a:endParaRPr lang="sv-SE"/>
+          </a:p>
+        </p:txBody>
+      </p:sp>
+      <p:sp>
+        <p:nvSpPr>
+          <p:cNvPr id="39" name="Lika med 38"/>
+          <p:cNvSpPr/>
+          <p:nvPr/>
+        </p:nvSpPr>
+        <p:spPr>
+          <a:xfrm>
+            <a:off x="5069313" y="4129800"/>
+            <a:ext cx="302004" cy="201322"/>
+          </a:xfrm>
+          <a:prstGeom prst="mathEqual">
+            <a:avLst/>
+          </a:prstGeom>
+        </p:spPr>
+        <p:style>
+          <a:lnRef idx="2">
+            <a:schemeClr val="accent1">
+              <a:shade val="50000"/>
+            </a:schemeClr>
+          </a:lnRef>
+          <a:fillRef idx="1">
+            <a:schemeClr val="accent1"/>
+          </a:fillRef>
+          <a:effectRef idx="0">
+            <a:schemeClr val="accent1"/>
+          </a:effectRef>
+          <a:fontRef idx="minor">
+            <a:schemeClr val="lt1"/>
+          </a:fontRef>
+        </p:style>
+        <p:txBody>
+          <a:bodyPr rtlCol="0" anchor="ctr"/>
+          <a:lstStyle/>
+          <a:p>
+            <a:pPr algn="ctr"/>
+            <a:endParaRPr lang="sv-SE">
+              <a:solidFill>
+                <a:schemeClr val="tx1"/>
+              </a:solidFill>
+            </a:endParaRPr>
+          </a:p>
+        </p:txBody>
+      </p:sp>
+      <p:sp>
+        <p:nvSpPr>
+          <p:cNvPr id="40" name="Likbent triangel 39"/>
+          <p:cNvSpPr/>
+          <p:nvPr/>
+        </p:nvSpPr>
+        <p:spPr>
+          <a:xfrm>
+            <a:off x="5817765" y="4098784"/>
+            <a:ext cx="236290" cy="209725"/>
+          </a:xfrm>
+          <a:prstGeom prst="triangle">
+            <a:avLst/>
+          </a:prstGeom>
+          <a:solidFill>
+            <a:schemeClr val="accent2"/>
+          </a:solidFill>
+        </p:spPr>
+        <p:style>
+          <a:lnRef idx="2">
+            <a:schemeClr val="accent1">
+              <a:shade val="50000"/>
+            </a:schemeClr>
+          </a:lnRef>
+          <a:fillRef idx="1">
+            <a:schemeClr val="accent1"/>
+          </a:fillRef>
+          <a:effectRef idx="0">
+            <a:schemeClr val="accent1"/>
+          </a:effectRef>
+          <a:fontRef idx="minor">
+            <a:schemeClr val="lt1"/>
+          </a:fontRef>
+        </p:style>
+        <p:txBody>
+          <a:bodyPr rtlCol="0" anchor="ctr"/>
+          <a:lstStyle/>
+          <a:p>
+            <a:pPr algn="ctr"/>
+            <a:endParaRPr lang="sv-SE"/>
+          </a:p>
+        </p:txBody>
+      </p:sp>
+      <p:sp>
+        <p:nvSpPr>
+          <p:cNvPr id="41" name="Moln 40"/>
+          <p:cNvSpPr/>
+          <p:nvPr/>
+        </p:nvSpPr>
+        <p:spPr>
+          <a:xfrm>
+            <a:off x="3850458" y="5378703"/>
+            <a:ext cx="330666" cy="201336"/>
+          </a:xfrm>
+          <a:prstGeom prst="cloud">
+            <a:avLst/>
+          </a:prstGeom>
+          <a:solidFill>
+            <a:schemeClr val="accent2"/>
+          </a:solidFill>
+        </p:spPr>
+        <p:style>
+          <a:lnRef idx="2">
+            <a:schemeClr val="accent1">
+              <a:shade val="50000"/>
+            </a:schemeClr>
+          </a:lnRef>
+          <a:fillRef idx="1">
+            <a:schemeClr val="accent1"/>
+          </a:fillRef>
+          <a:effectRef idx="0">
+            <a:schemeClr val="accent1"/>
+          </a:effectRef>
+          <a:fontRef idx="minor">
+            <a:schemeClr val="lt1"/>
+          </a:fontRef>
+        </p:style>
+        <p:txBody>
+          <a:bodyPr rtlCol="0" anchor="ctr"/>
+          <a:lstStyle/>
+          <a:p>
+            <a:pPr algn="ctr"/>
+            <a:endParaRPr lang="sv-SE"/>
+          </a:p>
+        </p:txBody>
+      </p:sp>
+      <p:sp>
+        <p:nvSpPr>
+          <p:cNvPr id="42" name="Moln 41"/>
+          <p:cNvSpPr/>
+          <p:nvPr/>
+        </p:nvSpPr>
+        <p:spPr>
+          <a:xfrm>
+            <a:off x="4653618" y="5378703"/>
+            <a:ext cx="330666" cy="201336"/>
+          </a:xfrm>
+          <a:prstGeom prst="cloud">
+            <a:avLst/>
+          </a:prstGeom>
+          <a:solidFill>
+            <a:schemeClr val="accent2"/>
+          </a:solidFill>
+        </p:spPr>
+        <p:style>
+          <a:lnRef idx="2">
+            <a:schemeClr val="accent1">
+              <a:shade val="50000"/>
+            </a:schemeClr>
+          </a:lnRef>
+          <a:fillRef idx="1">
+            <a:schemeClr val="accent1"/>
+          </a:fillRef>
+          <a:effectRef idx="0">
+            <a:schemeClr val="accent1"/>
+          </a:effectRef>
+          <a:fontRef idx="minor">
+            <a:schemeClr val="lt1"/>
+          </a:fontRef>
+        </p:style>
+        <p:txBody>
+          <a:bodyPr rtlCol="0" anchor="ctr"/>
+          <a:lstStyle/>
+          <a:p>
+            <a:pPr algn="ctr"/>
+            <a:endParaRPr lang="sv-SE"/>
+          </a:p>
+        </p:txBody>
+      </p:sp>
+      <p:sp>
+        <p:nvSpPr>
+          <p:cNvPr id="43" name="Lika med 42"/>
+          <p:cNvSpPr/>
+          <p:nvPr/>
+        </p:nvSpPr>
+        <p:spPr>
+          <a:xfrm>
+            <a:off x="5068348" y="5370314"/>
+            <a:ext cx="302004" cy="201322"/>
+          </a:xfrm>
+          <a:prstGeom prst="mathEqual">
+            <a:avLst/>
+          </a:prstGeom>
+        </p:spPr>
+        <p:style>
+          <a:lnRef idx="2">
+            <a:schemeClr val="accent1">
+              <a:shade val="50000"/>
+            </a:schemeClr>
+          </a:lnRef>
+          <a:fillRef idx="1">
+            <a:schemeClr val="accent1"/>
+          </a:fillRef>
+          <a:effectRef idx="0">
+            <a:schemeClr val="accent1"/>
+          </a:effectRef>
+          <a:fontRef idx="minor">
+            <a:schemeClr val="lt1"/>
+          </a:fontRef>
+        </p:style>
+        <p:txBody>
+          <a:bodyPr rtlCol="0" anchor="ctr"/>
+          <a:lstStyle/>
+          <a:p>
+            <a:pPr algn="ctr"/>
+            <a:endParaRPr lang="sv-SE">
+              <a:solidFill>
+                <a:schemeClr val="tx1"/>
+              </a:solidFill>
+            </a:endParaRPr>
+          </a:p>
+        </p:txBody>
+      </p:sp>
+      <p:sp>
+        <p:nvSpPr>
+          <p:cNvPr id="46" name="Stjärna: 5 punkter 45"/>
+          <p:cNvSpPr/>
+          <p:nvPr/>
+        </p:nvSpPr>
+        <p:spPr>
+          <a:xfrm>
+            <a:off x="5820824" y="5342769"/>
+            <a:ext cx="317820" cy="209725"/>
+          </a:xfrm>
+          <a:prstGeom prst="star5">
+            <a:avLst/>
+          </a:prstGeom>
+          <a:solidFill>
+            <a:schemeClr val="accent2"/>
+          </a:solidFill>
+        </p:spPr>
+        <p:style>
+          <a:lnRef idx="2">
+            <a:schemeClr val="accent1">
+              <a:shade val="50000"/>
+            </a:schemeClr>
+          </a:lnRef>
+          <a:fillRef idx="1">
+            <a:schemeClr val="accent1"/>
+          </a:fillRef>
+          <a:effectRef idx="0">
+            <a:schemeClr val="accent1"/>
+          </a:effectRef>
+          <a:fontRef idx="minor">
+            <a:schemeClr val="lt1"/>
+          </a:fontRef>
+        </p:style>
+        <p:txBody>
+          <a:bodyPr rtlCol="0" anchor="ctr"/>
+          <a:lstStyle/>
+          <a:p>
+            <a:pPr algn="ctr"/>
+            <a:endParaRPr lang="sv-SE"/>
+          </a:p>
+        </p:txBody>
+      </p:sp>
+      <p:sp>
+        <p:nvSpPr>
+          <p:cNvPr id="47" name="Lika med 46"/>
+          <p:cNvSpPr/>
+          <p:nvPr/>
+        </p:nvSpPr>
+        <p:spPr>
+          <a:xfrm>
+            <a:off x="5381014" y="2839609"/>
+            <a:ext cx="302004" cy="201322"/>
+          </a:xfrm>
+          <a:prstGeom prst="mathEqual">
+            <a:avLst/>
+          </a:prstGeom>
+        </p:spPr>
+        <p:style>
+          <a:lnRef idx="2">
+            <a:schemeClr val="accent1">
+              <a:shade val="50000"/>
+            </a:schemeClr>
+          </a:lnRef>
+          <a:fillRef idx="1">
+            <a:schemeClr val="accent1"/>
+          </a:fillRef>
+          <a:effectRef idx="0">
+            <a:schemeClr val="accent1"/>
+          </a:effectRef>
+          <a:fontRef idx="minor">
+            <a:schemeClr val="lt1"/>
+          </a:fontRef>
+        </p:style>
+        <p:txBody>
+          <a:bodyPr rtlCol="0" anchor="ctr"/>
+          <a:lstStyle/>
+          <a:p>
+            <a:pPr algn="ctr"/>
+            <a:endParaRPr lang="sv-SE">
+              <a:solidFill>
+                <a:schemeClr val="tx1"/>
+              </a:solidFill>
+            </a:endParaRPr>
+          </a:p>
+        </p:txBody>
+      </p:sp>
+      <p:sp>
+        <p:nvSpPr>
+          <p:cNvPr id="48" name="Lika med 47"/>
+          <p:cNvSpPr/>
+          <p:nvPr/>
+        </p:nvSpPr>
+        <p:spPr>
+          <a:xfrm>
+            <a:off x="5381014" y="4129800"/>
+            <a:ext cx="302004" cy="201322"/>
+          </a:xfrm>
+          <a:prstGeom prst="mathEqual">
+            <a:avLst/>
+          </a:prstGeom>
+        </p:spPr>
+        <p:style>
+          <a:lnRef idx="2">
+            <a:schemeClr val="accent1">
+              <a:shade val="50000"/>
+            </a:schemeClr>
+          </a:lnRef>
+          <a:fillRef idx="1">
+            <a:schemeClr val="accent1"/>
+          </a:fillRef>
+          <a:effectRef idx="0">
+            <a:schemeClr val="accent1"/>
+          </a:effectRef>
+          <a:fontRef idx="minor">
+            <a:schemeClr val="lt1"/>
+          </a:fontRef>
+        </p:style>
+        <p:txBody>
+          <a:bodyPr rtlCol="0" anchor="ctr"/>
+          <a:lstStyle/>
+          <a:p>
+            <a:pPr algn="ctr"/>
+            <a:endParaRPr lang="sv-SE">
+              <a:solidFill>
+                <a:schemeClr val="tx1"/>
+              </a:solidFill>
+            </a:endParaRPr>
+          </a:p>
+        </p:txBody>
+      </p:sp>
+      <p:sp>
+        <p:nvSpPr>
+          <p:cNvPr id="49" name="Lika med 48"/>
+          <p:cNvSpPr/>
+          <p:nvPr/>
+        </p:nvSpPr>
+        <p:spPr>
+          <a:xfrm>
+            <a:off x="5379661" y="5370314"/>
+            <a:ext cx="302004" cy="201322"/>
+          </a:xfrm>
+          <a:prstGeom prst="mathEqual">
+            <a:avLst/>
+          </a:prstGeom>
+        </p:spPr>
+        <p:style>
+          <a:lnRef idx="2">
+            <a:schemeClr val="accent1">
+              <a:shade val="50000"/>
+            </a:schemeClr>
+          </a:lnRef>
+          <a:fillRef idx="1">
+            <a:schemeClr val="accent1"/>
+          </a:fillRef>
+          <a:effectRef idx="0">
+            <a:schemeClr val="accent1"/>
+          </a:effectRef>
+          <a:fontRef idx="minor">
+            <a:schemeClr val="lt1"/>
+          </a:fontRef>
+        </p:style>
+        <p:txBody>
+          <a:bodyPr rtlCol="0" anchor="ctr"/>
+          <a:lstStyle/>
+          <a:p>
+            <a:pPr algn="ctr"/>
+            <a:endParaRPr lang="sv-SE">
+              <a:solidFill>
+                <a:schemeClr val="tx1"/>
+              </a:solidFill>
+            </a:endParaRPr>
+          </a:p>
+        </p:txBody>
+      </p:sp>
     </p:spTree>
     <p:extLst>
       <p:ext uri="{BB962C8B-B14F-4D97-AF65-F5344CB8AC3E}">
-        <p14:creationId xmlns:p14="http://schemas.microsoft.com/office/powerpoint/2010/main" val="1944565243"/>
+        <p14:creationId xmlns:p14="http://schemas.microsoft.com/office/powerpoint/2010/main" val="1834617318"/>
       </p:ext>
     </p:extLst>
   </p:cSld>
@@ -6136,7 +7875,7 @@
           <a:p>
             <a:r>
               <a:rPr lang="sv-SE" dirty="0" err="1"/>
-              <a:t>Join</a:t>
+              <a:t>Reduce</a:t>
             </a:r>
             <a:endParaRPr lang="sv-SE" dirty="0"/>
           </a:p>
@@ -6144,470 +7883,707 @@
       </p:sp>
       <p:sp>
         <p:nvSpPr>
-          <p:cNvPr id="3" name="Platshållare för innehåll 2"/>
-          <p:cNvSpPr>
-            <a:spLocks noGrp="1"/>
-          </p:cNvSpPr>
+          <p:cNvPr id="4" name="Rektangel 3"/>
+          <p:cNvSpPr/>
+          <p:nvPr/>
+        </p:nvSpPr>
+        <p:spPr>
+          <a:xfrm>
+            <a:off x="1585518" y="2462160"/>
+            <a:ext cx="1719743" cy="1023457"/>
+          </a:xfrm>
+          <a:prstGeom prst="rect">
+            <a:avLst/>
+          </a:prstGeom>
+        </p:spPr>
+        <p:style>
+          <a:lnRef idx="2">
+            <a:schemeClr val="accent1">
+              <a:shade val="50000"/>
+            </a:schemeClr>
+          </a:lnRef>
+          <a:fillRef idx="1">
+            <a:schemeClr val="accent1"/>
+          </a:fillRef>
+          <a:effectRef idx="0">
+            <a:schemeClr val="accent1"/>
+          </a:effectRef>
+          <a:fontRef idx="minor">
+            <a:schemeClr val="lt1"/>
+          </a:fontRef>
+        </p:style>
+        <p:txBody>
+          <a:bodyPr rtlCol="0" anchor="ctr"/>
+          <a:lstStyle/>
+          <a:p>
+            <a:pPr algn="ctr"/>
+            <a:endParaRPr lang="sv-SE" dirty="0"/>
+          </a:p>
+        </p:txBody>
+      </p:sp>
+      <p:sp>
+        <p:nvSpPr>
+          <p:cNvPr id="17" name="Rektangel 16"/>
+          <p:cNvSpPr/>
+          <p:nvPr/>
+        </p:nvSpPr>
+        <p:spPr>
+          <a:xfrm>
+            <a:off x="1587333" y="4257089"/>
+            <a:ext cx="1719743" cy="1023457"/>
+          </a:xfrm>
+          <a:prstGeom prst="rect">
+            <a:avLst/>
+          </a:prstGeom>
+        </p:spPr>
+        <p:style>
+          <a:lnRef idx="2">
+            <a:schemeClr val="accent1">
+              <a:shade val="50000"/>
+            </a:schemeClr>
+          </a:lnRef>
+          <a:fillRef idx="1">
+            <a:schemeClr val="accent1"/>
+          </a:fillRef>
+          <a:effectRef idx="0">
+            <a:schemeClr val="accent1"/>
+          </a:effectRef>
+          <a:fontRef idx="minor">
+            <a:schemeClr val="lt1"/>
+          </a:fontRef>
+        </p:style>
+        <p:txBody>
+          <a:bodyPr rtlCol="0" anchor="ctr"/>
+          <a:lstStyle/>
+          <a:p>
+            <a:pPr algn="ctr"/>
+            <a:endParaRPr lang="sv-SE" dirty="0"/>
+          </a:p>
+        </p:txBody>
+      </p:sp>
+      <p:pic>
+        <p:nvPicPr>
+          <p:cNvPr id="19" name="Platshållare för innehåll 18" descr="&lt;strong&gt;Apple&lt;/strong&gt;"/>
+          <p:cNvPicPr>
+            <a:picLocks noGrp="1" noChangeAspect="1"/>
+          </p:cNvPicPr>
           <p:nvPr>
             <p:ph idx="1"/>
           </p:nvPr>
-        </p:nvSpPr>
-        <p:spPr/>
-        <p:txBody>
-          <a:bodyPr/>
-          <a:lstStyle/>
-          <a:p>
-            <a:endParaRPr lang="sv-SE" dirty="0"/>
-          </a:p>
-          <a:p>
-            <a:endParaRPr lang="sv-SE" dirty="0"/>
-          </a:p>
-        </p:txBody>
-      </p:sp>
-      <p:sp>
-        <p:nvSpPr>
-          <p:cNvPr id="4" name="Rektangel 3"/>
-          <p:cNvSpPr/>
-          <p:nvPr/>
-        </p:nvSpPr>
-        <p:spPr>
-          <a:xfrm>
-            <a:off x="1585518" y="2634143"/>
-            <a:ext cx="1719743" cy="1023457"/>
-          </a:xfrm>
-          <a:prstGeom prst="rect">
-            <a:avLst/>
-          </a:prstGeom>
-        </p:spPr>
-        <p:style>
-          <a:lnRef idx="2">
-            <a:schemeClr val="accent1">
-              <a:shade val="50000"/>
-            </a:schemeClr>
-          </a:lnRef>
-          <a:fillRef idx="1">
-            <a:schemeClr val="accent1"/>
-          </a:fillRef>
-          <a:effectRef idx="0">
-            <a:schemeClr val="accent1"/>
-          </a:effectRef>
-          <a:fontRef idx="minor">
-            <a:schemeClr val="lt1"/>
-          </a:fontRef>
-        </p:style>
-        <p:txBody>
-          <a:bodyPr rtlCol="0" anchor="ctr"/>
-          <a:lstStyle/>
-          <a:p>
-            <a:pPr algn="ctr"/>
-            <a:endParaRPr lang="sv-SE" dirty="0"/>
-          </a:p>
-        </p:txBody>
-      </p:sp>
-      <p:sp>
-        <p:nvSpPr>
-          <p:cNvPr id="5" name="Rektangel 4"/>
-          <p:cNvSpPr/>
-          <p:nvPr/>
-        </p:nvSpPr>
-        <p:spPr>
-          <a:xfrm>
-            <a:off x="1711354" y="3041007"/>
-            <a:ext cx="285226" cy="209725"/>
-          </a:xfrm>
-          <a:prstGeom prst="rect">
-            <a:avLst/>
-          </a:prstGeom>
-          <a:solidFill>
-            <a:schemeClr val="accent2"/>
-          </a:solidFill>
-        </p:spPr>
-        <p:style>
-          <a:lnRef idx="2">
-            <a:schemeClr val="accent1">
-              <a:shade val="50000"/>
-            </a:schemeClr>
-          </a:lnRef>
-          <a:fillRef idx="1">
-            <a:schemeClr val="accent1"/>
-          </a:fillRef>
-          <a:effectRef idx="0">
-            <a:schemeClr val="accent1"/>
-          </a:effectRef>
-          <a:fontRef idx="minor">
-            <a:schemeClr val="lt1"/>
-          </a:fontRef>
-        </p:style>
-        <p:txBody>
-          <a:bodyPr rtlCol="0" anchor="ctr"/>
-          <a:lstStyle/>
-          <a:p>
-            <a:pPr algn="ctr"/>
-            <a:r>
-              <a:rPr lang="sv-SE" dirty="0"/>
-              <a:t>1</a:t>
-            </a:r>
-          </a:p>
-        </p:txBody>
-      </p:sp>
-      <p:sp>
-        <p:nvSpPr>
-          <p:cNvPr id="6" name="Rektangel 5"/>
-          <p:cNvSpPr/>
-          <p:nvPr/>
-        </p:nvSpPr>
-        <p:spPr>
-          <a:xfrm>
-            <a:off x="2130803" y="3041007"/>
-            <a:ext cx="285226" cy="209725"/>
-          </a:xfrm>
-          <a:prstGeom prst="rect">
-            <a:avLst/>
-          </a:prstGeom>
-          <a:solidFill>
-            <a:schemeClr val="accent2"/>
-          </a:solidFill>
-        </p:spPr>
-        <p:style>
-          <a:lnRef idx="2">
-            <a:schemeClr val="accent1">
-              <a:shade val="50000"/>
-            </a:schemeClr>
-          </a:lnRef>
-          <a:fillRef idx="1">
-            <a:schemeClr val="accent1"/>
-          </a:fillRef>
-          <a:effectRef idx="0">
-            <a:schemeClr val="accent1"/>
-          </a:effectRef>
-          <a:fontRef idx="minor">
-            <a:schemeClr val="lt1"/>
-          </a:fontRef>
-        </p:style>
-        <p:txBody>
-          <a:bodyPr rtlCol="0" anchor="ctr"/>
-          <a:lstStyle/>
-          <a:p>
-            <a:pPr algn="ctr"/>
-            <a:r>
-              <a:rPr lang="sv-SE" dirty="0"/>
-              <a:t>2</a:t>
-            </a:r>
-          </a:p>
-        </p:txBody>
-      </p:sp>
-      <p:sp>
-        <p:nvSpPr>
-          <p:cNvPr id="7" name="Rektangel 6"/>
-          <p:cNvSpPr/>
-          <p:nvPr/>
-        </p:nvSpPr>
-        <p:spPr>
-          <a:xfrm>
-            <a:off x="2542563" y="3041006"/>
-            <a:ext cx="285226" cy="209725"/>
-          </a:xfrm>
-          <a:prstGeom prst="rect">
-            <a:avLst/>
-          </a:prstGeom>
-          <a:solidFill>
-            <a:schemeClr val="accent2"/>
-          </a:solidFill>
-        </p:spPr>
-        <p:style>
-          <a:lnRef idx="2">
-            <a:schemeClr val="accent1">
-              <a:shade val="50000"/>
-            </a:schemeClr>
-          </a:lnRef>
-          <a:fillRef idx="1">
-            <a:schemeClr val="accent1"/>
-          </a:fillRef>
-          <a:effectRef idx="0">
-            <a:schemeClr val="accent1"/>
-          </a:effectRef>
-          <a:fontRef idx="minor">
-            <a:schemeClr val="lt1"/>
-          </a:fontRef>
-        </p:style>
-        <p:txBody>
-          <a:bodyPr rtlCol="0" anchor="ctr"/>
-          <a:lstStyle/>
-          <a:p>
-            <a:pPr algn="ctr"/>
-            <a:r>
-              <a:rPr lang="sv-SE" dirty="0"/>
-              <a:t>3</a:t>
-            </a:r>
-          </a:p>
-        </p:txBody>
-      </p:sp>
-      <p:sp>
-        <p:nvSpPr>
-          <p:cNvPr id="8" name="Rektangel 7"/>
-          <p:cNvSpPr/>
-          <p:nvPr/>
-        </p:nvSpPr>
-        <p:spPr>
-          <a:xfrm>
-            <a:off x="2923912" y="3041006"/>
-            <a:ext cx="285226" cy="209725"/>
-          </a:xfrm>
-          <a:prstGeom prst="rect">
-            <a:avLst/>
-          </a:prstGeom>
-          <a:solidFill>
-            <a:schemeClr val="accent2"/>
-          </a:solidFill>
-        </p:spPr>
-        <p:style>
-          <a:lnRef idx="2">
-            <a:schemeClr val="accent1">
-              <a:shade val="50000"/>
-            </a:schemeClr>
-          </a:lnRef>
-          <a:fillRef idx="1">
-            <a:schemeClr val="accent1"/>
-          </a:fillRef>
-          <a:effectRef idx="0">
-            <a:schemeClr val="accent1"/>
-          </a:effectRef>
-          <a:fontRef idx="minor">
-            <a:schemeClr val="lt1"/>
-          </a:fontRef>
-        </p:style>
-        <p:txBody>
-          <a:bodyPr rtlCol="0" anchor="ctr"/>
-          <a:lstStyle/>
-          <a:p>
-            <a:pPr algn="ctr"/>
-            <a:r>
-              <a:rPr lang="sv-SE" dirty="0"/>
-              <a:t>4</a:t>
-            </a:r>
-          </a:p>
-        </p:txBody>
-      </p:sp>
-      <p:sp>
-        <p:nvSpPr>
-          <p:cNvPr id="17" name="Rektangel 16"/>
-          <p:cNvSpPr/>
-          <p:nvPr/>
-        </p:nvSpPr>
-        <p:spPr>
-          <a:xfrm>
-            <a:off x="1608064" y="3954389"/>
-            <a:ext cx="1719743" cy="1023457"/>
-          </a:xfrm>
-          <a:prstGeom prst="rect">
-            <a:avLst/>
-          </a:prstGeom>
-        </p:spPr>
-        <p:style>
-          <a:lnRef idx="2">
-            <a:schemeClr val="accent1">
-              <a:shade val="50000"/>
-            </a:schemeClr>
-          </a:lnRef>
-          <a:fillRef idx="1">
-            <a:schemeClr val="accent1"/>
-          </a:fillRef>
-          <a:effectRef idx="0">
-            <a:schemeClr val="accent1"/>
-          </a:effectRef>
-          <a:fontRef idx="minor">
-            <a:schemeClr val="lt1"/>
-          </a:fontRef>
-        </p:style>
-        <p:txBody>
-          <a:bodyPr rtlCol="0" anchor="ctr"/>
-          <a:lstStyle/>
-          <a:p>
-            <a:pPr algn="ctr"/>
-            <a:endParaRPr lang="sv-SE" dirty="0"/>
-          </a:p>
-        </p:txBody>
-      </p:sp>
-      <p:sp>
-        <p:nvSpPr>
-          <p:cNvPr id="22" name="Rektangel 21"/>
-          <p:cNvSpPr/>
-          <p:nvPr/>
-        </p:nvSpPr>
-        <p:spPr>
-          <a:xfrm>
-            <a:off x="6719581" y="2667695"/>
-            <a:ext cx="1929468" cy="956345"/>
-          </a:xfrm>
-          <a:prstGeom prst="rect">
-            <a:avLst/>
-          </a:prstGeom>
-          <a:ln>
-            <a:noFill/>
-          </a:ln>
-        </p:spPr>
-        <p:style>
-          <a:lnRef idx="2">
-            <a:schemeClr val="dk1"/>
-          </a:lnRef>
-          <a:fillRef idx="1">
-            <a:schemeClr val="lt1"/>
-          </a:fillRef>
-          <a:effectRef idx="0">
-            <a:schemeClr val="dk1"/>
-          </a:effectRef>
-          <a:fontRef idx="minor">
-            <a:schemeClr val="dk1"/>
-          </a:fontRef>
-        </p:style>
-        <p:txBody>
-          <a:bodyPr rtlCol="0" anchor="ctr"/>
-          <a:lstStyle/>
-          <a:p>
-            <a:pPr algn="ctr"/>
-            <a:r>
-              <a:rPr lang="sv-SE" dirty="0"/>
-              <a:t>”1;2;3;4”</a:t>
-            </a:r>
-          </a:p>
-        </p:txBody>
-      </p:sp>
-      <p:sp>
-        <p:nvSpPr>
-          <p:cNvPr id="23" name="Rektangel 22"/>
-          <p:cNvSpPr/>
-          <p:nvPr/>
-        </p:nvSpPr>
-        <p:spPr>
-          <a:xfrm>
-            <a:off x="6719581" y="3954389"/>
-            <a:ext cx="1929468" cy="956345"/>
-          </a:xfrm>
-          <a:prstGeom prst="rect">
-            <a:avLst/>
-          </a:prstGeom>
-          <a:ln>
-            <a:noFill/>
-          </a:ln>
-        </p:spPr>
-        <p:style>
-          <a:lnRef idx="2">
-            <a:schemeClr val="dk1"/>
-          </a:lnRef>
-          <a:fillRef idx="1">
-            <a:schemeClr val="lt1"/>
-          </a:fillRef>
-          <a:effectRef idx="0">
-            <a:schemeClr val="dk1"/>
-          </a:effectRef>
-          <a:fontRef idx="minor">
-            <a:schemeClr val="dk1"/>
-          </a:fontRef>
-        </p:style>
-        <p:txBody>
-          <a:bodyPr rtlCol="0" anchor="ctr"/>
-          <a:lstStyle/>
-          <a:p>
-            <a:pPr algn="ctr"/>
-            <a:r>
-              <a:rPr lang="sv-SE" dirty="0"/>
-              <a:t>””</a:t>
-            </a:r>
-          </a:p>
-        </p:txBody>
-      </p:sp>
-      <p:sp>
-        <p:nvSpPr>
-          <p:cNvPr id="24" name="Rektangel 23"/>
-          <p:cNvSpPr/>
-          <p:nvPr/>
-        </p:nvSpPr>
-        <p:spPr>
-          <a:xfrm>
-            <a:off x="4047687" y="2667694"/>
-            <a:ext cx="1929468" cy="956345"/>
-          </a:xfrm>
-          <a:prstGeom prst="rect">
-            <a:avLst/>
-          </a:prstGeom>
-          <a:ln>
-            <a:noFill/>
-          </a:ln>
-        </p:spPr>
-        <p:style>
-          <a:lnRef idx="2">
-            <a:schemeClr val="dk1"/>
-          </a:lnRef>
-          <a:fillRef idx="1">
-            <a:schemeClr val="lt1"/>
-          </a:fillRef>
-          <a:effectRef idx="0">
-            <a:schemeClr val="dk1"/>
-          </a:effectRef>
-          <a:fontRef idx="minor">
-            <a:schemeClr val="dk1"/>
-          </a:fontRef>
-        </p:style>
-        <p:txBody>
-          <a:bodyPr rtlCol="0" anchor="ctr"/>
-          <a:lstStyle/>
-          <a:p>
-            <a:pPr algn="ctr"/>
-            <a:r>
-              <a:rPr lang="sv-SE" dirty="0"/>
-              <a:t>;</a:t>
-            </a:r>
-          </a:p>
-        </p:txBody>
-      </p:sp>
-      <p:sp>
-        <p:nvSpPr>
-          <p:cNvPr id="25" name="Rektangel 24"/>
-          <p:cNvSpPr/>
-          <p:nvPr/>
-        </p:nvSpPr>
-        <p:spPr>
-          <a:xfrm>
-            <a:off x="4047687" y="3954388"/>
-            <a:ext cx="1929468" cy="956345"/>
-          </a:xfrm>
-          <a:prstGeom prst="rect">
-            <a:avLst/>
-          </a:prstGeom>
-          <a:ln>
-            <a:noFill/>
-          </a:ln>
-        </p:spPr>
-        <p:style>
-          <a:lnRef idx="2">
-            <a:schemeClr val="dk1"/>
-          </a:lnRef>
-          <a:fillRef idx="1">
-            <a:schemeClr val="lt1"/>
-          </a:fillRef>
-          <a:effectRef idx="0">
-            <a:schemeClr val="dk1"/>
-          </a:effectRef>
-          <a:fontRef idx="minor">
-            <a:schemeClr val="dk1"/>
-          </a:fontRef>
-        </p:style>
-        <p:txBody>
-          <a:bodyPr rtlCol="0" anchor="ctr"/>
-          <a:lstStyle/>
-          <a:p>
-            <a:pPr algn="ctr"/>
-            <a:r>
-              <a:rPr lang="sv-SE" dirty="0"/>
-              <a:t>;</a:t>
-            </a:r>
-          </a:p>
-        </p:txBody>
-      </p:sp>
+        </p:nvPicPr>
+        <p:blipFill>
+          <a:blip r:embed="rId2">
+            <a:extLst>
+              <a:ext uri="{28A0092B-C50C-407E-A947-70E740481C1C}">
+                <a14:useLocalDpi xmlns:a14="http://schemas.microsoft.com/office/drawing/2010/main" val="0"/>
+              </a:ext>
+            </a:extLst>
+          </a:blip>
+          <a:stretch>
+            <a:fillRect/>
+          </a:stretch>
+        </p:blipFill>
+        <p:spPr>
+          <a:xfrm>
+            <a:off x="1676360" y="2882450"/>
+            <a:ext cx="310222" cy="270296"/>
+          </a:xfrm>
+        </p:spPr>
+      </p:pic>
+      <p:pic>
+        <p:nvPicPr>
+          <p:cNvPr id="44" name="Platshållare för innehåll 18" descr="&lt;strong&gt;Apple&lt;/strong&gt;"/>
+          <p:cNvPicPr>
+            <a:picLocks noChangeAspect="1"/>
+          </p:cNvPicPr>
+          <p:nvPr/>
+        </p:nvPicPr>
+        <p:blipFill>
+          <a:blip r:embed="rId2">
+            <a:extLst>
+              <a:ext uri="{28A0092B-C50C-407E-A947-70E740481C1C}">
+                <a14:useLocalDpi xmlns:a14="http://schemas.microsoft.com/office/drawing/2010/main" val="0"/>
+              </a:ext>
+            </a:extLst>
+          </a:blip>
+          <a:stretch>
+            <a:fillRect/>
+          </a:stretch>
+        </p:blipFill>
+        <p:spPr>
+          <a:xfrm>
+            <a:off x="2109693" y="2882450"/>
+            <a:ext cx="310222" cy="270296"/>
+          </a:xfrm>
+          <a:prstGeom prst="rect">
+            <a:avLst/>
+          </a:prstGeom>
+        </p:spPr>
+      </p:pic>
+      <p:pic>
+        <p:nvPicPr>
+          <p:cNvPr id="45" name="Platshållare för innehåll 18" descr="&lt;strong&gt;Apple&lt;/strong&gt;"/>
+          <p:cNvPicPr>
+            <a:picLocks noChangeAspect="1"/>
+          </p:cNvPicPr>
+          <p:nvPr/>
+        </p:nvPicPr>
+        <p:blipFill>
+          <a:blip r:embed="rId2">
+            <a:extLst>
+              <a:ext uri="{28A0092B-C50C-407E-A947-70E740481C1C}">
+                <a14:useLocalDpi xmlns:a14="http://schemas.microsoft.com/office/drawing/2010/main" val="0"/>
+              </a:ext>
+            </a:extLst>
+          </a:blip>
+          <a:stretch>
+            <a:fillRect/>
+          </a:stretch>
+        </p:blipFill>
+        <p:spPr>
+          <a:xfrm>
+            <a:off x="2539570" y="2894075"/>
+            <a:ext cx="310222" cy="270296"/>
+          </a:xfrm>
+          <a:prstGeom prst="rect">
+            <a:avLst/>
+          </a:prstGeom>
+        </p:spPr>
+      </p:pic>
+      <p:pic>
+        <p:nvPicPr>
+          <p:cNvPr id="50" name="Platshållare för innehåll 18" descr="&lt;strong&gt;Apple&lt;/strong&gt;"/>
+          <p:cNvPicPr>
+            <a:picLocks noChangeAspect="1"/>
+          </p:cNvPicPr>
+          <p:nvPr/>
+        </p:nvPicPr>
+        <p:blipFill>
+          <a:blip r:embed="rId2">
+            <a:extLst>
+              <a:ext uri="{28A0092B-C50C-407E-A947-70E740481C1C}">
+                <a14:useLocalDpi xmlns:a14="http://schemas.microsoft.com/office/drawing/2010/main" val="0"/>
+              </a:ext>
+            </a:extLst>
+          </a:blip>
+          <a:stretch>
+            <a:fillRect/>
+          </a:stretch>
+        </p:blipFill>
+        <p:spPr>
+          <a:xfrm>
+            <a:off x="2930536" y="2894075"/>
+            <a:ext cx="310222" cy="270296"/>
+          </a:xfrm>
+          <a:prstGeom prst="rect">
+            <a:avLst/>
+          </a:prstGeom>
+        </p:spPr>
+      </p:pic>
+      <p:sp>
+        <p:nvSpPr>
+          <p:cNvPr id="51" name="Pil: höger 50"/>
+          <p:cNvSpPr/>
+          <p:nvPr/>
+        </p:nvSpPr>
+        <p:spPr>
+          <a:xfrm>
+            <a:off x="5700474" y="2833267"/>
+            <a:ext cx="243280" cy="209725"/>
+          </a:xfrm>
+          <a:prstGeom prst="rightArrow">
+            <a:avLst/>
+          </a:prstGeom>
+        </p:spPr>
+        <p:style>
+          <a:lnRef idx="2">
+            <a:schemeClr val="accent1">
+              <a:shade val="50000"/>
+            </a:schemeClr>
+          </a:lnRef>
+          <a:fillRef idx="1">
+            <a:schemeClr val="accent1"/>
+          </a:fillRef>
+          <a:effectRef idx="0">
+            <a:schemeClr val="accent1"/>
+          </a:effectRef>
+          <a:fontRef idx="minor">
+            <a:schemeClr val="lt1"/>
+          </a:fontRef>
+        </p:style>
+        <p:txBody>
+          <a:bodyPr rtlCol="0" anchor="ctr"/>
+          <a:lstStyle/>
+          <a:p>
+            <a:pPr algn="ctr"/>
+            <a:endParaRPr lang="sv-SE"/>
+          </a:p>
+        </p:txBody>
+      </p:sp>
+      <p:pic>
+        <p:nvPicPr>
+          <p:cNvPr id="52" name="Platshållare för innehåll 18" descr="&lt;strong&gt;Apple&lt;/strong&gt;"/>
+          <p:cNvPicPr>
+            <a:picLocks noChangeAspect="1"/>
+          </p:cNvPicPr>
+          <p:nvPr/>
+        </p:nvPicPr>
+        <p:blipFill>
+          <a:blip r:embed="rId2">
+            <a:extLst>
+              <a:ext uri="{28A0092B-C50C-407E-A947-70E740481C1C}">
+                <a14:useLocalDpi xmlns:a14="http://schemas.microsoft.com/office/drawing/2010/main" val="0"/>
+              </a:ext>
+            </a:extLst>
+          </a:blip>
+          <a:stretch>
+            <a:fillRect/>
+          </a:stretch>
+        </p:blipFill>
+        <p:spPr>
+          <a:xfrm>
+            <a:off x="5223156" y="2802982"/>
+            <a:ext cx="310222" cy="270296"/>
+          </a:xfrm>
+          <a:prstGeom prst="rect">
+            <a:avLst/>
+          </a:prstGeom>
+        </p:spPr>
+      </p:pic>
+      <p:pic>
+        <p:nvPicPr>
+          <p:cNvPr id="24" name="Bildobjekt 23" descr="&lt;strong&gt;tree&lt;/strong&gt;-17 by jpenrici"/>
+          <p:cNvPicPr>
+            <a:picLocks noChangeAspect="1"/>
+          </p:cNvPicPr>
+          <p:nvPr/>
+        </p:nvPicPr>
+        <p:blipFill>
+          <a:blip r:embed="rId3">
+            <a:extLst>
+              <a:ext uri="{28A0092B-C50C-407E-A947-70E740481C1C}">
+                <a14:useLocalDpi xmlns:a14="http://schemas.microsoft.com/office/drawing/2010/main" val="0"/>
+              </a:ext>
+            </a:extLst>
+          </a:blip>
+          <a:stretch>
+            <a:fillRect/>
+          </a:stretch>
+        </p:blipFill>
+        <p:spPr>
+          <a:xfrm>
+            <a:off x="4710375" y="2735138"/>
+            <a:ext cx="429233" cy="429233"/>
+          </a:xfrm>
+          <a:prstGeom prst="rect">
+            <a:avLst/>
+          </a:prstGeom>
+        </p:spPr>
+      </p:pic>
+      <p:pic>
+        <p:nvPicPr>
+          <p:cNvPr id="53" name="Bildobjekt 52" descr="&lt;strong&gt;tree&lt;/strong&gt;-17 by jpenrici"/>
+          <p:cNvPicPr>
+            <a:picLocks noChangeAspect="1"/>
+          </p:cNvPicPr>
+          <p:nvPr/>
+        </p:nvPicPr>
+        <p:blipFill>
+          <a:blip r:embed="rId3">
+            <a:extLst>
+              <a:ext uri="{28A0092B-C50C-407E-A947-70E740481C1C}">
+                <a14:useLocalDpi xmlns:a14="http://schemas.microsoft.com/office/drawing/2010/main" val="0"/>
+              </a:ext>
+            </a:extLst>
+          </a:blip>
+          <a:stretch>
+            <a:fillRect/>
+          </a:stretch>
+        </p:blipFill>
+        <p:spPr>
+          <a:xfrm>
+            <a:off x="6110850" y="2741174"/>
+            <a:ext cx="429233" cy="429233"/>
+          </a:xfrm>
+          <a:prstGeom prst="rect">
+            <a:avLst/>
+          </a:prstGeom>
+        </p:spPr>
+      </p:pic>
+      <p:pic>
+        <p:nvPicPr>
+          <p:cNvPr id="54" name="Platshållare för innehåll 18" descr="&lt;strong&gt;Apple&lt;/strong&gt;"/>
+          <p:cNvPicPr>
+            <a:picLocks noChangeAspect="1"/>
+          </p:cNvPicPr>
+          <p:nvPr/>
+        </p:nvPicPr>
+        <p:blipFill>
+          <a:blip r:embed="rId2">
+            <a:extLst>
+              <a:ext uri="{28A0092B-C50C-407E-A947-70E740481C1C}">
+                <a14:useLocalDpi xmlns:a14="http://schemas.microsoft.com/office/drawing/2010/main" val="0"/>
+              </a:ext>
+            </a:extLst>
+          </a:blip>
+          <a:stretch>
+            <a:fillRect/>
+          </a:stretch>
+        </p:blipFill>
+        <p:spPr>
+          <a:xfrm>
+            <a:off x="6220118" y="2829913"/>
+            <a:ext cx="105348" cy="91790"/>
+          </a:xfrm>
+          <a:prstGeom prst="rect">
+            <a:avLst/>
+          </a:prstGeom>
+        </p:spPr>
+      </p:pic>
+      <p:pic>
+        <p:nvPicPr>
+          <p:cNvPr id="56" name="Bildobjekt 55" descr="&lt;strong&gt;tree&lt;/strong&gt;-17 by jpenrici"/>
+          <p:cNvPicPr>
+            <a:picLocks noChangeAspect="1"/>
+          </p:cNvPicPr>
+          <p:nvPr/>
+        </p:nvPicPr>
+        <p:blipFill>
+          <a:blip r:embed="rId3">
+            <a:extLst>
+              <a:ext uri="{28A0092B-C50C-407E-A947-70E740481C1C}">
+                <a14:useLocalDpi xmlns:a14="http://schemas.microsoft.com/office/drawing/2010/main" val="0"/>
+              </a:ext>
+            </a:extLst>
+          </a:blip>
+          <a:stretch>
+            <a:fillRect/>
+          </a:stretch>
+        </p:blipFill>
+        <p:spPr>
+          <a:xfrm>
+            <a:off x="7455263" y="2462160"/>
+            <a:ext cx="1094933" cy="1023457"/>
+          </a:xfrm>
+          <a:prstGeom prst="rect">
+            <a:avLst/>
+          </a:prstGeom>
+        </p:spPr>
+      </p:pic>
+      <p:pic>
+        <p:nvPicPr>
+          <p:cNvPr id="57" name="Platshållare för innehåll 18" descr="&lt;strong&gt;Apple&lt;/strong&gt;"/>
+          <p:cNvPicPr>
+            <a:picLocks noChangeAspect="1"/>
+          </p:cNvPicPr>
+          <p:nvPr/>
+        </p:nvPicPr>
+        <p:blipFill>
+          <a:blip r:embed="rId2">
+            <a:extLst>
+              <a:ext uri="{28A0092B-C50C-407E-A947-70E740481C1C}">
+                <a14:useLocalDpi xmlns:a14="http://schemas.microsoft.com/office/drawing/2010/main" val="0"/>
+              </a:ext>
+            </a:extLst>
+          </a:blip>
+          <a:stretch>
+            <a:fillRect/>
+          </a:stretch>
+        </p:blipFill>
+        <p:spPr>
+          <a:xfrm>
+            <a:off x="8046190" y="2701032"/>
+            <a:ext cx="208216" cy="181418"/>
+          </a:xfrm>
+          <a:prstGeom prst="rect">
+            <a:avLst/>
+          </a:prstGeom>
+        </p:spPr>
+      </p:pic>
+      <p:pic>
+        <p:nvPicPr>
+          <p:cNvPr id="58" name="Platshållare för innehåll 18" descr="&lt;strong&gt;Apple&lt;/strong&gt;"/>
+          <p:cNvPicPr>
+            <a:picLocks noChangeAspect="1"/>
+          </p:cNvPicPr>
+          <p:nvPr/>
+        </p:nvPicPr>
+        <p:blipFill>
+          <a:blip r:embed="rId2">
+            <a:extLst>
+              <a:ext uri="{28A0092B-C50C-407E-A947-70E740481C1C}">
+                <a14:useLocalDpi xmlns:a14="http://schemas.microsoft.com/office/drawing/2010/main" val="0"/>
+              </a:ext>
+            </a:extLst>
+          </a:blip>
+          <a:stretch>
+            <a:fillRect/>
+          </a:stretch>
+        </p:blipFill>
+        <p:spPr>
+          <a:xfrm>
+            <a:off x="7750400" y="2633188"/>
+            <a:ext cx="208216" cy="181418"/>
+          </a:xfrm>
+          <a:prstGeom prst="rect">
+            <a:avLst/>
+          </a:prstGeom>
+        </p:spPr>
+      </p:pic>
+      <p:pic>
+        <p:nvPicPr>
+          <p:cNvPr id="59" name="Platshållare för innehåll 18" descr="&lt;strong&gt;Apple&lt;/strong&gt;"/>
+          <p:cNvPicPr>
+            <a:picLocks noChangeAspect="1"/>
+          </p:cNvPicPr>
+          <p:nvPr/>
+        </p:nvPicPr>
+        <p:blipFill>
+          <a:blip r:embed="rId2">
+            <a:extLst>
+              <a:ext uri="{28A0092B-C50C-407E-A947-70E740481C1C}">
+                <a14:useLocalDpi xmlns:a14="http://schemas.microsoft.com/office/drawing/2010/main" val="0"/>
+              </a:ext>
+            </a:extLst>
+          </a:blip>
+          <a:stretch>
+            <a:fillRect/>
+          </a:stretch>
+        </p:blipFill>
+        <p:spPr>
+          <a:xfrm>
+            <a:off x="7659090" y="2941042"/>
+            <a:ext cx="208216" cy="181418"/>
+          </a:xfrm>
+          <a:prstGeom prst="rect">
+            <a:avLst/>
+          </a:prstGeom>
+        </p:spPr>
+      </p:pic>
+      <p:pic>
+        <p:nvPicPr>
+          <p:cNvPr id="60" name="Platshållare för innehåll 18" descr="&lt;strong&gt;Apple&lt;/strong&gt;"/>
+          <p:cNvPicPr>
+            <a:picLocks noChangeAspect="1"/>
+          </p:cNvPicPr>
+          <p:nvPr/>
+        </p:nvPicPr>
+        <p:blipFill>
+          <a:blip r:embed="rId2">
+            <a:extLst>
+              <a:ext uri="{28A0092B-C50C-407E-A947-70E740481C1C}">
+                <a14:useLocalDpi xmlns:a14="http://schemas.microsoft.com/office/drawing/2010/main" val="0"/>
+              </a:ext>
+            </a:extLst>
+          </a:blip>
+          <a:stretch>
+            <a:fillRect/>
+          </a:stretch>
+        </p:blipFill>
+        <p:spPr>
+          <a:xfrm>
+            <a:off x="8087353" y="2973888"/>
+            <a:ext cx="208216" cy="181418"/>
+          </a:xfrm>
+          <a:prstGeom prst="rect">
+            <a:avLst/>
+          </a:prstGeom>
+        </p:spPr>
+      </p:pic>
+      <p:pic>
+        <p:nvPicPr>
+          <p:cNvPr id="61" name="Bildobjekt 60" descr="&lt;strong&gt;tree&lt;/strong&gt;-17 by jpenrici"/>
+          <p:cNvPicPr>
+            <a:picLocks noChangeAspect="1"/>
+          </p:cNvPicPr>
+          <p:nvPr/>
+        </p:nvPicPr>
+        <p:blipFill>
+          <a:blip r:embed="rId3">
+            <a:extLst>
+              <a:ext uri="{28A0092B-C50C-407E-A947-70E740481C1C}">
+                <a14:useLocalDpi xmlns:a14="http://schemas.microsoft.com/office/drawing/2010/main" val="0"/>
+              </a:ext>
+            </a:extLst>
+          </a:blip>
+          <a:stretch>
+            <a:fillRect/>
+          </a:stretch>
+        </p:blipFill>
+        <p:spPr>
+          <a:xfrm>
+            <a:off x="7455262" y="4257088"/>
+            <a:ext cx="1094933" cy="1023457"/>
+          </a:xfrm>
+          <a:prstGeom prst="rect">
+            <a:avLst/>
+          </a:prstGeom>
+        </p:spPr>
+      </p:pic>
+      <p:sp>
+        <p:nvSpPr>
+          <p:cNvPr id="62" name="Pil: höger 61"/>
+          <p:cNvSpPr/>
+          <p:nvPr/>
+        </p:nvSpPr>
+        <p:spPr>
+          <a:xfrm>
+            <a:off x="5700474" y="4638319"/>
+            <a:ext cx="243280" cy="209725"/>
+          </a:xfrm>
+          <a:prstGeom prst="rightArrow">
+            <a:avLst/>
+          </a:prstGeom>
+        </p:spPr>
+        <p:style>
+          <a:lnRef idx="2">
+            <a:schemeClr val="accent1">
+              <a:shade val="50000"/>
+            </a:schemeClr>
+          </a:lnRef>
+          <a:fillRef idx="1">
+            <a:schemeClr val="accent1"/>
+          </a:fillRef>
+          <a:effectRef idx="0">
+            <a:schemeClr val="accent1"/>
+          </a:effectRef>
+          <a:fontRef idx="minor">
+            <a:schemeClr val="lt1"/>
+          </a:fontRef>
+        </p:style>
+        <p:txBody>
+          <a:bodyPr rtlCol="0" anchor="ctr"/>
+          <a:lstStyle/>
+          <a:p>
+            <a:pPr algn="ctr"/>
+            <a:endParaRPr lang="sv-SE"/>
+          </a:p>
+        </p:txBody>
+      </p:sp>
+      <p:pic>
+        <p:nvPicPr>
+          <p:cNvPr id="63" name="Platshållare för innehåll 18" descr="&lt;strong&gt;Apple&lt;/strong&gt;"/>
+          <p:cNvPicPr>
+            <a:picLocks noChangeAspect="1"/>
+          </p:cNvPicPr>
+          <p:nvPr/>
+        </p:nvPicPr>
+        <p:blipFill>
+          <a:blip r:embed="rId2">
+            <a:extLst>
+              <a:ext uri="{28A0092B-C50C-407E-A947-70E740481C1C}">
+                <a14:useLocalDpi xmlns:a14="http://schemas.microsoft.com/office/drawing/2010/main" val="0"/>
+              </a:ext>
+            </a:extLst>
+          </a:blip>
+          <a:stretch>
+            <a:fillRect/>
+          </a:stretch>
+        </p:blipFill>
+        <p:spPr>
+          <a:xfrm>
+            <a:off x="5223156" y="4608034"/>
+            <a:ext cx="310222" cy="270296"/>
+          </a:xfrm>
+          <a:prstGeom prst="rect">
+            <a:avLst/>
+          </a:prstGeom>
+        </p:spPr>
+      </p:pic>
+      <p:pic>
+        <p:nvPicPr>
+          <p:cNvPr id="64" name="Bildobjekt 63" descr="&lt;strong&gt;tree&lt;/strong&gt;-17 by jpenrici"/>
+          <p:cNvPicPr>
+            <a:picLocks noChangeAspect="1"/>
+          </p:cNvPicPr>
+          <p:nvPr/>
+        </p:nvPicPr>
+        <p:blipFill>
+          <a:blip r:embed="rId3">
+            <a:extLst>
+              <a:ext uri="{28A0092B-C50C-407E-A947-70E740481C1C}">
+                <a14:useLocalDpi xmlns:a14="http://schemas.microsoft.com/office/drawing/2010/main" val="0"/>
+              </a:ext>
+            </a:extLst>
+          </a:blip>
+          <a:stretch>
+            <a:fillRect/>
+          </a:stretch>
+        </p:blipFill>
+        <p:spPr>
+          <a:xfrm>
+            <a:off x="4710375" y="4540190"/>
+            <a:ext cx="429233" cy="429233"/>
+          </a:xfrm>
+          <a:prstGeom prst="rect">
+            <a:avLst/>
+          </a:prstGeom>
+        </p:spPr>
+      </p:pic>
+      <p:pic>
+        <p:nvPicPr>
+          <p:cNvPr id="65" name="Bildobjekt 64" descr="&lt;strong&gt;tree&lt;/strong&gt;-17 by jpenrici"/>
+          <p:cNvPicPr>
+            <a:picLocks noChangeAspect="1"/>
+          </p:cNvPicPr>
+          <p:nvPr/>
+        </p:nvPicPr>
+        <p:blipFill>
+          <a:blip r:embed="rId3">
+            <a:extLst>
+              <a:ext uri="{28A0092B-C50C-407E-A947-70E740481C1C}">
+                <a14:useLocalDpi xmlns:a14="http://schemas.microsoft.com/office/drawing/2010/main" val="0"/>
+              </a:ext>
+            </a:extLst>
+          </a:blip>
+          <a:stretch>
+            <a:fillRect/>
+          </a:stretch>
+        </p:blipFill>
+        <p:spPr>
+          <a:xfrm>
+            <a:off x="6110850" y="4546226"/>
+            <a:ext cx="429233" cy="429233"/>
+          </a:xfrm>
+          <a:prstGeom prst="rect">
+            <a:avLst/>
+          </a:prstGeom>
+        </p:spPr>
+      </p:pic>
+      <p:pic>
+        <p:nvPicPr>
+          <p:cNvPr id="66" name="Platshållare för innehåll 18" descr="&lt;strong&gt;Apple&lt;/strong&gt;"/>
+          <p:cNvPicPr>
+            <a:picLocks noChangeAspect="1"/>
+          </p:cNvPicPr>
+          <p:nvPr/>
+        </p:nvPicPr>
+        <p:blipFill>
+          <a:blip r:embed="rId2">
+            <a:extLst>
+              <a:ext uri="{28A0092B-C50C-407E-A947-70E740481C1C}">
+                <a14:useLocalDpi xmlns:a14="http://schemas.microsoft.com/office/drawing/2010/main" val="0"/>
+              </a:ext>
+            </a:extLst>
+          </a:blip>
+          <a:stretch>
+            <a:fillRect/>
+          </a:stretch>
+        </p:blipFill>
+        <p:spPr>
+          <a:xfrm>
+            <a:off x="6220118" y="4634965"/>
+            <a:ext cx="105348" cy="91790"/>
+          </a:xfrm>
+          <a:prstGeom prst="rect">
+            <a:avLst/>
+          </a:prstGeom>
+        </p:spPr>
+      </p:pic>
     </p:spTree>
     <p:extLst>
       <p:ext uri="{BB962C8B-B14F-4D97-AF65-F5344CB8AC3E}">
-        <p14:creationId xmlns:p14="http://schemas.microsoft.com/office/powerpoint/2010/main" val="3105266539"/>
+        <p14:creationId xmlns:p14="http://schemas.microsoft.com/office/powerpoint/2010/main" val="1944565243"/>
       </p:ext>
     </p:extLst>
   </p:cSld>
@@ -6651,7 +8627,7 @@
           <a:p>
             <a:r>
               <a:rPr lang="sv-SE" dirty="0" err="1"/>
-              <a:t>sortBy</a:t>
+              <a:t>Join</a:t>
             </a:r>
             <a:endParaRPr lang="sv-SE" dirty="0"/>
           </a:p>
@@ -6760,7 +8736,7 @@
             <a:pPr algn="ctr"/>
             <a:r>
               <a:rPr lang="sv-SE" dirty="0"/>
-              <a:t>2</a:t>
+              <a:t>1</a:t>
             </a:r>
           </a:p>
         </p:txBody>
@@ -6806,7 +8782,7 @@
             <a:pPr algn="ctr"/>
             <a:r>
               <a:rPr lang="sv-SE" dirty="0"/>
-              <a:t>1</a:t>
+              <a:t>2</a:t>
             </a:r>
           </a:p>
         </p:txBody>
@@ -6852,7 +8828,7 @@
             <a:pPr algn="ctr"/>
             <a:r>
               <a:rPr lang="sv-SE" dirty="0"/>
-              <a:t>4</a:t>
+              <a:t>3</a:t>
             </a:r>
           </a:p>
         </p:txBody>
@@ -6898,7 +8874,7 @@
             <a:pPr algn="ctr"/>
             <a:r>
               <a:rPr lang="sv-SE" dirty="0"/>
-              <a:t>3</a:t>
+              <a:t>4</a:t>
             </a:r>
           </a:p>
         </p:txBody>
@@ -6911,7 +8887,7 @@
         </p:nvSpPr>
         <p:spPr>
           <a:xfrm>
-            <a:off x="1608064" y="3954389"/>
+            <a:off x="1585518" y="3954389"/>
             <a:ext cx="1719743" cy="1023457"/>
           </a:xfrm>
           <a:prstGeom prst="rect">
@@ -6945,76 +8921,34 @@
       </p:sp>
       <p:sp>
         <p:nvSpPr>
-          <p:cNvPr id="18" name="Rektangel 17"/>
-          <p:cNvSpPr/>
-          <p:nvPr/>
-        </p:nvSpPr>
-        <p:spPr>
-          <a:xfrm>
-            <a:off x="6964259" y="2634143"/>
-            <a:ext cx="1719743" cy="1023457"/>
-          </a:xfrm>
-          <a:prstGeom prst="rect">
-            <a:avLst/>
-          </a:prstGeom>
-        </p:spPr>
-        <p:style>
-          <a:lnRef idx="2">
-            <a:schemeClr val="accent1">
-              <a:shade val="50000"/>
-            </a:schemeClr>
-          </a:lnRef>
-          <a:fillRef idx="1">
-            <a:schemeClr val="accent1"/>
-          </a:fillRef>
-          <a:effectRef idx="0">
-            <a:schemeClr val="accent1"/>
-          </a:effectRef>
-          <a:fontRef idx="minor">
-            <a:schemeClr val="lt1"/>
-          </a:fontRef>
-        </p:style>
-        <p:txBody>
-          <a:bodyPr rtlCol="0" anchor="ctr"/>
-          <a:lstStyle/>
-          <a:p>
-            <a:pPr algn="ctr"/>
-            <a:endParaRPr lang="sv-SE" dirty="0"/>
-          </a:p>
-        </p:txBody>
-      </p:sp>
-      <p:sp>
-        <p:nvSpPr>
-          <p:cNvPr id="19" name="Rektangel 18"/>
-          <p:cNvSpPr/>
-          <p:nvPr/>
-        </p:nvSpPr>
-        <p:spPr>
-          <a:xfrm>
-            <a:off x="7090095" y="3041007"/>
-            <a:ext cx="285226" cy="209725"/>
-          </a:xfrm>
-          <a:prstGeom prst="rect">
-            <a:avLst/>
-          </a:prstGeom>
-          <a:solidFill>
-            <a:schemeClr val="accent2"/>
-          </a:solidFill>
-        </p:spPr>
-        <p:style>
-          <a:lnRef idx="2">
-            <a:schemeClr val="accent1">
-              <a:shade val="50000"/>
-            </a:schemeClr>
-          </a:lnRef>
-          <a:fillRef idx="1">
-            <a:schemeClr val="accent1"/>
-          </a:fillRef>
-          <a:effectRef idx="0">
-            <a:schemeClr val="accent1"/>
-          </a:effectRef>
-          <a:fontRef idx="minor">
-            <a:schemeClr val="lt1"/>
+          <p:cNvPr id="22" name="Rektangel 21"/>
+          <p:cNvSpPr/>
+          <p:nvPr/>
+        </p:nvSpPr>
+        <p:spPr>
+          <a:xfrm>
+            <a:off x="6719581" y="2667695"/>
+            <a:ext cx="1929468" cy="956345"/>
+          </a:xfrm>
+          <a:prstGeom prst="rect">
+            <a:avLst/>
+          </a:prstGeom>
+          <a:ln>
+            <a:noFill/>
+          </a:ln>
+        </p:spPr>
+        <p:style>
+          <a:lnRef idx="2">
+            <a:schemeClr val="dk1"/>
+          </a:lnRef>
+          <a:fillRef idx="1">
+            <a:schemeClr val="lt1"/>
+          </a:fillRef>
+          <a:effectRef idx="0">
+            <a:schemeClr val="dk1"/>
+          </a:effectRef>
+          <a:fontRef idx="minor">
+            <a:schemeClr val="dk1"/>
           </a:fontRef>
         </p:style>
         <p:txBody>
@@ -7024,43 +8958,41 @@
             <a:pPr algn="ctr"/>
             <a:r>
               <a:rPr lang="sv-SE" dirty="0"/>
-              <a:t>1</a:t>
-            </a:r>
-          </a:p>
-        </p:txBody>
-      </p:sp>
-      <p:sp>
-        <p:nvSpPr>
-          <p:cNvPr id="20" name="Rektangel 19"/>
-          <p:cNvSpPr/>
-          <p:nvPr/>
-        </p:nvSpPr>
-        <p:spPr>
-          <a:xfrm>
-            <a:off x="7509544" y="3041007"/>
-            <a:ext cx="285226" cy="209725"/>
-          </a:xfrm>
-          <a:prstGeom prst="rect">
-            <a:avLst/>
-          </a:prstGeom>
-          <a:solidFill>
-            <a:schemeClr val="accent2"/>
-          </a:solidFill>
-        </p:spPr>
-        <p:style>
-          <a:lnRef idx="2">
-            <a:schemeClr val="accent1">
-              <a:shade val="50000"/>
-            </a:schemeClr>
-          </a:lnRef>
-          <a:fillRef idx="1">
-            <a:schemeClr val="accent1"/>
-          </a:fillRef>
-          <a:effectRef idx="0">
-            <a:schemeClr val="accent1"/>
-          </a:effectRef>
-          <a:fontRef idx="minor">
-            <a:schemeClr val="lt1"/>
+              <a:t>”1;2;3;4”</a:t>
+            </a:r>
+          </a:p>
+        </p:txBody>
+      </p:sp>
+      <p:sp>
+        <p:nvSpPr>
+          <p:cNvPr id="23" name="Rektangel 22"/>
+          <p:cNvSpPr/>
+          <p:nvPr/>
+        </p:nvSpPr>
+        <p:spPr>
+          <a:xfrm>
+            <a:off x="6719581" y="3954389"/>
+            <a:ext cx="1929468" cy="956345"/>
+          </a:xfrm>
+          <a:prstGeom prst="rect">
+            <a:avLst/>
+          </a:prstGeom>
+          <a:ln>
+            <a:noFill/>
+          </a:ln>
+        </p:spPr>
+        <p:style>
+          <a:lnRef idx="2">
+            <a:schemeClr val="dk1"/>
+          </a:lnRef>
+          <a:fillRef idx="1">
+            <a:schemeClr val="lt1"/>
+          </a:fillRef>
+          <a:effectRef idx="0">
+            <a:schemeClr val="dk1"/>
+          </a:effectRef>
+          <a:fontRef idx="minor">
+            <a:schemeClr val="dk1"/>
           </a:fontRef>
         </p:style>
         <p:txBody>
@@ -7070,43 +9002,41 @@
             <a:pPr algn="ctr"/>
             <a:r>
               <a:rPr lang="sv-SE" dirty="0"/>
-              <a:t>2</a:t>
-            </a:r>
-          </a:p>
-        </p:txBody>
-      </p:sp>
-      <p:sp>
-        <p:nvSpPr>
-          <p:cNvPr id="21" name="Rektangel 20"/>
-          <p:cNvSpPr/>
-          <p:nvPr/>
-        </p:nvSpPr>
-        <p:spPr>
-          <a:xfrm>
-            <a:off x="7921304" y="3041006"/>
-            <a:ext cx="285226" cy="209725"/>
-          </a:xfrm>
-          <a:prstGeom prst="rect">
-            <a:avLst/>
-          </a:prstGeom>
-          <a:solidFill>
-            <a:schemeClr val="accent2"/>
-          </a:solidFill>
-        </p:spPr>
-        <p:style>
-          <a:lnRef idx="2">
-            <a:schemeClr val="accent1">
-              <a:shade val="50000"/>
-            </a:schemeClr>
-          </a:lnRef>
-          <a:fillRef idx="1">
-            <a:schemeClr val="accent1"/>
-          </a:fillRef>
-          <a:effectRef idx="0">
-            <a:schemeClr val="accent1"/>
-          </a:effectRef>
-          <a:fontRef idx="minor">
-            <a:schemeClr val="lt1"/>
+              <a:t>””</a:t>
+            </a:r>
+          </a:p>
+        </p:txBody>
+      </p:sp>
+      <p:sp>
+        <p:nvSpPr>
+          <p:cNvPr id="24" name="Rektangel 23"/>
+          <p:cNvSpPr/>
+          <p:nvPr/>
+        </p:nvSpPr>
+        <p:spPr>
+          <a:xfrm>
+            <a:off x="4047687" y="2667694"/>
+            <a:ext cx="1929468" cy="956345"/>
+          </a:xfrm>
+          <a:prstGeom prst="rect">
+            <a:avLst/>
+          </a:prstGeom>
+          <a:ln>
+            <a:noFill/>
+          </a:ln>
+        </p:spPr>
+        <p:style>
+          <a:lnRef idx="2">
+            <a:schemeClr val="dk1"/>
+          </a:lnRef>
+          <a:fillRef idx="1">
+            <a:schemeClr val="lt1"/>
+          </a:fillRef>
+          <a:effectRef idx="0">
+            <a:schemeClr val="dk1"/>
+          </a:effectRef>
+          <a:fontRef idx="minor">
+            <a:schemeClr val="dk1"/>
           </a:fontRef>
         </p:style>
         <p:txBody>
@@ -7116,43 +9046,41 @@
             <a:pPr algn="ctr"/>
             <a:r>
               <a:rPr lang="sv-SE" dirty="0"/>
-              <a:t>3</a:t>
-            </a:r>
-          </a:p>
-        </p:txBody>
-      </p:sp>
-      <p:sp>
-        <p:nvSpPr>
-          <p:cNvPr id="24" name="Rektangel 23"/>
-          <p:cNvSpPr/>
-          <p:nvPr/>
-        </p:nvSpPr>
-        <p:spPr>
-          <a:xfrm>
-            <a:off x="8302653" y="3041006"/>
-            <a:ext cx="285226" cy="209725"/>
-          </a:xfrm>
-          <a:prstGeom prst="rect">
-            <a:avLst/>
-          </a:prstGeom>
-          <a:solidFill>
-            <a:schemeClr val="accent2"/>
-          </a:solidFill>
-        </p:spPr>
-        <p:style>
-          <a:lnRef idx="2">
-            <a:schemeClr val="accent1">
-              <a:shade val="50000"/>
-            </a:schemeClr>
-          </a:lnRef>
-          <a:fillRef idx="1">
-            <a:schemeClr val="accent1"/>
-          </a:fillRef>
-          <a:effectRef idx="0">
-            <a:schemeClr val="accent1"/>
-          </a:effectRef>
-          <a:fontRef idx="minor">
-            <a:schemeClr val="lt1"/>
+              <a:t>;</a:t>
+            </a:r>
+          </a:p>
+        </p:txBody>
+      </p:sp>
+      <p:sp>
+        <p:nvSpPr>
+          <p:cNvPr id="25" name="Rektangel 24"/>
+          <p:cNvSpPr/>
+          <p:nvPr/>
+        </p:nvSpPr>
+        <p:spPr>
+          <a:xfrm>
+            <a:off x="4047687" y="3954388"/>
+            <a:ext cx="1929468" cy="956345"/>
+          </a:xfrm>
+          <a:prstGeom prst="rect">
+            <a:avLst/>
+          </a:prstGeom>
+          <a:ln>
+            <a:noFill/>
+          </a:ln>
+        </p:spPr>
+        <p:style>
+          <a:lnRef idx="2">
+            <a:schemeClr val="dk1"/>
+          </a:lnRef>
+          <a:fillRef idx="1">
+            <a:schemeClr val="lt1"/>
+          </a:fillRef>
+          <a:effectRef idx="0">
+            <a:schemeClr val="dk1"/>
+          </a:effectRef>
+          <a:fontRef idx="minor">
+            <a:schemeClr val="dk1"/>
           </a:fontRef>
         </p:style>
         <p:txBody>
@@ -7162,55 +9090,15 @@
             <a:pPr algn="ctr"/>
             <a:r>
               <a:rPr lang="sv-SE" dirty="0"/>
-              <a:t>4</a:t>
-            </a:r>
-          </a:p>
-        </p:txBody>
-      </p:sp>
-      <p:sp>
-        <p:nvSpPr>
-          <p:cNvPr id="25" name="Rektangel 24"/>
-          <p:cNvSpPr/>
-          <p:nvPr/>
-        </p:nvSpPr>
-        <p:spPr>
-          <a:xfrm>
-            <a:off x="6964258" y="3954389"/>
-            <a:ext cx="1719743" cy="1023457"/>
-          </a:xfrm>
-          <a:prstGeom prst="rect">
-            <a:avLst/>
-          </a:prstGeom>
-        </p:spPr>
-        <p:style>
-          <a:lnRef idx="2">
-            <a:schemeClr val="accent1">
-              <a:shade val="50000"/>
-            </a:schemeClr>
-          </a:lnRef>
-          <a:fillRef idx="1">
-            <a:schemeClr val="accent1"/>
-          </a:fillRef>
-          <a:effectRef idx="0">
-            <a:schemeClr val="accent1"/>
-          </a:effectRef>
-          <a:fontRef idx="minor">
-            <a:schemeClr val="lt1"/>
-          </a:fontRef>
-        </p:style>
-        <p:txBody>
-          <a:bodyPr rtlCol="0" anchor="ctr"/>
-          <a:lstStyle/>
-          <a:p>
-            <a:pPr algn="ctr"/>
-            <a:endParaRPr lang="sv-SE" dirty="0"/>
+              <a:t>;</a:t>
+            </a:r>
           </a:p>
         </p:txBody>
       </p:sp>
     </p:spTree>
     <p:extLst>
       <p:ext uri="{BB962C8B-B14F-4D97-AF65-F5344CB8AC3E}">
-        <p14:creationId xmlns:p14="http://schemas.microsoft.com/office/powerpoint/2010/main" val="104026545"/>
+        <p14:creationId xmlns:p14="http://schemas.microsoft.com/office/powerpoint/2010/main" val="3105266539"/>
       </p:ext>
     </p:extLst>
   </p:cSld>
@@ -7254,7 +9142,7 @@
           <a:p>
             <a:r>
               <a:rPr lang="sv-SE" dirty="0" err="1"/>
-              <a:t>orderBy</a:t>
+              <a:t>sortBy</a:t>
             </a:r>
             <a:endParaRPr lang="sv-SE" dirty="0"/>
           </a:p>
@@ -7275,22 +9163,6 @@
           <a:bodyPr/>
           <a:lstStyle/>
           <a:p>
-            <a:r>
-              <a:rPr lang="sv-SE" dirty="0"/>
-              <a:t>Support for </a:t>
-            </a:r>
-            <a:r>
-              <a:rPr lang="sv-SE" dirty="0" err="1"/>
-              <a:t>asc</a:t>
-            </a:r>
-            <a:r>
-              <a:rPr lang="sv-SE" dirty="0"/>
-              <a:t> and </a:t>
-            </a:r>
-            <a:r>
-              <a:rPr lang="sv-SE" dirty="0" err="1"/>
-              <a:t>desc</a:t>
-            </a:r>
             <a:endParaRPr lang="sv-SE" dirty="0"/>
           </a:p>
           <a:p>
@@ -7530,7 +9402,7 @@
         </p:nvSpPr>
         <p:spPr>
           <a:xfrm>
-            <a:off x="1585518" y="5153506"/>
+            <a:off x="1585518" y="3954389"/>
             <a:ext cx="1719743" cy="1023457"/>
           </a:xfrm>
           <a:prstGeom prst="rect">
@@ -7794,7 +9666,7 @@
         </p:nvSpPr>
         <p:spPr>
           <a:xfrm>
-            <a:off x="6964259" y="5153505"/>
+            <a:off x="6964258" y="3954389"/>
             <a:ext cx="1719743" cy="1023457"/>
           </a:xfrm>
           <a:prstGeom prst="rect">
@@ -7823,461 +9695,13 @@
           <a:p>
             <a:pPr algn="ctr"/>
             <a:endParaRPr lang="sv-SE" dirty="0"/>
-          </a:p>
-        </p:txBody>
-      </p:sp>
-      <p:sp>
-        <p:nvSpPr>
-          <p:cNvPr id="22" name="Rektangel 21"/>
-          <p:cNvSpPr/>
-          <p:nvPr/>
-        </p:nvSpPr>
-        <p:spPr>
-          <a:xfrm>
-            <a:off x="1585518" y="3893824"/>
-            <a:ext cx="1719743" cy="1023457"/>
-          </a:xfrm>
-          <a:prstGeom prst="rect">
-            <a:avLst/>
-          </a:prstGeom>
-        </p:spPr>
-        <p:style>
-          <a:lnRef idx="2">
-            <a:schemeClr val="accent1">
-              <a:shade val="50000"/>
-            </a:schemeClr>
-          </a:lnRef>
-          <a:fillRef idx="1">
-            <a:schemeClr val="accent1"/>
-          </a:fillRef>
-          <a:effectRef idx="0">
-            <a:schemeClr val="accent1"/>
-          </a:effectRef>
-          <a:fontRef idx="minor">
-            <a:schemeClr val="lt1"/>
-          </a:fontRef>
-        </p:style>
-        <p:txBody>
-          <a:bodyPr rtlCol="0" anchor="ctr"/>
-          <a:lstStyle/>
-          <a:p>
-            <a:pPr algn="ctr"/>
-            <a:endParaRPr lang="sv-SE" dirty="0"/>
-          </a:p>
-        </p:txBody>
-      </p:sp>
-      <p:sp>
-        <p:nvSpPr>
-          <p:cNvPr id="23" name="Rektangel 22"/>
-          <p:cNvSpPr/>
-          <p:nvPr/>
-        </p:nvSpPr>
-        <p:spPr>
-          <a:xfrm>
-            <a:off x="1711354" y="4300688"/>
-            <a:ext cx="285226" cy="209725"/>
-          </a:xfrm>
-          <a:prstGeom prst="rect">
-            <a:avLst/>
-          </a:prstGeom>
-          <a:solidFill>
-            <a:schemeClr val="accent2"/>
-          </a:solidFill>
-        </p:spPr>
-        <p:style>
-          <a:lnRef idx="2">
-            <a:schemeClr val="accent1">
-              <a:shade val="50000"/>
-            </a:schemeClr>
-          </a:lnRef>
-          <a:fillRef idx="1">
-            <a:schemeClr val="accent1"/>
-          </a:fillRef>
-          <a:effectRef idx="0">
-            <a:schemeClr val="accent1"/>
-          </a:effectRef>
-          <a:fontRef idx="minor">
-            <a:schemeClr val="lt1"/>
-          </a:fontRef>
-        </p:style>
-        <p:txBody>
-          <a:bodyPr rtlCol="0" anchor="ctr"/>
-          <a:lstStyle/>
-          <a:p>
-            <a:pPr algn="ctr"/>
-            <a:r>
-              <a:rPr lang="sv-SE" dirty="0"/>
-              <a:t>2</a:t>
-            </a:r>
-          </a:p>
-        </p:txBody>
-      </p:sp>
-      <p:sp>
-        <p:nvSpPr>
-          <p:cNvPr id="26" name="Rektangel 25"/>
-          <p:cNvSpPr/>
-          <p:nvPr/>
-        </p:nvSpPr>
-        <p:spPr>
-          <a:xfrm>
-            <a:off x="2130803" y="4300688"/>
-            <a:ext cx="285226" cy="209725"/>
-          </a:xfrm>
-          <a:prstGeom prst="rect">
-            <a:avLst/>
-          </a:prstGeom>
-          <a:solidFill>
-            <a:schemeClr val="accent2"/>
-          </a:solidFill>
-        </p:spPr>
-        <p:style>
-          <a:lnRef idx="2">
-            <a:schemeClr val="accent1">
-              <a:shade val="50000"/>
-            </a:schemeClr>
-          </a:lnRef>
-          <a:fillRef idx="1">
-            <a:schemeClr val="accent1"/>
-          </a:fillRef>
-          <a:effectRef idx="0">
-            <a:schemeClr val="accent1"/>
-          </a:effectRef>
-          <a:fontRef idx="minor">
-            <a:schemeClr val="lt1"/>
-          </a:fontRef>
-        </p:style>
-        <p:txBody>
-          <a:bodyPr rtlCol="0" anchor="ctr"/>
-          <a:lstStyle/>
-          <a:p>
-            <a:pPr algn="ctr"/>
-            <a:r>
-              <a:rPr lang="sv-SE" dirty="0"/>
-              <a:t>1</a:t>
-            </a:r>
-          </a:p>
-        </p:txBody>
-      </p:sp>
-      <p:sp>
-        <p:nvSpPr>
-          <p:cNvPr id="27" name="Rektangel 26"/>
-          <p:cNvSpPr/>
-          <p:nvPr/>
-        </p:nvSpPr>
-        <p:spPr>
-          <a:xfrm>
-            <a:off x="2542563" y="4300687"/>
-            <a:ext cx="285226" cy="209725"/>
-          </a:xfrm>
-          <a:prstGeom prst="rect">
-            <a:avLst/>
-          </a:prstGeom>
-          <a:solidFill>
-            <a:schemeClr val="accent2"/>
-          </a:solidFill>
-        </p:spPr>
-        <p:style>
-          <a:lnRef idx="2">
-            <a:schemeClr val="accent1">
-              <a:shade val="50000"/>
-            </a:schemeClr>
-          </a:lnRef>
-          <a:fillRef idx="1">
-            <a:schemeClr val="accent1"/>
-          </a:fillRef>
-          <a:effectRef idx="0">
-            <a:schemeClr val="accent1"/>
-          </a:effectRef>
-          <a:fontRef idx="minor">
-            <a:schemeClr val="lt1"/>
-          </a:fontRef>
-        </p:style>
-        <p:txBody>
-          <a:bodyPr rtlCol="0" anchor="ctr"/>
-          <a:lstStyle/>
-          <a:p>
-            <a:pPr algn="ctr"/>
-            <a:r>
-              <a:rPr lang="sv-SE" dirty="0"/>
-              <a:t>4</a:t>
-            </a:r>
-          </a:p>
-        </p:txBody>
-      </p:sp>
-      <p:sp>
-        <p:nvSpPr>
-          <p:cNvPr id="28" name="Rektangel 27"/>
-          <p:cNvSpPr/>
-          <p:nvPr/>
-        </p:nvSpPr>
-        <p:spPr>
-          <a:xfrm>
-            <a:off x="2923912" y="4300687"/>
-            <a:ext cx="285226" cy="209725"/>
-          </a:xfrm>
-          <a:prstGeom prst="rect">
-            <a:avLst/>
-          </a:prstGeom>
-          <a:solidFill>
-            <a:schemeClr val="accent2"/>
-          </a:solidFill>
-        </p:spPr>
-        <p:style>
-          <a:lnRef idx="2">
-            <a:schemeClr val="accent1">
-              <a:shade val="50000"/>
-            </a:schemeClr>
-          </a:lnRef>
-          <a:fillRef idx="1">
-            <a:schemeClr val="accent1"/>
-          </a:fillRef>
-          <a:effectRef idx="0">
-            <a:schemeClr val="accent1"/>
-          </a:effectRef>
-          <a:fontRef idx="minor">
-            <a:schemeClr val="lt1"/>
-          </a:fontRef>
-        </p:style>
-        <p:txBody>
-          <a:bodyPr rtlCol="0" anchor="ctr"/>
-          <a:lstStyle/>
-          <a:p>
-            <a:pPr algn="ctr"/>
-            <a:r>
-              <a:rPr lang="sv-SE" dirty="0"/>
-              <a:t>3</a:t>
-            </a:r>
-          </a:p>
-        </p:txBody>
-      </p:sp>
-      <p:sp>
-        <p:nvSpPr>
-          <p:cNvPr id="31" name="Rektangel 30"/>
-          <p:cNvSpPr/>
-          <p:nvPr/>
-        </p:nvSpPr>
-        <p:spPr>
-          <a:xfrm>
-            <a:off x="6964259" y="3893824"/>
-            <a:ext cx="1719743" cy="1023457"/>
-          </a:xfrm>
-          <a:prstGeom prst="rect">
-            <a:avLst/>
-          </a:prstGeom>
-        </p:spPr>
-        <p:style>
-          <a:lnRef idx="2">
-            <a:schemeClr val="accent1">
-              <a:shade val="50000"/>
-            </a:schemeClr>
-          </a:lnRef>
-          <a:fillRef idx="1">
-            <a:schemeClr val="accent1"/>
-          </a:fillRef>
-          <a:effectRef idx="0">
-            <a:schemeClr val="accent1"/>
-          </a:effectRef>
-          <a:fontRef idx="minor">
-            <a:schemeClr val="lt1"/>
-          </a:fontRef>
-        </p:style>
-        <p:txBody>
-          <a:bodyPr rtlCol="0" anchor="ctr"/>
-          <a:lstStyle/>
-          <a:p>
-            <a:pPr algn="ctr"/>
-            <a:endParaRPr lang="sv-SE" dirty="0"/>
-          </a:p>
-        </p:txBody>
-      </p:sp>
-      <p:sp>
-        <p:nvSpPr>
-          <p:cNvPr id="32" name="Rektangel 31"/>
-          <p:cNvSpPr/>
-          <p:nvPr/>
-        </p:nvSpPr>
-        <p:spPr>
-          <a:xfrm>
-            <a:off x="7090095" y="4300688"/>
-            <a:ext cx="285226" cy="209725"/>
-          </a:xfrm>
-          <a:prstGeom prst="rect">
-            <a:avLst/>
-          </a:prstGeom>
-          <a:solidFill>
-            <a:schemeClr val="accent2"/>
-          </a:solidFill>
-        </p:spPr>
-        <p:style>
-          <a:lnRef idx="2">
-            <a:schemeClr val="accent1">
-              <a:shade val="50000"/>
-            </a:schemeClr>
-          </a:lnRef>
-          <a:fillRef idx="1">
-            <a:schemeClr val="accent1"/>
-          </a:fillRef>
-          <a:effectRef idx="0">
-            <a:schemeClr val="accent1"/>
-          </a:effectRef>
-          <a:fontRef idx="minor">
-            <a:schemeClr val="lt1"/>
-          </a:fontRef>
-        </p:style>
-        <p:txBody>
-          <a:bodyPr rtlCol="0" anchor="ctr"/>
-          <a:lstStyle/>
-          <a:p>
-            <a:pPr algn="ctr"/>
-            <a:r>
-              <a:rPr lang="sv-SE" dirty="0"/>
-              <a:t>4</a:t>
-            </a:r>
-          </a:p>
-        </p:txBody>
-      </p:sp>
-      <p:sp>
-        <p:nvSpPr>
-          <p:cNvPr id="33" name="Rektangel 32"/>
-          <p:cNvSpPr/>
-          <p:nvPr/>
-        </p:nvSpPr>
-        <p:spPr>
-          <a:xfrm>
-            <a:off x="7509544" y="4300688"/>
-            <a:ext cx="285226" cy="209725"/>
-          </a:xfrm>
-          <a:prstGeom prst="rect">
-            <a:avLst/>
-          </a:prstGeom>
-          <a:solidFill>
-            <a:schemeClr val="accent2"/>
-          </a:solidFill>
-        </p:spPr>
-        <p:style>
-          <a:lnRef idx="2">
-            <a:schemeClr val="accent1">
-              <a:shade val="50000"/>
-            </a:schemeClr>
-          </a:lnRef>
-          <a:fillRef idx="1">
-            <a:schemeClr val="accent1"/>
-          </a:fillRef>
-          <a:effectRef idx="0">
-            <a:schemeClr val="accent1"/>
-          </a:effectRef>
-          <a:fontRef idx="minor">
-            <a:schemeClr val="lt1"/>
-          </a:fontRef>
-        </p:style>
-        <p:txBody>
-          <a:bodyPr rtlCol="0" anchor="ctr"/>
-          <a:lstStyle/>
-          <a:p>
-            <a:pPr algn="ctr"/>
-            <a:r>
-              <a:rPr lang="sv-SE" dirty="0"/>
-              <a:t>3</a:t>
-            </a:r>
-          </a:p>
-        </p:txBody>
-      </p:sp>
-      <p:sp>
-        <p:nvSpPr>
-          <p:cNvPr id="34" name="Rektangel 33"/>
-          <p:cNvSpPr/>
-          <p:nvPr/>
-        </p:nvSpPr>
-        <p:spPr>
-          <a:xfrm>
-            <a:off x="7921304" y="4300687"/>
-            <a:ext cx="285226" cy="209725"/>
-          </a:xfrm>
-          <a:prstGeom prst="rect">
-            <a:avLst/>
-          </a:prstGeom>
-          <a:solidFill>
-            <a:schemeClr val="accent2"/>
-          </a:solidFill>
-        </p:spPr>
-        <p:style>
-          <a:lnRef idx="2">
-            <a:schemeClr val="accent1">
-              <a:shade val="50000"/>
-            </a:schemeClr>
-          </a:lnRef>
-          <a:fillRef idx="1">
-            <a:schemeClr val="accent1"/>
-          </a:fillRef>
-          <a:effectRef idx="0">
-            <a:schemeClr val="accent1"/>
-          </a:effectRef>
-          <a:fontRef idx="minor">
-            <a:schemeClr val="lt1"/>
-          </a:fontRef>
-        </p:style>
-        <p:txBody>
-          <a:bodyPr rtlCol="0" anchor="ctr"/>
-          <a:lstStyle/>
-          <a:p>
-            <a:pPr algn="ctr"/>
-            <a:r>
-              <a:rPr lang="sv-SE" dirty="0"/>
-              <a:t>2</a:t>
-            </a:r>
-          </a:p>
-        </p:txBody>
-      </p:sp>
-      <p:sp>
-        <p:nvSpPr>
-          <p:cNvPr id="35" name="Rektangel 34"/>
-          <p:cNvSpPr/>
-          <p:nvPr/>
-        </p:nvSpPr>
-        <p:spPr>
-          <a:xfrm>
-            <a:off x="8302653" y="4300687"/>
-            <a:ext cx="285226" cy="209725"/>
-          </a:xfrm>
-          <a:prstGeom prst="rect">
-            <a:avLst/>
-          </a:prstGeom>
-          <a:solidFill>
-            <a:schemeClr val="accent2"/>
-          </a:solidFill>
-        </p:spPr>
-        <p:style>
-          <a:lnRef idx="2">
-            <a:schemeClr val="accent1">
-              <a:shade val="50000"/>
-            </a:schemeClr>
-          </a:lnRef>
-          <a:fillRef idx="1">
-            <a:schemeClr val="accent1"/>
-          </a:fillRef>
-          <a:effectRef idx="0">
-            <a:schemeClr val="accent1"/>
-          </a:effectRef>
-          <a:fontRef idx="minor">
-            <a:schemeClr val="lt1"/>
-          </a:fontRef>
-        </p:style>
-        <p:txBody>
-          <a:bodyPr rtlCol="0" anchor="ctr"/>
-          <a:lstStyle/>
-          <a:p>
-            <a:pPr algn="ctr"/>
-            <a:r>
-              <a:rPr lang="sv-SE" dirty="0"/>
-              <a:t>1</a:t>
-            </a:r>
           </a:p>
         </p:txBody>
       </p:sp>
     </p:spTree>
     <p:extLst>
       <p:ext uri="{BB962C8B-B14F-4D97-AF65-F5344CB8AC3E}">
-        <p14:creationId xmlns:p14="http://schemas.microsoft.com/office/powerpoint/2010/main" val="2433384434"/>
+        <p14:creationId xmlns:p14="http://schemas.microsoft.com/office/powerpoint/2010/main" val="104026545"/>
       </p:ext>
     </p:extLst>
   </p:cSld>
@@ -8321,7 +9745,7 @@
           <a:p>
             <a:r>
               <a:rPr lang="sv-SE" dirty="0" err="1"/>
-              <a:t>Size</a:t>
+              <a:t>orderBy</a:t>
             </a:r>
             <a:endParaRPr lang="sv-SE" dirty="0"/>
           </a:p>
@@ -8342,6 +9766,22 @@
           <a:bodyPr/>
           <a:lstStyle/>
           <a:p>
+            <a:r>
+              <a:rPr lang="sv-SE" dirty="0"/>
+              <a:t>Support for </a:t>
+            </a:r>
+            <a:r>
+              <a:rPr lang="sv-SE" dirty="0" err="1"/>
+              <a:t>asc</a:t>
+            </a:r>
+            <a:r>
+              <a:rPr lang="sv-SE" dirty="0"/>
+              <a:t> and </a:t>
+            </a:r>
+            <a:r>
+              <a:rPr lang="sv-SE" dirty="0" err="1"/>
+              <a:t>desc</a:t>
+            </a:r>
             <a:endParaRPr lang="sv-SE" dirty="0"/>
           </a:p>
           <a:p>
@@ -8430,7 +9870,7 @@
             <a:pPr algn="ctr"/>
             <a:r>
               <a:rPr lang="sv-SE" dirty="0"/>
-              <a:t>1</a:t>
+              <a:t>2</a:t>
             </a:r>
           </a:p>
         </p:txBody>
@@ -8476,7 +9916,7 @@
             <a:pPr algn="ctr"/>
             <a:r>
               <a:rPr lang="sv-SE" dirty="0"/>
-              <a:t>2</a:t>
+              <a:t>1</a:t>
             </a:r>
           </a:p>
         </p:txBody>
@@ -8522,7 +9962,7 @@
             <a:pPr algn="ctr"/>
             <a:r>
               <a:rPr lang="sv-SE" dirty="0"/>
-              <a:t>3</a:t>
+              <a:t>4</a:t>
             </a:r>
           </a:p>
         </p:txBody>
@@ -8568,6 +10008,270 @@
             <a:pPr algn="ctr"/>
             <a:r>
               <a:rPr lang="sv-SE" dirty="0"/>
+              <a:t>3</a:t>
+            </a:r>
+          </a:p>
+        </p:txBody>
+      </p:sp>
+      <p:sp>
+        <p:nvSpPr>
+          <p:cNvPr id="17" name="Rektangel 16"/>
+          <p:cNvSpPr/>
+          <p:nvPr/>
+        </p:nvSpPr>
+        <p:spPr>
+          <a:xfrm>
+            <a:off x="1585518" y="5153506"/>
+            <a:ext cx="1719743" cy="1023457"/>
+          </a:xfrm>
+          <a:prstGeom prst="rect">
+            <a:avLst/>
+          </a:prstGeom>
+        </p:spPr>
+        <p:style>
+          <a:lnRef idx="2">
+            <a:schemeClr val="accent1">
+              <a:shade val="50000"/>
+            </a:schemeClr>
+          </a:lnRef>
+          <a:fillRef idx="1">
+            <a:schemeClr val="accent1"/>
+          </a:fillRef>
+          <a:effectRef idx="0">
+            <a:schemeClr val="accent1"/>
+          </a:effectRef>
+          <a:fontRef idx="minor">
+            <a:schemeClr val="lt1"/>
+          </a:fontRef>
+        </p:style>
+        <p:txBody>
+          <a:bodyPr rtlCol="0" anchor="ctr"/>
+          <a:lstStyle/>
+          <a:p>
+            <a:pPr algn="ctr"/>
+            <a:endParaRPr lang="sv-SE" dirty="0"/>
+          </a:p>
+        </p:txBody>
+      </p:sp>
+      <p:sp>
+        <p:nvSpPr>
+          <p:cNvPr id="18" name="Rektangel 17"/>
+          <p:cNvSpPr/>
+          <p:nvPr/>
+        </p:nvSpPr>
+        <p:spPr>
+          <a:xfrm>
+            <a:off x="6964259" y="2634143"/>
+            <a:ext cx="1719743" cy="1023457"/>
+          </a:xfrm>
+          <a:prstGeom prst="rect">
+            <a:avLst/>
+          </a:prstGeom>
+        </p:spPr>
+        <p:style>
+          <a:lnRef idx="2">
+            <a:schemeClr val="accent1">
+              <a:shade val="50000"/>
+            </a:schemeClr>
+          </a:lnRef>
+          <a:fillRef idx="1">
+            <a:schemeClr val="accent1"/>
+          </a:fillRef>
+          <a:effectRef idx="0">
+            <a:schemeClr val="accent1"/>
+          </a:effectRef>
+          <a:fontRef idx="minor">
+            <a:schemeClr val="lt1"/>
+          </a:fontRef>
+        </p:style>
+        <p:txBody>
+          <a:bodyPr rtlCol="0" anchor="ctr"/>
+          <a:lstStyle/>
+          <a:p>
+            <a:pPr algn="ctr"/>
+            <a:endParaRPr lang="sv-SE" dirty="0"/>
+          </a:p>
+        </p:txBody>
+      </p:sp>
+      <p:sp>
+        <p:nvSpPr>
+          <p:cNvPr id="19" name="Rektangel 18"/>
+          <p:cNvSpPr/>
+          <p:nvPr/>
+        </p:nvSpPr>
+        <p:spPr>
+          <a:xfrm>
+            <a:off x="7090095" y="3041007"/>
+            <a:ext cx="285226" cy="209725"/>
+          </a:xfrm>
+          <a:prstGeom prst="rect">
+            <a:avLst/>
+          </a:prstGeom>
+          <a:solidFill>
+            <a:schemeClr val="accent2"/>
+          </a:solidFill>
+        </p:spPr>
+        <p:style>
+          <a:lnRef idx="2">
+            <a:schemeClr val="accent1">
+              <a:shade val="50000"/>
+            </a:schemeClr>
+          </a:lnRef>
+          <a:fillRef idx="1">
+            <a:schemeClr val="accent1"/>
+          </a:fillRef>
+          <a:effectRef idx="0">
+            <a:schemeClr val="accent1"/>
+          </a:effectRef>
+          <a:fontRef idx="minor">
+            <a:schemeClr val="lt1"/>
+          </a:fontRef>
+        </p:style>
+        <p:txBody>
+          <a:bodyPr rtlCol="0" anchor="ctr"/>
+          <a:lstStyle/>
+          <a:p>
+            <a:pPr algn="ctr"/>
+            <a:r>
+              <a:rPr lang="sv-SE" dirty="0"/>
+              <a:t>1</a:t>
+            </a:r>
+          </a:p>
+        </p:txBody>
+      </p:sp>
+      <p:sp>
+        <p:nvSpPr>
+          <p:cNvPr id="20" name="Rektangel 19"/>
+          <p:cNvSpPr/>
+          <p:nvPr/>
+        </p:nvSpPr>
+        <p:spPr>
+          <a:xfrm>
+            <a:off x="7509544" y="3041007"/>
+            <a:ext cx="285226" cy="209725"/>
+          </a:xfrm>
+          <a:prstGeom prst="rect">
+            <a:avLst/>
+          </a:prstGeom>
+          <a:solidFill>
+            <a:schemeClr val="accent2"/>
+          </a:solidFill>
+        </p:spPr>
+        <p:style>
+          <a:lnRef idx="2">
+            <a:schemeClr val="accent1">
+              <a:shade val="50000"/>
+            </a:schemeClr>
+          </a:lnRef>
+          <a:fillRef idx="1">
+            <a:schemeClr val="accent1"/>
+          </a:fillRef>
+          <a:effectRef idx="0">
+            <a:schemeClr val="accent1"/>
+          </a:effectRef>
+          <a:fontRef idx="minor">
+            <a:schemeClr val="lt1"/>
+          </a:fontRef>
+        </p:style>
+        <p:txBody>
+          <a:bodyPr rtlCol="0" anchor="ctr"/>
+          <a:lstStyle/>
+          <a:p>
+            <a:pPr algn="ctr"/>
+            <a:r>
+              <a:rPr lang="sv-SE" dirty="0"/>
+              <a:t>2</a:t>
+            </a:r>
+          </a:p>
+        </p:txBody>
+      </p:sp>
+      <p:sp>
+        <p:nvSpPr>
+          <p:cNvPr id="21" name="Rektangel 20"/>
+          <p:cNvSpPr/>
+          <p:nvPr/>
+        </p:nvSpPr>
+        <p:spPr>
+          <a:xfrm>
+            <a:off x="7921304" y="3041006"/>
+            <a:ext cx="285226" cy="209725"/>
+          </a:xfrm>
+          <a:prstGeom prst="rect">
+            <a:avLst/>
+          </a:prstGeom>
+          <a:solidFill>
+            <a:schemeClr val="accent2"/>
+          </a:solidFill>
+        </p:spPr>
+        <p:style>
+          <a:lnRef idx="2">
+            <a:schemeClr val="accent1">
+              <a:shade val="50000"/>
+            </a:schemeClr>
+          </a:lnRef>
+          <a:fillRef idx="1">
+            <a:schemeClr val="accent1"/>
+          </a:fillRef>
+          <a:effectRef idx="0">
+            <a:schemeClr val="accent1"/>
+          </a:effectRef>
+          <a:fontRef idx="minor">
+            <a:schemeClr val="lt1"/>
+          </a:fontRef>
+        </p:style>
+        <p:txBody>
+          <a:bodyPr rtlCol="0" anchor="ctr"/>
+          <a:lstStyle/>
+          <a:p>
+            <a:pPr algn="ctr"/>
+            <a:r>
+              <a:rPr lang="sv-SE" dirty="0"/>
+              <a:t>3</a:t>
+            </a:r>
+          </a:p>
+        </p:txBody>
+      </p:sp>
+      <p:sp>
+        <p:nvSpPr>
+          <p:cNvPr id="24" name="Rektangel 23"/>
+          <p:cNvSpPr/>
+          <p:nvPr/>
+        </p:nvSpPr>
+        <p:spPr>
+          <a:xfrm>
+            <a:off x="8302653" y="3041006"/>
+            <a:ext cx="285226" cy="209725"/>
+          </a:xfrm>
+          <a:prstGeom prst="rect">
+            <a:avLst/>
+          </a:prstGeom>
+          <a:solidFill>
+            <a:schemeClr val="accent2"/>
+          </a:solidFill>
+        </p:spPr>
+        <p:style>
+          <a:lnRef idx="2">
+            <a:schemeClr val="accent1">
+              <a:shade val="50000"/>
+            </a:schemeClr>
+          </a:lnRef>
+          <a:fillRef idx="1">
+            <a:schemeClr val="accent1"/>
+          </a:fillRef>
+          <a:effectRef idx="0">
+            <a:schemeClr val="accent1"/>
+          </a:effectRef>
+          <a:fontRef idx="minor">
+            <a:schemeClr val="lt1"/>
+          </a:fontRef>
+        </p:style>
+        <p:txBody>
+          <a:bodyPr rtlCol="0" anchor="ctr"/>
+          <a:lstStyle/>
+          <a:p>
+            <a:pPr algn="ctr"/>
+            <a:r>
+              <a:rPr lang="sv-SE" dirty="0"/>
               <a:t>4</a:t>
             </a:r>
           </a:p>
@@ -8575,13 +10279,13 @@
       </p:sp>
       <p:sp>
         <p:nvSpPr>
-          <p:cNvPr id="17" name="Rektangel 16"/>
-          <p:cNvSpPr/>
-          <p:nvPr/>
-        </p:nvSpPr>
-        <p:spPr>
-          <a:xfrm>
-            <a:off x="1608064" y="3954389"/>
+          <p:cNvPr id="25" name="Rektangel 24"/>
+          <p:cNvSpPr/>
+          <p:nvPr/>
+        </p:nvSpPr>
+        <p:spPr>
+          <a:xfrm>
+            <a:off x="6964259" y="5153505"/>
             <a:ext cx="1719743" cy="1023457"/>
           </a:xfrm>
           <a:prstGeom prst="rect">
@@ -8621,7 +10325,455 @@
         </p:nvSpPr>
         <p:spPr>
           <a:xfrm>
-            <a:off x="6719581" y="2667695"/>
+            <a:off x="1585518" y="3893824"/>
+            <a:ext cx="1719743" cy="1023457"/>
+          </a:xfrm>
+          <a:prstGeom prst="rect">
+            <a:avLst/>
+          </a:prstGeom>
+        </p:spPr>
+        <p:style>
+          <a:lnRef idx="2">
+            <a:schemeClr val="accent1">
+              <a:shade val="50000"/>
+            </a:schemeClr>
+          </a:lnRef>
+          <a:fillRef idx="1">
+            <a:schemeClr val="accent1"/>
+          </a:fillRef>
+          <a:effectRef idx="0">
+            <a:schemeClr val="accent1"/>
+          </a:effectRef>
+          <a:fontRef idx="minor">
+            <a:schemeClr val="lt1"/>
+          </a:fontRef>
+        </p:style>
+        <p:txBody>
+          <a:bodyPr rtlCol="0" anchor="ctr"/>
+          <a:lstStyle/>
+          <a:p>
+            <a:pPr algn="ctr"/>
+            <a:endParaRPr lang="sv-SE" dirty="0"/>
+          </a:p>
+        </p:txBody>
+      </p:sp>
+      <p:sp>
+        <p:nvSpPr>
+          <p:cNvPr id="23" name="Rektangel 22"/>
+          <p:cNvSpPr/>
+          <p:nvPr/>
+        </p:nvSpPr>
+        <p:spPr>
+          <a:xfrm>
+            <a:off x="1711354" y="4300688"/>
+            <a:ext cx="285226" cy="209725"/>
+          </a:xfrm>
+          <a:prstGeom prst="rect">
+            <a:avLst/>
+          </a:prstGeom>
+          <a:solidFill>
+            <a:schemeClr val="accent2"/>
+          </a:solidFill>
+        </p:spPr>
+        <p:style>
+          <a:lnRef idx="2">
+            <a:schemeClr val="accent1">
+              <a:shade val="50000"/>
+            </a:schemeClr>
+          </a:lnRef>
+          <a:fillRef idx="1">
+            <a:schemeClr val="accent1"/>
+          </a:fillRef>
+          <a:effectRef idx="0">
+            <a:schemeClr val="accent1"/>
+          </a:effectRef>
+          <a:fontRef idx="minor">
+            <a:schemeClr val="lt1"/>
+          </a:fontRef>
+        </p:style>
+        <p:txBody>
+          <a:bodyPr rtlCol="0" anchor="ctr"/>
+          <a:lstStyle/>
+          <a:p>
+            <a:pPr algn="ctr"/>
+            <a:r>
+              <a:rPr lang="sv-SE" dirty="0"/>
+              <a:t>2</a:t>
+            </a:r>
+          </a:p>
+        </p:txBody>
+      </p:sp>
+      <p:sp>
+        <p:nvSpPr>
+          <p:cNvPr id="26" name="Rektangel 25"/>
+          <p:cNvSpPr/>
+          <p:nvPr/>
+        </p:nvSpPr>
+        <p:spPr>
+          <a:xfrm>
+            <a:off x="2130803" y="4300688"/>
+            <a:ext cx="285226" cy="209725"/>
+          </a:xfrm>
+          <a:prstGeom prst="rect">
+            <a:avLst/>
+          </a:prstGeom>
+          <a:solidFill>
+            <a:schemeClr val="accent2"/>
+          </a:solidFill>
+        </p:spPr>
+        <p:style>
+          <a:lnRef idx="2">
+            <a:schemeClr val="accent1">
+              <a:shade val="50000"/>
+            </a:schemeClr>
+          </a:lnRef>
+          <a:fillRef idx="1">
+            <a:schemeClr val="accent1"/>
+          </a:fillRef>
+          <a:effectRef idx="0">
+            <a:schemeClr val="accent1"/>
+          </a:effectRef>
+          <a:fontRef idx="minor">
+            <a:schemeClr val="lt1"/>
+          </a:fontRef>
+        </p:style>
+        <p:txBody>
+          <a:bodyPr rtlCol="0" anchor="ctr"/>
+          <a:lstStyle/>
+          <a:p>
+            <a:pPr algn="ctr"/>
+            <a:r>
+              <a:rPr lang="sv-SE" dirty="0"/>
+              <a:t>1</a:t>
+            </a:r>
+          </a:p>
+        </p:txBody>
+      </p:sp>
+      <p:sp>
+        <p:nvSpPr>
+          <p:cNvPr id="27" name="Rektangel 26"/>
+          <p:cNvSpPr/>
+          <p:nvPr/>
+        </p:nvSpPr>
+        <p:spPr>
+          <a:xfrm>
+            <a:off x="2542563" y="4300687"/>
+            <a:ext cx="285226" cy="209725"/>
+          </a:xfrm>
+          <a:prstGeom prst="rect">
+            <a:avLst/>
+          </a:prstGeom>
+          <a:solidFill>
+            <a:schemeClr val="accent2"/>
+          </a:solidFill>
+        </p:spPr>
+        <p:style>
+          <a:lnRef idx="2">
+            <a:schemeClr val="accent1">
+              <a:shade val="50000"/>
+            </a:schemeClr>
+          </a:lnRef>
+          <a:fillRef idx="1">
+            <a:schemeClr val="accent1"/>
+          </a:fillRef>
+          <a:effectRef idx="0">
+            <a:schemeClr val="accent1"/>
+          </a:effectRef>
+          <a:fontRef idx="minor">
+            <a:schemeClr val="lt1"/>
+          </a:fontRef>
+        </p:style>
+        <p:txBody>
+          <a:bodyPr rtlCol="0" anchor="ctr"/>
+          <a:lstStyle/>
+          <a:p>
+            <a:pPr algn="ctr"/>
+            <a:r>
+              <a:rPr lang="sv-SE" dirty="0"/>
+              <a:t>4</a:t>
+            </a:r>
+          </a:p>
+        </p:txBody>
+      </p:sp>
+      <p:sp>
+        <p:nvSpPr>
+          <p:cNvPr id="28" name="Rektangel 27"/>
+          <p:cNvSpPr/>
+          <p:nvPr/>
+        </p:nvSpPr>
+        <p:spPr>
+          <a:xfrm>
+            <a:off x="2923912" y="4300687"/>
+            <a:ext cx="285226" cy="209725"/>
+          </a:xfrm>
+          <a:prstGeom prst="rect">
+            <a:avLst/>
+          </a:prstGeom>
+          <a:solidFill>
+            <a:schemeClr val="accent2"/>
+          </a:solidFill>
+        </p:spPr>
+        <p:style>
+          <a:lnRef idx="2">
+            <a:schemeClr val="accent1">
+              <a:shade val="50000"/>
+            </a:schemeClr>
+          </a:lnRef>
+          <a:fillRef idx="1">
+            <a:schemeClr val="accent1"/>
+          </a:fillRef>
+          <a:effectRef idx="0">
+            <a:schemeClr val="accent1"/>
+          </a:effectRef>
+          <a:fontRef idx="minor">
+            <a:schemeClr val="lt1"/>
+          </a:fontRef>
+        </p:style>
+        <p:txBody>
+          <a:bodyPr rtlCol="0" anchor="ctr"/>
+          <a:lstStyle/>
+          <a:p>
+            <a:pPr algn="ctr"/>
+            <a:r>
+              <a:rPr lang="sv-SE" dirty="0"/>
+              <a:t>3</a:t>
+            </a:r>
+          </a:p>
+        </p:txBody>
+      </p:sp>
+      <p:sp>
+        <p:nvSpPr>
+          <p:cNvPr id="31" name="Rektangel 30"/>
+          <p:cNvSpPr/>
+          <p:nvPr/>
+        </p:nvSpPr>
+        <p:spPr>
+          <a:xfrm>
+            <a:off x="6964259" y="3893824"/>
+            <a:ext cx="1719743" cy="1023457"/>
+          </a:xfrm>
+          <a:prstGeom prst="rect">
+            <a:avLst/>
+          </a:prstGeom>
+        </p:spPr>
+        <p:style>
+          <a:lnRef idx="2">
+            <a:schemeClr val="accent1">
+              <a:shade val="50000"/>
+            </a:schemeClr>
+          </a:lnRef>
+          <a:fillRef idx="1">
+            <a:schemeClr val="accent1"/>
+          </a:fillRef>
+          <a:effectRef idx="0">
+            <a:schemeClr val="accent1"/>
+          </a:effectRef>
+          <a:fontRef idx="minor">
+            <a:schemeClr val="lt1"/>
+          </a:fontRef>
+        </p:style>
+        <p:txBody>
+          <a:bodyPr rtlCol="0" anchor="ctr"/>
+          <a:lstStyle/>
+          <a:p>
+            <a:pPr algn="ctr"/>
+            <a:endParaRPr lang="sv-SE" dirty="0"/>
+          </a:p>
+        </p:txBody>
+      </p:sp>
+      <p:sp>
+        <p:nvSpPr>
+          <p:cNvPr id="32" name="Rektangel 31"/>
+          <p:cNvSpPr/>
+          <p:nvPr/>
+        </p:nvSpPr>
+        <p:spPr>
+          <a:xfrm>
+            <a:off x="7090095" y="4300688"/>
+            <a:ext cx="285226" cy="209725"/>
+          </a:xfrm>
+          <a:prstGeom prst="rect">
+            <a:avLst/>
+          </a:prstGeom>
+          <a:solidFill>
+            <a:schemeClr val="accent2"/>
+          </a:solidFill>
+        </p:spPr>
+        <p:style>
+          <a:lnRef idx="2">
+            <a:schemeClr val="accent1">
+              <a:shade val="50000"/>
+            </a:schemeClr>
+          </a:lnRef>
+          <a:fillRef idx="1">
+            <a:schemeClr val="accent1"/>
+          </a:fillRef>
+          <a:effectRef idx="0">
+            <a:schemeClr val="accent1"/>
+          </a:effectRef>
+          <a:fontRef idx="minor">
+            <a:schemeClr val="lt1"/>
+          </a:fontRef>
+        </p:style>
+        <p:txBody>
+          <a:bodyPr rtlCol="0" anchor="ctr"/>
+          <a:lstStyle/>
+          <a:p>
+            <a:pPr algn="ctr"/>
+            <a:r>
+              <a:rPr lang="sv-SE" dirty="0"/>
+              <a:t>4</a:t>
+            </a:r>
+          </a:p>
+        </p:txBody>
+      </p:sp>
+      <p:sp>
+        <p:nvSpPr>
+          <p:cNvPr id="33" name="Rektangel 32"/>
+          <p:cNvSpPr/>
+          <p:nvPr/>
+        </p:nvSpPr>
+        <p:spPr>
+          <a:xfrm>
+            <a:off x="7509544" y="4300688"/>
+            <a:ext cx="285226" cy="209725"/>
+          </a:xfrm>
+          <a:prstGeom prst="rect">
+            <a:avLst/>
+          </a:prstGeom>
+          <a:solidFill>
+            <a:schemeClr val="accent2"/>
+          </a:solidFill>
+        </p:spPr>
+        <p:style>
+          <a:lnRef idx="2">
+            <a:schemeClr val="accent1">
+              <a:shade val="50000"/>
+            </a:schemeClr>
+          </a:lnRef>
+          <a:fillRef idx="1">
+            <a:schemeClr val="accent1"/>
+          </a:fillRef>
+          <a:effectRef idx="0">
+            <a:schemeClr val="accent1"/>
+          </a:effectRef>
+          <a:fontRef idx="minor">
+            <a:schemeClr val="lt1"/>
+          </a:fontRef>
+        </p:style>
+        <p:txBody>
+          <a:bodyPr rtlCol="0" anchor="ctr"/>
+          <a:lstStyle/>
+          <a:p>
+            <a:pPr algn="ctr"/>
+            <a:r>
+              <a:rPr lang="sv-SE" dirty="0"/>
+              <a:t>3</a:t>
+            </a:r>
+          </a:p>
+        </p:txBody>
+      </p:sp>
+      <p:sp>
+        <p:nvSpPr>
+          <p:cNvPr id="34" name="Rektangel 33"/>
+          <p:cNvSpPr/>
+          <p:nvPr/>
+        </p:nvSpPr>
+        <p:spPr>
+          <a:xfrm>
+            <a:off x="7921304" y="4300687"/>
+            <a:ext cx="285226" cy="209725"/>
+          </a:xfrm>
+          <a:prstGeom prst="rect">
+            <a:avLst/>
+          </a:prstGeom>
+          <a:solidFill>
+            <a:schemeClr val="accent2"/>
+          </a:solidFill>
+        </p:spPr>
+        <p:style>
+          <a:lnRef idx="2">
+            <a:schemeClr val="accent1">
+              <a:shade val="50000"/>
+            </a:schemeClr>
+          </a:lnRef>
+          <a:fillRef idx="1">
+            <a:schemeClr val="accent1"/>
+          </a:fillRef>
+          <a:effectRef idx="0">
+            <a:schemeClr val="accent1"/>
+          </a:effectRef>
+          <a:fontRef idx="minor">
+            <a:schemeClr val="lt1"/>
+          </a:fontRef>
+        </p:style>
+        <p:txBody>
+          <a:bodyPr rtlCol="0" anchor="ctr"/>
+          <a:lstStyle/>
+          <a:p>
+            <a:pPr algn="ctr"/>
+            <a:r>
+              <a:rPr lang="sv-SE" dirty="0"/>
+              <a:t>2</a:t>
+            </a:r>
+          </a:p>
+        </p:txBody>
+      </p:sp>
+      <p:sp>
+        <p:nvSpPr>
+          <p:cNvPr id="35" name="Rektangel 34"/>
+          <p:cNvSpPr/>
+          <p:nvPr/>
+        </p:nvSpPr>
+        <p:spPr>
+          <a:xfrm>
+            <a:off x="8302653" y="4300687"/>
+            <a:ext cx="285226" cy="209725"/>
+          </a:xfrm>
+          <a:prstGeom prst="rect">
+            <a:avLst/>
+          </a:prstGeom>
+          <a:solidFill>
+            <a:schemeClr val="accent2"/>
+          </a:solidFill>
+        </p:spPr>
+        <p:style>
+          <a:lnRef idx="2">
+            <a:schemeClr val="accent1">
+              <a:shade val="50000"/>
+            </a:schemeClr>
+          </a:lnRef>
+          <a:fillRef idx="1">
+            <a:schemeClr val="accent1"/>
+          </a:fillRef>
+          <a:effectRef idx="0">
+            <a:schemeClr val="accent1"/>
+          </a:effectRef>
+          <a:fontRef idx="minor">
+            <a:schemeClr val="lt1"/>
+          </a:fontRef>
+        </p:style>
+        <p:txBody>
+          <a:bodyPr rtlCol="0" anchor="ctr"/>
+          <a:lstStyle/>
+          <a:p>
+            <a:pPr algn="ctr"/>
+            <a:r>
+              <a:rPr lang="sv-SE" dirty="0"/>
+              <a:t>1</a:t>
+            </a:r>
+          </a:p>
+        </p:txBody>
+      </p:sp>
+      <p:sp>
+        <p:nvSpPr>
+          <p:cNvPr id="29" name="Rektangel 28"/>
+          <p:cNvSpPr/>
+          <p:nvPr/>
+        </p:nvSpPr>
+        <p:spPr>
+          <a:xfrm>
+            <a:off x="4047687" y="2667694"/>
             <a:ext cx="1929468" cy="956345"/>
           </a:xfrm>
           <a:prstGeom prst="rect">
@@ -8651,21 +10803,22 @@
           <a:p>
             <a:pPr algn="ctr"/>
             <a:r>
-              <a:rPr lang="sv-SE" dirty="0"/>
-              <a:t>4</a:t>
-            </a:r>
-          </a:p>
-        </p:txBody>
-      </p:sp>
-      <p:sp>
-        <p:nvSpPr>
-          <p:cNvPr id="23" name="Rektangel 22"/>
-          <p:cNvSpPr/>
-          <p:nvPr/>
-        </p:nvSpPr>
-        <p:spPr>
-          <a:xfrm>
-            <a:off x="6719581" y="3954389"/>
+              <a:rPr lang="sv-SE" dirty="0" err="1"/>
+              <a:t>asc</a:t>
+            </a:r>
+            <a:endParaRPr lang="sv-SE" dirty="0"/>
+          </a:p>
+        </p:txBody>
+      </p:sp>
+      <p:sp>
+        <p:nvSpPr>
+          <p:cNvPr id="30" name="Rektangel 29"/>
+          <p:cNvSpPr/>
+          <p:nvPr/>
+        </p:nvSpPr>
+        <p:spPr>
+          <a:xfrm>
+            <a:off x="4047687" y="3960936"/>
             <a:ext cx="1929468" cy="956345"/>
           </a:xfrm>
           <a:prstGeom prst="rect">
@@ -8695,49 +10848,9 @@
           <a:p>
             <a:pPr algn="ctr"/>
             <a:r>
-              <a:rPr lang="sv-SE" dirty="0"/>
-              <a:t>0</a:t>
-            </a:r>
-          </a:p>
-        </p:txBody>
-      </p:sp>
-      <p:sp>
-        <p:nvSpPr>
-          <p:cNvPr id="24" name="Rektangel 23"/>
-          <p:cNvSpPr/>
-          <p:nvPr/>
-        </p:nvSpPr>
-        <p:spPr>
-          <a:xfrm>
-            <a:off x="4047687" y="2667694"/>
-            <a:ext cx="1929468" cy="956345"/>
-          </a:xfrm>
-          <a:prstGeom prst="rect">
-            <a:avLst/>
-          </a:prstGeom>
-          <a:ln>
-            <a:noFill/>
-          </a:ln>
-        </p:spPr>
-        <p:style>
-          <a:lnRef idx="2">
-            <a:schemeClr val="dk1"/>
-          </a:lnRef>
-          <a:fillRef idx="1">
-            <a:schemeClr val="lt1"/>
-          </a:fillRef>
-          <a:effectRef idx="0">
-            <a:schemeClr val="dk1"/>
-          </a:effectRef>
-          <a:fontRef idx="minor">
-            <a:schemeClr val="dk1"/>
-          </a:fontRef>
-        </p:style>
-        <p:txBody>
-          <a:bodyPr rtlCol="0" anchor="ctr"/>
-          <a:lstStyle/>
-          <a:p>
-            <a:pPr algn="ctr"/>
+              <a:rPr lang="sv-SE" dirty="0" err="1"/>
+              <a:t>desc</a:t>
+            </a:r>
             <a:endParaRPr lang="sv-SE" dirty="0"/>
           </a:p>
         </p:txBody>
@@ -8745,7 +10858,7 @@
     </p:spTree>
     <p:extLst>
       <p:ext uri="{BB962C8B-B14F-4D97-AF65-F5344CB8AC3E}">
-        <p14:creationId xmlns:p14="http://schemas.microsoft.com/office/powerpoint/2010/main" val="32774284"/>
+        <p14:creationId xmlns:p14="http://schemas.microsoft.com/office/powerpoint/2010/main" val="2433384434"/>
       </p:ext>
     </p:extLst>
   </p:cSld>
@@ -8789,7 +10902,7 @@
           <a:p>
             <a:r>
               <a:rPr lang="sv-SE" dirty="0" err="1"/>
-              <a:t>First</a:t>
+              <a:t>Size</a:t>
             </a:r>
             <a:endParaRPr lang="sv-SE" dirty="0"/>
           </a:p>
@@ -9049,7 +11162,7 @@
         </p:nvSpPr>
         <p:spPr>
           <a:xfrm>
-            <a:off x="1608064" y="3954389"/>
+            <a:off x="1585518" y="3954389"/>
             <a:ext cx="1719743" cy="1023457"/>
           </a:xfrm>
           <a:prstGeom prst="rect">
@@ -9083,13 +11196,13 @@
       </p:sp>
       <p:sp>
         <p:nvSpPr>
-          <p:cNvPr id="23" name="Rektangel 22"/>
-          <p:cNvSpPr/>
-          <p:nvPr/>
-        </p:nvSpPr>
-        <p:spPr>
-          <a:xfrm>
-            <a:off x="6719581" y="3954389"/>
+          <p:cNvPr id="22" name="Rektangel 21"/>
+          <p:cNvSpPr/>
+          <p:nvPr/>
+        </p:nvSpPr>
+        <p:spPr>
+          <a:xfrm>
+            <a:off x="6719581" y="2667695"/>
             <a:ext cx="1929468" cy="956345"/>
           </a:xfrm>
           <a:prstGeom prst="rect">
@@ -9119,43 +11232,21 @@
           <a:p>
             <a:pPr algn="ctr"/>
             <a:r>
-              <a:rPr lang="sv-SE" dirty="0" err="1"/>
-              <a:t>undefined</a:t>
-            </a:r>
-            <a:r>
               <a:rPr lang="sv-SE" dirty="0"/>
-              <a:t> (not </a:t>
-            </a:r>
-            <a:r>
-              <a:rPr lang="sv-SE" dirty="0" err="1"/>
-              <a:t>functional</a:t>
-            </a:r>
-            <a:r>
-              <a:rPr lang="sv-SE" dirty="0"/>
-              <a:t> </a:t>
-            </a:r>
-            <a:r>
-              <a:rPr lang="sv-SE" dirty="0">
-                <a:sym typeface="Wingdings" panose="05000000000000000000" pitchFamily="2" charset="2"/>
-              </a:rPr>
-              <a:t></a:t>
-            </a:r>
-            <a:r>
-              <a:rPr lang="sv-SE" dirty="0"/>
-              <a:t>)</a:t>
-            </a:r>
-          </a:p>
-        </p:txBody>
-      </p:sp>
-      <p:sp>
-        <p:nvSpPr>
-          <p:cNvPr id="24" name="Rektangel 23"/>
-          <p:cNvSpPr/>
-          <p:nvPr/>
-        </p:nvSpPr>
-        <p:spPr>
-          <a:xfrm>
-            <a:off x="4047687" y="2667694"/>
+              <a:t>4</a:t>
+            </a:r>
+          </a:p>
+        </p:txBody>
+      </p:sp>
+      <p:sp>
+        <p:nvSpPr>
+          <p:cNvPr id="23" name="Rektangel 22"/>
+          <p:cNvSpPr/>
+          <p:nvPr/>
+        </p:nvSpPr>
+        <p:spPr>
+          <a:xfrm>
+            <a:off x="6719581" y="3954389"/>
             <a:ext cx="1929468" cy="956345"/>
           </a:xfrm>
           <a:prstGeom prst="rect">
@@ -9184,60 +11275,58 @@
           <a:lstStyle/>
           <a:p>
             <a:pPr algn="ctr"/>
+            <a:r>
+              <a:rPr lang="sv-SE" dirty="0"/>
+              <a:t>0</a:t>
+            </a:r>
+          </a:p>
+        </p:txBody>
+      </p:sp>
+      <p:sp>
+        <p:nvSpPr>
+          <p:cNvPr id="24" name="Rektangel 23"/>
+          <p:cNvSpPr/>
+          <p:nvPr/>
+        </p:nvSpPr>
+        <p:spPr>
+          <a:xfrm>
+            <a:off x="4047687" y="2667694"/>
+            <a:ext cx="1929468" cy="956345"/>
+          </a:xfrm>
+          <a:prstGeom prst="rect">
+            <a:avLst/>
+          </a:prstGeom>
+          <a:ln>
+            <a:noFill/>
+          </a:ln>
+        </p:spPr>
+        <p:style>
+          <a:lnRef idx="2">
+            <a:schemeClr val="dk1"/>
+          </a:lnRef>
+          <a:fillRef idx="1">
+            <a:schemeClr val="lt1"/>
+          </a:fillRef>
+          <a:effectRef idx="0">
+            <a:schemeClr val="dk1"/>
+          </a:effectRef>
+          <a:fontRef idx="minor">
+            <a:schemeClr val="dk1"/>
+          </a:fontRef>
+        </p:style>
+        <p:txBody>
+          <a:bodyPr rtlCol="0" anchor="ctr"/>
+          <a:lstStyle/>
+          <a:p>
+            <a:pPr algn="ctr"/>
             <a:endParaRPr lang="sv-SE" dirty="0"/>
-          </a:p>
-        </p:txBody>
-      </p:sp>
-      <p:sp>
-        <p:nvSpPr>
-          <p:cNvPr id="13" name="Rektangel 12"/>
-          <p:cNvSpPr/>
-          <p:nvPr/>
-        </p:nvSpPr>
-        <p:spPr>
-          <a:xfrm>
-            <a:off x="7541702" y="3044180"/>
-            <a:ext cx="285226" cy="209725"/>
-          </a:xfrm>
-          <a:prstGeom prst="rect">
-            <a:avLst/>
-          </a:prstGeom>
-          <a:solidFill>
-            <a:schemeClr val="accent2"/>
-          </a:solidFill>
-        </p:spPr>
-        <p:style>
-          <a:lnRef idx="2">
-            <a:schemeClr val="accent1">
-              <a:shade val="50000"/>
-            </a:schemeClr>
-          </a:lnRef>
-          <a:fillRef idx="1">
-            <a:schemeClr val="accent1"/>
-          </a:fillRef>
-          <a:effectRef idx="0">
-            <a:schemeClr val="accent1"/>
-          </a:effectRef>
-          <a:fontRef idx="minor">
-            <a:schemeClr val="lt1"/>
-          </a:fontRef>
-        </p:style>
-        <p:txBody>
-          <a:bodyPr rtlCol="0" anchor="ctr"/>
-          <a:lstStyle/>
-          <a:p>
-            <a:pPr algn="ctr"/>
-            <a:r>
-              <a:rPr lang="sv-SE" dirty="0"/>
-              <a:t>1</a:t>
-            </a:r>
           </a:p>
         </p:txBody>
       </p:sp>
     </p:spTree>
     <p:extLst>
       <p:ext uri="{BB962C8B-B14F-4D97-AF65-F5344CB8AC3E}">
-        <p14:creationId xmlns:p14="http://schemas.microsoft.com/office/powerpoint/2010/main" val="1722622357"/>
+        <p14:creationId xmlns:p14="http://schemas.microsoft.com/office/powerpoint/2010/main" val="32774284"/>
       </p:ext>
     </p:extLst>
   </p:cSld>

--- a/lodash/List.pptx
+++ b/lodash/List.pptx
@@ -17,6 +17,7 @@
     <p:sldId id="264" r:id="rId11"/>
     <p:sldId id="266" r:id="rId12"/>
     <p:sldId id="267" r:id="rId13"/>
+    <p:sldId id="268" r:id="rId14"/>
   </p:sldIdLst>
   <p:sldSz cx="12192000" cy="6858000"/>
   <p:notesSz cx="6858000" cy="9144000"/>
@@ -252,7 +253,7 @@
           <a:p>
             <a:fld id="{85D66074-6C35-4A31-8A98-E455C872C71E}" type="datetimeFigureOut">
               <a:rPr lang="sv-SE" smtClean="0"/>
-              <a:t>2017-04-26</a:t>
+              <a:t>2017-04-27</a:t>
             </a:fld>
             <a:endParaRPr lang="sv-SE"/>
           </a:p>
@@ -420,7 +421,7 @@
           <a:p>
             <a:fld id="{85D66074-6C35-4A31-8A98-E455C872C71E}" type="datetimeFigureOut">
               <a:rPr lang="sv-SE" smtClean="0"/>
-              <a:t>2017-04-26</a:t>
+              <a:t>2017-04-27</a:t>
             </a:fld>
             <a:endParaRPr lang="sv-SE"/>
           </a:p>
@@ -598,7 +599,7 @@
           <a:p>
             <a:fld id="{85D66074-6C35-4A31-8A98-E455C872C71E}" type="datetimeFigureOut">
               <a:rPr lang="sv-SE" smtClean="0"/>
-              <a:t>2017-04-26</a:t>
+              <a:t>2017-04-27</a:t>
             </a:fld>
             <a:endParaRPr lang="sv-SE"/>
           </a:p>
@@ -766,7 +767,7 @@
           <a:p>
             <a:fld id="{85D66074-6C35-4A31-8A98-E455C872C71E}" type="datetimeFigureOut">
               <a:rPr lang="sv-SE" smtClean="0"/>
-              <a:t>2017-04-26</a:t>
+              <a:t>2017-04-27</a:t>
             </a:fld>
             <a:endParaRPr lang="sv-SE"/>
           </a:p>
@@ -1011,7 +1012,7 @@
           <a:p>
             <a:fld id="{85D66074-6C35-4A31-8A98-E455C872C71E}" type="datetimeFigureOut">
               <a:rPr lang="sv-SE" smtClean="0"/>
-              <a:t>2017-04-26</a:t>
+              <a:t>2017-04-27</a:t>
             </a:fld>
             <a:endParaRPr lang="sv-SE"/>
           </a:p>
@@ -1240,7 +1241,7 @@
           <a:p>
             <a:fld id="{85D66074-6C35-4A31-8A98-E455C872C71E}" type="datetimeFigureOut">
               <a:rPr lang="sv-SE" smtClean="0"/>
-              <a:t>2017-04-26</a:t>
+              <a:t>2017-04-27</a:t>
             </a:fld>
             <a:endParaRPr lang="sv-SE"/>
           </a:p>
@@ -1604,7 +1605,7 @@
           <a:p>
             <a:fld id="{85D66074-6C35-4A31-8A98-E455C872C71E}" type="datetimeFigureOut">
               <a:rPr lang="sv-SE" smtClean="0"/>
-              <a:t>2017-04-26</a:t>
+              <a:t>2017-04-27</a:t>
             </a:fld>
             <a:endParaRPr lang="sv-SE"/>
           </a:p>
@@ -1721,7 +1722,7 @@
           <a:p>
             <a:fld id="{85D66074-6C35-4A31-8A98-E455C872C71E}" type="datetimeFigureOut">
               <a:rPr lang="sv-SE" smtClean="0"/>
-              <a:t>2017-04-26</a:t>
+              <a:t>2017-04-27</a:t>
             </a:fld>
             <a:endParaRPr lang="sv-SE"/>
           </a:p>
@@ -1816,7 +1817,7 @@
           <a:p>
             <a:fld id="{85D66074-6C35-4A31-8A98-E455C872C71E}" type="datetimeFigureOut">
               <a:rPr lang="sv-SE" smtClean="0"/>
-              <a:t>2017-04-26</a:t>
+              <a:t>2017-04-27</a:t>
             </a:fld>
             <a:endParaRPr lang="sv-SE"/>
           </a:p>
@@ -2091,7 +2092,7 @@
           <a:p>
             <a:fld id="{85D66074-6C35-4A31-8A98-E455C872C71E}" type="datetimeFigureOut">
               <a:rPr lang="sv-SE" smtClean="0"/>
-              <a:t>2017-04-26</a:t>
+              <a:t>2017-04-27</a:t>
             </a:fld>
             <a:endParaRPr lang="sv-SE"/>
           </a:p>
@@ -2343,7 +2344,7 @@
           <a:p>
             <a:fld id="{85D66074-6C35-4A31-8A98-E455C872C71E}" type="datetimeFigureOut">
               <a:rPr lang="sv-SE" smtClean="0"/>
-              <a:t>2017-04-26</a:t>
+              <a:t>2017-04-27</a:t>
             </a:fld>
             <a:endParaRPr lang="sv-SE"/>
           </a:p>
@@ -2554,7 +2555,7 @@
           <a:p>
             <a:fld id="{85D66074-6C35-4A31-8A98-E455C872C71E}" type="datetimeFigureOut">
               <a:rPr lang="sv-SE" smtClean="0"/>
-              <a:t>2017-04-26</a:t>
+              <a:t>2017-04-27</a:t>
             </a:fld>
             <a:endParaRPr lang="sv-SE"/>
           </a:p>
@@ -5174,6 +5175,193 @@
 </p:sld>
 </file>
 
+<file path=ppt/slides/slide13.xml><?xml version="1.0" encoding="utf-8"?>
+<p:sld xmlns:a="http://schemas.openxmlformats.org/drawingml/2006/main" xmlns:r="http://schemas.openxmlformats.org/officeDocument/2006/relationships" xmlns:p="http://schemas.openxmlformats.org/presentationml/2006/main">
+  <p:cSld>
+    <p:spTree>
+      <p:nvGrpSpPr>
+        <p:cNvPr id="1" name=""/>
+        <p:cNvGrpSpPr/>
+        <p:nvPr/>
+      </p:nvGrpSpPr>
+      <p:grpSpPr>
+        <a:xfrm>
+          <a:off x="0" y="0"/>
+          <a:ext cx="0" cy="0"/>
+          <a:chOff x="0" y="0"/>
+          <a:chExt cx="0" cy="0"/>
+        </a:xfrm>
+      </p:grpSpPr>
+      <p:sp>
+        <p:nvSpPr>
+          <p:cNvPr id="2" name="Rubrik 1"/>
+          <p:cNvSpPr>
+            <a:spLocks noGrp="1"/>
+          </p:cNvSpPr>
+          <p:nvPr>
+            <p:ph type="title"/>
+          </p:nvPr>
+        </p:nvSpPr>
+        <p:spPr/>
+        <p:txBody>
+          <a:bodyPr/>
+          <a:lstStyle/>
+          <a:p>
+            <a:r>
+              <a:rPr lang="sv-SE" dirty="0"/>
+              <a:t>Callback </a:t>
+            </a:r>
+            <a:r>
+              <a:rPr lang="sv-SE" dirty="0" err="1"/>
+              <a:t>functions</a:t>
+            </a:r>
+            <a:endParaRPr lang="sv-SE" dirty="0"/>
+          </a:p>
+        </p:txBody>
+      </p:sp>
+      <p:sp>
+        <p:nvSpPr>
+          <p:cNvPr id="3" name="Platshållare för innehåll 2"/>
+          <p:cNvSpPr>
+            <a:spLocks noGrp="1"/>
+          </p:cNvSpPr>
+          <p:nvPr>
+            <p:ph idx="1"/>
+          </p:nvPr>
+        </p:nvSpPr>
+        <p:spPr/>
+        <p:txBody>
+          <a:bodyPr>
+            <a:normAutofit/>
+          </a:bodyPr>
+          <a:lstStyle/>
+          <a:p>
+            <a:r>
+              <a:rPr lang="en-US" dirty="0"/>
+              <a:t>Syntax: </a:t>
+            </a:r>
+            <a:r>
+              <a:rPr lang="en-US" dirty="0" err="1"/>
+              <a:t>array.filter</a:t>
+            </a:r>
+            <a:r>
+              <a:rPr lang="en-US" dirty="0"/>
+              <a:t>(</a:t>
+            </a:r>
+            <a:r>
+              <a:rPr lang="en-US" dirty="0" err="1"/>
+              <a:t>callbackFunction</a:t>
+            </a:r>
+            <a:r>
+              <a:rPr lang="en-US" dirty="0"/>
+              <a:t>)</a:t>
+            </a:r>
+          </a:p>
+          <a:p>
+            <a:r>
+              <a:rPr lang="en-US" dirty="0" err="1"/>
+              <a:t>const</a:t>
+            </a:r>
+            <a:r>
+              <a:rPr lang="en-US" dirty="0"/>
+              <a:t> </a:t>
+            </a:r>
+            <a:r>
+              <a:rPr lang="en-US" dirty="0" err="1"/>
+              <a:t>isTriangle</a:t>
+            </a:r>
+            <a:r>
+              <a:rPr lang="en-US" dirty="0"/>
+              <a:t> = shape =&gt; shape === "triangle";</a:t>
+            </a:r>
+          </a:p>
+          <a:p>
+            <a:pPr marL="0" indent="0">
+              <a:buNone/>
+            </a:pPr>
+            <a:endParaRPr lang="en-US" dirty="0"/>
+          </a:p>
+          <a:p>
+            <a:r>
+              <a:rPr lang="en-US" dirty="0" err="1"/>
+              <a:t>shapes.filter</a:t>
+            </a:r>
+            <a:r>
+              <a:rPr lang="en-US" dirty="0"/>
+              <a:t>(shape =&gt; shape === "triangle")</a:t>
+            </a:r>
+          </a:p>
+          <a:p>
+            <a:r>
+              <a:rPr lang="en-US" dirty="0"/>
+              <a:t>Is the same as:</a:t>
+            </a:r>
+          </a:p>
+          <a:p>
+            <a:r>
+              <a:rPr lang="en-US" dirty="0" err="1"/>
+              <a:t>shapes.filter</a:t>
+            </a:r>
+            <a:r>
+              <a:rPr lang="en-US" dirty="0"/>
+              <a:t>(shape =&gt; </a:t>
+            </a:r>
+            <a:r>
+              <a:rPr lang="en-US" dirty="0" err="1"/>
+              <a:t>isTriangle</a:t>
+            </a:r>
+            <a:r>
+              <a:rPr lang="en-US" dirty="0"/>
+              <a:t>(shape))</a:t>
+            </a:r>
+          </a:p>
+          <a:p>
+            <a:r>
+              <a:rPr lang="en-US" dirty="0"/>
+              <a:t>Is </a:t>
+            </a:r>
+            <a:r>
+              <a:rPr lang="en-US"/>
+              <a:t>the same as:</a:t>
+            </a:r>
+            <a:endParaRPr lang="en-US" dirty="0"/>
+          </a:p>
+          <a:p>
+            <a:r>
+              <a:rPr lang="en-US" dirty="0" err="1"/>
+              <a:t>shapes.filter</a:t>
+            </a:r>
+            <a:r>
+              <a:rPr lang="en-US" dirty="0"/>
+              <a:t>(</a:t>
+            </a:r>
+            <a:r>
+              <a:rPr lang="en-US" dirty="0" err="1"/>
+              <a:t>isTriangle</a:t>
+            </a:r>
+            <a:r>
+              <a:rPr lang="en-US" dirty="0"/>
+              <a:t>)</a:t>
+            </a:r>
+          </a:p>
+          <a:p>
+            <a:endParaRPr lang="sv-SE" dirty="0"/>
+          </a:p>
+        </p:txBody>
+      </p:sp>
+    </p:spTree>
+    <p:extLst>
+      <p:ext uri="{BB962C8B-B14F-4D97-AF65-F5344CB8AC3E}">
+        <p14:creationId xmlns:p14="http://schemas.microsoft.com/office/powerpoint/2010/main" val="2092477217"/>
+      </p:ext>
+    </p:extLst>
+  </p:cSld>
+  <p:clrMapOvr>
+    <a:masterClrMapping/>
+  </p:clrMapOvr>
+</p:sld>
+</file>
+
 <file path=ppt/slides/slide2.xml><?xml version="1.0" encoding="utf-8"?>
 <p:sld xmlns:a="http://schemas.openxmlformats.org/drawingml/2006/main" xmlns:r="http://schemas.openxmlformats.org/officeDocument/2006/relationships" xmlns:p="http://schemas.openxmlformats.org/presentationml/2006/main">
   <p:cSld>
